--- a/presentation.pptx
+++ b/presentation.pptx
@@ -5,7 +5,7 @@
     <p:sldMasterId id="2147483684" r:id="rId1"/>
   </p:sldMasterIdLst>
   <p:notesMasterIdLst>
-    <p:notesMasterId r:id="rId19"/>
+    <p:notesMasterId r:id="rId22"/>
   </p:notesMasterIdLst>
   <p:sldIdLst>
     <p:sldId id="278" r:id="rId2"/>
@@ -16,15 +16,18 @@
     <p:sldId id="417" r:id="rId7"/>
     <p:sldId id="413" r:id="rId8"/>
     <p:sldId id="421" r:id="rId9"/>
-    <p:sldId id="418" r:id="rId10"/>
-    <p:sldId id="420" r:id="rId11"/>
-    <p:sldId id="419" r:id="rId12"/>
-    <p:sldId id="422" r:id="rId13"/>
-    <p:sldId id="273" r:id="rId14"/>
-    <p:sldId id="267" r:id="rId15"/>
-    <p:sldId id="275" r:id="rId16"/>
-    <p:sldId id="268" r:id="rId17"/>
-    <p:sldId id="279" r:id="rId18"/>
+    <p:sldId id="420" r:id="rId10"/>
+    <p:sldId id="418" r:id="rId11"/>
+    <p:sldId id="423" r:id="rId12"/>
+    <p:sldId id="419" r:id="rId13"/>
+    <p:sldId id="422" r:id="rId14"/>
+    <p:sldId id="426" r:id="rId15"/>
+    <p:sldId id="425" r:id="rId16"/>
+    <p:sldId id="273" r:id="rId17"/>
+    <p:sldId id="267" r:id="rId18"/>
+    <p:sldId id="275" r:id="rId19"/>
+    <p:sldId id="268" r:id="rId20"/>
+    <p:sldId id="279" r:id="rId21"/>
   </p:sldIdLst>
   <p:sldSz cx="12192000" cy="6858000"/>
   <p:notesSz cx="6858000" cy="9144000"/>
@@ -140,10 +143,13 @@
             <p14:sldId id="417"/>
             <p14:sldId id="413"/>
             <p14:sldId id="421"/>
+            <p14:sldId id="420"/>
             <p14:sldId id="418"/>
-            <p14:sldId id="420"/>
+            <p14:sldId id="423"/>
             <p14:sldId id="419"/>
             <p14:sldId id="422"/>
+            <p14:sldId id="426"/>
+            <p14:sldId id="425"/>
           </p14:sldIdLst>
         </p14:section>
         <p14:section name="Q &amp; A" id="{EC3F6F94-2D82-4EB0-B8B3-D1EDFDD37945}">
@@ -665,6 +671,19 @@
           <a:bodyPr/>
           <a:lstStyle/>
           <a:p>
+            <a:r>
+              <a:rPr lang="en-US" dirty="0"/>
+              <a:t>That’s what they initially came up with</a:t>
+            </a:r>
+          </a:p>
+          <a:p>
+            <a:endParaRPr lang="en-US" dirty="0"/>
+          </a:p>
+          <a:p>
+            <a:r>
+              <a:rPr lang="en-US" dirty="0"/>
+              <a:t>Explain, talk about data shipping paradigm</a:t>
+            </a:r>
             <a:endParaRPr lang="de-CH" dirty="0"/>
           </a:p>
         </p:txBody>
@@ -686,7 +705,7 @@
           <a:p>
             <a:fld id="{9BCA07FD-5BD5-4529-84B0-48DD2C561176}" type="slidenum">
               <a:rPr lang="de-CH" smtClean="0"/>
-              <a:t>13</a:t>
+              <a:t>10</a:t>
             </a:fld>
             <a:endParaRPr lang="de-CH"/>
           </a:p>
@@ -695,7 +714,7 @@
     </p:spTree>
     <p:extLst>
       <p:ext uri="{BB962C8B-B14F-4D97-AF65-F5344CB8AC3E}">
-        <p14:creationId xmlns:p14="http://schemas.microsoft.com/office/powerpoint/2010/main" val="3503916100"/>
+        <p14:creationId xmlns:p14="http://schemas.microsoft.com/office/powerpoint/2010/main" val="1819114895"/>
       </p:ext>
     </p:extLst>
   </p:cSld>
@@ -749,11 +768,78 @@
           <a:bodyPr/>
           <a:lstStyle/>
           <a:p>
-            <a:r>
-              <a:rPr lang="en-US" dirty="0"/>
-              <a:t>Questions that can be answered in blog posts</a:t>
-            </a:r>
-            <a:endParaRPr lang="de-CH" dirty="0"/>
+            <a:pPr marL="0" marR="0" lvl="0" indent="0" algn="l" defTabSz="914400" rtl="0" eaLnBrk="1" fontAlgn="auto" latinLnBrk="0" hangingPunct="1">
+              <a:lnSpc>
+                <a:spcPct val="100000"/>
+              </a:lnSpc>
+              <a:spcBef>
+                <a:spcPts val="0"/>
+              </a:spcBef>
+              <a:spcAft>
+                <a:spcPts val="0"/>
+              </a:spcAft>
+              <a:buClrTx/>
+              <a:buSzTx/>
+              <a:buFontTx/>
+              <a:buNone/>
+              <a:tabLst/>
+              <a:defRPr/>
+            </a:pPr>
+            <a:r>
+              <a:rPr lang="en-US" baseline="0" dirty="0"/>
+              <a:t>Nobody builds that type of architecture anymore, LIST OF Drawback. In the world of </a:t>
+            </a:r>
+            <a:r>
+              <a:rPr lang="en-US" baseline="0" dirty="0" err="1"/>
+              <a:t>IoT</a:t>
+            </a:r>
+            <a:r>
+              <a:rPr lang="en-US" baseline="0" dirty="0"/>
+              <a:t>, cloud services and mainly actor models to approach distributed computing we want to reduce latency and therefore move data as close to compute as possible. </a:t>
+            </a:r>
+          </a:p>
+          <a:p>
+            <a:pPr marL="0" marR="0" lvl="0" indent="0" algn="l" defTabSz="914400" rtl="0" eaLnBrk="1" fontAlgn="auto" latinLnBrk="0" hangingPunct="1">
+              <a:lnSpc>
+                <a:spcPct val="100000"/>
+              </a:lnSpc>
+              <a:spcBef>
+                <a:spcPts val="0"/>
+              </a:spcBef>
+              <a:spcAft>
+                <a:spcPts val="0"/>
+              </a:spcAft>
+              <a:buClrTx/>
+              <a:buSzTx/>
+              <a:buFontTx/>
+              <a:buNone/>
+              <a:tabLst/>
+              <a:defRPr/>
+            </a:pPr>
+            <a:endParaRPr lang="en-US" baseline="0" dirty="0"/>
+          </a:p>
+          <a:p>
+            <a:pPr marL="0" marR="0" lvl="0" indent="0" algn="l" defTabSz="914400" rtl="0" eaLnBrk="1" fontAlgn="auto" latinLnBrk="0" hangingPunct="1">
+              <a:lnSpc>
+                <a:spcPct val="100000"/>
+              </a:lnSpc>
+              <a:spcBef>
+                <a:spcPts val="0"/>
+              </a:spcBef>
+              <a:spcAft>
+                <a:spcPts val="0"/>
+              </a:spcAft>
+              <a:buClrTx/>
+              <a:buSzTx/>
+              <a:buFontTx/>
+              <a:buNone/>
+              <a:tabLst/>
+              <a:defRPr/>
+            </a:pPr>
+            <a:r>
+              <a:rPr lang="en-US" baseline="0" dirty="0"/>
+              <a:t>She drew the following architecture diagram</a:t>
+            </a:r>
           </a:p>
         </p:txBody>
       </p:sp>
@@ -774,7 +860,7 @@
           <a:p>
             <a:fld id="{9BCA07FD-5BD5-4529-84B0-48DD2C561176}" type="slidenum">
               <a:rPr lang="de-CH" smtClean="0"/>
-              <a:t>14</a:t>
+              <a:t>11</a:t>
             </a:fld>
             <a:endParaRPr lang="de-CH"/>
           </a:p>
@@ -783,7 +869,7 @@
     </p:spTree>
     <p:extLst>
       <p:ext uri="{BB962C8B-B14F-4D97-AF65-F5344CB8AC3E}">
-        <p14:creationId xmlns:p14="http://schemas.microsoft.com/office/powerpoint/2010/main" val="3670487613"/>
+        <p14:creationId xmlns:p14="http://schemas.microsoft.com/office/powerpoint/2010/main" val="3046800511"/>
       </p:ext>
     </p:extLst>
   </p:cSld>
@@ -837,6 +923,45 @@
           <a:bodyPr/>
           <a:lstStyle/>
           <a:p>
+            <a:r>
+              <a:rPr lang="en-US" dirty="0"/>
+              <a:t>Concept of </a:t>
+            </a:r>
+            <a:r>
+              <a:rPr lang="en-US" dirty="0" err="1"/>
+              <a:t>stateful</a:t>
+            </a:r>
+            <a:r>
+              <a:rPr lang="en-US" dirty="0"/>
+              <a:t> services</a:t>
+            </a:r>
+          </a:p>
+          <a:p>
+            <a:endParaRPr lang="en-US" dirty="0"/>
+          </a:p>
+          <a:p>
+            <a:r>
+              <a:rPr lang="en-US" dirty="0"/>
+              <a:t>Application hot state lives in the compute tier</a:t>
+            </a:r>
+          </a:p>
+          <a:p>
+            <a:r>
+              <a:rPr lang="en-US" dirty="0"/>
+              <a:t>Low latency reads and writes</a:t>
+            </a:r>
+          </a:p>
+          <a:p>
+            <a:r>
+              <a:rPr lang="en-US" dirty="0"/>
+              <a:t>Fewer moving parts</a:t>
+            </a:r>
+          </a:p>
+          <a:p>
+            <a:r>
+              <a:rPr lang="en-US" dirty="0"/>
+              <a:t>External stores are only used for exhaust and offline analytics</a:t>
+            </a:r>
             <a:endParaRPr lang="de-CH" dirty="0"/>
           </a:p>
         </p:txBody>
@@ -858,7 +983,7 @@
           <a:p>
             <a:fld id="{9BCA07FD-5BD5-4529-84B0-48DD2C561176}" type="slidenum">
               <a:rPr lang="de-CH" smtClean="0"/>
-              <a:t>15</a:t>
+              <a:t>12</a:t>
             </a:fld>
             <a:endParaRPr lang="de-CH"/>
           </a:p>
@@ -867,7 +992,7 @@
     </p:spTree>
     <p:extLst>
       <p:ext uri="{BB962C8B-B14F-4D97-AF65-F5344CB8AC3E}">
-        <p14:creationId xmlns:p14="http://schemas.microsoft.com/office/powerpoint/2010/main" val="978782014"/>
+        <p14:creationId xmlns:p14="http://schemas.microsoft.com/office/powerpoint/2010/main" val="2983171104"/>
       </p:ext>
     </p:extLst>
   </p:cSld>
@@ -923,92 +1048,16 @@
           <a:p>
             <a:r>
               <a:rPr lang="en-US" dirty="0"/>
-              <a:t>I’m Daniel, </a:t>
-            </a:r>
-            <a:r>
-              <a:rPr lang="en-US"/>
-              <a:t>Solution Engineer…</a:t>
-            </a:r>
+              <a:t>And furthermore, she continued Karl has completely forgotten to mention, probably has been watching too many Channel 9 videos until late night, that the scale cube as a third axis called Z-axis, and the diagram should actually look like this</a:t>
+            </a:r>
+          </a:p>
+          <a:p>
             <a:endParaRPr lang="en-US" dirty="0"/>
           </a:p>
           <a:p>
             <a:r>
               <a:rPr lang="en-US" dirty="0"/>
-              <a:t>I live in central</a:t>
-            </a:r>
-            <a:r>
-              <a:rPr lang="en-US" baseline="0" dirty="0"/>
-              <a:t> Switzerland. If you want to know more about me listen to episode 77 of developer on fire</a:t>
-            </a:r>
-            <a:endParaRPr lang="en-US" dirty="0"/>
-          </a:p>
-          <a:p>
-            <a:r>
-              <a:rPr lang="en-US" dirty="0"/>
-              <a:t>You can reach me on twitter under @</a:t>
-            </a:r>
-            <a:r>
-              <a:rPr lang="en-US" dirty="0" err="1"/>
-              <a:t>danielmarbach</a:t>
-            </a:r>
-            <a:endParaRPr lang="en-US" dirty="0"/>
-          </a:p>
-          <a:p>
-            <a:r>
-              <a:rPr lang="en-US" dirty="0"/>
-              <a:t>I blog on the particular blog and on my personal blog</a:t>
-            </a:r>
-          </a:p>
-          <a:p>
-            <a:r>
-              <a:rPr lang="en-US" dirty="0"/>
-              <a:t>I’m the lead behind the </a:t>
-            </a:r>
-            <a:r>
-              <a:rPr lang="en-US" dirty="0" err="1"/>
-              <a:t>asyncification</a:t>
-            </a:r>
-            <a:r>
-              <a:rPr lang="en-US" baseline="0" dirty="0"/>
-              <a:t> of </a:t>
-            </a:r>
-            <a:r>
-              <a:rPr lang="en-US" baseline="0" dirty="0" err="1"/>
-              <a:t>NServiceBus</a:t>
-            </a:r>
-            <a:r>
-              <a:rPr lang="en-US" baseline="0" dirty="0"/>
-              <a:t> and the ecosystem around it</a:t>
-            </a:r>
-          </a:p>
-          <a:p>
-            <a:r>
-              <a:rPr lang="en-US" baseline="0" dirty="0"/>
-              <a:t>I regularly contribute back ideas and code changes to </a:t>
-            </a:r>
-            <a:r>
-              <a:rPr lang="en-US" baseline="0" dirty="0" err="1"/>
-              <a:t>asyncify</a:t>
-            </a:r>
-            <a:r>
-              <a:rPr lang="en-US" baseline="0" dirty="0"/>
-              <a:t> the .NET OSS libraries and frameworks out there. So far I contributed to Entity Framework, </a:t>
-            </a:r>
-            <a:r>
-              <a:rPr lang="en-US" baseline="0" dirty="0" err="1"/>
-              <a:t>RabbitMQ</a:t>
-            </a:r>
-            <a:r>
-              <a:rPr lang="en-US" baseline="0" dirty="0"/>
-              <a:t>, Marten, </a:t>
-            </a:r>
-            <a:r>
-              <a:rPr lang="en-US" baseline="0" dirty="0" err="1"/>
-              <a:t>MassTransit</a:t>
-            </a:r>
-            <a:r>
-              <a:rPr lang="en-US" baseline="0" dirty="0"/>
-              <a:t>, Quartz.NET and many more</a:t>
+              <a:t>(Amazing how she is she scribbles a new diagram)</a:t>
             </a:r>
             <a:endParaRPr lang="de-CH" dirty="0"/>
           </a:p>
@@ -1031,7 +1080,7 @@
           <a:p>
             <a:fld id="{9BCA07FD-5BD5-4529-84B0-48DD2C561176}" type="slidenum">
               <a:rPr lang="de-CH" smtClean="0"/>
-              <a:t>16</a:t>
+              <a:t>13</a:t>
             </a:fld>
             <a:endParaRPr lang="de-CH"/>
           </a:p>
@@ -1040,7 +1089,7 @@
     </p:spTree>
     <p:extLst>
       <p:ext uri="{BB962C8B-B14F-4D97-AF65-F5344CB8AC3E}">
-        <p14:creationId xmlns:p14="http://schemas.microsoft.com/office/powerpoint/2010/main" val="88145516"/>
+        <p14:creationId xmlns:p14="http://schemas.microsoft.com/office/powerpoint/2010/main" val="1443886585"/>
       </p:ext>
     </p:extLst>
   </p:cSld>
@@ -1095,12 +1144,264 @@
           <a:lstStyle/>
           <a:p>
             <a:r>
-              <a:rPr lang="de-CH" dirty="0"/>
-              <a:t>Thank you very much</a:t>
-            </a:r>
-            <a:r>
-              <a:rPr lang="de-CH" baseline="0" dirty="0"/>
-              <a:t> for listening and see you next time</a:t>
+              <a:rPr lang="en-US" dirty="0"/>
+              <a:t>Explain why you want to partition and how it works</a:t>
+            </a:r>
+            <a:endParaRPr lang="de-CH" dirty="0"/>
+          </a:p>
+        </p:txBody>
+      </p:sp>
+      <p:sp>
+        <p:nvSpPr>
+          <p:cNvPr id="4" name="Slide Number Placeholder 3"/>
+          <p:cNvSpPr>
+            <a:spLocks noGrp="1"/>
+          </p:cNvSpPr>
+          <p:nvPr>
+            <p:ph type="sldNum" sz="quarter" idx="10"/>
+          </p:nvPr>
+        </p:nvSpPr>
+        <p:spPr/>
+        <p:txBody>
+          <a:bodyPr/>
+          <a:lstStyle/>
+          <a:p>
+            <a:fld id="{9BCA07FD-5BD5-4529-84B0-48DD2C561176}" type="slidenum">
+              <a:rPr lang="de-CH" smtClean="0"/>
+              <a:t>14</a:t>
+            </a:fld>
+            <a:endParaRPr lang="de-CH"/>
+          </a:p>
+        </p:txBody>
+      </p:sp>
+    </p:spTree>
+    <p:extLst>
+      <p:ext uri="{BB962C8B-B14F-4D97-AF65-F5344CB8AC3E}">
+        <p14:creationId xmlns:p14="http://schemas.microsoft.com/office/powerpoint/2010/main" val="17087353"/>
+      </p:ext>
+    </p:extLst>
+  </p:cSld>
+  <p:clrMapOvr>
+    <a:masterClrMapping/>
+  </p:clrMapOvr>
+</p:notes>
+</file>
+
+<file path=ppt/notesSlides/notesSlide15.xml><?xml version="1.0" encoding="utf-8"?>
+<p:notes xmlns:a="http://schemas.openxmlformats.org/drawingml/2006/main" xmlns:r="http://schemas.openxmlformats.org/officeDocument/2006/relationships" xmlns:p="http://schemas.openxmlformats.org/presentationml/2006/main">
+  <p:cSld>
+    <p:spTree>
+      <p:nvGrpSpPr>
+        <p:cNvPr id="1" name=""/>
+        <p:cNvGrpSpPr/>
+        <p:nvPr/>
+      </p:nvGrpSpPr>
+      <p:grpSpPr>
+        <a:xfrm>
+          <a:off x="0" y="0"/>
+          <a:ext cx="0" cy="0"/>
+          <a:chOff x="0" y="0"/>
+          <a:chExt cx="0" cy="0"/>
+        </a:xfrm>
+      </p:grpSpPr>
+      <p:sp>
+        <p:nvSpPr>
+          <p:cNvPr id="2" name="Slide Image Placeholder 1"/>
+          <p:cNvSpPr>
+            <a:spLocks noGrp="1" noRot="1" noChangeAspect="1"/>
+          </p:cNvSpPr>
+          <p:nvPr>
+            <p:ph type="sldImg"/>
+          </p:nvPr>
+        </p:nvSpPr>
+        <p:spPr/>
+      </p:sp>
+      <p:sp>
+        <p:nvSpPr>
+          <p:cNvPr id="3" name="Notes Placeholder 2"/>
+          <p:cNvSpPr>
+            <a:spLocks noGrp="1"/>
+          </p:cNvSpPr>
+          <p:nvPr>
+            <p:ph type="body" idx="1"/>
+          </p:nvPr>
+        </p:nvSpPr>
+        <p:spPr/>
+        <p:txBody>
+          <a:bodyPr/>
+          <a:lstStyle/>
+          <a:p>
+            <a:endParaRPr lang="de-CH" dirty="0"/>
+          </a:p>
+        </p:txBody>
+      </p:sp>
+      <p:sp>
+        <p:nvSpPr>
+          <p:cNvPr id="4" name="Slide Number Placeholder 3"/>
+          <p:cNvSpPr>
+            <a:spLocks noGrp="1"/>
+          </p:cNvSpPr>
+          <p:nvPr>
+            <p:ph type="sldNum" sz="quarter" idx="10"/>
+          </p:nvPr>
+        </p:nvSpPr>
+        <p:spPr/>
+        <p:txBody>
+          <a:bodyPr/>
+          <a:lstStyle/>
+          <a:p>
+            <a:fld id="{9BCA07FD-5BD5-4529-84B0-48DD2C561176}" type="slidenum">
+              <a:rPr lang="de-CH" smtClean="0"/>
+              <a:t>15</a:t>
+            </a:fld>
+            <a:endParaRPr lang="de-CH"/>
+          </a:p>
+        </p:txBody>
+      </p:sp>
+    </p:spTree>
+    <p:extLst>
+      <p:ext uri="{BB962C8B-B14F-4D97-AF65-F5344CB8AC3E}">
+        <p14:creationId xmlns:p14="http://schemas.microsoft.com/office/powerpoint/2010/main" val="3477486737"/>
+      </p:ext>
+    </p:extLst>
+  </p:cSld>
+  <p:clrMapOvr>
+    <a:masterClrMapping/>
+  </p:clrMapOvr>
+</p:notes>
+</file>
+
+<file path=ppt/notesSlides/notesSlide16.xml><?xml version="1.0" encoding="utf-8"?>
+<p:notes xmlns:a="http://schemas.openxmlformats.org/drawingml/2006/main" xmlns:r="http://schemas.openxmlformats.org/officeDocument/2006/relationships" xmlns:p="http://schemas.openxmlformats.org/presentationml/2006/main">
+  <p:cSld>
+    <p:spTree>
+      <p:nvGrpSpPr>
+        <p:cNvPr id="1" name=""/>
+        <p:cNvGrpSpPr/>
+        <p:nvPr/>
+      </p:nvGrpSpPr>
+      <p:grpSpPr>
+        <a:xfrm>
+          <a:off x="0" y="0"/>
+          <a:ext cx="0" cy="0"/>
+          <a:chOff x="0" y="0"/>
+          <a:chExt cx="0" cy="0"/>
+        </a:xfrm>
+      </p:grpSpPr>
+      <p:sp>
+        <p:nvSpPr>
+          <p:cNvPr id="2" name="Slide Image Placeholder 1"/>
+          <p:cNvSpPr>
+            <a:spLocks noGrp="1" noRot="1" noChangeAspect="1"/>
+          </p:cNvSpPr>
+          <p:nvPr>
+            <p:ph type="sldImg"/>
+          </p:nvPr>
+        </p:nvSpPr>
+        <p:spPr/>
+      </p:sp>
+      <p:sp>
+        <p:nvSpPr>
+          <p:cNvPr id="3" name="Notes Placeholder 2"/>
+          <p:cNvSpPr>
+            <a:spLocks noGrp="1"/>
+          </p:cNvSpPr>
+          <p:nvPr>
+            <p:ph type="body" idx="1"/>
+          </p:nvPr>
+        </p:nvSpPr>
+        <p:spPr/>
+        <p:txBody>
+          <a:bodyPr/>
+          <a:lstStyle/>
+          <a:p>
+            <a:endParaRPr lang="de-CH" dirty="0"/>
+          </a:p>
+        </p:txBody>
+      </p:sp>
+      <p:sp>
+        <p:nvSpPr>
+          <p:cNvPr id="4" name="Slide Number Placeholder 3"/>
+          <p:cNvSpPr>
+            <a:spLocks noGrp="1"/>
+          </p:cNvSpPr>
+          <p:nvPr>
+            <p:ph type="sldNum" sz="quarter" idx="10"/>
+          </p:nvPr>
+        </p:nvSpPr>
+        <p:spPr/>
+        <p:txBody>
+          <a:bodyPr/>
+          <a:lstStyle/>
+          <a:p>
+            <a:fld id="{9BCA07FD-5BD5-4529-84B0-48DD2C561176}" type="slidenum">
+              <a:rPr lang="de-CH" smtClean="0"/>
+              <a:t>16</a:t>
+            </a:fld>
+            <a:endParaRPr lang="de-CH"/>
+          </a:p>
+        </p:txBody>
+      </p:sp>
+    </p:spTree>
+    <p:extLst>
+      <p:ext uri="{BB962C8B-B14F-4D97-AF65-F5344CB8AC3E}">
+        <p14:creationId xmlns:p14="http://schemas.microsoft.com/office/powerpoint/2010/main" val="3503916100"/>
+      </p:ext>
+    </p:extLst>
+  </p:cSld>
+  <p:clrMapOvr>
+    <a:masterClrMapping/>
+  </p:clrMapOvr>
+</p:notes>
+</file>
+
+<file path=ppt/notesSlides/notesSlide17.xml><?xml version="1.0" encoding="utf-8"?>
+<p:notes xmlns:a="http://schemas.openxmlformats.org/drawingml/2006/main" xmlns:r="http://schemas.openxmlformats.org/officeDocument/2006/relationships" xmlns:p="http://schemas.openxmlformats.org/presentationml/2006/main">
+  <p:cSld>
+    <p:spTree>
+      <p:nvGrpSpPr>
+        <p:cNvPr id="1" name=""/>
+        <p:cNvGrpSpPr/>
+        <p:nvPr/>
+      </p:nvGrpSpPr>
+      <p:grpSpPr>
+        <a:xfrm>
+          <a:off x="0" y="0"/>
+          <a:ext cx="0" cy="0"/>
+          <a:chOff x="0" y="0"/>
+          <a:chExt cx="0" cy="0"/>
+        </a:xfrm>
+      </p:grpSpPr>
+      <p:sp>
+        <p:nvSpPr>
+          <p:cNvPr id="2" name="Slide Image Placeholder 1"/>
+          <p:cNvSpPr>
+            <a:spLocks noGrp="1" noRot="1" noChangeAspect="1"/>
+          </p:cNvSpPr>
+          <p:nvPr>
+            <p:ph type="sldImg"/>
+          </p:nvPr>
+        </p:nvSpPr>
+        <p:spPr/>
+      </p:sp>
+      <p:sp>
+        <p:nvSpPr>
+          <p:cNvPr id="3" name="Notes Placeholder 2"/>
+          <p:cNvSpPr>
+            <a:spLocks noGrp="1"/>
+          </p:cNvSpPr>
+          <p:nvPr>
+            <p:ph type="body" idx="1"/>
+          </p:nvPr>
+        </p:nvSpPr>
+        <p:spPr/>
+        <p:txBody>
+          <a:bodyPr/>
+          <a:lstStyle/>
+          <a:p>
+            <a:r>
+              <a:rPr lang="en-US" dirty="0"/>
+              <a:t>Questions that can be answered in blog posts</a:t>
             </a:r>
             <a:endParaRPr lang="de-CH" dirty="0"/>
           </a:p>
@@ -1132,7 +1433,264 @@
     </p:spTree>
     <p:extLst>
       <p:ext uri="{BB962C8B-B14F-4D97-AF65-F5344CB8AC3E}">
-        <p14:creationId xmlns:p14="http://schemas.microsoft.com/office/powerpoint/2010/main" val="3949593976"/>
+        <p14:creationId xmlns:p14="http://schemas.microsoft.com/office/powerpoint/2010/main" val="3670487613"/>
+      </p:ext>
+    </p:extLst>
+  </p:cSld>
+  <p:clrMapOvr>
+    <a:masterClrMapping/>
+  </p:clrMapOvr>
+</p:notes>
+</file>
+
+<file path=ppt/notesSlides/notesSlide18.xml><?xml version="1.0" encoding="utf-8"?>
+<p:notes xmlns:a="http://schemas.openxmlformats.org/drawingml/2006/main" xmlns:r="http://schemas.openxmlformats.org/officeDocument/2006/relationships" xmlns:p="http://schemas.openxmlformats.org/presentationml/2006/main">
+  <p:cSld>
+    <p:spTree>
+      <p:nvGrpSpPr>
+        <p:cNvPr id="1" name=""/>
+        <p:cNvGrpSpPr/>
+        <p:nvPr/>
+      </p:nvGrpSpPr>
+      <p:grpSpPr>
+        <a:xfrm>
+          <a:off x="0" y="0"/>
+          <a:ext cx="0" cy="0"/>
+          <a:chOff x="0" y="0"/>
+          <a:chExt cx="0" cy="0"/>
+        </a:xfrm>
+      </p:grpSpPr>
+      <p:sp>
+        <p:nvSpPr>
+          <p:cNvPr id="2" name="Slide Image Placeholder 1"/>
+          <p:cNvSpPr>
+            <a:spLocks noGrp="1" noRot="1" noChangeAspect="1"/>
+          </p:cNvSpPr>
+          <p:nvPr>
+            <p:ph type="sldImg"/>
+          </p:nvPr>
+        </p:nvSpPr>
+        <p:spPr/>
+      </p:sp>
+      <p:sp>
+        <p:nvSpPr>
+          <p:cNvPr id="3" name="Notes Placeholder 2"/>
+          <p:cNvSpPr>
+            <a:spLocks noGrp="1"/>
+          </p:cNvSpPr>
+          <p:nvPr>
+            <p:ph type="body" idx="1"/>
+          </p:nvPr>
+        </p:nvSpPr>
+        <p:spPr/>
+        <p:txBody>
+          <a:bodyPr/>
+          <a:lstStyle/>
+          <a:p>
+            <a:endParaRPr lang="de-CH" dirty="0"/>
+          </a:p>
+        </p:txBody>
+      </p:sp>
+      <p:sp>
+        <p:nvSpPr>
+          <p:cNvPr id="4" name="Slide Number Placeholder 3"/>
+          <p:cNvSpPr>
+            <a:spLocks noGrp="1"/>
+          </p:cNvSpPr>
+          <p:nvPr>
+            <p:ph type="sldNum" sz="quarter" idx="10"/>
+          </p:nvPr>
+        </p:nvSpPr>
+        <p:spPr/>
+        <p:txBody>
+          <a:bodyPr/>
+          <a:lstStyle/>
+          <a:p>
+            <a:fld id="{9BCA07FD-5BD5-4529-84B0-48DD2C561176}" type="slidenum">
+              <a:rPr lang="de-CH" smtClean="0"/>
+              <a:t>18</a:t>
+            </a:fld>
+            <a:endParaRPr lang="de-CH"/>
+          </a:p>
+        </p:txBody>
+      </p:sp>
+    </p:spTree>
+    <p:extLst>
+      <p:ext uri="{BB962C8B-B14F-4D97-AF65-F5344CB8AC3E}">
+        <p14:creationId xmlns:p14="http://schemas.microsoft.com/office/powerpoint/2010/main" val="978782014"/>
+      </p:ext>
+    </p:extLst>
+  </p:cSld>
+  <p:clrMapOvr>
+    <a:masterClrMapping/>
+  </p:clrMapOvr>
+</p:notes>
+</file>
+
+<file path=ppt/notesSlides/notesSlide19.xml><?xml version="1.0" encoding="utf-8"?>
+<p:notes xmlns:a="http://schemas.openxmlformats.org/drawingml/2006/main" xmlns:r="http://schemas.openxmlformats.org/officeDocument/2006/relationships" xmlns:p="http://schemas.openxmlformats.org/presentationml/2006/main">
+  <p:cSld>
+    <p:spTree>
+      <p:nvGrpSpPr>
+        <p:cNvPr id="1" name=""/>
+        <p:cNvGrpSpPr/>
+        <p:nvPr/>
+      </p:nvGrpSpPr>
+      <p:grpSpPr>
+        <a:xfrm>
+          <a:off x="0" y="0"/>
+          <a:ext cx="0" cy="0"/>
+          <a:chOff x="0" y="0"/>
+          <a:chExt cx="0" cy="0"/>
+        </a:xfrm>
+      </p:grpSpPr>
+      <p:sp>
+        <p:nvSpPr>
+          <p:cNvPr id="2" name="Slide Image Placeholder 1"/>
+          <p:cNvSpPr>
+            <a:spLocks noGrp="1" noRot="1" noChangeAspect="1"/>
+          </p:cNvSpPr>
+          <p:nvPr>
+            <p:ph type="sldImg"/>
+          </p:nvPr>
+        </p:nvSpPr>
+        <p:spPr/>
+      </p:sp>
+      <p:sp>
+        <p:nvSpPr>
+          <p:cNvPr id="3" name="Notes Placeholder 2"/>
+          <p:cNvSpPr>
+            <a:spLocks noGrp="1"/>
+          </p:cNvSpPr>
+          <p:nvPr>
+            <p:ph type="body" idx="1"/>
+          </p:nvPr>
+        </p:nvSpPr>
+        <p:spPr/>
+        <p:txBody>
+          <a:bodyPr/>
+          <a:lstStyle/>
+          <a:p>
+            <a:r>
+              <a:rPr lang="en-US" dirty="0"/>
+              <a:t>I’m Daniel, </a:t>
+            </a:r>
+            <a:r>
+              <a:rPr lang="en-US"/>
+              <a:t>Solution Engineer…</a:t>
+            </a:r>
+            <a:endParaRPr lang="en-US" dirty="0"/>
+          </a:p>
+          <a:p>
+            <a:r>
+              <a:rPr lang="en-US" dirty="0"/>
+              <a:t>I live in central</a:t>
+            </a:r>
+            <a:r>
+              <a:rPr lang="en-US" baseline="0" dirty="0"/>
+              <a:t> Switzerland. If you want to know more about me listen to episode 77 of developer on fire</a:t>
+            </a:r>
+            <a:endParaRPr lang="en-US" dirty="0"/>
+          </a:p>
+          <a:p>
+            <a:r>
+              <a:rPr lang="en-US" dirty="0"/>
+              <a:t>You can reach me on twitter under @</a:t>
+            </a:r>
+            <a:r>
+              <a:rPr lang="en-US" dirty="0" err="1"/>
+              <a:t>danielmarbach</a:t>
+            </a:r>
+            <a:endParaRPr lang="en-US" dirty="0"/>
+          </a:p>
+          <a:p>
+            <a:r>
+              <a:rPr lang="en-US" dirty="0"/>
+              <a:t>I blog on the particular blog and on my personal blog</a:t>
+            </a:r>
+          </a:p>
+          <a:p>
+            <a:r>
+              <a:rPr lang="en-US" dirty="0"/>
+              <a:t>I’m the lead behind the </a:t>
+            </a:r>
+            <a:r>
+              <a:rPr lang="en-US" dirty="0" err="1"/>
+              <a:t>asyncification</a:t>
+            </a:r>
+            <a:r>
+              <a:rPr lang="en-US" baseline="0" dirty="0"/>
+              <a:t> of </a:t>
+            </a:r>
+            <a:r>
+              <a:rPr lang="en-US" baseline="0" dirty="0" err="1"/>
+              <a:t>NServiceBus</a:t>
+            </a:r>
+            <a:r>
+              <a:rPr lang="en-US" baseline="0" dirty="0"/>
+              <a:t> and the ecosystem around it</a:t>
+            </a:r>
+          </a:p>
+          <a:p>
+            <a:r>
+              <a:rPr lang="en-US" baseline="0" dirty="0"/>
+              <a:t>I regularly contribute back ideas and code changes to </a:t>
+            </a:r>
+            <a:r>
+              <a:rPr lang="en-US" baseline="0" dirty="0" err="1"/>
+              <a:t>asyncify</a:t>
+            </a:r>
+            <a:r>
+              <a:rPr lang="en-US" baseline="0" dirty="0"/>
+              <a:t> the .NET OSS libraries and frameworks out there. So far I contributed to Entity Framework, </a:t>
+            </a:r>
+            <a:r>
+              <a:rPr lang="en-US" baseline="0" dirty="0" err="1"/>
+              <a:t>RabbitMQ</a:t>
+            </a:r>
+            <a:r>
+              <a:rPr lang="en-US" baseline="0" dirty="0"/>
+              <a:t>, Marten, </a:t>
+            </a:r>
+            <a:r>
+              <a:rPr lang="en-US" baseline="0" dirty="0" err="1"/>
+              <a:t>MassTransit</a:t>
+            </a:r>
+            <a:r>
+              <a:rPr lang="en-US" baseline="0" dirty="0"/>
+              <a:t>, Quartz.NET and many more</a:t>
+            </a:r>
+            <a:endParaRPr lang="de-CH" dirty="0"/>
+          </a:p>
+        </p:txBody>
+      </p:sp>
+      <p:sp>
+        <p:nvSpPr>
+          <p:cNvPr id="4" name="Slide Number Placeholder 3"/>
+          <p:cNvSpPr>
+            <a:spLocks noGrp="1"/>
+          </p:cNvSpPr>
+          <p:nvPr>
+            <p:ph type="sldNum" sz="quarter" idx="10"/>
+          </p:nvPr>
+        </p:nvSpPr>
+        <p:spPr/>
+        <p:txBody>
+          <a:bodyPr/>
+          <a:lstStyle/>
+          <a:p>
+            <a:fld id="{9BCA07FD-5BD5-4529-84B0-48DD2C561176}" type="slidenum">
+              <a:rPr lang="de-CH" smtClean="0"/>
+              <a:t>19</a:t>
+            </a:fld>
+            <a:endParaRPr lang="de-CH"/>
+          </a:p>
+        </p:txBody>
+      </p:sp>
+    </p:spTree>
+    <p:extLst>
+      <p:ext uri="{BB962C8B-B14F-4D97-AF65-F5344CB8AC3E}">
+        <p14:creationId xmlns:p14="http://schemas.microsoft.com/office/powerpoint/2010/main" val="88145516"/>
       </p:ext>
     </p:extLst>
   </p:cSld>
@@ -1244,6 +1802,98 @@
     <p:extLst>
       <p:ext uri="{BB962C8B-B14F-4D97-AF65-F5344CB8AC3E}">
         <p14:creationId xmlns:p14="http://schemas.microsoft.com/office/powerpoint/2010/main" val="4119975973"/>
+      </p:ext>
+    </p:extLst>
+  </p:cSld>
+  <p:clrMapOvr>
+    <a:masterClrMapping/>
+  </p:clrMapOvr>
+</p:notes>
+</file>
+
+<file path=ppt/notesSlides/notesSlide20.xml><?xml version="1.0" encoding="utf-8"?>
+<p:notes xmlns:a="http://schemas.openxmlformats.org/drawingml/2006/main" xmlns:r="http://schemas.openxmlformats.org/officeDocument/2006/relationships" xmlns:p="http://schemas.openxmlformats.org/presentationml/2006/main">
+  <p:cSld>
+    <p:spTree>
+      <p:nvGrpSpPr>
+        <p:cNvPr id="1" name=""/>
+        <p:cNvGrpSpPr/>
+        <p:nvPr/>
+      </p:nvGrpSpPr>
+      <p:grpSpPr>
+        <a:xfrm>
+          <a:off x="0" y="0"/>
+          <a:ext cx="0" cy="0"/>
+          <a:chOff x="0" y="0"/>
+          <a:chExt cx="0" cy="0"/>
+        </a:xfrm>
+      </p:grpSpPr>
+      <p:sp>
+        <p:nvSpPr>
+          <p:cNvPr id="2" name="Slide Image Placeholder 1"/>
+          <p:cNvSpPr>
+            <a:spLocks noGrp="1" noRot="1" noChangeAspect="1"/>
+          </p:cNvSpPr>
+          <p:nvPr>
+            <p:ph type="sldImg"/>
+          </p:nvPr>
+        </p:nvSpPr>
+        <p:spPr/>
+      </p:sp>
+      <p:sp>
+        <p:nvSpPr>
+          <p:cNvPr id="3" name="Notes Placeholder 2"/>
+          <p:cNvSpPr>
+            <a:spLocks noGrp="1"/>
+          </p:cNvSpPr>
+          <p:nvPr>
+            <p:ph type="body" idx="1"/>
+          </p:nvPr>
+        </p:nvSpPr>
+        <p:spPr/>
+        <p:txBody>
+          <a:bodyPr/>
+          <a:lstStyle/>
+          <a:p>
+            <a:r>
+              <a:rPr lang="de-CH" dirty="0"/>
+              <a:t>Thank you very much</a:t>
+            </a:r>
+            <a:r>
+              <a:rPr lang="de-CH" baseline="0" dirty="0"/>
+              <a:t> for listening and see you next time</a:t>
+            </a:r>
+            <a:endParaRPr lang="de-CH" dirty="0"/>
+          </a:p>
+        </p:txBody>
+      </p:sp>
+      <p:sp>
+        <p:nvSpPr>
+          <p:cNvPr id="4" name="Slide Number Placeholder 3"/>
+          <p:cNvSpPr>
+            <a:spLocks noGrp="1"/>
+          </p:cNvSpPr>
+          <p:nvPr>
+            <p:ph type="sldNum" sz="quarter" idx="10"/>
+          </p:nvPr>
+        </p:nvSpPr>
+        <p:spPr/>
+        <p:txBody>
+          <a:bodyPr/>
+          <a:lstStyle/>
+          <a:p>
+            <a:fld id="{9BCA07FD-5BD5-4529-84B0-48DD2C561176}" type="slidenum">
+              <a:rPr lang="de-CH" smtClean="0"/>
+              <a:t>20</a:t>
+            </a:fld>
+            <a:endParaRPr lang="de-CH"/>
+          </a:p>
+        </p:txBody>
+      </p:sp>
+    </p:spTree>
+    <p:extLst>
+      <p:ext uri="{BB962C8B-B14F-4D97-AF65-F5344CB8AC3E}">
+        <p14:creationId xmlns:p14="http://schemas.microsoft.com/office/powerpoint/2010/main" val="3949593976"/>
       </p:ext>
     </p:extLst>
   </p:cSld>
@@ -1797,7 +2447,7 @@
           <a:p>
             <a:r>
               <a:rPr lang="en-US" dirty="0"/>
-              <a:t>After the demo the team was absolutely hooked, they went to the drawing board and came up with the following architecture</a:t>
+              <a:t>After the demo the team was absolutely hooked, </a:t>
             </a:r>
             <a:endParaRPr lang="de-CH" dirty="0"/>
           </a:p>
@@ -1885,7 +2535,7 @@
           <a:p>
             <a:r>
               <a:rPr lang="en-US" dirty="0"/>
-              <a:t>Explain, talk about data shipping paradigm</a:t>
+              <a:t>they decided they want to benefit from the scalability of Service Fabric. Before they went to the drawing board Karl briefly recapped the scale cube</a:t>
             </a:r>
             <a:endParaRPr lang="de-CH" dirty="0"/>
           </a:p>
@@ -1908,7 +2558,7 @@
           <a:p>
             <a:fld id="{9BCA07FD-5BD5-4529-84B0-48DD2C561176}" type="slidenum">
               <a:rPr lang="de-CH" smtClean="0"/>
-              <a:t>9</a:t>
+              <a:t>8</a:t>
             </a:fld>
             <a:endParaRPr lang="de-CH"/>
           </a:p>
@@ -1917,7 +2567,7 @@
     </p:spTree>
     <p:extLst>
       <p:ext uri="{BB962C8B-B14F-4D97-AF65-F5344CB8AC3E}">
-        <p14:creationId xmlns:p14="http://schemas.microsoft.com/office/powerpoint/2010/main" val="1819114895"/>
+        <p14:creationId xmlns:p14="http://schemas.microsoft.com/office/powerpoint/2010/main" val="2574650043"/>
       </p:ext>
     </p:extLst>
   </p:cSld>
@@ -1971,28 +2621,6 @@
           <a:bodyPr/>
           <a:lstStyle/>
           <a:p>
-            <a:r>
-              <a:rPr lang="en-US" dirty="0"/>
-              <a:t>Application hot state lives in the compute tier</a:t>
-            </a:r>
-          </a:p>
-          <a:p>
-            <a:r>
-              <a:rPr lang="en-US" dirty="0"/>
-              <a:t>Low latency reads and writes</a:t>
-            </a:r>
-          </a:p>
-          <a:p>
-            <a:r>
-              <a:rPr lang="en-US" dirty="0"/>
-              <a:t>Fewer moving parts</a:t>
-            </a:r>
-          </a:p>
-          <a:p>
-            <a:r>
-              <a:rPr lang="en-US" dirty="0"/>
-              <a:t>External stores are only used for exhaust and offline analytics</a:t>
-            </a:r>
             <a:endParaRPr lang="de-CH" dirty="0"/>
           </a:p>
         </p:txBody>
@@ -2014,7 +2642,7 @@
           <a:p>
             <a:fld id="{9BCA07FD-5BD5-4529-84B0-48DD2C561176}" type="slidenum">
               <a:rPr lang="de-CH" smtClean="0"/>
-              <a:t>11</a:t>
+              <a:t>9</a:t>
             </a:fld>
             <a:endParaRPr lang="de-CH"/>
           </a:p>
@@ -2023,7 +2651,7 @@
     </p:spTree>
     <p:extLst>
       <p:ext uri="{BB962C8B-B14F-4D97-AF65-F5344CB8AC3E}">
-        <p14:creationId xmlns:p14="http://schemas.microsoft.com/office/powerpoint/2010/main" val="2983171104"/>
+        <p14:creationId xmlns:p14="http://schemas.microsoft.com/office/powerpoint/2010/main" val="1860665397"/>
       </p:ext>
     </p:extLst>
   </p:cSld>
@@ -5025,54 +5653,626 @@
       </p:grpSpPr>
       <p:sp>
         <p:nvSpPr>
+          <p:cNvPr id="2" name="Rectangle 1"/>
+          <p:cNvSpPr/>
+          <p:nvPr/>
+        </p:nvSpPr>
+        <p:spPr>
+          <a:xfrm>
+            <a:off x="4813060" y="247198"/>
+            <a:ext cx="1944303" cy="914400"/>
+          </a:xfrm>
+          <a:prstGeom prst="rect">
+            <a:avLst/>
+          </a:prstGeom>
+          <a:solidFill>
+            <a:schemeClr val="tx2"/>
+          </a:solidFill>
+          <a:ln>
+            <a:noFill/>
+          </a:ln>
+        </p:spPr>
+        <p:style>
+          <a:lnRef idx="2">
+            <a:schemeClr val="accent1">
+              <a:shade val="50000"/>
+            </a:schemeClr>
+          </a:lnRef>
+          <a:fillRef idx="1">
+            <a:schemeClr val="accent1"/>
+          </a:fillRef>
+          <a:effectRef idx="0">
+            <a:schemeClr val="accent1"/>
+          </a:effectRef>
+          <a:fontRef idx="minor">
+            <a:schemeClr val="lt1"/>
+          </a:fontRef>
+        </p:style>
+        <p:txBody>
+          <a:bodyPr rtlCol="0" anchor="ctr"/>
+          <a:lstStyle/>
+          <a:p>
+            <a:pPr algn="ctr"/>
+            <a:r>
+              <a:rPr lang="en-US" sz="2400" dirty="0" err="1">
+                <a:latin typeface="Yanone Kaffeesatz Light" panose="02000000000000000000" pitchFamily="2" charset="0"/>
+              </a:rPr>
+              <a:t>Loadbalancer</a:t>
+            </a:r>
+            <a:endParaRPr lang="de-CH" sz="1200" dirty="0">
+              <a:latin typeface="Yanone Kaffeesatz Light" panose="02000000000000000000" pitchFamily="2" charset="0"/>
+            </a:endParaRPr>
+          </a:p>
+        </p:txBody>
+      </p:sp>
+      <p:sp>
+        <p:nvSpPr>
+          <p:cNvPr id="3" name="Rectangle 2"/>
+          <p:cNvSpPr/>
+          <p:nvPr/>
+        </p:nvSpPr>
+        <p:spPr>
+          <a:xfrm>
+            <a:off x="2748226" y="1859853"/>
+            <a:ext cx="1944303" cy="914400"/>
+          </a:xfrm>
+          <a:prstGeom prst="rect">
+            <a:avLst/>
+          </a:prstGeom>
+          <a:solidFill>
+            <a:schemeClr val="accent4"/>
+          </a:solidFill>
+          <a:ln>
+            <a:noFill/>
+          </a:ln>
+        </p:spPr>
+        <p:style>
+          <a:lnRef idx="2">
+            <a:schemeClr val="accent1">
+              <a:shade val="50000"/>
+            </a:schemeClr>
+          </a:lnRef>
+          <a:fillRef idx="1">
+            <a:schemeClr val="accent1"/>
+          </a:fillRef>
+          <a:effectRef idx="0">
+            <a:schemeClr val="accent1"/>
+          </a:effectRef>
+          <a:fontRef idx="minor">
+            <a:schemeClr val="lt1"/>
+          </a:fontRef>
+        </p:style>
+        <p:txBody>
+          <a:bodyPr rtlCol="0" anchor="ctr"/>
+          <a:lstStyle/>
+          <a:p>
+            <a:pPr algn="ctr"/>
+            <a:r>
+              <a:rPr lang="en-US" sz="2400" dirty="0">
+                <a:latin typeface="Yanone Kaffeesatz Light" panose="02000000000000000000" pitchFamily="2" charset="0"/>
+              </a:rPr>
+              <a:t>FrontEnd1</a:t>
+            </a:r>
+            <a:endParaRPr lang="de-CH" sz="1200" dirty="0">
+              <a:latin typeface="Yanone Kaffeesatz Light" panose="02000000000000000000" pitchFamily="2" charset="0"/>
+            </a:endParaRPr>
+          </a:p>
+        </p:txBody>
+      </p:sp>
+      <p:sp>
+        <p:nvSpPr>
+          <p:cNvPr id="4" name="Rectangle 3"/>
+          <p:cNvSpPr/>
+          <p:nvPr/>
+        </p:nvSpPr>
+        <p:spPr>
+          <a:xfrm>
+            <a:off x="4813060" y="1859853"/>
+            <a:ext cx="1944303" cy="914400"/>
+          </a:xfrm>
+          <a:prstGeom prst="rect">
+            <a:avLst/>
+          </a:prstGeom>
+          <a:solidFill>
+            <a:schemeClr val="accent4"/>
+          </a:solidFill>
+          <a:ln>
+            <a:noFill/>
+          </a:ln>
+        </p:spPr>
+        <p:style>
+          <a:lnRef idx="2">
+            <a:schemeClr val="accent1">
+              <a:shade val="50000"/>
+            </a:schemeClr>
+          </a:lnRef>
+          <a:fillRef idx="1">
+            <a:schemeClr val="accent1"/>
+          </a:fillRef>
+          <a:effectRef idx="0">
+            <a:schemeClr val="accent1"/>
+          </a:effectRef>
+          <a:fontRef idx="minor">
+            <a:schemeClr val="lt1"/>
+          </a:fontRef>
+        </p:style>
+        <p:txBody>
+          <a:bodyPr rtlCol="0" anchor="ctr"/>
+          <a:lstStyle/>
+          <a:p>
+            <a:pPr algn="ctr"/>
+            <a:r>
+              <a:rPr lang="en-US" sz="2400" dirty="0">
+                <a:latin typeface="Yanone Kaffeesatz Light" panose="02000000000000000000" pitchFamily="2" charset="0"/>
+              </a:rPr>
+              <a:t>FrontEnd2</a:t>
+            </a:r>
+            <a:endParaRPr lang="de-CH" sz="1200" dirty="0">
+              <a:latin typeface="Yanone Kaffeesatz Light" panose="02000000000000000000" pitchFamily="2" charset="0"/>
+            </a:endParaRPr>
+          </a:p>
+        </p:txBody>
+      </p:sp>
+      <p:sp>
+        <p:nvSpPr>
           <p:cNvPr id="5" name="Rectangle 4"/>
           <p:cNvSpPr/>
           <p:nvPr/>
         </p:nvSpPr>
         <p:spPr>
           <a:xfrm>
-            <a:off x="102374" y="6336648"/>
-            <a:ext cx="4688591" cy="461665"/>
+            <a:off x="6877894" y="1859853"/>
+            <a:ext cx="1944303" cy="914400"/>
           </a:xfrm>
           <a:prstGeom prst="rect">
             <a:avLst/>
           </a:prstGeom>
-        </p:spPr>
-        <p:txBody>
-          <a:bodyPr wrap="none">
+          <a:solidFill>
+            <a:schemeClr val="accent4"/>
+          </a:solidFill>
+          <a:ln>
+            <a:noFill/>
+          </a:ln>
+        </p:spPr>
+        <p:style>
+          <a:lnRef idx="2">
+            <a:schemeClr val="accent1">
+              <a:shade val="50000"/>
+            </a:schemeClr>
+          </a:lnRef>
+          <a:fillRef idx="1">
+            <a:schemeClr val="accent1"/>
+          </a:fillRef>
+          <a:effectRef idx="0">
+            <a:schemeClr val="accent1"/>
+          </a:effectRef>
+          <a:fontRef idx="minor">
+            <a:schemeClr val="lt1"/>
+          </a:fontRef>
+        </p:style>
+        <p:txBody>
+          <a:bodyPr rtlCol="0" anchor="ctr"/>
+          <a:lstStyle/>
+          <a:p>
+            <a:pPr algn="ctr"/>
+            <a:r>
+              <a:rPr lang="en-US" sz="2400" dirty="0">
+                <a:latin typeface="Yanone Kaffeesatz Light" panose="02000000000000000000" pitchFamily="2" charset="0"/>
+              </a:rPr>
+              <a:t>FrontEnd3</a:t>
+            </a:r>
+            <a:endParaRPr lang="de-CH" sz="1200" dirty="0">
+              <a:latin typeface="Yanone Kaffeesatz Light" panose="02000000000000000000" pitchFamily="2" charset="0"/>
+            </a:endParaRPr>
+          </a:p>
+        </p:txBody>
+      </p:sp>
+      <p:sp>
+        <p:nvSpPr>
+          <p:cNvPr id="6" name="Rectangle 5"/>
+          <p:cNvSpPr/>
+          <p:nvPr/>
+        </p:nvSpPr>
+        <p:spPr>
+          <a:xfrm>
+            <a:off x="1890132" y="1321419"/>
+            <a:ext cx="8157117" cy="1689410"/>
+          </a:xfrm>
+          <a:prstGeom prst="rect">
+            <a:avLst/>
+          </a:prstGeom>
+          <a:noFill/>
+          <a:ln w="19050">
+            <a:solidFill>
+              <a:schemeClr val="accent3"/>
+            </a:solidFill>
+          </a:ln>
+        </p:spPr>
+        <p:style>
+          <a:lnRef idx="2">
+            <a:schemeClr val="accent1">
+              <a:shade val="50000"/>
+            </a:schemeClr>
+          </a:lnRef>
+          <a:fillRef idx="1">
+            <a:schemeClr val="accent1"/>
+          </a:fillRef>
+          <a:effectRef idx="0">
+            <a:schemeClr val="accent1"/>
+          </a:effectRef>
+          <a:fontRef idx="minor">
+            <a:schemeClr val="lt1"/>
+          </a:fontRef>
+        </p:style>
+        <p:txBody>
+          <a:bodyPr rtlCol="0" anchor="ctr"/>
+          <a:lstStyle/>
+          <a:p>
+            <a:pPr algn="ctr"/>
+            <a:endParaRPr lang="de-CH"/>
+          </a:p>
+        </p:txBody>
+      </p:sp>
+      <p:sp>
+        <p:nvSpPr>
+          <p:cNvPr id="7" name="Rectangle 6"/>
+          <p:cNvSpPr/>
+          <p:nvPr/>
+        </p:nvSpPr>
+        <p:spPr>
+          <a:xfrm>
+            <a:off x="1890131" y="3090746"/>
+            <a:ext cx="8157117" cy="1689410"/>
+          </a:xfrm>
+          <a:prstGeom prst="rect">
+            <a:avLst/>
+          </a:prstGeom>
+          <a:noFill/>
+          <a:ln w="19050">
+            <a:solidFill>
+              <a:schemeClr val="accent3"/>
+            </a:solidFill>
+          </a:ln>
+        </p:spPr>
+        <p:style>
+          <a:lnRef idx="2">
+            <a:schemeClr val="accent1">
+              <a:shade val="50000"/>
+            </a:schemeClr>
+          </a:lnRef>
+          <a:fillRef idx="1">
+            <a:schemeClr val="accent1"/>
+          </a:fillRef>
+          <a:effectRef idx="0">
+            <a:schemeClr val="accent1"/>
+          </a:effectRef>
+          <a:fontRef idx="minor">
+            <a:schemeClr val="lt1"/>
+          </a:fontRef>
+        </p:style>
+        <p:txBody>
+          <a:bodyPr rtlCol="0" anchor="ctr"/>
+          <a:lstStyle/>
+          <a:p>
+            <a:pPr algn="ctr"/>
+            <a:endParaRPr lang="de-CH"/>
+          </a:p>
+        </p:txBody>
+      </p:sp>
+      <p:sp>
+        <p:nvSpPr>
+          <p:cNvPr id="8" name="Rectangle 7"/>
+          <p:cNvSpPr/>
+          <p:nvPr/>
+        </p:nvSpPr>
+        <p:spPr>
+          <a:xfrm>
+            <a:off x="1890131" y="4860073"/>
+            <a:ext cx="8157117" cy="1689410"/>
+          </a:xfrm>
+          <a:prstGeom prst="rect">
+            <a:avLst/>
+          </a:prstGeom>
+          <a:noFill/>
+          <a:ln w="19050">
+            <a:solidFill>
+              <a:schemeClr val="accent3"/>
+            </a:solidFill>
+          </a:ln>
+        </p:spPr>
+        <p:style>
+          <a:lnRef idx="2">
+            <a:schemeClr val="accent1">
+              <a:shade val="50000"/>
+            </a:schemeClr>
+          </a:lnRef>
+          <a:fillRef idx="1">
+            <a:schemeClr val="accent1"/>
+          </a:fillRef>
+          <a:effectRef idx="0">
+            <a:schemeClr val="accent1"/>
+          </a:effectRef>
+          <a:fontRef idx="minor">
+            <a:schemeClr val="lt1"/>
+          </a:fontRef>
+        </p:style>
+        <p:txBody>
+          <a:bodyPr rtlCol="0" anchor="ctr"/>
+          <a:lstStyle/>
+          <a:p>
+            <a:pPr algn="ctr"/>
+            <a:endParaRPr lang="de-CH"/>
+          </a:p>
+        </p:txBody>
+      </p:sp>
+      <p:sp>
+        <p:nvSpPr>
+          <p:cNvPr id="11" name="Rectangle 10"/>
+          <p:cNvSpPr/>
+          <p:nvPr/>
+        </p:nvSpPr>
+        <p:spPr>
+          <a:xfrm>
+            <a:off x="2748226" y="3572856"/>
+            <a:ext cx="1944303" cy="914400"/>
+          </a:xfrm>
+          <a:prstGeom prst="rect">
+            <a:avLst/>
+          </a:prstGeom>
+          <a:solidFill>
+            <a:schemeClr val="tx2"/>
+          </a:solidFill>
+          <a:ln>
+            <a:noFill/>
+          </a:ln>
+        </p:spPr>
+        <p:style>
+          <a:lnRef idx="2">
+            <a:schemeClr val="accent1">
+              <a:shade val="50000"/>
+            </a:schemeClr>
+          </a:lnRef>
+          <a:fillRef idx="1">
+            <a:schemeClr val="accent1"/>
+          </a:fillRef>
+          <a:effectRef idx="0">
+            <a:schemeClr val="accent1"/>
+          </a:effectRef>
+          <a:fontRef idx="minor">
+            <a:schemeClr val="lt1"/>
+          </a:fontRef>
+        </p:style>
+        <p:txBody>
+          <a:bodyPr rtlCol="0" anchor="ctr"/>
+          <a:lstStyle/>
+          <a:p>
+            <a:pPr algn="ctr"/>
+            <a:r>
+              <a:rPr lang="en-US" sz="2400" dirty="0">
+                <a:latin typeface="Yanone Kaffeesatz Light" panose="02000000000000000000" pitchFamily="2" charset="0"/>
+              </a:rPr>
+              <a:t>Stateless1</a:t>
+            </a:r>
+            <a:endParaRPr lang="de-CH" sz="1200" dirty="0">
+              <a:latin typeface="Yanone Kaffeesatz Light" panose="02000000000000000000" pitchFamily="2" charset="0"/>
+            </a:endParaRPr>
+          </a:p>
+        </p:txBody>
+      </p:sp>
+      <p:sp>
+        <p:nvSpPr>
+          <p:cNvPr id="12" name="Rectangle 11"/>
+          <p:cNvSpPr/>
+          <p:nvPr/>
+        </p:nvSpPr>
+        <p:spPr>
+          <a:xfrm>
+            <a:off x="4813060" y="3572856"/>
+            <a:ext cx="1944303" cy="914400"/>
+          </a:xfrm>
+          <a:prstGeom prst="rect">
+            <a:avLst/>
+          </a:prstGeom>
+          <a:solidFill>
+            <a:schemeClr val="tx2"/>
+          </a:solidFill>
+          <a:ln>
+            <a:noFill/>
+          </a:ln>
+        </p:spPr>
+        <p:style>
+          <a:lnRef idx="2">
+            <a:schemeClr val="accent1">
+              <a:shade val="50000"/>
+            </a:schemeClr>
+          </a:lnRef>
+          <a:fillRef idx="1">
+            <a:schemeClr val="accent1"/>
+          </a:fillRef>
+          <a:effectRef idx="0">
+            <a:schemeClr val="accent1"/>
+          </a:effectRef>
+          <a:fontRef idx="minor">
+            <a:schemeClr val="lt1"/>
+          </a:fontRef>
+        </p:style>
+        <p:txBody>
+          <a:bodyPr rtlCol="0" anchor="ctr"/>
+          <a:lstStyle/>
+          <a:p>
+            <a:pPr algn="ctr"/>
+            <a:r>
+              <a:rPr lang="en-US" sz="2400" dirty="0">
+                <a:latin typeface="Yanone Kaffeesatz Light" panose="02000000000000000000" pitchFamily="2" charset="0"/>
+              </a:rPr>
+              <a:t>Stateless2</a:t>
+            </a:r>
+            <a:endParaRPr lang="de-CH" sz="1200" dirty="0">
+              <a:latin typeface="Yanone Kaffeesatz Light" panose="02000000000000000000" pitchFamily="2" charset="0"/>
+            </a:endParaRPr>
+          </a:p>
+        </p:txBody>
+      </p:sp>
+      <p:sp>
+        <p:nvSpPr>
+          <p:cNvPr id="13" name="Rectangle 12"/>
+          <p:cNvSpPr/>
+          <p:nvPr/>
+        </p:nvSpPr>
+        <p:spPr>
+          <a:xfrm>
+            <a:off x="6877894" y="3572856"/>
+            <a:ext cx="1944303" cy="914400"/>
+          </a:xfrm>
+          <a:prstGeom prst="rect">
+            <a:avLst/>
+          </a:prstGeom>
+          <a:solidFill>
+            <a:schemeClr val="tx2"/>
+          </a:solidFill>
+          <a:ln>
+            <a:noFill/>
+          </a:ln>
+        </p:spPr>
+        <p:style>
+          <a:lnRef idx="2">
+            <a:schemeClr val="accent1">
+              <a:shade val="50000"/>
+            </a:schemeClr>
+          </a:lnRef>
+          <a:fillRef idx="1">
+            <a:schemeClr val="accent1"/>
+          </a:fillRef>
+          <a:effectRef idx="0">
+            <a:schemeClr val="accent1"/>
+          </a:effectRef>
+          <a:fontRef idx="minor">
+            <a:schemeClr val="lt1"/>
+          </a:fontRef>
+        </p:style>
+        <p:txBody>
+          <a:bodyPr rtlCol="0" anchor="ctr"/>
+          <a:lstStyle/>
+          <a:p>
+            <a:pPr algn="ctr"/>
+            <a:r>
+              <a:rPr lang="en-US" sz="2400" dirty="0">
+                <a:latin typeface="Yanone Kaffeesatz Light" panose="02000000000000000000" pitchFamily="2" charset="0"/>
+              </a:rPr>
+              <a:t>Stateless3</a:t>
+            </a:r>
+            <a:endParaRPr lang="de-CH" sz="1200" dirty="0">
+              <a:latin typeface="Yanone Kaffeesatz Light" panose="02000000000000000000" pitchFamily="2" charset="0"/>
+            </a:endParaRPr>
+          </a:p>
+        </p:txBody>
+      </p:sp>
+      <p:sp>
+        <p:nvSpPr>
+          <p:cNvPr id="15" name="Cylinder 14"/>
+          <p:cNvSpPr/>
+          <p:nvPr/>
+        </p:nvSpPr>
+        <p:spPr>
+          <a:xfrm>
+            <a:off x="5335446" y="5096702"/>
+            <a:ext cx="914400" cy="1216152"/>
+          </a:xfrm>
+          <a:prstGeom prst="can">
+            <a:avLst/>
+          </a:prstGeom>
+          <a:solidFill>
+            <a:schemeClr val="accent4"/>
+          </a:solidFill>
+          <a:ln>
+            <a:solidFill>
+              <a:schemeClr val="accent3"/>
+            </a:solidFill>
+          </a:ln>
+        </p:spPr>
+        <p:style>
+          <a:lnRef idx="2">
+            <a:schemeClr val="accent1">
+              <a:shade val="50000"/>
+            </a:schemeClr>
+          </a:lnRef>
+          <a:fillRef idx="1">
+            <a:schemeClr val="accent1"/>
+          </a:fillRef>
+          <a:effectRef idx="0">
+            <a:schemeClr val="accent1"/>
+          </a:effectRef>
+          <a:fontRef idx="minor">
+            <a:schemeClr val="lt1"/>
+          </a:fontRef>
+        </p:style>
+        <p:txBody>
+          <a:bodyPr rtlCol="0" anchor="ctr"/>
+          <a:lstStyle/>
+          <a:p>
+            <a:pPr algn="ctr"/>
+            <a:endParaRPr lang="de-CH"/>
+          </a:p>
+        </p:txBody>
+      </p:sp>
+      <p:sp>
+        <p:nvSpPr>
+          <p:cNvPr id="16" name="TextBox 15"/>
+          <p:cNvSpPr txBox="1"/>
+          <p:nvPr/>
+        </p:nvSpPr>
+        <p:spPr>
+          <a:xfrm>
+            <a:off x="1890131" y="4860073"/>
+            <a:ext cx="1327608" cy="461665"/>
+          </a:xfrm>
+          <a:prstGeom prst="rect">
+            <a:avLst/>
+          </a:prstGeom>
+          <a:noFill/>
+        </p:spPr>
+        <p:txBody>
+          <a:bodyPr wrap="none" rtlCol="0">
             <a:spAutoFit/>
           </a:bodyPr>
           <a:lstStyle/>
           <a:p>
             <a:r>
-              <a:rPr lang="de-CH" sz="2400" dirty="0">
+              <a:rPr lang="en-US" sz="2400" dirty="0">
                 <a:solidFill>
                   <a:schemeClr val="accent3"/>
                 </a:solidFill>
                 <a:latin typeface="Yanone Kaffeesatz Regular" panose="02000000000000000000" pitchFamily="2" charset="0"/>
               </a:rPr>
-              <a:t>http://microservices.io/articles/scalecube.html</a:t>
-            </a:r>
-          </a:p>
-        </p:txBody>
-      </p:sp>
-      <p:sp>
-        <p:nvSpPr>
-          <p:cNvPr id="6" name="Rectangle 5"/>
-          <p:cNvSpPr/>
+              <a:t>Storage Tier</a:t>
+            </a:r>
+            <a:endParaRPr lang="de-CH" sz="2400" dirty="0">
+              <a:solidFill>
+                <a:schemeClr val="accent3"/>
+              </a:solidFill>
+              <a:latin typeface="Yanone Kaffeesatz Regular" panose="02000000000000000000" pitchFamily="2" charset="0"/>
+            </a:endParaRPr>
+          </a:p>
+        </p:txBody>
+      </p:sp>
+      <p:sp>
+        <p:nvSpPr>
+          <p:cNvPr id="18" name="TextBox 17"/>
+          <p:cNvSpPr txBox="1"/>
           <p:nvPr/>
         </p:nvSpPr>
         <p:spPr>
           <a:xfrm>
-            <a:off x="2691902" y="5011059"/>
-            <a:ext cx="2238113" cy="461665"/>
+            <a:off x="1890131" y="1318271"/>
+            <a:ext cx="1548822" cy="461665"/>
           </a:xfrm>
           <a:prstGeom prst="rect">
             <a:avLst/>
           </a:prstGeom>
-        </p:spPr>
-        <p:txBody>
-          <a:bodyPr wrap="none">
+          <a:noFill/>
+        </p:spPr>
+        <p:txBody>
+          <a:bodyPr wrap="none" rtlCol="0">
             <a:spAutoFit/>
           </a:bodyPr>
           <a:lstStyle/>
@@ -5080,32 +6280,274 @@
             <a:r>
               <a:rPr lang="en-US" sz="2400" dirty="0">
                 <a:solidFill>
-                  <a:schemeClr val="accent4"/>
+                  <a:schemeClr val="accent3"/>
                 </a:solidFill>
                 <a:latin typeface="Yanone Kaffeesatz Regular" panose="02000000000000000000" pitchFamily="2" charset="0"/>
               </a:rPr>
-              <a:t>Horizontal duplication</a:t>
-            </a:r>
-          </a:p>
-        </p:txBody>
-      </p:sp>
-      <p:sp>
-        <p:nvSpPr>
-          <p:cNvPr id="7" name="Rectangle 6"/>
-          <p:cNvSpPr/>
+              <a:t>Stateless Web</a:t>
+            </a:r>
+            <a:endParaRPr lang="de-CH" sz="2400" dirty="0">
+              <a:solidFill>
+                <a:schemeClr val="accent3"/>
+              </a:solidFill>
+              <a:latin typeface="Yanone Kaffeesatz Regular" panose="02000000000000000000" pitchFamily="2" charset="0"/>
+            </a:endParaRPr>
+          </a:p>
+        </p:txBody>
+      </p:sp>
+      <p:cxnSp>
+        <p:nvCxnSpPr>
+          <p:cNvPr id="20" name="Straight Arrow Connector 19"/>
+          <p:cNvCxnSpPr>
+            <a:stCxn id="2" idx="2"/>
+            <a:endCxn id="3" idx="0"/>
+          </p:cNvCxnSpPr>
           <p:nvPr/>
-        </p:nvSpPr>
-        <p:spPr>
-          <a:xfrm>
-            <a:off x="1156893" y="3164279"/>
-            <a:ext cx="2579552" cy="461665"/>
+        </p:nvCxnSpPr>
+        <p:spPr>
+          <a:xfrm flipH="1">
+            <a:off x="3720378" y="1161598"/>
+            <a:ext cx="2064834" cy="698255"/>
+          </a:xfrm>
+          <a:prstGeom prst="straightConnector1">
+            <a:avLst/>
+          </a:prstGeom>
+          <a:ln w="19050">
+            <a:solidFill>
+              <a:schemeClr val="accent4"/>
+            </a:solidFill>
+            <a:tailEnd type="triangle"/>
+          </a:ln>
+        </p:spPr>
+        <p:style>
+          <a:lnRef idx="1">
+            <a:schemeClr val="accent1"/>
+          </a:lnRef>
+          <a:fillRef idx="0">
+            <a:schemeClr val="accent1"/>
+          </a:fillRef>
+          <a:effectRef idx="0">
+            <a:schemeClr val="accent1"/>
+          </a:effectRef>
+          <a:fontRef idx="minor">
+            <a:schemeClr val="tx1"/>
+          </a:fontRef>
+        </p:style>
+      </p:cxnSp>
+      <p:cxnSp>
+        <p:nvCxnSpPr>
+          <p:cNvPr id="21" name="Straight Arrow Connector 20"/>
+          <p:cNvCxnSpPr>
+            <a:cxnSpLocks/>
+            <a:stCxn id="2" idx="2"/>
+            <a:endCxn id="4" idx="0"/>
+          </p:cNvCxnSpPr>
+          <p:nvPr/>
+        </p:nvCxnSpPr>
+        <p:spPr>
+          <a:xfrm>
+            <a:off x="5785212" y="1161598"/>
+            <a:ext cx="0" cy="698255"/>
+          </a:xfrm>
+          <a:prstGeom prst="straightConnector1">
+            <a:avLst/>
+          </a:prstGeom>
+          <a:ln w="19050">
+            <a:solidFill>
+              <a:schemeClr val="accent4"/>
+            </a:solidFill>
+            <a:tailEnd type="triangle"/>
+          </a:ln>
+        </p:spPr>
+        <p:style>
+          <a:lnRef idx="1">
+            <a:schemeClr val="accent1"/>
+          </a:lnRef>
+          <a:fillRef idx="0">
+            <a:schemeClr val="accent1"/>
+          </a:fillRef>
+          <a:effectRef idx="0">
+            <a:schemeClr val="accent1"/>
+          </a:effectRef>
+          <a:fontRef idx="minor">
+            <a:schemeClr val="tx1"/>
+          </a:fontRef>
+        </p:style>
+      </p:cxnSp>
+      <p:cxnSp>
+        <p:nvCxnSpPr>
+          <p:cNvPr id="24" name="Straight Arrow Connector 23"/>
+          <p:cNvCxnSpPr>
+            <a:cxnSpLocks/>
+            <a:stCxn id="2" idx="2"/>
+            <a:endCxn id="5" idx="0"/>
+          </p:cNvCxnSpPr>
+          <p:nvPr/>
+        </p:nvCxnSpPr>
+        <p:spPr>
+          <a:xfrm>
+            <a:off x="5785212" y="1161598"/>
+            <a:ext cx="2064834" cy="698255"/>
+          </a:xfrm>
+          <a:prstGeom prst="straightConnector1">
+            <a:avLst/>
+          </a:prstGeom>
+          <a:ln w="19050">
+            <a:solidFill>
+              <a:schemeClr val="accent4"/>
+            </a:solidFill>
+            <a:tailEnd type="triangle"/>
+          </a:ln>
+        </p:spPr>
+        <p:style>
+          <a:lnRef idx="1">
+            <a:schemeClr val="accent1"/>
+          </a:lnRef>
+          <a:fillRef idx="0">
+            <a:schemeClr val="accent1"/>
+          </a:fillRef>
+          <a:effectRef idx="0">
+            <a:schemeClr val="accent1"/>
+          </a:effectRef>
+          <a:fontRef idx="minor">
+            <a:schemeClr val="tx1"/>
+          </a:fontRef>
+        </p:style>
+      </p:cxnSp>
+      <p:cxnSp>
+        <p:nvCxnSpPr>
+          <p:cNvPr id="30" name="Straight Arrow Connector 29"/>
+          <p:cNvCxnSpPr>
+            <a:cxnSpLocks/>
+            <a:stCxn id="4" idx="2"/>
+            <a:endCxn id="12" idx="0"/>
+          </p:cNvCxnSpPr>
+          <p:nvPr/>
+        </p:nvCxnSpPr>
+        <p:spPr>
+          <a:xfrm>
+            <a:off x="5785212" y="2774253"/>
+            <a:ext cx="0" cy="798603"/>
+          </a:xfrm>
+          <a:prstGeom prst="straightConnector1">
+            <a:avLst/>
+          </a:prstGeom>
+          <a:ln w="19050">
+            <a:solidFill>
+              <a:schemeClr val="accent4"/>
+            </a:solidFill>
+            <a:tailEnd type="triangle"/>
+          </a:ln>
+        </p:spPr>
+        <p:style>
+          <a:lnRef idx="1">
+            <a:schemeClr val="accent1"/>
+          </a:lnRef>
+          <a:fillRef idx="0">
+            <a:schemeClr val="accent1"/>
+          </a:fillRef>
+          <a:effectRef idx="0">
+            <a:schemeClr val="accent1"/>
+          </a:effectRef>
+          <a:fontRef idx="minor">
+            <a:schemeClr val="tx1"/>
+          </a:fontRef>
+        </p:style>
+      </p:cxnSp>
+      <p:cxnSp>
+        <p:nvCxnSpPr>
+          <p:cNvPr id="33" name="Straight Arrow Connector 32"/>
+          <p:cNvCxnSpPr>
+            <a:cxnSpLocks/>
+          </p:cNvCxnSpPr>
+          <p:nvPr/>
+        </p:nvCxnSpPr>
+        <p:spPr>
+          <a:xfrm>
+            <a:off x="7850045" y="2774252"/>
+            <a:ext cx="0" cy="798603"/>
+          </a:xfrm>
+          <a:prstGeom prst="straightConnector1">
+            <a:avLst/>
+          </a:prstGeom>
+          <a:ln w="19050">
+            <a:solidFill>
+              <a:schemeClr val="accent4"/>
+            </a:solidFill>
+            <a:tailEnd type="triangle"/>
+          </a:ln>
+        </p:spPr>
+        <p:style>
+          <a:lnRef idx="1">
+            <a:schemeClr val="accent1"/>
+          </a:lnRef>
+          <a:fillRef idx="0">
+            <a:schemeClr val="accent1"/>
+          </a:fillRef>
+          <a:effectRef idx="0">
+            <a:schemeClr val="accent1"/>
+          </a:effectRef>
+          <a:fontRef idx="minor">
+            <a:schemeClr val="tx1"/>
+          </a:fontRef>
+        </p:style>
+      </p:cxnSp>
+      <p:cxnSp>
+        <p:nvCxnSpPr>
+          <p:cNvPr id="34" name="Straight Arrow Connector 33"/>
+          <p:cNvCxnSpPr>
+            <a:cxnSpLocks/>
+          </p:cNvCxnSpPr>
+          <p:nvPr/>
+        </p:nvCxnSpPr>
+        <p:spPr>
+          <a:xfrm>
+            <a:off x="3720377" y="3445727"/>
+            <a:ext cx="0" cy="127128"/>
+          </a:xfrm>
+          <a:prstGeom prst="straightConnector1">
+            <a:avLst/>
+          </a:prstGeom>
+          <a:ln w="19050">
+            <a:solidFill>
+              <a:schemeClr val="accent4"/>
+            </a:solidFill>
+            <a:tailEnd type="triangle"/>
+          </a:ln>
+        </p:spPr>
+        <p:style>
+          <a:lnRef idx="1">
+            <a:schemeClr val="accent1"/>
+          </a:lnRef>
+          <a:fillRef idx="0">
+            <a:schemeClr val="accent1"/>
+          </a:fillRef>
+          <a:effectRef idx="0">
+            <a:schemeClr val="accent1"/>
+          </a:effectRef>
+          <a:fontRef idx="minor">
+            <a:schemeClr val="tx1"/>
+          </a:fontRef>
+        </p:style>
+      </p:cxnSp>
+      <p:sp>
+        <p:nvSpPr>
+          <p:cNvPr id="17" name="TextBox 16"/>
+          <p:cNvSpPr txBox="1"/>
+          <p:nvPr/>
+        </p:nvSpPr>
+        <p:spPr>
+          <a:xfrm>
+            <a:off x="1890131" y="3090746"/>
+            <a:ext cx="2058577" cy="461665"/>
           </a:xfrm>
           <a:prstGeom prst="rect">
             <a:avLst/>
           </a:prstGeom>
-        </p:spPr>
-        <p:txBody>
-          <a:bodyPr wrap="none">
+          <a:noFill/>
+        </p:spPr>
+        <p:txBody>
+          <a:bodyPr wrap="none" rtlCol="0">
             <a:spAutoFit/>
           </a:bodyPr>
           <a:lstStyle/>
@@ -5113,216 +6555,191 @@
             <a:r>
               <a:rPr lang="en-US" sz="2400" dirty="0">
                 <a:solidFill>
-                  <a:schemeClr val="tx2"/>
+                  <a:schemeClr val="accent3"/>
                 </a:solidFill>
                 <a:latin typeface="Yanone Kaffeesatz Regular" panose="02000000000000000000" pitchFamily="2" charset="0"/>
               </a:rPr>
-              <a:t>Functional decomposition</a:t>
+              <a:t>Stateless </a:t>
+            </a:r>
+            <a:r>
+              <a:rPr lang="en-US" sz="2400" dirty="0" err="1">
+                <a:solidFill>
+                  <a:schemeClr val="accent3"/>
+                </a:solidFill>
+                <a:latin typeface="Yanone Kaffeesatz Regular" panose="02000000000000000000" pitchFamily="2" charset="0"/>
+              </a:rPr>
+              <a:t>Middletier</a:t>
             </a:r>
             <a:endParaRPr lang="de-CH" sz="2400" dirty="0">
               <a:solidFill>
-                <a:schemeClr val="tx2"/>
+                <a:schemeClr val="accent3"/>
               </a:solidFill>
+              <a:latin typeface="Yanone Kaffeesatz Regular" panose="02000000000000000000" pitchFamily="2" charset="0"/>
             </a:endParaRPr>
           </a:p>
         </p:txBody>
       </p:sp>
-      <p:grpSp>
-        <p:nvGrpSpPr>
-          <p:cNvPr id="10" name="Group 9"/>
-          <p:cNvGrpSpPr/>
+      <p:cxnSp>
+        <p:nvCxnSpPr>
+          <p:cNvPr id="37" name="Straight Connector 36"/>
+          <p:cNvCxnSpPr>
+            <a:stCxn id="3" idx="2"/>
+          </p:cNvCxnSpPr>
           <p:nvPr/>
-        </p:nvGrpSpPr>
-        <p:grpSpPr>
-          <a:xfrm>
-            <a:off x="3545018" y="1263542"/>
-            <a:ext cx="3502794" cy="4109605"/>
-            <a:chOff x="3150219" y="1162189"/>
-            <a:chExt cx="3502794" cy="4109605"/>
-          </a:xfrm>
-        </p:grpSpPr>
-        <p:sp>
-          <p:nvSpPr>
-            <p:cNvPr id="2" name="Rectangle 1"/>
-            <p:cNvSpPr/>
-            <p:nvPr/>
-          </p:nvSpPr>
-          <p:spPr>
-            <a:xfrm>
-              <a:off x="3150219" y="2319453"/>
-              <a:ext cx="2880000" cy="2880000"/>
-            </a:xfrm>
-            <a:prstGeom prst="rect">
-              <a:avLst/>
-            </a:prstGeom>
+        </p:nvCxnSpPr>
+        <p:spPr>
+          <a:xfrm flipH="1">
+            <a:off x="3720377" y="2774253"/>
+            <a:ext cx="1" cy="454025"/>
+          </a:xfrm>
+          <a:prstGeom prst="line">
+            <a:avLst/>
+          </a:prstGeom>
+          <a:ln w="19050">
             <a:solidFill>
               <a:schemeClr val="accent4"/>
             </a:solidFill>
-            <a:ln>
-              <a:solidFill>
-                <a:schemeClr val="accent3"/>
-              </a:solidFill>
-            </a:ln>
-            <a:scene3d>
-              <a:camera prst="isometricLeftDown"/>
-              <a:lightRig rig="threePt" dir="t"/>
-            </a:scene3d>
-            <a:sp3d extrusionH="2540000" contourW="25400" prstMaterial="legacyWireframe">
-              <a:bevelB/>
-              <a:contourClr>
-                <a:schemeClr val="accent3"/>
-              </a:contourClr>
-            </a:sp3d>
-          </p:spPr>
-          <p:style>
-            <a:lnRef idx="2">
-              <a:schemeClr val="accent1">
-                <a:shade val="50000"/>
-              </a:schemeClr>
-            </a:lnRef>
-            <a:fillRef idx="1">
-              <a:schemeClr val="accent1"/>
-            </a:fillRef>
-            <a:effectRef idx="0">
-              <a:schemeClr val="accent1"/>
-            </a:effectRef>
-            <a:fontRef idx="minor">
-              <a:schemeClr val="lt1"/>
-            </a:fontRef>
-          </p:style>
-          <p:txBody>
-            <a:bodyPr rtlCol="0" anchor="ctr"/>
-            <a:lstStyle/>
-            <a:p>
-              <a:pPr algn="ctr"/>
-              <a:endParaRPr lang="de-CH"/>
-            </a:p>
-          </p:txBody>
-        </p:sp>
-        <p:sp>
-          <p:nvSpPr>
-            <p:cNvPr id="3" name="TextBox 2"/>
-            <p:cNvSpPr txBox="1"/>
-            <p:nvPr/>
-          </p:nvSpPr>
-          <p:spPr>
-            <a:xfrm rot="16200000">
-              <a:off x="2774919" y="1999156"/>
-              <a:ext cx="2597264" cy="923330"/>
-            </a:xfrm>
-            <a:prstGeom prst="rect">
-              <a:avLst/>
-            </a:prstGeom>
-            <a:noFill/>
-          </p:spPr>
-          <p:txBody>
-            <a:bodyPr wrap="square" rtlCol="0">
-              <a:spAutoFit/>
-            </a:bodyPr>
-            <a:lstStyle/>
-            <a:p>
-              <a:r>
-                <a:rPr lang="en-US" dirty="0">
-                  <a:solidFill>
-                    <a:schemeClr val="tx2"/>
-                  </a:solidFill>
-                  <a:latin typeface="Yanone Kaffeesatz Regular" panose="02000000000000000000" pitchFamily="2" charset="0"/>
-                </a:rPr>
-                <a:t>Y-axis</a:t>
-              </a:r>
-            </a:p>
-            <a:p>
-              <a:r>
-                <a:rPr lang="en-US" dirty="0">
-                  <a:solidFill>
-                    <a:schemeClr val="tx2"/>
-                  </a:solidFill>
-                  <a:latin typeface="Yanone Kaffeesatz Regular" panose="02000000000000000000" pitchFamily="2" charset="0"/>
-                </a:rPr>
-                <a:t>Scale by splitting </a:t>
-              </a:r>
-              <a:br>
-                <a:rPr lang="en-US" dirty="0">
-                  <a:solidFill>
-                    <a:schemeClr val="tx2"/>
-                  </a:solidFill>
-                  <a:latin typeface="Yanone Kaffeesatz Regular" panose="02000000000000000000" pitchFamily="2" charset="0"/>
-                </a:rPr>
-              </a:br>
-              <a:r>
-                <a:rPr lang="en-US" dirty="0">
-                  <a:solidFill>
-                    <a:schemeClr val="tx2"/>
-                  </a:solidFill>
-                  <a:latin typeface="Yanone Kaffeesatz Regular" panose="02000000000000000000" pitchFamily="2" charset="0"/>
-                </a:rPr>
-                <a:t>different things</a:t>
-              </a:r>
-              <a:endParaRPr lang="de-CH" dirty="0">
-                <a:solidFill>
-                  <a:schemeClr val="tx2"/>
-                </a:solidFill>
-                <a:latin typeface="Yanone Kaffeesatz Regular" panose="02000000000000000000" pitchFamily="2" charset="0"/>
-              </a:endParaRPr>
-            </a:p>
-          </p:txBody>
-        </p:sp>
-        <p:sp>
-          <p:nvSpPr>
-            <p:cNvPr id="4" name="TextBox 3"/>
-            <p:cNvSpPr txBox="1"/>
-            <p:nvPr/>
-          </p:nvSpPr>
-          <p:spPr>
-            <a:xfrm rot="1849042">
-              <a:off x="4055749" y="4625463"/>
-              <a:ext cx="2597264" cy="646331"/>
-            </a:xfrm>
-            <a:prstGeom prst="rect">
-              <a:avLst/>
-            </a:prstGeom>
-            <a:noFill/>
-          </p:spPr>
-          <p:txBody>
-            <a:bodyPr wrap="square" rtlCol="0">
-              <a:spAutoFit/>
-            </a:bodyPr>
-            <a:lstStyle/>
-            <a:p>
-              <a:r>
-                <a:rPr lang="en-US" dirty="0">
-                  <a:solidFill>
-                    <a:schemeClr val="tx2"/>
-                  </a:solidFill>
-                  <a:latin typeface="Yanone Kaffeesatz Regular" panose="02000000000000000000" pitchFamily="2" charset="0"/>
-                </a:rPr>
-                <a:t>X-axis</a:t>
-              </a:r>
-            </a:p>
-            <a:p>
-              <a:r>
-                <a:rPr lang="en-US" dirty="0">
-                  <a:solidFill>
-                    <a:schemeClr val="tx2"/>
-                  </a:solidFill>
-                  <a:latin typeface="Yanone Kaffeesatz Regular" panose="02000000000000000000" pitchFamily="2" charset="0"/>
-                </a:rPr>
-                <a:t>Scale by cloning</a:t>
-              </a:r>
-              <a:endParaRPr lang="de-CH" dirty="0">
-                <a:solidFill>
-                  <a:schemeClr val="tx2"/>
-                </a:solidFill>
-                <a:latin typeface="Yanone Kaffeesatz Regular" panose="02000000000000000000" pitchFamily="2" charset="0"/>
-              </a:endParaRPr>
-            </a:p>
-          </p:txBody>
-        </p:sp>
-      </p:grpSp>
+          </a:ln>
+        </p:spPr>
+        <p:style>
+          <a:lnRef idx="1">
+            <a:schemeClr val="accent1"/>
+          </a:lnRef>
+          <a:fillRef idx="0">
+            <a:schemeClr val="accent1"/>
+          </a:fillRef>
+          <a:effectRef idx="0">
+            <a:schemeClr val="accent1"/>
+          </a:effectRef>
+          <a:fontRef idx="minor">
+            <a:schemeClr val="tx1"/>
+          </a:fontRef>
+        </p:style>
+      </p:cxnSp>
+      <p:cxnSp>
+        <p:nvCxnSpPr>
+          <p:cNvPr id="38" name="Straight Arrow Connector 37"/>
+          <p:cNvCxnSpPr>
+            <a:cxnSpLocks/>
+            <a:stCxn id="13" idx="2"/>
+            <a:endCxn id="15" idx="1"/>
+          </p:cNvCxnSpPr>
+          <p:nvPr/>
+        </p:nvCxnSpPr>
+        <p:spPr>
+          <a:xfrm flipH="1">
+            <a:off x="5792646" y="4487256"/>
+            <a:ext cx="2057400" cy="609446"/>
+          </a:xfrm>
+          <a:prstGeom prst="straightConnector1">
+            <a:avLst/>
+          </a:prstGeom>
+          <a:ln w="19050">
+            <a:solidFill>
+              <a:schemeClr val="accent4"/>
+            </a:solidFill>
+            <a:tailEnd type="triangle"/>
+          </a:ln>
+        </p:spPr>
+        <p:style>
+          <a:lnRef idx="1">
+            <a:schemeClr val="accent1"/>
+          </a:lnRef>
+          <a:fillRef idx="0">
+            <a:schemeClr val="accent1"/>
+          </a:fillRef>
+          <a:effectRef idx="0">
+            <a:schemeClr val="accent1"/>
+          </a:effectRef>
+          <a:fontRef idx="minor">
+            <a:schemeClr val="tx1"/>
+          </a:fontRef>
+        </p:style>
+      </p:cxnSp>
+      <p:cxnSp>
+        <p:nvCxnSpPr>
+          <p:cNvPr id="42" name="Straight Arrow Connector 41"/>
+          <p:cNvCxnSpPr>
+            <a:cxnSpLocks/>
+            <a:stCxn id="12" idx="2"/>
+            <a:endCxn id="15" idx="1"/>
+          </p:cNvCxnSpPr>
+          <p:nvPr/>
+        </p:nvCxnSpPr>
+        <p:spPr>
+          <a:xfrm>
+            <a:off x="5785212" y="4487256"/>
+            <a:ext cx="7434" cy="609446"/>
+          </a:xfrm>
+          <a:prstGeom prst="straightConnector1">
+            <a:avLst/>
+          </a:prstGeom>
+          <a:ln w="19050">
+            <a:solidFill>
+              <a:schemeClr val="accent4"/>
+            </a:solidFill>
+            <a:tailEnd type="triangle"/>
+          </a:ln>
+        </p:spPr>
+        <p:style>
+          <a:lnRef idx="1">
+            <a:schemeClr val="accent1"/>
+          </a:lnRef>
+          <a:fillRef idx="0">
+            <a:schemeClr val="accent1"/>
+          </a:fillRef>
+          <a:effectRef idx="0">
+            <a:schemeClr val="accent1"/>
+          </a:effectRef>
+          <a:fontRef idx="minor">
+            <a:schemeClr val="tx1"/>
+          </a:fontRef>
+        </p:style>
+      </p:cxnSp>
+      <p:cxnSp>
+        <p:nvCxnSpPr>
+          <p:cNvPr id="45" name="Straight Arrow Connector 44"/>
+          <p:cNvCxnSpPr>
+            <a:cxnSpLocks/>
+            <a:stCxn id="11" idx="2"/>
+            <a:endCxn id="15" idx="1"/>
+          </p:cNvCxnSpPr>
+          <p:nvPr/>
+        </p:nvCxnSpPr>
+        <p:spPr>
+          <a:xfrm>
+            <a:off x="3720378" y="4487256"/>
+            <a:ext cx="2072268" cy="609446"/>
+          </a:xfrm>
+          <a:prstGeom prst="straightConnector1">
+            <a:avLst/>
+          </a:prstGeom>
+          <a:ln w="19050">
+            <a:solidFill>
+              <a:schemeClr val="accent4"/>
+            </a:solidFill>
+            <a:tailEnd type="triangle"/>
+          </a:ln>
+        </p:spPr>
+        <p:style>
+          <a:lnRef idx="1">
+            <a:schemeClr val="accent1"/>
+          </a:lnRef>
+          <a:fillRef idx="0">
+            <a:schemeClr val="accent1"/>
+          </a:fillRef>
+          <a:effectRef idx="0">
+            <a:schemeClr val="accent1"/>
+          </a:effectRef>
+          <a:fontRef idx="minor">
+            <a:schemeClr val="tx1"/>
+          </a:fontRef>
+        </p:style>
+      </p:cxnSp>
     </p:spTree>
     <p:extLst>
       <p:ext uri="{BB962C8B-B14F-4D97-AF65-F5344CB8AC3E}">
-        <p14:creationId xmlns:p14="http://schemas.microsoft.com/office/powerpoint/2010/main" val="3590353592"/>
+        <p14:creationId xmlns:p14="http://schemas.microsoft.com/office/powerpoint/2010/main" val="3804303182"/>
       </p:ext>
     </p:extLst>
   </p:cSld>
@@ -5351,6 +6768,154 @@
       </p:grpSpPr>
       <p:sp>
         <p:nvSpPr>
+          <p:cNvPr id="3" name="Rectangle 2"/>
+          <p:cNvSpPr/>
+          <p:nvPr/>
+        </p:nvSpPr>
+        <p:spPr>
+          <a:xfrm>
+            <a:off x="665638" y="2189884"/>
+            <a:ext cx="10931198" cy="2646878"/>
+          </a:xfrm>
+          <a:prstGeom prst="rect">
+            <a:avLst/>
+          </a:prstGeom>
+        </p:spPr>
+        <p:txBody>
+          <a:bodyPr wrap="none">
+            <a:spAutoFit/>
+          </a:bodyPr>
+          <a:lstStyle/>
+          <a:p>
+            <a:r>
+              <a:rPr lang="de-CH" sz="16600" dirty="0">
+                <a:solidFill>
+                  <a:schemeClr val="accent2"/>
+                </a:solidFill>
+                <a:latin typeface="Yanone Kaffeesatz Regular" panose="02000000000000000000" pitchFamily="2" charset="0"/>
+              </a:rPr>
+              <a:t> Mandy </a:t>
+            </a:r>
+            <a:r>
+              <a:rPr lang="de-CH" sz="16600" dirty="0" err="1">
+                <a:solidFill>
+                  <a:schemeClr val="accent2"/>
+                </a:solidFill>
+                <a:latin typeface="Yanone Kaffeesatz Regular" panose="02000000000000000000" pitchFamily="2" charset="0"/>
+              </a:rPr>
+              <a:t>spoke</a:t>
+            </a:r>
+            <a:r>
+              <a:rPr lang="de-CH" sz="16600" dirty="0">
+                <a:solidFill>
+                  <a:schemeClr val="accent2"/>
+                </a:solidFill>
+                <a:latin typeface="Yanone Kaffeesatz Regular" panose="02000000000000000000" pitchFamily="2" charset="0"/>
+              </a:rPr>
+              <a:t> </a:t>
+            </a:r>
+            <a:r>
+              <a:rPr lang="de-CH" sz="16600" dirty="0" err="1">
+                <a:solidFill>
+                  <a:schemeClr val="accent2"/>
+                </a:solidFill>
+                <a:latin typeface="Yanone Kaffeesatz Regular" panose="02000000000000000000" pitchFamily="2" charset="0"/>
+              </a:rPr>
+              <a:t>up</a:t>
+            </a:r>
+            <a:endParaRPr lang="de-CH" sz="16600" dirty="0">
+              <a:solidFill>
+                <a:schemeClr val="accent2"/>
+              </a:solidFill>
+              <a:latin typeface="Yanone Kaffeesatz Regular" panose="02000000000000000000" pitchFamily="2" charset="0"/>
+            </a:endParaRPr>
+          </a:p>
+        </p:txBody>
+      </p:sp>
+      <p:sp>
+        <p:nvSpPr>
+          <p:cNvPr id="2" name="Rectangle 1"/>
+          <p:cNvSpPr/>
+          <p:nvPr/>
+        </p:nvSpPr>
+        <p:spPr>
+          <a:xfrm>
+            <a:off x="855072" y="620224"/>
+            <a:ext cx="3600666" cy="1569660"/>
+          </a:xfrm>
+          <a:prstGeom prst="rect">
+            <a:avLst/>
+          </a:prstGeom>
+        </p:spPr>
+        <p:txBody>
+          <a:bodyPr wrap="none">
+            <a:spAutoFit/>
+          </a:bodyPr>
+          <a:lstStyle/>
+          <a:p>
+            <a:r>
+              <a:rPr lang="de-CH" sz="9600" dirty="0" err="1">
+                <a:solidFill>
+                  <a:schemeClr val="tx2"/>
+                </a:solidFill>
+                <a:latin typeface="Yanone Kaffeesatz Regular" panose="02000000000000000000" pitchFamily="2" charset="0"/>
+              </a:rPr>
+              <a:t>and</a:t>
+            </a:r>
+            <a:r>
+              <a:rPr lang="de-CH" sz="9600" dirty="0">
+                <a:solidFill>
+                  <a:schemeClr val="tx2"/>
+                </a:solidFill>
+                <a:latin typeface="Yanone Kaffeesatz Regular" panose="02000000000000000000" pitchFamily="2" charset="0"/>
+              </a:rPr>
+              <a:t> </a:t>
+            </a:r>
+            <a:r>
+              <a:rPr lang="de-CH" sz="9600" dirty="0" err="1">
+                <a:solidFill>
+                  <a:schemeClr val="tx2"/>
+                </a:solidFill>
+                <a:latin typeface="Yanone Kaffeesatz Regular" panose="02000000000000000000" pitchFamily="2" charset="0"/>
+              </a:rPr>
+              <a:t>then</a:t>
+            </a:r>
+            <a:endParaRPr lang="de-CH" dirty="0"/>
+          </a:p>
+        </p:txBody>
+      </p:sp>
+    </p:spTree>
+    <p:extLst>
+      <p:ext uri="{BB962C8B-B14F-4D97-AF65-F5344CB8AC3E}">
+        <p14:creationId xmlns:p14="http://schemas.microsoft.com/office/powerpoint/2010/main" val="4042377243"/>
+      </p:ext>
+    </p:extLst>
+  </p:cSld>
+  <p:clrMapOvr>
+    <a:masterClrMapping/>
+  </p:clrMapOvr>
+</p:sld>
+</file>
+
+<file path=ppt/slides/slide12.xml><?xml version="1.0" encoding="utf-8"?>
+<p:sld xmlns:a="http://schemas.openxmlformats.org/drawingml/2006/main" xmlns:r="http://schemas.openxmlformats.org/officeDocument/2006/relationships" xmlns:p="http://schemas.openxmlformats.org/presentationml/2006/main">
+  <p:cSld>
+    <p:spTree>
+      <p:nvGrpSpPr>
+        <p:cNvPr id="1" name=""/>
+        <p:cNvGrpSpPr/>
+        <p:nvPr/>
+      </p:nvGrpSpPr>
+      <p:grpSpPr>
+        <a:xfrm>
+          <a:off x="0" y="0"/>
+          <a:ext cx="0" cy="0"/>
+          <a:chOff x="0" y="0"/>
+          <a:chExt cx="0" cy="0"/>
+        </a:xfrm>
+      </p:grpSpPr>
+      <p:sp>
+        <p:nvSpPr>
           <p:cNvPr id="2" name="Rectangle 1"/>
           <p:cNvSpPr/>
           <p:nvPr/>
@@ -6477,7 +8042,7 @@
 </p:sld>
 </file>
 
-<file path=ppt/slides/slide12.xml><?xml version="1.0" encoding="utf-8"?>
+<file path=ppt/slides/slide13.xml><?xml version="1.0" encoding="utf-8"?>
 <p:sld xmlns:a="http://schemas.openxmlformats.org/drawingml/2006/main" xmlns:r="http://schemas.openxmlformats.org/officeDocument/2006/relationships" xmlns:p="http://schemas.openxmlformats.org/presentationml/2006/main">
   <p:cSld>
     <p:spTree>
@@ -6904,105 +8469,6 @@
 </p:sld>
 </file>
 
-<file path=ppt/slides/slide13.xml><?xml version="1.0" encoding="utf-8"?>
-<p:sld xmlns:a="http://schemas.openxmlformats.org/drawingml/2006/main" xmlns:r="http://schemas.openxmlformats.org/officeDocument/2006/relationships" xmlns:p="http://schemas.openxmlformats.org/presentationml/2006/main">
-  <p:cSld>
-    <p:spTree>
-      <p:nvGrpSpPr>
-        <p:cNvPr id="1" name=""/>
-        <p:cNvGrpSpPr/>
-        <p:nvPr/>
-      </p:nvGrpSpPr>
-      <p:grpSpPr>
-        <a:xfrm>
-          <a:off x="0" y="0"/>
-          <a:ext cx="0" cy="0"/>
-          <a:chOff x="0" y="0"/>
-          <a:chExt cx="0" cy="0"/>
-        </a:xfrm>
-      </p:grpSpPr>
-      <p:sp>
-        <p:nvSpPr>
-          <p:cNvPr id="5" name="Rectangle 4"/>
-          <p:cNvSpPr/>
-          <p:nvPr/>
-        </p:nvSpPr>
-        <p:spPr>
-          <a:xfrm>
-            <a:off x="0" y="1952437"/>
-            <a:ext cx="4999912" cy="2646878"/>
-          </a:xfrm>
-          <a:prstGeom prst="rect">
-            <a:avLst/>
-          </a:prstGeom>
-        </p:spPr>
-        <p:txBody>
-          <a:bodyPr wrap="square">
-            <a:spAutoFit/>
-          </a:bodyPr>
-          <a:lstStyle/>
-          <a:p>
-            <a:pPr algn="ctr"/>
-            <a:r>
-              <a:rPr lang="en-US" sz="16600" dirty="0">
-                <a:solidFill>
-                  <a:schemeClr val="accent2"/>
-                </a:solidFill>
-                <a:latin typeface="Yanone Kaffeesatz Regular" panose="02000000000000000000" pitchFamily="2" charset="0"/>
-              </a:rPr>
-              <a:t>Recap</a:t>
-            </a:r>
-            <a:endParaRPr lang="de-CH" dirty="0"/>
-          </a:p>
-        </p:txBody>
-      </p:sp>
-      <p:sp>
-        <p:nvSpPr>
-          <p:cNvPr id="7" name="Rectangle 6"/>
-          <p:cNvSpPr/>
-          <p:nvPr/>
-        </p:nvSpPr>
-        <p:spPr>
-          <a:xfrm>
-            <a:off x="1" y="4399885"/>
-            <a:ext cx="6494332" cy="1200329"/>
-          </a:xfrm>
-          <a:prstGeom prst="rect">
-            <a:avLst/>
-          </a:prstGeom>
-        </p:spPr>
-        <p:txBody>
-          <a:bodyPr wrap="square">
-            <a:spAutoFit/>
-          </a:bodyPr>
-          <a:lstStyle/>
-          <a:p>
-            <a:pPr algn="ctr"/>
-            <a:r>
-              <a:rPr lang="en-US" sz="7200" dirty="0">
-                <a:solidFill>
-                  <a:schemeClr val="accent3"/>
-                </a:solidFill>
-                <a:latin typeface="Yanone Kaffeesatz Regular" panose="02000000000000000000" pitchFamily="2" charset="0"/>
-              </a:rPr>
-              <a:t>reminder</a:t>
-            </a:r>
-          </a:p>
-        </p:txBody>
-      </p:sp>
-    </p:spTree>
-    <p:extLst>
-      <p:ext uri="{BB962C8B-B14F-4D97-AF65-F5344CB8AC3E}">
-        <p14:creationId xmlns:p14="http://schemas.microsoft.com/office/powerpoint/2010/main" val="2436182924"/>
-      </p:ext>
-    </p:extLst>
-  </p:cSld>
-  <p:clrMapOvr>
-    <a:masterClrMapping/>
-  </p:clrMapOvr>
-</p:sld>
-</file>
-
 <file path=ppt/slides/slide14.xml><?xml version="1.0" encoding="utf-8"?>
 <p:sld xmlns:a="http://schemas.openxmlformats.org/drawingml/2006/main" xmlns:r="http://schemas.openxmlformats.org/officeDocument/2006/relationships" xmlns:p="http://schemas.openxmlformats.org/presentationml/2006/main">
   <p:cSld>
@@ -7028,42 +8494,107 @@
         </p:nvSpPr>
         <p:spPr>
           <a:xfrm>
-            <a:off x="1064014" y="3127733"/>
-            <a:ext cx="9860392" cy="923330"/>
+            <a:off x="4813060" y="247198"/>
+            <a:ext cx="1944303" cy="914400"/>
           </a:xfrm>
           <a:prstGeom prst="rect">
             <a:avLst/>
           </a:prstGeom>
-        </p:spPr>
-        <p:txBody>
-          <a:bodyPr wrap="none">
-            <a:spAutoFit/>
+          <a:solidFill>
+            <a:schemeClr val="tx2"/>
+          </a:solidFill>
+          <a:ln>
+            <a:noFill/>
+          </a:ln>
+        </p:spPr>
+        <p:style>
+          <a:lnRef idx="2">
+            <a:schemeClr val="accent1">
+              <a:shade val="50000"/>
+            </a:schemeClr>
+          </a:lnRef>
+          <a:fillRef idx="1">
+            <a:schemeClr val="accent1"/>
+          </a:fillRef>
+          <a:effectRef idx="0">
+            <a:schemeClr val="accent1"/>
+          </a:effectRef>
+          <a:fontRef idx="minor">
+            <a:schemeClr val="lt1"/>
+          </a:fontRef>
+        </p:style>
+        <p:txBody>
+          <a:bodyPr rtlCol="0" anchor="ctr"/>
+          <a:lstStyle/>
+          <a:p>
+            <a:pPr algn="ctr"/>
+            <a:r>
+              <a:rPr lang="en-US" sz="2400" dirty="0" err="1">
+                <a:latin typeface="Yanone Kaffeesatz Light" panose="02000000000000000000" pitchFamily="2" charset="0"/>
+              </a:rPr>
+              <a:t>Loadbalancer</a:t>
+            </a:r>
+            <a:endParaRPr lang="de-CH" sz="1200" dirty="0">
+              <a:latin typeface="Yanone Kaffeesatz Light" panose="02000000000000000000" pitchFamily="2" charset="0"/>
+            </a:endParaRPr>
+          </a:p>
+        </p:txBody>
+      </p:sp>
+      <p:sp>
+        <p:nvSpPr>
+          <p:cNvPr id="3" name="Rectangle 2"/>
+          <p:cNvSpPr/>
+          <p:nvPr/>
+        </p:nvSpPr>
+        <p:spPr>
+          <a:xfrm>
+            <a:off x="2748226" y="1859853"/>
+            <a:ext cx="1944303" cy="914400"/>
+          </a:xfrm>
+          <a:prstGeom prst="rect">
+            <a:avLst/>
+          </a:prstGeom>
+          <a:solidFill>
+            <a:schemeClr val="tx2"/>
+          </a:solidFill>
+          <a:ln>
+            <a:noFill/>
+          </a:ln>
+        </p:spPr>
+        <p:style>
+          <a:lnRef idx="2">
+            <a:schemeClr val="accent1">
+              <a:shade val="50000"/>
+            </a:schemeClr>
+          </a:lnRef>
+          <a:fillRef idx="1">
+            <a:schemeClr val="accent1"/>
+          </a:fillRef>
+          <a:effectRef idx="0">
+            <a:schemeClr val="accent1"/>
+          </a:effectRef>
+          <a:fontRef idx="minor">
+            <a:schemeClr val="lt1"/>
+          </a:fontRef>
+        </p:style>
+        <p:txBody>
+          <a:bodyPr rot="0" spcFirstLastPara="0" vertOverflow="overflow" horzOverflow="overflow" vert="horz" wrap="square" lIns="91440" tIns="45720" rIns="91440" bIns="45720" numCol="1" spcCol="0" rtlCol="0" fromWordArt="0" anchor="ctr" anchorCtr="0" forceAA="0" compatLnSpc="1">
+            <a:prstTxWarp prst="textNoShape">
+              <a:avLst/>
+            </a:prstTxWarp>
+            <a:noAutofit/>
           </a:bodyPr>
           <a:lstStyle/>
           <a:p>
-            <a:r>
-              <a:rPr lang="en-US" sz="3600" dirty="0">
-                <a:solidFill>
-                  <a:schemeClr val="tx2"/>
-                </a:solidFill>
-                <a:latin typeface="Yanone Kaffeesatz Regular" panose="02000000000000000000" pitchFamily="2" charset="0"/>
+            <a:pPr algn="ctr"/>
+            <a:r>
+              <a:rPr lang="en-US" sz="2400" dirty="0">
+                <a:latin typeface="Yanone Kaffeesatz Light" panose="02000000000000000000" pitchFamily="2" charset="0"/>
               </a:rPr>
-              <a:t>github.com/danielmarbach/</a:t>
-            </a:r>
-            <a:r>
-              <a:rPr lang="en-US" sz="5400" dirty="0" err="1">
-                <a:solidFill>
-                  <a:schemeClr val="accent4"/>
-                </a:solidFill>
-                <a:latin typeface="Yanone Kaffeesatz Regular" panose="02000000000000000000" pitchFamily="2" charset="0"/>
-              </a:rPr>
-              <a:t>Microservices.ServiceFabric</a:t>
-            </a:r>
-            <a:endParaRPr lang="de-CH" sz="5400" dirty="0">
-              <a:solidFill>
-                <a:schemeClr val="accent4"/>
-              </a:solidFill>
-              <a:latin typeface="Yanone Kaffeesatz Regular" panose="02000000000000000000" pitchFamily="2" charset="0"/>
+              <a:t>FrontEnd1</a:t>
+            </a:r>
+            <a:endParaRPr lang="de-CH" sz="2400" dirty="0">
+              <a:latin typeface="Yanone Kaffeesatz Light" panose="02000000000000000000" pitchFamily="2" charset="0"/>
             </a:endParaRPr>
           </a:p>
         </p:txBody>
@@ -7076,36 +8607,1061 @@
         </p:nvSpPr>
         <p:spPr>
           <a:xfrm>
-            <a:off x="1064014" y="1124536"/>
-            <a:ext cx="6463629" cy="1862048"/>
+            <a:off x="4813060" y="1859853"/>
+            <a:ext cx="1944303" cy="914400"/>
           </a:xfrm>
           <a:prstGeom prst="rect">
             <a:avLst/>
           </a:prstGeom>
-        </p:spPr>
-        <p:txBody>
-          <a:bodyPr wrap="none">
-            <a:spAutoFit/>
+          <a:solidFill>
+            <a:schemeClr val="tx2"/>
+          </a:solidFill>
+          <a:ln>
+            <a:noFill/>
+          </a:ln>
+        </p:spPr>
+        <p:style>
+          <a:lnRef idx="2">
+            <a:schemeClr val="accent1">
+              <a:shade val="50000"/>
+            </a:schemeClr>
+          </a:lnRef>
+          <a:fillRef idx="1">
+            <a:schemeClr val="accent1"/>
+          </a:fillRef>
+          <a:effectRef idx="0">
+            <a:schemeClr val="accent1"/>
+          </a:effectRef>
+          <a:fontRef idx="minor">
+            <a:schemeClr val="lt1"/>
+          </a:fontRef>
+        </p:style>
+        <p:txBody>
+          <a:bodyPr rot="0" spcFirstLastPara="0" vertOverflow="overflow" horzOverflow="overflow" vert="horz" wrap="square" lIns="91440" tIns="45720" rIns="91440" bIns="45720" numCol="1" spcCol="0" rtlCol="0" fromWordArt="0" anchor="ctr" anchorCtr="0" forceAA="0" compatLnSpc="1">
+            <a:prstTxWarp prst="textNoShape">
+              <a:avLst/>
+            </a:prstTxWarp>
+            <a:noAutofit/>
           </a:bodyPr>
           <a:lstStyle/>
           <a:p>
-            <a:r>
-              <a:rPr lang="en-US" sz="11500" dirty="0">
+            <a:pPr algn="ctr"/>
+            <a:r>
+              <a:rPr lang="en-US" sz="2400" dirty="0">
+                <a:latin typeface="Yanone Kaffeesatz Light" panose="02000000000000000000" pitchFamily="2" charset="0"/>
+              </a:rPr>
+              <a:t>FrontEnd2</a:t>
+            </a:r>
+            <a:endParaRPr lang="de-CH" sz="2400" dirty="0">
+              <a:latin typeface="Yanone Kaffeesatz Light" panose="02000000000000000000" pitchFamily="2" charset="0"/>
+            </a:endParaRPr>
+          </a:p>
+        </p:txBody>
+      </p:sp>
+      <p:sp>
+        <p:nvSpPr>
+          <p:cNvPr id="5" name="Rectangle 4"/>
+          <p:cNvSpPr/>
+          <p:nvPr/>
+        </p:nvSpPr>
+        <p:spPr>
+          <a:xfrm>
+            <a:off x="6877894" y="1859853"/>
+            <a:ext cx="1944303" cy="914400"/>
+          </a:xfrm>
+          <a:prstGeom prst="rect">
+            <a:avLst/>
+          </a:prstGeom>
+          <a:solidFill>
+            <a:schemeClr val="tx2"/>
+          </a:solidFill>
+          <a:ln>
+            <a:noFill/>
+          </a:ln>
+        </p:spPr>
+        <p:style>
+          <a:lnRef idx="2">
+            <a:schemeClr val="accent1">
+              <a:shade val="50000"/>
+            </a:schemeClr>
+          </a:lnRef>
+          <a:fillRef idx="1">
+            <a:schemeClr val="accent1"/>
+          </a:fillRef>
+          <a:effectRef idx="0">
+            <a:schemeClr val="accent1"/>
+          </a:effectRef>
+          <a:fontRef idx="minor">
+            <a:schemeClr val="lt1"/>
+          </a:fontRef>
+        </p:style>
+        <p:txBody>
+          <a:bodyPr rot="0" spcFirstLastPara="0" vertOverflow="overflow" horzOverflow="overflow" vert="horz" wrap="square" lIns="91440" tIns="45720" rIns="91440" bIns="45720" numCol="1" spcCol="0" rtlCol="0" fromWordArt="0" anchor="ctr" anchorCtr="0" forceAA="0" compatLnSpc="1">
+            <a:prstTxWarp prst="textNoShape">
+              <a:avLst/>
+            </a:prstTxWarp>
+            <a:noAutofit/>
+          </a:bodyPr>
+          <a:lstStyle/>
+          <a:p>
+            <a:pPr algn="ctr"/>
+            <a:r>
+              <a:rPr lang="en-US" sz="2400" dirty="0">
+                <a:latin typeface="Yanone Kaffeesatz Light" panose="02000000000000000000" pitchFamily="2" charset="0"/>
+              </a:rPr>
+              <a:t>FrontEnd3</a:t>
+            </a:r>
+            <a:endParaRPr lang="de-CH" sz="2400" dirty="0">
+              <a:latin typeface="Yanone Kaffeesatz Light" panose="02000000000000000000" pitchFamily="2" charset="0"/>
+            </a:endParaRPr>
+          </a:p>
+        </p:txBody>
+      </p:sp>
+      <p:sp>
+        <p:nvSpPr>
+          <p:cNvPr id="6" name="Rectangle 5"/>
+          <p:cNvSpPr/>
+          <p:nvPr/>
+        </p:nvSpPr>
+        <p:spPr>
+          <a:xfrm>
+            <a:off x="1890132" y="1321419"/>
+            <a:ext cx="8157117" cy="1689410"/>
+          </a:xfrm>
+          <a:prstGeom prst="rect">
+            <a:avLst/>
+          </a:prstGeom>
+          <a:noFill/>
+          <a:ln w="19050">
+            <a:solidFill>
+              <a:schemeClr val="accent3"/>
+            </a:solidFill>
+          </a:ln>
+        </p:spPr>
+        <p:style>
+          <a:lnRef idx="2">
+            <a:schemeClr val="accent1">
+              <a:shade val="50000"/>
+            </a:schemeClr>
+          </a:lnRef>
+          <a:fillRef idx="1">
+            <a:schemeClr val="accent1"/>
+          </a:fillRef>
+          <a:effectRef idx="0">
+            <a:schemeClr val="accent1"/>
+          </a:effectRef>
+          <a:fontRef idx="minor">
+            <a:schemeClr val="lt1"/>
+          </a:fontRef>
+        </p:style>
+        <p:txBody>
+          <a:bodyPr rtlCol="0" anchor="ctr"/>
+          <a:lstStyle/>
+          <a:p>
+            <a:pPr algn="ctr"/>
+            <a:endParaRPr lang="de-CH"/>
+          </a:p>
+        </p:txBody>
+      </p:sp>
+      <p:sp>
+        <p:nvSpPr>
+          <p:cNvPr id="7" name="Rectangle 6"/>
+          <p:cNvSpPr/>
+          <p:nvPr/>
+        </p:nvSpPr>
+        <p:spPr>
+          <a:xfrm>
+            <a:off x="1890131" y="3090746"/>
+            <a:ext cx="8157117" cy="1689410"/>
+          </a:xfrm>
+          <a:prstGeom prst="rect">
+            <a:avLst/>
+          </a:prstGeom>
+          <a:noFill/>
+          <a:ln w="19050">
+            <a:solidFill>
+              <a:schemeClr val="accent3"/>
+            </a:solidFill>
+          </a:ln>
+        </p:spPr>
+        <p:style>
+          <a:lnRef idx="2">
+            <a:schemeClr val="accent1">
+              <a:shade val="50000"/>
+            </a:schemeClr>
+          </a:lnRef>
+          <a:fillRef idx="1">
+            <a:schemeClr val="accent1"/>
+          </a:fillRef>
+          <a:effectRef idx="0">
+            <a:schemeClr val="accent1"/>
+          </a:effectRef>
+          <a:fontRef idx="minor">
+            <a:schemeClr val="lt1"/>
+          </a:fontRef>
+        </p:style>
+        <p:txBody>
+          <a:bodyPr rtlCol="0" anchor="ctr"/>
+          <a:lstStyle/>
+          <a:p>
+            <a:pPr algn="ctr"/>
+            <a:endParaRPr lang="de-CH"/>
+          </a:p>
+        </p:txBody>
+      </p:sp>
+      <p:sp>
+        <p:nvSpPr>
+          <p:cNvPr id="8" name="Rectangle 7"/>
+          <p:cNvSpPr/>
+          <p:nvPr/>
+        </p:nvSpPr>
+        <p:spPr>
+          <a:xfrm>
+            <a:off x="1890131" y="4860073"/>
+            <a:ext cx="8157117" cy="1689410"/>
+          </a:xfrm>
+          <a:prstGeom prst="rect">
+            <a:avLst/>
+          </a:prstGeom>
+          <a:noFill/>
+          <a:ln w="19050">
+            <a:solidFill>
+              <a:schemeClr val="accent3"/>
+            </a:solidFill>
+          </a:ln>
+        </p:spPr>
+        <p:style>
+          <a:lnRef idx="2">
+            <a:schemeClr val="accent1">
+              <a:shade val="50000"/>
+            </a:schemeClr>
+          </a:lnRef>
+          <a:fillRef idx="1">
+            <a:schemeClr val="accent1"/>
+          </a:fillRef>
+          <a:effectRef idx="0">
+            <a:schemeClr val="accent1"/>
+          </a:effectRef>
+          <a:fontRef idx="minor">
+            <a:schemeClr val="lt1"/>
+          </a:fontRef>
+        </p:style>
+        <p:txBody>
+          <a:bodyPr rtlCol="0" anchor="ctr"/>
+          <a:lstStyle/>
+          <a:p>
+            <a:pPr algn="ctr"/>
+            <a:endParaRPr lang="de-CH"/>
+          </a:p>
+        </p:txBody>
+      </p:sp>
+      <p:sp>
+        <p:nvSpPr>
+          <p:cNvPr id="11" name="Rectangle 10"/>
+          <p:cNvSpPr/>
+          <p:nvPr/>
+        </p:nvSpPr>
+        <p:spPr>
+          <a:xfrm>
+            <a:off x="2748226" y="3572856"/>
+            <a:ext cx="1944303" cy="914400"/>
+          </a:xfrm>
+          <a:prstGeom prst="rect">
+            <a:avLst/>
+          </a:prstGeom>
+          <a:solidFill>
+            <a:schemeClr val="tx2"/>
+          </a:solidFill>
+          <a:ln>
+            <a:noFill/>
+          </a:ln>
+        </p:spPr>
+        <p:style>
+          <a:lnRef idx="2">
+            <a:schemeClr val="accent1">
+              <a:shade val="50000"/>
+            </a:schemeClr>
+          </a:lnRef>
+          <a:fillRef idx="1">
+            <a:schemeClr val="accent1"/>
+          </a:fillRef>
+          <a:effectRef idx="0">
+            <a:schemeClr val="accent1"/>
+          </a:effectRef>
+          <a:fontRef idx="minor">
+            <a:schemeClr val="lt1"/>
+          </a:fontRef>
+        </p:style>
+        <p:txBody>
+          <a:bodyPr rot="0" spcFirstLastPara="0" vertOverflow="overflow" horzOverflow="overflow" vert="horz" wrap="square" lIns="91440" tIns="45720" rIns="91440" bIns="45720" numCol="1" spcCol="0" rtlCol="0" fromWordArt="0" anchor="ctr" anchorCtr="0" forceAA="0" compatLnSpc="1">
+            <a:prstTxWarp prst="textNoShape">
+              <a:avLst/>
+            </a:prstTxWarp>
+            <a:noAutofit/>
+          </a:bodyPr>
+          <a:lstStyle/>
+          <a:p>
+            <a:pPr algn="ctr"/>
+            <a:r>
+              <a:rPr lang="en-US" sz="2400" dirty="0">
+                <a:latin typeface="Yanone Kaffeesatz Light" panose="02000000000000000000" pitchFamily="2" charset="0"/>
+              </a:rPr>
+              <a:t>Stateful1</a:t>
+            </a:r>
+            <a:endParaRPr lang="de-CH" sz="2400" dirty="0">
+              <a:latin typeface="Yanone Kaffeesatz Light" panose="02000000000000000000" pitchFamily="2" charset="0"/>
+            </a:endParaRPr>
+          </a:p>
+        </p:txBody>
+      </p:sp>
+      <p:sp>
+        <p:nvSpPr>
+          <p:cNvPr id="12" name="Rectangle 11"/>
+          <p:cNvSpPr/>
+          <p:nvPr/>
+        </p:nvSpPr>
+        <p:spPr>
+          <a:xfrm>
+            <a:off x="4813060" y="3572856"/>
+            <a:ext cx="1944303" cy="914400"/>
+          </a:xfrm>
+          <a:prstGeom prst="rect">
+            <a:avLst/>
+          </a:prstGeom>
+          <a:solidFill>
+            <a:schemeClr val="tx2"/>
+          </a:solidFill>
+          <a:ln>
+            <a:noFill/>
+          </a:ln>
+        </p:spPr>
+        <p:style>
+          <a:lnRef idx="2">
+            <a:schemeClr val="accent1">
+              <a:shade val="50000"/>
+            </a:schemeClr>
+          </a:lnRef>
+          <a:fillRef idx="1">
+            <a:schemeClr val="accent1"/>
+          </a:fillRef>
+          <a:effectRef idx="0">
+            <a:schemeClr val="accent1"/>
+          </a:effectRef>
+          <a:fontRef idx="minor">
+            <a:schemeClr val="lt1"/>
+          </a:fontRef>
+        </p:style>
+        <p:txBody>
+          <a:bodyPr rot="0" spcFirstLastPara="0" vertOverflow="overflow" horzOverflow="overflow" vert="horz" wrap="square" lIns="91440" tIns="45720" rIns="91440" bIns="45720" numCol="1" spcCol="0" rtlCol="0" fromWordArt="0" anchor="ctr" anchorCtr="0" forceAA="0" compatLnSpc="1">
+            <a:prstTxWarp prst="textNoShape">
+              <a:avLst/>
+            </a:prstTxWarp>
+            <a:noAutofit/>
+          </a:bodyPr>
+          <a:lstStyle/>
+          <a:p>
+            <a:pPr algn="ctr"/>
+            <a:r>
+              <a:rPr lang="en-US" sz="2400" dirty="0">
+                <a:latin typeface="Yanone Kaffeesatz Light" panose="02000000000000000000" pitchFamily="2" charset="0"/>
+              </a:rPr>
+              <a:t>Stateful2</a:t>
+            </a:r>
+            <a:endParaRPr lang="de-CH" sz="2400" dirty="0">
+              <a:latin typeface="Yanone Kaffeesatz Light" panose="02000000000000000000" pitchFamily="2" charset="0"/>
+            </a:endParaRPr>
+          </a:p>
+        </p:txBody>
+      </p:sp>
+      <p:sp>
+        <p:nvSpPr>
+          <p:cNvPr id="13" name="Rectangle 12"/>
+          <p:cNvSpPr/>
+          <p:nvPr/>
+        </p:nvSpPr>
+        <p:spPr>
+          <a:xfrm>
+            <a:off x="6877894" y="3572856"/>
+            <a:ext cx="1944303" cy="914400"/>
+          </a:xfrm>
+          <a:prstGeom prst="rect">
+            <a:avLst/>
+          </a:prstGeom>
+          <a:solidFill>
+            <a:schemeClr val="tx2"/>
+          </a:solidFill>
+          <a:ln>
+            <a:noFill/>
+          </a:ln>
+        </p:spPr>
+        <p:style>
+          <a:lnRef idx="2">
+            <a:schemeClr val="accent1">
+              <a:shade val="50000"/>
+            </a:schemeClr>
+          </a:lnRef>
+          <a:fillRef idx="1">
+            <a:schemeClr val="accent1"/>
+          </a:fillRef>
+          <a:effectRef idx="0">
+            <a:schemeClr val="accent1"/>
+          </a:effectRef>
+          <a:fontRef idx="minor">
+            <a:schemeClr val="lt1"/>
+          </a:fontRef>
+        </p:style>
+        <p:txBody>
+          <a:bodyPr rot="0" spcFirstLastPara="0" vertOverflow="overflow" horzOverflow="overflow" vert="horz" wrap="square" lIns="91440" tIns="45720" rIns="91440" bIns="45720" numCol="1" spcCol="0" rtlCol="0" fromWordArt="0" anchor="ctr" anchorCtr="0" forceAA="0" compatLnSpc="1">
+            <a:prstTxWarp prst="textNoShape">
+              <a:avLst/>
+            </a:prstTxWarp>
+            <a:noAutofit/>
+          </a:bodyPr>
+          <a:lstStyle/>
+          <a:p>
+            <a:pPr algn="ctr"/>
+            <a:r>
+              <a:rPr lang="en-US" sz="2400" dirty="0">
+                <a:latin typeface="Yanone Kaffeesatz Light" panose="02000000000000000000" pitchFamily="2" charset="0"/>
+              </a:rPr>
+              <a:t>Stateful3</a:t>
+            </a:r>
+            <a:endParaRPr lang="de-CH" sz="2400" dirty="0">
+              <a:latin typeface="Yanone Kaffeesatz Light" panose="02000000000000000000" pitchFamily="2" charset="0"/>
+            </a:endParaRPr>
+          </a:p>
+        </p:txBody>
+      </p:sp>
+      <p:sp>
+        <p:nvSpPr>
+          <p:cNvPr id="15" name="Cylinder 14"/>
+          <p:cNvSpPr/>
+          <p:nvPr/>
+        </p:nvSpPr>
+        <p:spPr>
+          <a:xfrm>
+            <a:off x="5335446" y="5096702"/>
+            <a:ext cx="914400" cy="1216152"/>
+          </a:xfrm>
+          <a:prstGeom prst="can">
+            <a:avLst/>
+          </a:prstGeom>
+          <a:solidFill>
+            <a:schemeClr val="tx2"/>
+          </a:solidFill>
+          <a:ln>
+            <a:solidFill>
+              <a:schemeClr val="accent3"/>
+            </a:solidFill>
+          </a:ln>
+        </p:spPr>
+        <p:style>
+          <a:lnRef idx="2">
+            <a:schemeClr val="accent1">
+              <a:shade val="50000"/>
+            </a:schemeClr>
+          </a:lnRef>
+          <a:fillRef idx="1">
+            <a:schemeClr val="accent1"/>
+          </a:fillRef>
+          <a:effectRef idx="0">
+            <a:schemeClr val="accent1"/>
+          </a:effectRef>
+          <a:fontRef idx="minor">
+            <a:schemeClr val="lt1"/>
+          </a:fontRef>
+        </p:style>
+        <p:txBody>
+          <a:bodyPr rtlCol="0" anchor="ctr"/>
+          <a:lstStyle/>
+          <a:p>
+            <a:pPr algn="ctr"/>
+            <a:endParaRPr lang="de-CH"/>
+          </a:p>
+        </p:txBody>
+      </p:sp>
+      <p:cxnSp>
+        <p:nvCxnSpPr>
+          <p:cNvPr id="20" name="Straight Arrow Connector 19"/>
+          <p:cNvCxnSpPr>
+            <a:stCxn id="2" idx="2"/>
+            <a:endCxn id="3" idx="0"/>
+          </p:cNvCxnSpPr>
+          <p:nvPr/>
+        </p:nvCxnSpPr>
+        <p:spPr>
+          <a:xfrm flipH="1">
+            <a:off x="3720378" y="1161598"/>
+            <a:ext cx="2064834" cy="698255"/>
+          </a:xfrm>
+          <a:prstGeom prst="straightConnector1">
+            <a:avLst/>
+          </a:prstGeom>
+          <a:ln w="19050">
+            <a:solidFill>
+              <a:schemeClr val="tx2"/>
+            </a:solidFill>
+            <a:tailEnd type="triangle"/>
+          </a:ln>
+        </p:spPr>
+        <p:style>
+          <a:lnRef idx="1">
+            <a:schemeClr val="accent1"/>
+          </a:lnRef>
+          <a:fillRef idx="0">
+            <a:schemeClr val="accent1"/>
+          </a:fillRef>
+          <a:effectRef idx="0">
+            <a:schemeClr val="accent1"/>
+          </a:effectRef>
+          <a:fontRef idx="minor">
+            <a:schemeClr val="tx1"/>
+          </a:fontRef>
+        </p:style>
+      </p:cxnSp>
+      <p:cxnSp>
+        <p:nvCxnSpPr>
+          <p:cNvPr id="21" name="Straight Arrow Connector 20"/>
+          <p:cNvCxnSpPr>
+            <a:cxnSpLocks/>
+            <a:stCxn id="2" idx="2"/>
+            <a:endCxn id="4" idx="0"/>
+          </p:cNvCxnSpPr>
+          <p:nvPr/>
+        </p:nvCxnSpPr>
+        <p:spPr>
+          <a:xfrm>
+            <a:off x="5785212" y="1161598"/>
+            <a:ext cx="0" cy="698255"/>
+          </a:xfrm>
+          <a:prstGeom prst="straightConnector1">
+            <a:avLst/>
+          </a:prstGeom>
+          <a:ln w="19050">
+            <a:solidFill>
+              <a:schemeClr val="tx2"/>
+            </a:solidFill>
+            <a:tailEnd type="triangle"/>
+          </a:ln>
+        </p:spPr>
+        <p:style>
+          <a:lnRef idx="1">
+            <a:schemeClr val="accent1"/>
+          </a:lnRef>
+          <a:fillRef idx="0">
+            <a:schemeClr val="accent1"/>
+          </a:fillRef>
+          <a:effectRef idx="0">
+            <a:schemeClr val="accent1"/>
+          </a:effectRef>
+          <a:fontRef idx="minor">
+            <a:schemeClr val="tx1"/>
+          </a:fontRef>
+        </p:style>
+      </p:cxnSp>
+      <p:cxnSp>
+        <p:nvCxnSpPr>
+          <p:cNvPr id="24" name="Straight Arrow Connector 23"/>
+          <p:cNvCxnSpPr>
+            <a:cxnSpLocks/>
+            <a:stCxn id="2" idx="2"/>
+            <a:endCxn id="5" idx="0"/>
+          </p:cNvCxnSpPr>
+          <p:nvPr/>
+        </p:nvCxnSpPr>
+        <p:spPr>
+          <a:xfrm>
+            <a:off x="5785212" y="1161598"/>
+            <a:ext cx="2064834" cy="698255"/>
+          </a:xfrm>
+          <a:prstGeom prst="straightConnector1">
+            <a:avLst/>
+          </a:prstGeom>
+          <a:ln w="19050">
+            <a:solidFill>
+              <a:schemeClr val="tx2"/>
+            </a:solidFill>
+            <a:tailEnd type="triangle"/>
+          </a:ln>
+        </p:spPr>
+        <p:style>
+          <a:lnRef idx="1">
+            <a:schemeClr val="accent1"/>
+          </a:lnRef>
+          <a:fillRef idx="0">
+            <a:schemeClr val="accent1"/>
+          </a:fillRef>
+          <a:effectRef idx="0">
+            <a:schemeClr val="accent1"/>
+          </a:effectRef>
+          <a:fontRef idx="minor">
+            <a:schemeClr val="tx1"/>
+          </a:fontRef>
+        </p:style>
+      </p:cxnSp>
+      <p:cxnSp>
+        <p:nvCxnSpPr>
+          <p:cNvPr id="30" name="Straight Arrow Connector 29"/>
+          <p:cNvCxnSpPr>
+            <a:cxnSpLocks/>
+            <a:stCxn id="4" idx="2"/>
+            <a:endCxn id="12" idx="0"/>
+          </p:cNvCxnSpPr>
+          <p:nvPr/>
+        </p:nvCxnSpPr>
+        <p:spPr>
+          <a:xfrm>
+            <a:off x="5785212" y="2774253"/>
+            <a:ext cx="0" cy="798603"/>
+          </a:xfrm>
+          <a:prstGeom prst="straightConnector1">
+            <a:avLst/>
+          </a:prstGeom>
+          <a:ln w="19050">
+            <a:solidFill>
+              <a:schemeClr val="tx2"/>
+            </a:solidFill>
+            <a:tailEnd type="triangle"/>
+          </a:ln>
+        </p:spPr>
+        <p:style>
+          <a:lnRef idx="1">
+            <a:schemeClr val="accent1"/>
+          </a:lnRef>
+          <a:fillRef idx="0">
+            <a:schemeClr val="accent1"/>
+          </a:fillRef>
+          <a:effectRef idx="0">
+            <a:schemeClr val="accent1"/>
+          </a:effectRef>
+          <a:fontRef idx="minor">
+            <a:schemeClr val="tx1"/>
+          </a:fontRef>
+        </p:style>
+      </p:cxnSp>
+      <p:cxnSp>
+        <p:nvCxnSpPr>
+          <p:cNvPr id="33" name="Straight Arrow Connector 32"/>
+          <p:cNvCxnSpPr>
+            <a:cxnSpLocks/>
+          </p:cNvCxnSpPr>
+          <p:nvPr/>
+        </p:nvCxnSpPr>
+        <p:spPr>
+          <a:xfrm>
+            <a:off x="7850045" y="2774252"/>
+            <a:ext cx="0" cy="798603"/>
+          </a:xfrm>
+          <a:prstGeom prst="straightConnector1">
+            <a:avLst/>
+          </a:prstGeom>
+          <a:ln w="19050">
+            <a:solidFill>
+              <a:schemeClr val="tx2"/>
+            </a:solidFill>
+            <a:tailEnd type="triangle"/>
+          </a:ln>
+        </p:spPr>
+        <p:style>
+          <a:lnRef idx="1">
+            <a:schemeClr val="accent1"/>
+          </a:lnRef>
+          <a:fillRef idx="0">
+            <a:schemeClr val="accent1"/>
+          </a:fillRef>
+          <a:effectRef idx="0">
+            <a:schemeClr val="accent1"/>
+          </a:effectRef>
+          <a:fontRef idx="minor">
+            <a:schemeClr val="tx1"/>
+          </a:fontRef>
+        </p:style>
+      </p:cxnSp>
+      <p:cxnSp>
+        <p:nvCxnSpPr>
+          <p:cNvPr id="34" name="Straight Arrow Connector 33"/>
+          <p:cNvCxnSpPr>
+            <a:cxnSpLocks/>
+          </p:cNvCxnSpPr>
+          <p:nvPr/>
+        </p:nvCxnSpPr>
+        <p:spPr>
+          <a:xfrm>
+            <a:off x="3720377" y="3445727"/>
+            <a:ext cx="0" cy="127128"/>
+          </a:xfrm>
+          <a:prstGeom prst="straightConnector1">
+            <a:avLst/>
+          </a:prstGeom>
+          <a:ln w="19050">
+            <a:solidFill>
+              <a:schemeClr val="tx2"/>
+            </a:solidFill>
+            <a:tailEnd type="triangle"/>
+          </a:ln>
+        </p:spPr>
+        <p:style>
+          <a:lnRef idx="1">
+            <a:schemeClr val="accent1"/>
+          </a:lnRef>
+          <a:fillRef idx="0">
+            <a:schemeClr val="accent1"/>
+          </a:fillRef>
+          <a:effectRef idx="0">
+            <a:schemeClr val="accent1"/>
+          </a:effectRef>
+          <a:fontRef idx="minor">
+            <a:schemeClr val="tx1"/>
+          </a:fontRef>
+        </p:style>
+      </p:cxnSp>
+      <p:cxnSp>
+        <p:nvCxnSpPr>
+          <p:cNvPr id="37" name="Straight Connector 36"/>
+          <p:cNvCxnSpPr>
+            <a:stCxn id="3" idx="2"/>
+          </p:cNvCxnSpPr>
+          <p:nvPr/>
+        </p:nvCxnSpPr>
+        <p:spPr>
+          <a:xfrm flipH="1">
+            <a:off x="3720377" y="2774253"/>
+            <a:ext cx="1" cy="454025"/>
+          </a:xfrm>
+          <a:prstGeom prst="line">
+            <a:avLst/>
+          </a:prstGeom>
+          <a:ln w="19050">
+            <a:solidFill>
+              <a:schemeClr val="tx2"/>
+            </a:solidFill>
+          </a:ln>
+        </p:spPr>
+        <p:style>
+          <a:lnRef idx="1">
+            <a:schemeClr val="accent1"/>
+          </a:lnRef>
+          <a:fillRef idx="0">
+            <a:schemeClr val="accent1"/>
+          </a:fillRef>
+          <a:effectRef idx="0">
+            <a:schemeClr val="accent1"/>
+          </a:effectRef>
+          <a:fontRef idx="minor">
+            <a:schemeClr val="tx1"/>
+          </a:fontRef>
+        </p:style>
+      </p:cxnSp>
+      <p:cxnSp>
+        <p:nvCxnSpPr>
+          <p:cNvPr id="38" name="Straight Arrow Connector 37"/>
+          <p:cNvCxnSpPr>
+            <a:cxnSpLocks/>
+            <a:stCxn id="13" idx="2"/>
+            <a:endCxn id="15" idx="1"/>
+          </p:cNvCxnSpPr>
+          <p:nvPr/>
+        </p:nvCxnSpPr>
+        <p:spPr>
+          <a:xfrm flipH="1">
+            <a:off x="5792646" y="4487256"/>
+            <a:ext cx="2057400" cy="609446"/>
+          </a:xfrm>
+          <a:prstGeom prst="straightConnector1">
+            <a:avLst/>
+          </a:prstGeom>
+          <a:ln w="19050">
+            <a:solidFill>
+              <a:schemeClr val="tx2"/>
+            </a:solidFill>
+            <a:tailEnd type="triangle"/>
+          </a:ln>
+        </p:spPr>
+        <p:style>
+          <a:lnRef idx="1">
+            <a:schemeClr val="accent1"/>
+          </a:lnRef>
+          <a:fillRef idx="0">
+            <a:schemeClr val="accent1"/>
+          </a:fillRef>
+          <a:effectRef idx="0">
+            <a:schemeClr val="accent1"/>
+          </a:effectRef>
+          <a:fontRef idx="minor">
+            <a:schemeClr val="tx1"/>
+          </a:fontRef>
+        </p:style>
+      </p:cxnSp>
+      <p:cxnSp>
+        <p:nvCxnSpPr>
+          <p:cNvPr id="42" name="Straight Arrow Connector 41"/>
+          <p:cNvCxnSpPr>
+            <a:cxnSpLocks/>
+            <a:stCxn id="12" idx="2"/>
+            <a:endCxn id="15" idx="1"/>
+          </p:cNvCxnSpPr>
+          <p:nvPr/>
+        </p:nvCxnSpPr>
+        <p:spPr>
+          <a:xfrm>
+            <a:off x="5785212" y="4487256"/>
+            <a:ext cx="7434" cy="609446"/>
+          </a:xfrm>
+          <a:prstGeom prst="straightConnector1">
+            <a:avLst/>
+          </a:prstGeom>
+          <a:ln w="19050">
+            <a:solidFill>
+              <a:schemeClr val="tx2"/>
+            </a:solidFill>
+            <a:tailEnd type="triangle"/>
+          </a:ln>
+        </p:spPr>
+        <p:style>
+          <a:lnRef idx="1">
+            <a:schemeClr val="accent1"/>
+          </a:lnRef>
+          <a:fillRef idx="0">
+            <a:schemeClr val="accent1"/>
+          </a:fillRef>
+          <a:effectRef idx="0">
+            <a:schemeClr val="accent1"/>
+          </a:effectRef>
+          <a:fontRef idx="minor">
+            <a:schemeClr val="tx1"/>
+          </a:fontRef>
+        </p:style>
+      </p:cxnSp>
+      <p:cxnSp>
+        <p:nvCxnSpPr>
+          <p:cNvPr id="45" name="Straight Arrow Connector 44"/>
+          <p:cNvCxnSpPr>
+            <a:cxnSpLocks/>
+            <a:stCxn id="11" idx="2"/>
+            <a:endCxn id="15" idx="1"/>
+          </p:cNvCxnSpPr>
+          <p:nvPr/>
+        </p:nvCxnSpPr>
+        <p:spPr>
+          <a:xfrm>
+            <a:off x="3720378" y="4487256"/>
+            <a:ext cx="2072268" cy="609446"/>
+          </a:xfrm>
+          <a:prstGeom prst="straightConnector1">
+            <a:avLst/>
+          </a:prstGeom>
+          <a:ln w="19050">
+            <a:solidFill>
+              <a:schemeClr val="tx2"/>
+            </a:solidFill>
+            <a:tailEnd type="triangle"/>
+          </a:ln>
+        </p:spPr>
+        <p:style>
+          <a:lnRef idx="1">
+            <a:schemeClr val="accent1"/>
+          </a:lnRef>
+          <a:fillRef idx="0">
+            <a:schemeClr val="accent1"/>
+          </a:fillRef>
+          <a:effectRef idx="0">
+            <a:schemeClr val="accent1"/>
+          </a:effectRef>
+          <a:fontRef idx="minor">
+            <a:schemeClr val="tx1"/>
+          </a:fontRef>
+        </p:style>
+      </p:cxnSp>
+      <p:sp>
+        <p:nvSpPr>
+          <p:cNvPr id="29" name="Rectangle 28"/>
+          <p:cNvSpPr/>
+          <p:nvPr/>
+        </p:nvSpPr>
+        <p:spPr>
+          <a:xfrm>
+            <a:off x="2635130" y="1706137"/>
+            <a:ext cx="2120865" cy="2910468"/>
+          </a:xfrm>
+          <a:prstGeom prst="rect">
+            <a:avLst/>
+          </a:prstGeom>
+          <a:solidFill>
+            <a:schemeClr val="accent4">
+              <a:alpha val="57000"/>
+            </a:schemeClr>
+          </a:solidFill>
+          <a:ln>
+            <a:noFill/>
+          </a:ln>
+        </p:spPr>
+        <p:style>
+          <a:lnRef idx="2">
+            <a:schemeClr val="accent1">
+              <a:shade val="50000"/>
+            </a:schemeClr>
+          </a:lnRef>
+          <a:fillRef idx="1">
+            <a:schemeClr val="accent1"/>
+          </a:fillRef>
+          <a:effectRef idx="0">
+            <a:schemeClr val="accent1"/>
+          </a:effectRef>
+          <a:fontRef idx="minor">
+            <a:schemeClr val="lt1"/>
+          </a:fontRef>
+        </p:style>
+        <p:txBody>
+          <a:bodyPr rtlCol="0" anchor="ctr"/>
+          <a:lstStyle/>
+          <a:p>
+            <a:pPr algn="ctr"/>
+            <a:r>
+              <a:rPr lang="en-US" sz="4800" dirty="0">
                 <a:solidFill>
-                  <a:schemeClr val="accent2"/>
+                  <a:schemeClr val="bg1"/>
                 </a:solidFill>
-                <a:latin typeface="Yanone Kaffeesatz Regular" panose="02000000000000000000" pitchFamily="2" charset="0"/>
+                <a:latin typeface="Yanone Kaffeesatz Light" panose="02000000000000000000" pitchFamily="2" charset="0"/>
               </a:rPr>
-              <a:t>Slides, Links…</a:t>
-            </a:r>
-            <a:endParaRPr lang="de-CH" sz="1400" dirty="0"/>
+              <a:t>Europe</a:t>
+            </a:r>
+            <a:endParaRPr lang="de-CH" sz="4000" dirty="0">
+              <a:solidFill>
+                <a:schemeClr val="bg1"/>
+              </a:solidFill>
+              <a:latin typeface="Yanone Kaffeesatz Light" panose="02000000000000000000" pitchFamily="2" charset="0"/>
+            </a:endParaRPr>
+          </a:p>
+        </p:txBody>
+      </p:sp>
+      <p:sp>
+        <p:nvSpPr>
+          <p:cNvPr id="31" name="Rectangle 30"/>
+          <p:cNvSpPr/>
+          <p:nvPr/>
+        </p:nvSpPr>
+        <p:spPr>
+          <a:xfrm>
+            <a:off x="4764464" y="1706137"/>
+            <a:ext cx="2056364" cy="2910468"/>
+          </a:xfrm>
+          <a:prstGeom prst="rect">
+            <a:avLst/>
+          </a:prstGeom>
+          <a:solidFill>
+            <a:schemeClr val="accent4">
+              <a:alpha val="57000"/>
+            </a:schemeClr>
+          </a:solidFill>
+          <a:ln>
+            <a:noFill/>
+          </a:ln>
+        </p:spPr>
+        <p:style>
+          <a:lnRef idx="2">
+            <a:schemeClr val="accent1">
+              <a:shade val="50000"/>
+            </a:schemeClr>
+          </a:lnRef>
+          <a:fillRef idx="1">
+            <a:schemeClr val="accent1"/>
+          </a:fillRef>
+          <a:effectRef idx="0">
+            <a:schemeClr val="accent1"/>
+          </a:effectRef>
+          <a:fontRef idx="minor">
+            <a:schemeClr val="lt1"/>
+          </a:fontRef>
+        </p:style>
+        <p:txBody>
+          <a:bodyPr rtlCol="0" anchor="ctr"/>
+          <a:lstStyle/>
+          <a:p>
+            <a:pPr algn="ctr"/>
+            <a:r>
+              <a:rPr lang="en-US" sz="4800" dirty="0">
+                <a:solidFill>
+                  <a:schemeClr val="bg1"/>
+                </a:solidFill>
+                <a:latin typeface="Yanone Kaffeesatz Light" panose="02000000000000000000" pitchFamily="2" charset="0"/>
+              </a:rPr>
+              <a:t>America</a:t>
+            </a:r>
+            <a:endParaRPr lang="de-CH" sz="4000" dirty="0">
+              <a:solidFill>
+                <a:schemeClr val="bg1"/>
+              </a:solidFill>
+              <a:latin typeface="Yanone Kaffeesatz Light" panose="02000000000000000000" pitchFamily="2" charset="0"/>
+            </a:endParaRPr>
+          </a:p>
+        </p:txBody>
+      </p:sp>
+      <p:sp>
+        <p:nvSpPr>
+          <p:cNvPr id="32" name="Rectangle 31"/>
+          <p:cNvSpPr/>
+          <p:nvPr/>
+        </p:nvSpPr>
+        <p:spPr>
+          <a:xfrm>
+            <a:off x="6833425" y="1706137"/>
+            <a:ext cx="2056364" cy="2910468"/>
+          </a:xfrm>
+          <a:prstGeom prst="rect">
+            <a:avLst/>
+          </a:prstGeom>
+          <a:solidFill>
+            <a:schemeClr val="accent4">
+              <a:alpha val="57000"/>
+            </a:schemeClr>
+          </a:solidFill>
+          <a:ln>
+            <a:noFill/>
+          </a:ln>
+        </p:spPr>
+        <p:style>
+          <a:lnRef idx="2">
+            <a:schemeClr val="accent1">
+              <a:shade val="50000"/>
+            </a:schemeClr>
+          </a:lnRef>
+          <a:fillRef idx="1">
+            <a:schemeClr val="accent1"/>
+          </a:fillRef>
+          <a:effectRef idx="0">
+            <a:schemeClr val="accent1"/>
+          </a:effectRef>
+          <a:fontRef idx="minor">
+            <a:schemeClr val="lt1"/>
+          </a:fontRef>
+        </p:style>
+        <p:txBody>
+          <a:bodyPr rtlCol="0" anchor="ctr"/>
+          <a:lstStyle/>
+          <a:p>
+            <a:pPr algn="ctr"/>
+            <a:r>
+              <a:rPr lang="en-US" sz="4800" dirty="0">
+                <a:solidFill>
+                  <a:schemeClr val="bg1"/>
+                </a:solidFill>
+                <a:latin typeface="Yanone Kaffeesatz Light" panose="02000000000000000000" pitchFamily="2" charset="0"/>
+              </a:rPr>
+              <a:t>Asia</a:t>
+            </a:r>
+            <a:endParaRPr lang="de-CH" sz="4000" dirty="0">
+              <a:solidFill>
+                <a:schemeClr val="bg1"/>
+              </a:solidFill>
+              <a:latin typeface="Yanone Kaffeesatz Light" panose="02000000000000000000" pitchFamily="2" charset="0"/>
+            </a:endParaRPr>
           </a:p>
         </p:txBody>
       </p:sp>
     </p:spTree>
     <p:extLst>
       <p:ext uri="{BB962C8B-B14F-4D97-AF65-F5344CB8AC3E}">
-        <p14:creationId xmlns:p14="http://schemas.microsoft.com/office/powerpoint/2010/main" val="1581449120"/>
+        <p14:creationId xmlns:p14="http://schemas.microsoft.com/office/powerpoint/2010/main" val="1567395309"/>
       </p:ext>
     </p:extLst>
   </p:cSld>
@@ -7134,6 +9690,325 @@
       </p:grpSpPr>
       <p:sp>
         <p:nvSpPr>
+          <p:cNvPr id="2" name="TextBox 1"/>
+          <p:cNvSpPr txBox="1"/>
+          <p:nvPr/>
+        </p:nvSpPr>
+        <p:spPr>
+          <a:xfrm>
+            <a:off x="1878193" y="1340750"/>
+            <a:ext cx="5816016" cy="2646878"/>
+          </a:xfrm>
+          <a:prstGeom prst="rect">
+            <a:avLst/>
+          </a:prstGeom>
+          <a:noFill/>
+        </p:spPr>
+        <p:txBody>
+          <a:bodyPr wrap="none" rtlCol="0">
+            <a:spAutoFit/>
+          </a:bodyPr>
+          <a:lstStyle/>
+          <a:p>
+            <a:r>
+              <a:rPr lang="en-US" sz="16600" dirty="0">
+                <a:solidFill>
+                  <a:schemeClr val="accent2"/>
+                </a:solidFill>
+                <a:latin typeface="Yanone Kaffeesatz Regular" panose="02000000000000000000" pitchFamily="2" charset="0"/>
+              </a:rPr>
+              <a:t>However</a:t>
+            </a:r>
+            <a:endParaRPr lang="de-CH" sz="7200" dirty="0">
+              <a:solidFill>
+                <a:schemeClr val="accent4"/>
+              </a:solidFill>
+              <a:latin typeface="Yanone Kaffeesatz Regular" panose="02000000000000000000" pitchFamily="2" charset="0"/>
+            </a:endParaRPr>
+          </a:p>
+        </p:txBody>
+      </p:sp>
+      <p:sp>
+        <p:nvSpPr>
+          <p:cNvPr id="3" name="Rectangle 2"/>
+          <p:cNvSpPr/>
+          <p:nvPr/>
+        </p:nvSpPr>
+        <p:spPr>
+          <a:xfrm>
+            <a:off x="3321518" y="3864965"/>
+            <a:ext cx="7924488" cy="1200329"/>
+          </a:xfrm>
+          <a:prstGeom prst="rect">
+            <a:avLst/>
+          </a:prstGeom>
+        </p:spPr>
+        <p:txBody>
+          <a:bodyPr wrap="square">
+            <a:spAutoFit/>
+          </a:bodyPr>
+          <a:lstStyle/>
+          <a:p>
+            <a:r>
+              <a:rPr lang="en-US" sz="7200" dirty="0">
+                <a:solidFill>
+                  <a:schemeClr val="tx2"/>
+                </a:solidFill>
+                <a:latin typeface="Yanone Kaffeesatz Regular" panose="02000000000000000000" pitchFamily="2" charset="0"/>
+              </a:rPr>
+              <a:t>Joe couldn’t understand it</a:t>
+            </a:r>
+            <a:endParaRPr lang="de-CH" sz="7200" dirty="0">
+              <a:solidFill>
+                <a:schemeClr val="tx2"/>
+              </a:solidFill>
+            </a:endParaRPr>
+          </a:p>
+        </p:txBody>
+      </p:sp>
+    </p:spTree>
+    <p:extLst>
+      <p:ext uri="{BB962C8B-B14F-4D97-AF65-F5344CB8AC3E}">
+        <p14:creationId xmlns:p14="http://schemas.microsoft.com/office/powerpoint/2010/main" val="3535074624"/>
+      </p:ext>
+    </p:extLst>
+  </p:cSld>
+  <p:clrMapOvr>
+    <a:masterClrMapping/>
+  </p:clrMapOvr>
+</p:sld>
+</file>
+
+<file path=ppt/slides/slide16.xml><?xml version="1.0" encoding="utf-8"?>
+<p:sld xmlns:a="http://schemas.openxmlformats.org/drawingml/2006/main" xmlns:r="http://schemas.openxmlformats.org/officeDocument/2006/relationships" xmlns:p="http://schemas.openxmlformats.org/presentationml/2006/main">
+  <p:cSld>
+    <p:spTree>
+      <p:nvGrpSpPr>
+        <p:cNvPr id="1" name=""/>
+        <p:cNvGrpSpPr/>
+        <p:nvPr/>
+      </p:nvGrpSpPr>
+      <p:grpSpPr>
+        <a:xfrm>
+          <a:off x="0" y="0"/>
+          <a:ext cx="0" cy="0"/>
+          <a:chOff x="0" y="0"/>
+          <a:chExt cx="0" cy="0"/>
+        </a:xfrm>
+      </p:grpSpPr>
+      <p:sp>
+        <p:nvSpPr>
+          <p:cNvPr id="5" name="Rectangle 4"/>
+          <p:cNvSpPr/>
+          <p:nvPr/>
+        </p:nvSpPr>
+        <p:spPr>
+          <a:xfrm>
+            <a:off x="0" y="1952437"/>
+            <a:ext cx="4999912" cy="2646878"/>
+          </a:xfrm>
+          <a:prstGeom prst="rect">
+            <a:avLst/>
+          </a:prstGeom>
+        </p:spPr>
+        <p:txBody>
+          <a:bodyPr wrap="square">
+            <a:spAutoFit/>
+          </a:bodyPr>
+          <a:lstStyle/>
+          <a:p>
+            <a:pPr algn="ctr"/>
+            <a:r>
+              <a:rPr lang="en-US" sz="16600" dirty="0">
+                <a:solidFill>
+                  <a:schemeClr val="accent2"/>
+                </a:solidFill>
+                <a:latin typeface="Yanone Kaffeesatz Regular" panose="02000000000000000000" pitchFamily="2" charset="0"/>
+              </a:rPr>
+              <a:t>Recap</a:t>
+            </a:r>
+            <a:endParaRPr lang="de-CH" dirty="0"/>
+          </a:p>
+        </p:txBody>
+      </p:sp>
+      <p:sp>
+        <p:nvSpPr>
+          <p:cNvPr id="7" name="Rectangle 6"/>
+          <p:cNvSpPr/>
+          <p:nvPr/>
+        </p:nvSpPr>
+        <p:spPr>
+          <a:xfrm>
+            <a:off x="1" y="4399885"/>
+            <a:ext cx="6494332" cy="1200329"/>
+          </a:xfrm>
+          <a:prstGeom prst="rect">
+            <a:avLst/>
+          </a:prstGeom>
+        </p:spPr>
+        <p:txBody>
+          <a:bodyPr wrap="square">
+            <a:spAutoFit/>
+          </a:bodyPr>
+          <a:lstStyle/>
+          <a:p>
+            <a:pPr algn="ctr"/>
+            <a:r>
+              <a:rPr lang="en-US" sz="7200" dirty="0">
+                <a:solidFill>
+                  <a:schemeClr val="accent3"/>
+                </a:solidFill>
+                <a:latin typeface="Yanone Kaffeesatz Regular" panose="02000000000000000000" pitchFamily="2" charset="0"/>
+              </a:rPr>
+              <a:t>reminder</a:t>
+            </a:r>
+          </a:p>
+        </p:txBody>
+      </p:sp>
+    </p:spTree>
+    <p:extLst>
+      <p:ext uri="{BB962C8B-B14F-4D97-AF65-F5344CB8AC3E}">
+        <p14:creationId xmlns:p14="http://schemas.microsoft.com/office/powerpoint/2010/main" val="2436182924"/>
+      </p:ext>
+    </p:extLst>
+  </p:cSld>
+  <p:clrMapOvr>
+    <a:masterClrMapping/>
+  </p:clrMapOvr>
+</p:sld>
+</file>
+
+<file path=ppt/slides/slide17.xml><?xml version="1.0" encoding="utf-8"?>
+<p:sld xmlns:a="http://schemas.openxmlformats.org/drawingml/2006/main" xmlns:r="http://schemas.openxmlformats.org/officeDocument/2006/relationships" xmlns:p="http://schemas.openxmlformats.org/presentationml/2006/main">
+  <p:cSld>
+    <p:spTree>
+      <p:nvGrpSpPr>
+        <p:cNvPr id="1" name=""/>
+        <p:cNvGrpSpPr/>
+        <p:nvPr/>
+      </p:nvGrpSpPr>
+      <p:grpSpPr>
+        <a:xfrm>
+          <a:off x="0" y="0"/>
+          <a:ext cx="0" cy="0"/>
+          <a:chOff x="0" y="0"/>
+          <a:chExt cx="0" cy="0"/>
+        </a:xfrm>
+      </p:grpSpPr>
+      <p:sp>
+        <p:nvSpPr>
+          <p:cNvPr id="2" name="Rectangle 1"/>
+          <p:cNvSpPr/>
+          <p:nvPr/>
+        </p:nvSpPr>
+        <p:spPr>
+          <a:xfrm>
+            <a:off x="1064014" y="3127733"/>
+            <a:ext cx="9860392" cy="923330"/>
+          </a:xfrm>
+          <a:prstGeom prst="rect">
+            <a:avLst/>
+          </a:prstGeom>
+        </p:spPr>
+        <p:txBody>
+          <a:bodyPr wrap="none">
+            <a:spAutoFit/>
+          </a:bodyPr>
+          <a:lstStyle/>
+          <a:p>
+            <a:r>
+              <a:rPr lang="en-US" sz="3600" dirty="0">
+                <a:solidFill>
+                  <a:schemeClr val="tx2"/>
+                </a:solidFill>
+                <a:latin typeface="Yanone Kaffeesatz Regular" panose="02000000000000000000" pitchFamily="2" charset="0"/>
+              </a:rPr>
+              <a:t>github.com/danielmarbach/</a:t>
+            </a:r>
+            <a:r>
+              <a:rPr lang="en-US" sz="5400" dirty="0" err="1">
+                <a:solidFill>
+                  <a:schemeClr val="accent4"/>
+                </a:solidFill>
+                <a:latin typeface="Yanone Kaffeesatz Regular" panose="02000000000000000000" pitchFamily="2" charset="0"/>
+              </a:rPr>
+              <a:t>Microservices.ServiceFabric</a:t>
+            </a:r>
+            <a:endParaRPr lang="de-CH" sz="5400" dirty="0">
+              <a:solidFill>
+                <a:schemeClr val="accent4"/>
+              </a:solidFill>
+              <a:latin typeface="Yanone Kaffeesatz Regular" panose="02000000000000000000" pitchFamily="2" charset="0"/>
+            </a:endParaRPr>
+          </a:p>
+        </p:txBody>
+      </p:sp>
+      <p:sp>
+        <p:nvSpPr>
+          <p:cNvPr id="4" name="Rectangle 3"/>
+          <p:cNvSpPr/>
+          <p:nvPr/>
+        </p:nvSpPr>
+        <p:spPr>
+          <a:xfrm>
+            <a:off x="1064014" y="1124536"/>
+            <a:ext cx="6463629" cy="1862048"/>
+          </a:xfrm>
+          <a:prstGeom prst="rect">
+            <a:avLst/>
+          </a:prstGeom>
+        </p:spPr>
+        <p:txBody>
+          <a:bodyPr wrap="none">
+            <a:spAutoFit/>
+          </a:bodyPr>
+          <a:lstStyle/>
+          <a:p>
+            <a:r>
+              <a:rPr lang="en-US" sz="11500" dirty="0">
+                <a:solidFill>
+                  <a:schemeClr val="accent2"/>
+                </a:solidFill>
+                <a:latin typeface="Yanone Kaffeesatz Regular" panose="02000000000000000000" pitchFamily="2" charset="0"/>
+              </a:rPr>
+              <a:t>Slides, Links…</a:t>
+            </a:r>
+            <a:endParaRPr lang="de-CH" sz="1400" dirty="0"/>
+          </a:p>
+        </p:txBody>
+      </p:sp>
+    </p:spTree>
+    <p:extLst>
+      <p:ext uri="{BB962C8B-B14F-4D97-AF65-F5344CB8AC3E}">
+        <p14:creationId xmlns:p14="http://schemas.microsoft.com/office/powerpoint/2010/main" val="1581449120"/>
+      </p:ext>
+    </p:extLst>
+  </p:cSld>
+  <p:clrMapOvr>
+    <a:masterClrMapping/>
+  </p:clrMapOvr>
+</p:sld>
+</file>
+
+<file path=ppt/slides/slide18.xml><?xml version="1.0" encoding="utf-8"?>
+<p:sld xmlns:a="http://schemas.openxmlformats.org/drawingml/2006/main" xmlns:r="http://schemas.openxmlformats.org/officeDocument/2006/relationships" xmlns:p="http://schemas.openxmlformats.org/presentationml/2006/main">
+  <p:cSld>
+    <p:spTree>
+      <p:nvGrpSpPr>
+        <p:cNvPr id="1" name=""/>
+        <p:cNvGrpSpPr/>
+        <p:nvPr/>
+      </p:nvGrpSpPr>
+      <p:grpSpPr>
+        <a:xfrm>
+          <a:off x="0" y="0"/>
+          <a:ext cx="0" cy="0"/>
+          <a:chOff x="0" y="0"/>
+          <a:chExt cx="0" cy="0"/>
+        </a:xfrm>
+      </p:grpSpPr>
+      <p:sp>
+        <p:nvSpPr>
           <p:cNvPr id="2" name="Rectangle 1"/>
           <p:cNvSpPr/>
           <p:nvPr/>
@@ -7209,7 +10084,7 @@
 </p:sld>
 </file>
 
-<file path=ppt/slides/slide16.xml><?xml version="1.0" encoding="utf-8"?>
+<file path=ppt/slides/slide19.xml><?xml version="1.0" encoding="utf-8"?>
 <p:sld xmlns:a="http://schemas.openxmlformats.org/drawingml/2006/main" xmlns:r="http://schemas.openxmlformats.org/officeDocument/2006/relationships" xmlns:p="http://schemas.openxmlformats.org/presentationml/2006/main">
   <p:cSld>
     <p:spTree>
@@ -7395,7 +10270,219 @@
 </p:sld>
 </file>
 
-<file path=ppt/slides/slide17.xml><?xml version="1.0" encoding="utf-8"?>
+<file path=ppt/slides/slide2.xml><?xml version="1.0" encoding="utf-8"?>
+<p:sld xmlns:a="http://schemas.openxmlformats.org/drawingml/2006/main" xmlns:r="http://schemas.openxmlformats.org/officeDocument/2006/relationships" xmlns:p="http://schemas.openxmlformats.org/presentationml/2006/main">
+  <p:cSld>
+    <p:spTree>
+      <p:nvGrpSpPr>
+        <p:cNvPr id="1" name=""/>
+        <p:cNvGrpSpPr/>
+        <p:nvPr/>
+      </p:nvGrpSpPr>
+      <p:grpSpPr>
+        <a:xfrm>
+          <a:off x="0" y="0"/>
+          <a:ext cx="0" cy="0"/>
+          <a:chOff x="0" y="0"/>
+          <a:chExt cx="0" cy="0"/>
+        </a:xfrm>
+      </p:grpSpPr>
+      <p:sp>
+        <p:nvSpPr>
+          <p:cNvPr id="5" name="Rectangle 4"/>
+          <p:cNvSpPr/>
+          <p:nvPr/>
+        </p:nvSpPr>
+        <p:spPr>
+          <a:xfrm>
+            <a:off x="0" y="1952437"/>
+            <a:ext cx="4999912" cy="2646878"/>
+          </a:xfrm>
+          <a:prstGeom prst="rect">
+            <a:avLst/>
+          </a:prstGeom>
+        </p:spPr>
+        <p:txBody>
+          <a:bodyPr wrap="square">
+            <a:spAutoFit/>
+          </a:bodyPr>
+          <a:lstStyle/>
+          <a:p>
+            <a:pPr algn="ctr"/>
+            <a:r>
+              <a:rPr lang="en-US" sz="16600" dirty="0">
+                <a:solidFill>
+                  <a:schemeClr val="accent2"/>
+                </a:solidFill>
+                <a:latin typeface="Yanone Kaffeesatz Regular" panose="02000000000000000000" pitchFamily="2" charset="0"/>
+              </a:rPr>
+              <a:t>Goals</a:t>
+            </a:r>
+            <a:endParaRPr lang="de-CH" dirty="0"/>
+          </a:p>
+        </p:txBody>
+      </p:sp>
+      <p:sp>
+        <p:nvSpPr>
+          <p:cNvPr id="7" name="Rectangle 6"/>
+          <p:cNvSpPr/>
+          <p:nvPr/>
+        </p:nvSpPr>
+        <p:spPr>
+          <a:xfrm>
+            <a:off x="1" y="4399885"/>
+            <a:ext cx="6494332" cy="1200329"/>
+          </a:xfrm>
+          <a:prstGeom prst="rect">
+            <a:avLst/>
+          </a:prstGeom>
+        </p:spPr>
+        <p:txBody>
+          <a:bodyPr wrap="square">
+            <a:spAutoFit/>
+          </a:bodyPr>
+          <a:lstStyle/>
+          <a:p>
+            <a:pPr algn="ctr"/>
+            <a:r>
+              <a:rPr lang="en-US" sz="7200" dirty="0">
+                <a:solidFill>
+                  <a:schemeClr val="accent3"/>
+                </a:solidFill>
+                <a:latin typeface="Yanone Kaffeesatz Regular" panose="02000000000000000000" pitchFamily="2" charset="0"/>
+              </a:rPr>
+              <a:t>target</a:t>
+            </a:r>
+          </a:p>
+        </p:txBody>
+      </p:sp>
+      <p:sp>
+        <p:nvSpPr>
+          <p:cNvPr id="4" name="Rectangle 3"/>
+          <p:cNvSpPr/>
+          <p:nvPr/>
+        </p:nvSpPr>
+        <p:spPr>
+          <a:xfrm>
+            <a:off x="6485271" y="1997839"/>
+            <a:ext cx="5706729" cy="2862322"/>
+          </a:xfrm>
+          <a:prstGeom prst="rect">
+            <a:avLst/>
+          </a:prstGeom>
+        </p:spPr>
+        <p:txBody>
+          <a:bodyPr wrap="square">
+            <a:spAutoFit/>
+          </a:bodyPr>
+          <a:lstStyle/>
+          <a:p>
+            <a:r>
+              <a:rPr lang="en-US" sz="3600" dirty="0">
+                <a:solidFill>
+                  <a:schemeClr val="tx2"/>
+                </a:solidFill>
+                <a:latin typeface="Yanone Kaffeesatz Regular" panose="02000000000000000000" pitchFamily="2" charset="0"/>
+              </a:rPr>
+              <a:t>Stateless and </a:t>
+            </a:r>
+            <a:r>
+              <a:rPr lang="en-US" sz="3600" dirty="0" err="1">
+                <a:solidFill>
+                  <a:schemeClr val="accent4"/>
+                </a:solidFill>
+                <a:latin typeface="Yanone Kaffeesatz Regular" panose="02000000000000000000" pitchFamily="2" charset="0"/>
+              </a:rPr>
+              <a:t>Stateful</a:t>
+            </a:r>
+            <a:r>
+              <a:rPr lang="en-US" sz="3600" dirty="0">
+                <a:solidFill>
+                  <a:schemeClr val="tx2"/>
+                </a:solidFill>
+                <a:latin typeface="Yanone Kaffeesatz Regular" panose="02000000000000000000" pitchFamily="2" charset="0"/>
+              </a:rPr>
+              <a:t> Services</a:t>
+            </a:r>
+            <a:endParaRPr lang="en-US" sz="3600" dirty="0">
+              <a:solidFill>
+                <a:schemeClr val="accent4"/>
+              </a:solidFill>
+              <a:latin typeface="Yanone Kaffeesatz Regular" panose="02000000000000000000" pitchFamily="2" charset="0"/>
+            </a:endParaRPr>
+          </a:p>
+          <a:p>
+            <a:endParaRPr lang="en-US" sz="3600" dirty="0">
+              <a:solidFill>
+                <a:schemeClr val="accent4"/>
+              </a:solidFill>
+              <a:latin typeface="Yanone Kaffeesatz Regular" panose="02000000000000000000" pitchFamily="2" charset="0"/>
+            </a:endParaRPr>
+          </a:p>
+          <a:p>
+            <a:r>
+              <a:rPr lang="en-US" sz="3600" dirty="0">
+                <a:solidFill>
+                  <a:schemeClr val="accent4"/>
+                </a:solidFill>
+                <a:latin typeface="Yanone Kaffeesatz Regular" panose="02000000000000000000" pitchFamily="2" charset="0"/>
+              </a:rPr>
+              <a:t>Partitioning</a:t>
+            </a:r>
+            <a:r>
+              <a:rPr lang="en-US" sz="3600" dirty="0">
+                <a:solidFill>
+                  <a:schemeClr val="tx2"/>
+                </a:solidFill>
+                <a:latin typeface="Yanone Kaffeesatz Regular" panose="02000000000000000000" pitchFamily="2" charset="0"/>
+              </a:rPr>
+              <a:t> of Business Data</a:t>
+            </a:r>
+          </a:p>
+          <a:p>
+            <a:endParaRPr lang="en-US" sz="3600" dirty="0">
+              <a:solidFill>
+                <a:schemeClr val="accent4"/>
+              </a:solidFill>
+              <a:latin typeface="Yanone Kaffeesatz Regular" panose="02000000000000000000" pitchFamily="2" charset="0"/>
+            </a:endParaRPr>
+          </a:p>
+          <a:p>
+            <a:r>
+              <a:rPr lang="en-US" sz="3600" dirty="0">
+                <a:solidFill>
+                  <a:schemeClr val="accent4"/>
+                </a:solidFill>
+                <a:latin typeface="Yanone Kaffeesatz Regular" panose="02000000000000000000" pitchFamily="2" charset="0"/>
+              </a:rPr>
+              <a:t>Message Patterns </a:t>
+            </a:r>
+            <a:r>
+              <a:rPr lang="en-US" sz="3600" dirty="0">
+                <a:solidFill>
+                  <a:schemeClr val="tx2"/>
+                </a:solidFill>
+                <a:latin typeface="Yanone Kaffeesatz Regular" panose="02000000000000000000" pitchFamily="2" charset="0"/>
+              </a:rPr>
+              <a:t>and Partitioning</a:t>
+            </a:r>
+          </a:p>
+        </p:txBody>
+      </p:sp>
+    </p:spTree>
+    <p:extLst>
+      <p:ext uri="{BB962C8B-B14F-4D97-AF65-F5344CB8AC3E}">
+        <p14:creationId xmlns:p14="http://schemas.microsoft.com/office/powerpoint/2010/main" val="2864408021"/>
+      </p:ext>
+    </p:extLst>
+  </p:cSld>
+  <p:clrMapOvr>
+    <a:masterClrMapping/>
+  </p:clrMapOvr>
+</p:sld>
+</file>
+
+<file path=ppt/slides/slide20.xml><?xml version="1.0" encoding="utf-8"?>
 <p:sld xmlns:a="http://schemas.openxmlformats.org/drawingml/2006/main" xmlns:r="http://schemas.openxmlformats.org/officeDocument/2006/relationships" xmlns:p="http://schemas.openxmlformats.org/presentationml/2006/main">
   <p:cSld>
     <p:spTree>
@@ -7480,218 +10567,6 @@
     <p:extLst>
       <p:ext uri="{BB962C8B-B14F-4D97-AF65-F5344CB8AC3E}">
         <p14:creationId xmlns:p14="http://schemas.microsoft.com/office/powerpoint/2010/main" val="3887468163"/>
-      </p:ext>
-    </p:extLst>
-  </p:cSld>
-  <p:clrMapOvr>
-    <a:masterClrMapping/>
-  </p:clrMapOvr>
-</p:sld>
-</file>
-
-<file path=ppt/slides/slide2.xml><?xml version="1.0" encoding="utf-8"?>
-<p:sld xmlns:a="http://schemas.openxmlformats.org/drawingml/2006/main" xmlns:r="http://schemas.openxmlformats.org/officeDocument/2006/relationships" xmlns:p="http://schemas.openxmlformats.org/presentationml/2006/main">
-  <p:cSld>
-    <p:spTree>
-      <p:nvGrpSpPr>
-        <p:cNvPr id="1" name=""/>
-        <p:cNvGrpSpPr/>
-        <p:nvPr/>
-      </p:nvGrpSpPr>
-      <p:grpSpPr>
-        <a:xfrm>
-          <a:off x="0" y="0"/>
-          <a:ext cx="0" cy="0"/>
-          <a:chOff x="0" y="0"/>
-          <a:chExt cx="0" cy="0"/>
-        </a:xfrm>
-      </p:grpSpPr>
-      <p:sp>
-        <p:nvSpPr>
-          <p:cNvPr id="5" name="Rectangle 4"/>
-          <p:cNvSpPr/>
-          <p:nvPr/>
-        </p:nvSpPr>
-        <p:spPr>
-          <a:xfrm>
-            <a:off x="0" y="1952437"/>
-            <a:ext cx="4999912" cy="2646878"/>
-          </a:xfrm>
-          <a:prstGeom prst="rect">
-            <a:avLst/>
-          </a:prstGeom>
-        </p:spPr>
-        <p:txBody>
-          <a:bodyPr wrap="square">
-            <a:spAutoFit/>
-          </a:bodyPr>
-          <a:lstStyle/>
-          <a:p>
-            <a:pPr algn="ctr"/>
-            <a:r>
-              <a:rPr lang="en-US" sz="16600" dirty="0">
-                <a:solidFill>
-                  <a:schemeClr val="accent2"/>
-                </a:solidFill>
-                <a:latin typeface="Yanone Kaffeesatz Regular" panose="02000000000000000000" pitchFamily="2" charset="0"/>
-              </a:rPr>
-              <a:t>Goals</a:t>
-            </a:r>
-            <a:endParaRPr lang="de-CH" dirty="0"/>
-          </a:p>
-        </p:txBody>
-      </p:sp>
-      <p:sp>
-        <p:nvSpPr>
-          <p:cNvPr id="7" name="Rectangle 6"/>
-          <p:cNvSpPr/>
-          <p:nvPr/>
-        </p:nvSpPr>
-        <p:spPr>
-          <a:xfrm>
-            <a:off x="1" y="4399885"/>
-            <a:ext cx="6494332" cy="1200329"/>
-          </a:xfrm>
-          <a:prstGeom prst="rect">
-            <a:avLst/>
-          </a:prstGeom>
-        </p:spPr>
-        <p:txBody>
-          <a:bodyPr wrap="square">
-            <a:spAutoFit/>
-          </a:bodyPr>
-          <a:lstStyle/>
-          <a:p>
-            <a:pPr algn="ctr"/>
-            <a:r>
-              <a:rPr lang="en-US" sz="7200" dirty="0">
-                <a:solidFill>
-                  <a:schemeClr val="accent3"/>
-                </a:solidFill>
-                <a:latin typeface="Yanone Kaffeesatz Regular" panose="02000000000000000000" pitchFamily="2" charset="0"/>
-              </a:rPr>
-              <a:t>target</a:t>
-            </a:r>
-          </a:p>
-        </p:txBody>
-      </p:sp>
-      <p:sp>
-        <p:nvSpPr>
-          <p:cNvPr id="4" name="Rectangle 3"/>
-          <p:cNvSpPr/>
-          <p:nvPr/>
-        </p:nvSpPr>
-        <p:spPr>
-          <a:xfrm>
-            <a:off x="6485271" y="1997839"/>
-            <a:ext cx="5706729" cy="2862322"/>
-          </a:xfrm>
-          <a:prstGeom prst="rect">
-            <a:avLst/>
-          </a:prstGeom>
-        </p:spPr>
-        <p:txBody>
-          <a:bodyPr wrap="square">
-            <a:spAutoFit/>
-          </a:bodyPr>
-          <a:lstStyle/>
-          <a:p>
-            <a:r>
-              <a:rPr lang="en-US" sz="3600" dirty="0">
-                <a:solidFill>
-                  <a:schemeClr val="tx2"/>
-                </a:solidFill>
-                <a:latin typeface="Yanone Kaffeesatz Regular" panose="02000000000000000000" pitchFamily="2" charset="0"/>
-              </a:rPr>
-              <a:t>Stateless and </a:t>
-            </a:r>
-            <a:r>
-              <a:rPr lang="en-US" sz="3600" dirty="0" err="1">
-                <a:solidFill>
-                  <a:schemeClr val="accent4"/>
-                </a:solidFill>
-                <a:latin typeface="Yanone Kaffeesatz Regular" panose="02000000000000000000" pitchFamily="2" charset="0"/>
-              </a:rPr>
-              <a:t>Stateful</a:t>
-            </a:r>
-            <a:r>
-              <a:rPr lang="en-US" sz="3600" dirty="0">
-                <a:solidFill>
-                  <a:schemeClr val="tx2"/>
-                </a:solidFill>
-                <a:latin typeface="Yanone Kaffeesatz Regular" panose="02000000000000000000" pitchFamily="2" charset="0"/>
-              </a:rPr>
-              <a:t> Services</a:t>
-            </a:r>
-            <a:endParaRPr lang="en-US" sz="3600" dirty="0">
-              <a:solidFill>
-                <a:schemeClr val="accent4"/>
-              </a:solidFill>
-              <a:latin typeface="Yanone Kaffeesatz Regular" panose="02000000000000000000" pitchFamily="2" charset="0"/>
-            </a:endParaRPr>
-          </a:p>
-          <a:p>
-            <a:endParaRPr lang="en-US" sz="3600" dirty="0">
-              <a:solidFill>
-                <a:schemeClr val="accent4"/>
-              </a:solidFill>
-              <a:latin typeface="Yanone Kaffeesatz Regular" panose="02000000000000000000" pitchFamily="2" charset="0"/>
-            </a:endParaRPr>
-          </a:p>
-          <a:p>
-            <a:r>
-              <a:rPr lang="en-US" sz="3600" dirty="0">
-                <a:solidFill>
-                  <a:schemeClr val="accent4"/>
-                </a:solidFill>
-                <a:latin typeface="Yanone Kaffeesatz Regular" panose="02000000000000000000" pitchFamily="2" charset="0"/>
-              </a:rPr>
-              <a:t>Partitioning</a:t>
-            </a:r>
-            <a:r>
-              <a:rPr lang="en-US" sz="3600" dirty="0">
-                <a:solidFill>
-                  <a:schemeClr val="tx2"/>
-                </a:solidFill>
-                <a:latin typeface="Yanone Kaffeesatz Regular" panose="02000000000000000000" pitchFamily="2" charset="0"/>
-              </a:rPr>
-              <a:t> of Business Data</a:t>
-            </a:r>
-          </a:p>
-          <a:p>
-            <a:endParaRPr lang="en-US" sz="3600" dirty="0">
-              <a:solidFill>
-                <a:schemeClr val="accent4"/>
-              </a:solidFill>
-              <a:latin typeface="Yanone Kaffeesatz Regular" panose="02000000000000000000" pitchFamily="2" charset="0"/>
-            </a:endParaRPr>
-          </a:p>
-          <a:p>
-            <a:r>
-              <a:rPr lang="en-US" sz="3600" dirty="0">
-                <a:solidFill>
-                  <a:schemeClr val="accent4"/>
-                </a:solidFill>
-                <a:latin typeface="Yanone Kaffeesatz Regular" panose="02000000000000000000" pitchFamily="2" charset="0"/>
-              </a:rPr>
-              <a:t>Message Patterns </a:t>
-            </a:r>
-            <a:r>
-              <a:rPr lang="en-US" sz="3600" dirty="0">
-                <a:solidFill>
-                  <a:schemeClr val="tx2"/>
-                </a:solidFill>
-                <a:latin typeface="Yanone Kaffeesatz Regular" panose="02000000000000000000" pitchFamily="2" charset="0"/>
-              </a:rPr>
-              <a:t>and Partitioning</a:t>
-            </a:r>
-          </a:p>
-        </p:txBody>
-      </p:sp>
-    </p:spTree>
-    <p:extLst>
-      <p:ext uri="{BB962C8B-B14F-4D97-AF65-F5344CB8AC3E}">
-        <p14:creationId xmlns:p14="http://schemas.microsoft.com/office/powerpoint/2010/main" val="2864408021"/>
       </p:ext>
     </p:extLst>
   </p:cSld>
@@ -8808,36 +11683,6 @@
           </a:p>
         </p:txBody>
       </p:sp>
-      <p:pic>
-        <p:nvPicPr>
-          <p:cNvPr id="4" name="Picture 3"/>
-          <p:cNvPicPr>
-            <a:picLocks noChangeAspect="1"/>
-          </p:cNvPicPr>
-          <p:nvPr/>
-        </p:nvPicPr>
-        <p:blipFill>
-          <a:blip r:embed="rId3" cstate="print">
-            <a:extLst>
-              <a:ext uri="{28A0092B-C50C-407E-A947-70E740481C1C}">
-                <a14:useLocalDpi xmlns:a14="http://schemas.microsoft.com/office/drawing/2010/main" val="0"/>
-              </a:ext>
-            </a:extLst>
-          </a:blip>
-          <a:stretch>
-            <a:fillRect/>
-          </a:stretch>
-        </p:blipFill>
-        <p:spPr>
-          <a:xfrm>
-            <a:off x="8052306" y="612519"/>
-            <a:ext cx="2880000" cy="690817"/>
-          </a:xfrm>
-          <a:prstGeom prst="rect">
-            <a:avLst/>
-          </a:prstGeom>
-        </p:spPr>
-      </p:pic>
     </p:spTree>
     <p:extLst>
       <p:ext uri="{BB962C8B-B14F-4D97-AF65-F5344CB8AC3E}">
@@ -9064,1093 +11909,304 @@
       </p:grpSpPr>
       <p:sp>
         <p:nvSpPr>
-          <p:cNvPr id="2" name="Rectangle 1"/>
-          <p:cNvSpPr/>
-          <p:nvPr/>
-        </p:nvSpPr>
-        <p:spPr>
-          <a:xfrm>
-            <a:off x="4813060" y="247198"/>
-            <a:ext cx="1944303" cy="914400"/>
-          </a:xfrm>
-          <a:prstGeom prst="rect">
-            <a:avLst/>
-          </a:prstGeom>
-          <a:solidFill>
-            <a:schemeClr val="tx2"/>
-          </a:solidFill>
-          <a:ln>
-            <a:noFill/>
-          </a:ln>
-        </p:spPr>
-        <p:style>
-          <a:lnRef idx="2">
-            <a:schemeClr val="accent1">
-              <a:shade val="50000"/>
-            </a:schemeClr>
-          </a:lnRef>
-          <a:fillRef idx="1">
-            <a:schemeClr val="accent1"/>
-          </a:fillRef>
-          <a:effectRef idx="0">
-            <a:schemeClr val="accent1"/>
-          </a:effectRef>
-          <a:fontRef idx="minor">
-            <a:schemeClr val="lt1"/>
-          </a:fontRef>
-        </p:style>
-        <p:txBody>
-          <a:bodyPr rtlCol="0" anchor="ctr"/>
-          <a:lstStyle/>
-          <a:p>
-            <a:pPr algn="ctr"/>
-            <a:r>
-              <a:rPr lang="en-US" sz="2400" dirty="0" err="1">
-                <a:latin typeface="Yanone Kaffeesatz Light" panose="02000000000000000000" pitchFamily="2" charset="0"/>
-              </a:rPr>
-              <a:t>Loadbalancer</a:t>
-            </a:r>
-            <a:endParaRPr lang="de-CH" sz="1200" dirty="0">
-              <a:latin typeface="Yanone Kaffeesatz Light" panose="02000000000000000000" pitchFamily="2" charset="0"/>
-            </a:endParaRPr>
-          </a:p>
-        </p:txBody>
-      </p:sp>
-      <p:sp>
-        <p:nvSpPr>
-          <p:cNvPr id="3" name="Rectangle 2"/>
-          <p:cNvSpPr/>
-          <p:nvPr/>
-        </p:nvSpPr>
-        <p:spPr>
-          <a:xfrm>
-            <a:off x="2748226" y="1859853"/>
-            <a:ext cx="1944303" cy="914400"/>
-          </a:xfrm>
-          <a:prstGeom prst="rect">
-            <a:avLst/>
-          </a:prstGeom>
-          <a:solidFill>
-            <a:schemeClr val="accent4"/>
-          </a:solidFill>
-          <a:ln>
-            <a:noFill/>
-          </a:ln>
-        </p:spPr>
-        <p:style>
-          <a:lnRef idx="2">
-            <a:schemeClr val="accent1">
-              <a:shade val="50000"/>
-            </a:schemeClr>
-          </a:lnRef>
-          <a:fillRef idx="1">
-            <a:schemeClr val="accent1"/>
-          </a:fillRef>
-          <a:effectRef idx="0">
-            <a:schemeClr val="accent1"/>
-          </a:effectRef>
-          <a:fontRef idx="minor">
-            <a:schemeClr val="lt1"/>
-          </a:fontRef>
-        </p:style>
-        <p:txBody>
-          <a:bodyPr rtlCol="0" anchor="ctr"/>
-          <a:lstStyle/>
-          <a:p>
-            <a:pPr algn="ctr"/>
-            <a:r>
-              <a:rPr lang="en-US" sz="2400" dirty="0">
-                <a:latin typeface="Yanone Kaffeesatz Light" panose="02000000000000000000" pitchFamily="2" charset="0"/>
-              </a:rPr>
-              <a:t>FrontEnd1</a:t>
-            </a:r>
-            <a:endParaRPr lang="de-CH" sz="1200" dirty="0">
-              <a:latin typeface="Yanone Kaffeesatz Light" panose="02000000000000000000" pitchFamily="2" charset="0"/>
-            </a:endParaRPr>
-          </a:p>
-        </p:txBody>
-      </p:sp>
-      <p:sp>
-        <p:nvSpPr>
-          <p:cNvPr id="4" name="Rectangle 3"/>
-          <p:cNvSpPr/>
-          <p:nvPr/>
-        </p:nvSpPr>
-        <p:spPr>
-          <a:xfrm>
-            <a:off x="4813060" y="1859853"/>
-            <a:ext cx="1944303" cy="914400"/>
-          </a:xfrm>
-          <a:prstGeom prst="rect">
-            <a:avLst/>
-          </a:prstGeom>
-          <a:solidFill>
-            <a:schemeClr val="accent4"/>
-          </a:solidFill>
-          <a:ln>
-            <a:noFill/>
-          </a:ln>
-        </p:spPr>
-        <p:style>
-          <a:lnRef idx="2">
-            <a:schemeClr val="accent1">
-              <a:shade val="50000"/>
-            </a:schemeClr>
-          </a:lnRef>
-          <a:fillRef idx="1">
-            <a:schemeClr val="accent1"/>
-          </a:fillRef>
-          <a:effectRef idx="0">
-            <a:schemeClr val="accent1"/>
-          </a:effectRef>
-          <a:fontRef idx="minor">
-            <a:schemeClr val="lt1"/>
-          </a:fontRef>
-        </p:style>
-        <p:txBody>
-          <a:bodyPr rtlCol="0" anchor="ctr"/>
-          <a:lstStyle/>
-          <a:p>
-            <a:pPr algn="ctr"/>
-            <a:r>
-              <a:rPr lang="en-US" sz="2400" dirty="0">
-                <a:latin typeface="Yanone Kaffeesatz Light" panose="02000000000000000000" pitchFamily="2" charset="0"/>
-              </a:rPr>
-              <a:t>FrontEnd2</a:t>
-            </a:r>
-            <a:endParaRPr lang="de-CH" sz="1200" dirty="0">
-              <a:latin typeface="Yanone Kaffeesatz Light" panose="02000000000000000000" pitchFamily="2" charset="0"/>
-            </a:endParaRPr>
-          </a:p>
-        </p:txBody>
-      </p:sp>
-      <p:sp>
-        <p:nvSpPr>
           <p:cNvPr id="5" name="Rectangle 4"/>
           <p:cNvSpPr/>
           <p:nvPr/>
         </p:nvSpPr>
         <p:spPr>
           <a:xfrm>
-            <a:off x="6877894" y="1859853"/>
-            <a:ext cx="1944303" cy="914400"/>
+            <a:off x="102374" y="6336648"/>
+            <a:ext cx="4688591" cy="461665"/>
           </a:xfrm>
           <a:prstGeom prst="rect">
             <a:avLst/>
           </a:prstGeom>
-          <a:solidFill>
-            <a:schemeClr val="accent4"/>
-          </a:solidFill>
-          <a:ln>
-            <a:noFill/>
-          </a:ln>
-        </p:spPr>
-        <p:style>
-          <a:lnRef idx="2">
-            <a:schemeClr val="accent1">
-              <a:shade val="50000"/>
-            </a:schemeClr>
-          </a:lnRef>
-          <a:fillRef idx="1">
-            <a:schemeClr val="accent1"/>
-          </a:fillRef>
-          <a:effectRef idx="0">
-            <a:schemeClr val="accent1"/>
-          </a:effectRef>
-          <a:fontRef idx="minor">
-            <a:schemeClr val="lt1"/>
-          </a:fontRef>
-        </p:style>
-        <p:txBody>
-          <a:bodyPr rtlCol="0" anchor="ctr"/>
-          <a:lstStyle/>
-          <a:p>
-            <a:pPr algn="ctr"/>
-            <a:r>
-              <a:rPr lang="en-US" sz="2400" dirty="0">
-                <a:latin typeface="Yanone Kaffeesatz Light" panose="02000000000000000000" pitchFamily="2" charset="0"/>
-              </a:rPr>
-              <a:t>FrontEnd3</a:t>
-            </a:r>
-            <a:endParaRPr lang="de-CH" sz="1200" dirty="0">
-              <a:latin typeface="Yanone Kaffeesatz Light" panose="02000000000000000000" pitchFamily="2" charset="0"/>
-            </a:endParaRPr>
-          </a:p>
-        </p:txBody>
-      </p:sp>
-      <p:sp>
-        <p:nvSpPr>
-          <p:cNvPr id="6" name="Rectangle 5"/>
-          <p:cNvSpPr/>
-          <p:nvPr/>
-        </p:nvSpPr>
-        <p:spPr>
-          <a:xfrm>
-            <a:off x="1890132" y="1321419"/>
-            <a:ext cx="8157117" cy="1689410"/>
-          </a:xfrm>
-          <a:prstGeom prst="rect">
-            <a:avLst/>
-          </a:prstGeom>
-          <a:noFill/>
-          <a:ln w="19050">
-            <a:solidFill>
-              <a:schemeClr val="accent3"/>
-            </a:solidFill>
-          </a:ln>
-        </p:spPr>
-        <p:style>
-          <a:lnRef idx="2">
-            <a:schemeClr val="accent1">
-              <a:shade val="50000"/>
-            </a:schemeClr>
-          </a:lnRef>
-          <a:fillRef idx="1">
-            <a:schemeClr val="accent1"/>
-          </a:fillRef>
-          <a:effectRef idx="0">
-            <a:schemeClr val="accent1"/>
-          </a:effectRef>
-          <a:fontRef idx="minor">
-            <a:schemeClr val="lt1"/>
-          </a:fontRef>
-        </p:style>
-        <p:txBody>
-          <a:bodyPr rtlCol="0" anchor="ctr"/>
-          <a:lstStyle/>
-          <a:p>
-            <a:pPr algn="ctr"/>
-            <a:endParaRPr lang="de-CH"/>
-          </a:p>
-        </p:txBody>
-      </p:sp>
-      <p:sp>
-        <p:nvSpPr>
-          <p:cNvPr id="7" name="Rectangle 6"/>
-          <p:cNvSpPr/>
-          <p:nvPr/>
-        </p:nvSpPr>
-        <p:spPr>
-          <a:xfrm>
-            <a:off x="1890131" y="3090746"/>
-            <a:ext cx="8157117" cy="1689410"/>
-          </a:xfrm>
-          <a:prstGeom prst="rect">
-            <a:avLst/>
-          </a:prstGeom>
-          <a:noFill/>
-          <a:ln w="19050">
-            <a:solidFill>
-              <a:schemeClr val="accent3"/>
-            </a:solidFill>
-          </a:ln>
-        </p:spPr>
-        <p:style>
-          <a:lnRef idx="2">
-            <a:schemeClr val="accent1">
-              <a:shade val="50000"/>
-            </a:schemeClr>
-          </a:lnRef>
-          <a:fillRef idx="1">
-            <a:schemeClr val="accent1"/>
-          </a:fillRef>
-          <a:effectRef idx="0">
-            <a:schemeClr val="accent1"/>
-          </a:effectRef>
-          <a:fontRef idx="minor">
-            <a:schemeClr val="lt1"/>
-          </a:fontRef>
-        </p:style>
-        <p:txBody>
-          <a:bodyPr rtlCol="0" anchor="ctr"/>
-          <a:lstStyle/>
-          <a:p>
-            <a:pPr algn="ctr"/>
-            <a:endParaRPr lang="de-CH"/>
-          </a:p>
-        </p:txBody>
-      </p:sp>
-      <p:sp>
-        <p:nvSpPr>
-          <p:cNvPr id="8" name="Rectangle 7"/>
-          <p:cNvSpPr/>
-          <p:nvPr/>
-        </p:nvSpPr>
-        <p:spPr>
-          <a:xfrm>
-            <a:off x="1890131" y="4860073"/>
-            <a:ext cx="8157117" cy="1689410"/>
-          </a:xfrm>
-          <a:prstGeom prst="rect">
-            <a:avLst/>
-          </a:prstGeom>
-          <a:noFill/>
-          <a:ln w="19050">
-            <a:solidFill>
-              <a:schemeClr val="accent3"/>
-            </a:solidFill>
-          </a:ln>
-        </p:spPr>
-        <p:style>
-          <a:lnRef idx="2">
-            <a:schemeClr val="accent1">
-              <a:shade val="50000"/>
-            </a:schemeClr>
-          </a:lnRef>
-          <a:fillRef idx="1">
-            <a:schemeClr val="accent1"/>
-          </a:fillRef>
-          <a:effectRef idx="0">
-            <a:schemeClr val="accent1"/>
-          </a:effectRef>
-          <a:fontRef idx="minor">
-            <a:schemeClr val="lt1"/>
-          </a:fontRef>
-        </p:style>
-        <p:txBody>
-          <a:bodyPr rtlCol="0" anchor="ctr"/>
-          <a:lstStyle/>
-          <a:p>
-            <a:pPr algn="ctr"/>
-            <a:endParaRPr lang="de-CH"/>
-          </a:p>
-        </p:txBody>
-      </p:sp>
-      <p:sp>
-        <p:nvSpPr>
-          <p:cNvPr id="11" name="Rectangle 10"/>
-          <p:cNvSpPr/>
-          <p:nvPr/>
-        </p:nvSpPr>
-        <p:spPr>
-          <a:xfrm>
-            <a:off x="2748226" y="3572856"/>
-            <a:ext cx="1944303" cy="914400"/>
-          </a:xfrm>
-          <a:prstGeom prst="rect">
-            <a:avLst/>
-          </a:prstGeom>
-          <a:solidFill>
-            <a:schemeClr val="tx2"/>
-          </a:solidFill>
-          <a:ln>
-            <a:noFill/>
-          </a:ln>
-        </p:spPr>
-        <p:style>
-          <a:lnRef idx="2">
-            <a:schemeClr val="accent1">
-              <a:shade val="50000"/>
-            </a:schemeClr>
-          </a:lnRef>
-          <a:fillRef idx="1">
-            <a:schemeClr val="accent1"/>
-          </a:fillRef>
-          <a:effectRef idx="0">
-            <a:schemeClr val="accent1"/>
-          </a:effectRef>
-          <a:fontRef idx="minor">
-            <a:schemeClr val="lt1"/>
-          </a:fontRef>
-        </p:style>
-        <p:txBody>
-          <a:bodyPr rtlCol="0" anchor="ctr"/>
-          <a:lstStyle/>
-          <a:p>
-            <a:pPr algn="ctr"/>
-            <a:r>
-              <a:rPr lang="en-US" sz="2400" dirty="0">
-                <a:latin typeface="Yanone Kaffeesatz Light" panose="02000000000000000000" pitchFamily="2" charset="0"/>
-              </a:rPr>
-              <a:t>Stateless1</a:t>
-            </a:r>
-            <a:endParaRPr lang="de-CH" sz="1200" dirty="0">
-              <a:latin typeface="Yanone Kaffeesatz Light" panose="02000000000000000000" pitchFamily="2" charset="0"/>
-            </a:endParaRPr>
-          </a:p>
-        </p:txBody>
-      </p:sp>
-      <p:sp>
-        <p:nvSpPr>
-          <p:cNvPr id="12" name="Rectangle 11"/>
-          <p:cNvSpPr/>
-          <p:nvPr/>
-        </p:nvSpPr>
-        <p:spPr>
-          <a:xfrm>
-            <a:off x="4813060" y="3572856"/>
-            <a:ext cx="1944303" cy="914400"/>
-          </a:xfrm>
-          <a:prstGeom prst="rect">
-            <a:avLst/>
-          </a:prstGeom>
-          <a:solidFill>
-            <a:schemeClr val="tx2"/>
-          </a:solidFill>
-          <a:ln>
-            <a:noFill/>
-          </a:ln>
-        </p:spPr>
-        <p:style>
-          <a:lnRef idx="2">
-            <a:schemeClr val="accent1">
-              <a:shade val="50000"/>
-            </a:schemeClr>
-          </a:lnRef>
-          <a:fillRef idx="1">
-            <a:schemeClr val="accent1"/>
-          </a:fillRef>
-          <a:effectRef idx="0">
-            <a:schemeClr val="accent1"/>
-          </a:effectRef>
-          <a:fontRef idx="minor">
-            <a:schemeClr val="lt1"/>
-          </a:fontRef>
-        </p:style>
-        <p:txBody>
-          <a:bodyPr rtlCol="0" anchor="ctr"/>
-          <a:lstStyle/>
-          <a:p>
-            <a:pPr algn="ctr"/>
-            <a:r>
-              <a:rPr lang="en-US" sz="2400" dirty="0">
-                <a:latin typeface="Yanone Kaffeesatz Light" panose="02000000000000000000" pitchFamily="2" charset="0"/>
-              </a:rPr>
-              <a:t>Stateless2</a:t>
-            </a:r>
-            <a:endParaRPr lang="de-CH" sz="1200" dirty="0">
-              <a:latin typeface="Yanone Kaffeesatz Light" panose="02000000000000000000" pitchFamily="2" charset="0"/>
-            </a:endParaRPr>
-          </a:p>
-        </p:txBody>
-      </p:sp>
-      <p:sp>
-        <p:nvSpPr>
-          <p:cNvPr id="13" name="Rectangle 12"/>
-          <p:cNvSpPr/>
-          <p:nvPr/>
-        </p:nvSpPr>
-        <p:spPr>
-          <a:xfrm>
-            <a:off x="6877894" y="3572856"/>
-            <a:ext cx="1944303" cy="914400"/>
-          </a:xfrm>
-          <a:prstGeom prst="rect">
-            <a:avLst/>
-          </a:prstGeom>
-          <a:solidFill>
-            <a:schemeClr val="tx2"/>
-          </a:solidFill>
-          <a:ln>
-            <a:noFill/>
-          </a:ln>
-        </p:spPr>
-        <p:style>
-          <a:lnRef idx="2">
-            <a:schemeClr val="accent1">
-              <a:shade val="50000"/>
-            </a:schemeClr>
-          </a:lnRef>
-          <a:fillRef idx="1">
-            <a:schemeClr val="accent1"/>
-          </a:fillRef>
-          <a:effectRef idx="0">
-            <a:schemeClr val="accent1"/>
-          </a:effectRef>
-          <a:fontRef idx="minor">
-            <a:schemeClr val="lt1"/>
-          </a:fontRef>
-        </p:style>
-        <p:txBody>
-          <a:bodyPr rtlCol="0" anchor="ctr"/>
-          <a:lstStyle/>
-          <a:p>
-            <a:pPr algn="ctr"/>
-            <a:r>
-              <a:rPr lang="en-US" sz="2400" dirty="0">
-                <a:latin typeface="Yanone Kaffeesatz Light" panose="02000000000000000000" pitchFamily="2" charset="0"/>
-              </a:rPr>
-              <a:t>Stateless3</a:t>
-            </a:r>
-            <a:endParaRPr lang="de-CH" sz="1200" dirty="0">
-              <a:latin typeface="Yanone Kaffeesatz Light" panose="02000000000000000000" pitchFamily="2" charset="0"/>
-            </a:endParaRPr>
-          </a:p>
-        </p:txBody>
-      </p:sp>
-      <p:sp>
-        <p:nvSpPr>
-          <p:cNvPr id="15" name="Cylinder 14"/>
-          <p:cNvSpPr/>
-          <p:nvPr/>
-        </p:nvSpPr>
-        <p:spPr>
-          <a:xfrm>
-            <a:off x="5335446" y="5096702"/>
-            <a:ext cx="914400" cy="1216152"/>
-          </a:xfrm>
-          <a:prstGeom prst="can">
-            <a:avLst/>
-          </a:prstGeom>
-          <a:solidFill>
-            <a:schemeClr val="accent4"/>
-          </a:solidFill>
-          <a:ln>
-            <a:solidFill>
-              <a:schemeClr val="accent3"/>
-            </a:solidFill>
-          </a:ln>
-        </p:spPr>
-        <p:style>
-          <a:lnRef idx="2">
-            <a:schemeClr val="accent1">
-              <a:shade val="50000"/>
-            </a:schemeClr>
-          </a:lnRef>
-          <a:fillRef idx="1">
-            <a:schemeClr val="accent1"/>
-          </a:fillRef>
-          <a:effectRef idx="0">
-            <a:schemeClr val="accent1"/>
-          </a:effectRef>
-          <a:fontRef idx="minor">
-            <a:schemeClr val="lt1"/>
-          </a:fontRef>
-        </p:style>
-        <p:txBody>
-          <a:bodyPr rtlCol="0" anchor="ctr"/>
-          <a:lstStyle/>
-          <a:p>
-            <a:pPr algn="ctr"/>
-            <a:endParaRPr lang="de-CH"/>
-          </a:p>
-        </p:txBody>
-      </p:sp>
-      <p:sp>
-        <p:nvSpPr>
-          <p:cNvPr id="16" name="TextBox 15"/>
-          <p:cNvSpPr txBox="1"/>
-          <p:nvPr/>
-        </p:nvSpPr>
-        <p:spPr>
-          <a:xfrm>
-            <a:off x="1890131" y="4860073"/>
-            <a:ext cx="1327608" cy="461665"/>
-          </a:xfrm>
-          <a:prstGeom prst="rect">
-            <a:avLst/>
-          </a:prstGeom>
-          <a:noFill/>
-        </p:spPr>
-        <p:txBody>
-          <a:bodyPr wrap="none" rtlCol="0">
+        </p:spPr>
+        <p:txBody>
+          <a:bodyPr wrap="none">
             <a:spAutoFit/>
           </a:bodyPr>
           <a:lstStyle/>
           <a:p>
             <a:r>
-              <a:rPr lang="en-US" sz="2400" dirty="0">
+              <a:rPr lang="de-CH" sz="2400" dirty="0">
                 <a:solidFill>
                   <a:schemeClr val="accent3"/>
                 </a:solidFill>
                 <a:latin typeface="Yanone Kaffeesatz Regular" panose="02000000000000000000" pitchFamily="2" charset="0"/>
               </a:rPr>
-              <a:t>Storage Tier</a:t>
+              <a:t>http://microservices.io/articles/scalecube.html</a:t>
+            </a:r>
+          </a:p>
+        </p:txBody>
+      </p:sp>
+      <p:sp>
+        <p:nvSpPr>
+          <p:cNvPr id="6" name="Rectangle 5"/>
+          <p:cNvSpPr/>
+          <p:nvPr/>
+        </p:nvSpPr>
+        <p:spPr>
+          <a:xfrm>
+            <a:off x="2691902" y="5011059"/>
+            <a:ext cx="2238113" cy="461665"/>
+          </a:xfrm>
+          <a:prstGeom prst="rect">
+            <a:avLst/>
+          </a:prstGeom>
+        </p:spPr>
+        <p:txBody>
+          <a:bodyPr wrap="none">
+            <a:spAutoFit/>
+          </a:bodyPr>
+          <a:lstStyle/>
+          <a:p>
+            <a:r>
+              <a:rPr lang="en-US" sz="2400" dirty="0">
+                <a:solidFill>
+                  <a:schemeClr val="accent4"/>
+                </a:solidFill>
+                <a:latin typeface="Yanone Kaffeesatz Regular" panose="02000000000000000000" pitchFamily="2" charset="0"/>
+              </a:rPr>
+              <a:t>Horizontal duplication</a:t>
+            </a:r>
+          </a:p>
+        </p:txBody>
+      </p:sp>
+      <p:sp>
+        <p:nvSpPr>
+          <p:cNvPr id="7" name="Rectangle 6"/>
+          <p:cNvSpPr/>
+          <p:nvPr/>
+        </p:nvSpPr>
+        <p:spPr>
+          <a:xfrm>
+            <a:off x="1156893" y="3164279"/>
+            <a:ext cx="2579552" cy="461665"/>
+          </a:xfrm>
+          <a:prstGeom prst="rect">
+            <a:avLst/>
+          </a:prstGeom>
+        </p:spPr>
+        <p:txBody>
+          <a:bodyPr wrap="none">
+            <a:spAutoFit/>
+          </a:bodyPr>
+          <a:lstStyle/>
+          <a:p>
+            <a:r>
+              <a:rPr lang="en-US" sz="2400" dirty="0">
+                <a:solidFill>
+                  <a:schemeClr val="tx2"/>
+                </a:solidFill>
+                <a:latin typeface="Yanone Kaffeesatz Regular" panose="02000000000000000000" pitchFamily="2" charset="0"/>
+              </a:rPr>
+              <a:t>Functional decomposition</a:t>
             </a:r>
             <a:endParaRPr lang="de-CH" sz="2400" dirty="0">
+              <a:solidFill>
+                <a:schemeClr val="tx2"/>
+              </a:solidFill>
+            </a:endParaRPr>
+          </a:p>
+        </p:txBody>
+      </p:sp>
+      <p:grpSp>
+        <p:nvGrpSpPr>
+          <p:cNvPr id="10" name="Group 9"/>
+          <p:cNvGrpSpPr/>
+          <p:nvPr/>
+        </p:nvGrpSpPr>
+        <p:grpSpPr>
+          <a:xfrm>
+            <a:off x="3545018" y="1263542"/>
+            <a:ext cx="3502794" cy="4109605"/>
+            <a:chOff x="3150219" y="1162189"/>
+            <a:chExt cx="3502794" cy="4109605"/>
+          </a:xfrm>
+        </p:grpSpPr>
+        <p:sp>
+          <p:nvSpPr>
+            <p:cNvPr id="2" name="Rectangle 1"/>
+            <p:cNvSpPr/>
+            <p:nvPr/>
+          </p:nvSpPr>
+          <p:spPr>
+            <a:xfrm>
+              <a:off x="3150219" y="2319453"/>
+              <a:ext cx="2880000" cy="2880000"/>
+            </a:xfrm>
+            <a:prstGeom prst="rect">
+              <a:avLst/>
+            </a:prstGeom>
+            <a:solidFill>
+              <a:schemeClr val="accent4"/>
+            </a:solidFill>
+            <a:ln>
               <a:solidFill>
                 <a:schemeClr val="accent3"/>
               </a:solidFill>
-              <a:latin typeface="Yanone Kaffeesatz Regular" panose="02000000000000000000" pitchFamily="2" charset="0"/>
-            </a:endParaRPr>
-          </a:p>
-        </p:txBody>
-      </p:sp>
-      <p:sp>
-        <p:nvSpPr>
-          <p:cNvPr id="18" name="TextBox 17"/>
-          <p:cNvSpPr txBox="1"/>
-          <p:nvPr/>
-        </p:nvSpPr>
-        <p:spPr>
-          <a:xfrm>
-            <a:off x="1890131" y="1318271"/>
-            <a:ext cx="1548822" cy="461665"/>
-          </a:xfrm>
-          <a:prstGeom prst="rect">
-            <a:avLst/>
-          </a:prstGeom>
-          <a:noFill/>
-        </p:spPr>
-        <p:txBody>
-          <a:bodyPr wrap="none" rtlCol="0">
-            <a:spAutoFit/>
-          </a:bodyPr>
-          <a:lstStyle/>
-          <a:p>
-            <a:r>
-              <a:rPr lang="en-US" sz="2400" dirty="0">
+            </a:ln>
+            <a:scene3d>
+              <a:camera prst="isometricLeftDown"/>
+              <a:lightRig rig="threePt" dir="t"/>
+            </a:scene3d>
+            <a:sp3d extrusionH="2540000" contourW="25400" prstMaterial="legacyWireframe">
+              <a:bevelB/>
+              <a:contourClr>
+                <a:schemeClr val="accent3"/>
+              </a:contourClr>
+            </a:sp3d>
+          </p:spPr>
+          <p:style>
+            <a:lnRef idx="2">
+              <a:schemeClr val="accent1">
+                <a:shade val="50000"/>
+              </a:schemeClr>
+            </a:lnRef>
+            <a:fillRef idx="1">
+              <a:schemeClr val="accent1"/>
+            </a:fillRef>
+            <a:effectRef idx="0">
+              <a:schemeClr val="accent1"/>
+            </a:effectRef>
+            <a:fontRef idx="minor">
+              <a:schemeClr val="lt1"/>
+            </a:fontRef>
+          </p:style>
+          <p:txBody>
+            <a:bodyPr rtlCol="0" anchor="ctr"/>
+            <a:lstStyle/>
+            <a:p>
+              <a:pPr algn="ctr"/>
+              <a:endParaRPr lang="de-CH"/>
+            </a:p>
+          </p:txBody>
+        </p:sp>
+        <p:sp>
+          <p:nvSpPr>
+            <p:cNvPr id="3" name="TextBox 2"/>
+            <p:cNvSpPr txBox="1"/>
+            <p:nvPr/>
+          </p:nvSpPr>
+          <p:spPr>
+            <a:xfrm rot="16200000">
+              <a:off x="2774919" y="1999156"/>
+              <a:ext cx="2597264" cy="923330"/>
+            </a:xfrm>
+            <a:prstGeom prst="rect">
+              <a:avLst/>
+            </a:prstGeom>
+            <a:noFill/>
+          </p:spPr>
+          <p:txBody>
+            <a:bodyPr wrap="square" rtlCol="0">
+              <a:spAutoFit/>
+            </a:bodyPr>
+            <a:lstStyle/>
+            <a:p>
+              <a:r>
+                <a:rPr lang="en-US" dirty="0">
+                  <a:solidFill>
+                    <a:schemeClr val="tx2"/>
+                  </a:solidFill>
+                  <a:latin typeface="Yanone Kaffeesatz Regular" panose="02000000000000000000" pitchFamily="2" charset="0"/>
+                </a:rPr>
+                <a:t>Y-axis</a:t>
+              </a:r>
+            </a:p>
+            <a:p>
+              <a:r>
+                <a:rPr lang="en-US" dirty="0">
+                  <a:solidFill>
+                    <a:schemeClr val="tx2"/>
+                  </a:solidFill>
+                  <a:latin typeface="Yanone Kaffeesatz Regular" panose="02000000000000000000" pitchFamily="2" charset="0"/>
+                </a:rPr>
+                <a:t>Scale by splitting </a:t>
+              </a:r>
+              <a:br>
+                <a:rPr lang="en-US" dirty="0">
+                  <a:solidFill>
+                    <a:schemeClr val="tx2"/>
+                  </a:solidFill>
+                  <a:latin typeface="Yanone Kaffeesatz Regular" panose="02000000000000000000" pitchFamily="2" charset="0"/>
+                </a:rPr>
+              </a:br>
+              <a:r>
+                <a:rPr lang="en-US" dirty="0">
+                  <a:solidFill>
+                    <a:schemeClr val="tx2"/>
+                  </a:solidFill>
+                  <a:latin typeface="Yanone Kaffeesatz Regular" panose="02000000000000000000" pitchFamily="2" charset="0"/>
+                </a:rPr>
+                <a:t>different things</a:t>
+              </a:r>
+              <a:endParaRPr lang="de-CH" dirty="0">
                 <a:solidFill>
-                  <a:schemeClr val="accent3"/>
+                  <a:schemeClr val="tx2"/>
                 </a:solidFill>
                 <a:latin typeface="Yanone Kaffeesatz Regular" panose="02000000000000000000" pitchFamily="2" charset="0"/>
-              </a:rPr>
-              <a:t>Stateless Web</a:t>
-            </a:r>
-            <a:endParaRPr lang="de-CH" sz="2400" dirty="0">
-              <a:solidFill>
-                <a:schemeClr val="accent3"/>
-              </a:solidFill>
-              <a:latin typeface="Yanone Kaffeesatz Regular" panose="02000000000000000000" pitchFamily="2" charset="0"/>
-            </a:endParaRPr>
-          </a:p>
-        </p:txBody>
-      </p:sp>
-      <p:cxnSp>
-        <p:nvCxnSpPr>
-          <p:cNvPr id="20" name="Straight Arrow Connector 19"/>
-          <p:cNvCxnSpPr>
-            <a:stCxn id="2" idx="2"/>
-            <a:endCxn id="3" idx="0"/>
-          </p:cNvCxnSpPr>
-          <p:nvPr/>
-        </p:nvCxnSpPr>
-        <p:spPr>
-          <a:xfrm flipH="1">
-            <a:off x="3720378" y="1161598"/>
-            <a:ext cx="2064834" cy="698255"/>
-          </a:xfrm>
-          <a:prstGeom prst="straightConnector1">
-            <a:avLst/>
-          </a:prstGeom>
-          <a:ln w="19050">
-            <a:solidFill>
-              <a:schemeClr val="accent4"/>
-            </a:solidFill>
-            <a:tailEnd type="triangle"/>
-          </a:ln>
-        </p:spPr>
-        <p:style>
-          <a:lnRef idx="1">
-            <a:schemeClr val="accent1"/>
-          </a:lnRef>
-          <a:fillRef idx="0">
-            <a:schemeClr val="accent1"/>
-          </a:fillRef>
-          <a:effectRef idx="0">
-            <a:schemeClr val="accent1"/>
-          </a:effectRef>
-          <a:fontRef idx="minor">
-            <a:schemeClr val="tx1"/>
-          </a:fontRef>
-        </p:style>
-      </p:cxnSp>
-      <p:cxnSp>
-        <p:nvCxnSpPr>
-          <p:cNvPr id="21" name="Straight Arrow Connector 20"/>
-          <p:cNvCxnSpPr>
-            <a:cxnSpLocks/>
-            <a:stCxn id="2" idx="2"/>
-            <a:endCxn id="4" idx="0"/>
-          </p:cNvCxnSpPr>
-          <p:nvPr/>
-        </p:nvCxnSpPr>
-        <p:spPr>
-          <a:xfrm>
-            <a:off x="5785212" y="1161598"/>
-            <a:ext cx="0" cy="698255"/>
-          </a:xfrm>
-          <a:prstGeom prst="straightConnector1">
-            <a:avLst/>
-          </a:prstGeom>
-          <a:ln w="19050">
-            <a:solidFill>
-              <a:schemeClr val="accent4"/>
-            </a:solidFill>
-            <a:tailEnd type="triangle"/>
-          </a:ln>
-        </p:spPr>
-        <p:style>
-          <a:lnRef idx="1">
-            <a:schemeClr val="accent1"/>
-          </a:lnRef>
-          <a:fillRef idx="0">
-            <a:schemeClr val="accent1"/>
-          </a:fillRef>
-          <a:effectRef idx="0">
-            <a:schemeClr val="accent1"/>
-          </a:effectRef>
-          <a:fontRef idx="minor">
-            <a:schemeClr val="tx1"/>
-          </a:fontRef>
-        </p:style>
-      </p:cxnSp>
-      <p:cxnSp>
-        <p:nvCxnSpPr>
-          <p:cNvPr id="24" name="Straight Arrow Connector 23"/>
-          <p:cNvCxnSpPr>
-            <a:cxnSpLocks/>
-            <a:stCxn id="2" idx="2"/>
-            <a:endCxn id="5" idx="0"/>
-          </p:cNvCxnSpPr>
-          <p:nvPr/>
-        </p:nvCxnSpPr>
-        <p:spPr>
-          <a:xfrm>
-            <a:off x="5785212" y="1161598"/>
-            <a:ext cx="2064834" cy="698255"/>
-          </a:xfrm>
-          <a:prstGeom prst="straightConnector1">
-            <a:avLst/>
-          </a:prstGeom>
-          <a:ln w="19050">
-            <a:solidFill>
-              <a:schemeClr val="accent4"/>
-            </a:solidFill>
-            <a:tailEnd type="triangle"/>
-          </a:ln>
-        </p:spPr>
-        <p:style>
-          <a:lnRef idx="1">
-            <a:schemeClr val="accent1"/>
-          </a:lnRef>
-          <a:fillRef idx="0">
-            <a:schemeClr val="accent1"/>
-          </a:fillRef>
-          <a:effectRef idx="0">
-            <a:schemeClr val="accent1"/>
-          </a:effectRef>
-          <a:fontRef idx="minor">
-            <a:schemeClr val="tx1"/>
-          </a:fontRef>
-        </p:style>
-      </p:cxnSp>
-      <p:cxnSp>
-        <p:nvCxnSpPr>
-          <p:cNvPr id="30" name="Straight Arrow Connector 29"/>
-          <p:cNvCxnSpPr>
-            <a:cxnSpLocks/>
-            <a:stCxn id="4" idx="2"/>
-            <a:endCxn id="12" idx="0"/>
-          </p:cNvCxnSpPr>
-          <p:nvPr/>
-        </p:nvCxnSpPr>
-        <p:spPr>
-          <a:xfrm>
-            <a:off x="5785212" y="2774253"/>
-            <a:ext cx="0" cy="798603"/>
-          </a:xfrm>
-          <a:prstGeom prst="straightConnector1">
-            <a:avLst/>
-          </a:prstGeom>
-          <a:ln w="19050">
-            <a:solidFill>
-              <a:schemeClr val="accent4"/>
-            </a:solidFill>
-            <a:tailEnd type="triangle"/>
-          </a:ln>
-        </p:spPr>
-        <p:style>
-          <a:lnRef idx="1">
-            <a:schemeClr val="accent1"/>
-          </a:lnRef>
-          <a:fillRef idx="0">
-            <a:schemeClr val="accent1"/>
-          </a:fillRef>
-          <a:effectRef idx="0">
-            <a:schemeClr val="accent1"/>
-          </a:effectRef>
-          <a:fontRef idx="minor">
-            <a:schemeClr val="tx1"/>
-          </a:fontRef>
-        </p:style>
-      </p:cxnSp>
-      <p:cxnSp>
-        <p:nvCxnSpPr>
-          <p:cNvPr id="33" name="Straight Arrow Connector 32"/>
-          <p:cNvCxnSpPr>
-            <a:cxnSpLocks/>
-          </p:cNvCxnSpPr>
-          <p:nvPr/>
-        </p:nvCxnSpPr>
-        <p:spPr>
-          <a:xfrm>
-            <a:off x="7850045" y="2774252"/>
-            <a:ext cx="0" cy="798603"/>
-          </a:xfrm>
-          <a:prstGeom prst="straightConnector1">
-            <a:avLst/>
-          </a:prstGeom>
-          <a:ln w="19050">
-            <a:solidFill>
-              <a:schemeClr val="accent4"/>
-            </a:solidFill>
-            <a:tailEnd type="triangle"/>
-          </a:ln>
-        </p:spPr>
-        <p:style>
-          <a:lnRef idx="1">
-            <a:schemeClr val="accent1"/>
-          </a:lnRef>
-          <a:fillRef idx="0">
-            <a:schemeClr val="accent1"/>
-          </a:fillRef>
-          <a:effectRef idx="0">
-            <a:schemeClr val="accent1"/>
-          </a:effectRef>
-          <a:fontRef idx="minor">
-            <a:schemeClr val="tx1"/>
-          </a:fontRef>
-        </p:style>
-      </p:cxnSp>
-      <p:cxnSp>
-        <p:nvCxnSpPr>
-          <p:cNvPr id="34" name="Straight Arrow Connector 33"/>
-          <p:cNvCxnSpPr>
-            <a:cxnSpLocks/>
-          </p:cNvCxnSpPr>
-          <p:nvPr/>
-        </p:nvCxnSpPr>
-        <p:spPr>
-          <a:xfrm>
-            <a:off x="3720377" y="3445727"/>
-            <a:ext cx="0" cy="127128"/>
-          </a:xfrm>
-          <a:prstGeom prst="straightConnector1">
-            <a:avLst/>
-          </a:prstGeom>
-          <a:ln w="19050">
-            <a:solidFill>
-              <a:schemeClr val="accent4"/>
-            </a:solidFill>
-            <a:tailEnd type="triangle"/>
-          </a:ln>
-        </p:spPr>
-        <p:style>
-          <a:lnRef idx="1">
-            <a:schemeClr val="accent1"/>
-          </a:lnRef>
-          <a:fillRef idx="0">
-            <a:schemeClr val="accent1"/>
-          </a:fillRef>
-          <a:effectRef idx="0">
-            <a:schemeClr val="accent1"/>
-          </a:effectRef>
-          <a:fontRef idx="minor">
-            <a:schemeClr val="tx1"/>
-          </a:fontRef>
-        </p:style>
-      </p:cxnSp>
-      <p:sp>
-        <p:nvSpPr>
-          <p:cNvPr id="17" name="TextBox 16"/>
-          <p:cNvSpPr txBox="1"/>
-          <p:nvPr/>
-        </p:nvSpPr>
-        <p:spPr>
-          <a:xfrm>
-            <a:off x="1890131" y="3090746"/>
-            <a:ext cx="2058577" cy="461665"/>
-          </a:xfrm>
-          <a:prstGeom prst="rect">
-            <a:avLst/>
-          </a:prstGeom>
-          <a:noFill/>
-        </p:spPr>
-        <p:txBody>
-          <a:bodyPr wrap="none" rtlCol="0">
-            <a:spAutoFit/>
-          </a:bodyPr>
-          <a:lstStyle/>
-          <a:p>
-            <a:r>
-              <a:rPr lang="en-US" sz="2400" dirty="0">
+              </a:endParaRPr>
+            </a:p>
+          </p:txBody>
+        </p:sp>
+        <p:sp>
+          <p:nvSpPr>
+            <p:cNvPr id="4" name="TextBox 3"/>
+            <p:cNvSpPr txBox="1"/>
+            <p:nvPr/>
+          </p:nvSpPr>
+          <p:spPr>
+            <a:xfrm rot="1849042">
+              <a:off x="4055749" y="4625463"/>
+              <a:ext cx="2597264" cy="646331"/>
+            </a:xfrm>
+            <a:prstGeom prst="rect">
+              <a:avLst/>
+            </a:prstGeom>
+            <a:noFill/>
+          </p:spPr>
+          <p:txBody>
+            <a:bodyPr wrap="square" rtlCol="0">
+              <a:spAutoFit/>
+            </a:bodyPr>
+            <a:lstStyle/>
+            <a:p>
+              <a:r>
+                <a:rPr lang="en-US" dirty="0">
+                  <a:solidFill>
+                    <a:schemeClr val="tx2"/>
+                  </a:solidFill>
+                  <a:latin typeface="Yanone Kaffeesatz Regular" panose="02000000000000000000" pitchFamily="2" charset="0"/>
+                </a:rPr>
+                <a:t>X-axis</a:t>
+              </a:r>
+            </a:p>
+            <a:p>
+              <a:r>
+                <a:rPr lang="en-US" dirty="0">
+                  <a:solidFill>
+                    <a:schemeClr val="tx2"/>
+                  </a:solidFill>
+                  <a:latin typeface="Yanone Kaffeesatz Regular" panose="02000000000000000000" pitchFamily="2" charset="0"/>
+                </a:rPr>
+                <a:t>Scale by cloning</a:t>
+              </a:r>
+              <a:endParaRPr lang="de-CH" dirty="0">
                 <a:solidFill>
-                  <a:schemeClr val="accent3"/>
+                  <a:schemeClr val="tx2"/>
                 </a:solidFill>
                 <a:latin typeface="Yanone Kaffeesatz Regular" panose="02000000000000000000" pitchFamily="2" charset="0"/>
-              </a:rPr>
-              <a:t>Stateless </a:t>
-            </a:r>
-            <a:r>
-              <a:rPr lang="en-US" sz="2400" dirty="0" err="1">
-                <a:solidFill>
-                  <a:schemeClr val="accent3"/>
-                </a:solidFill>
-                <a:latin typeface="Yanone Kaffeesatz Regular" panose="02000000000000000000" pitchFamily="2" charset="0"/>
-              </a:rPr>
-              <a:t>Middletier</a:t>
-            </a:r>
-            <a:endParaRPr lang="de-CH" sz="2400" dirty="0">
-              <a:solidFill>
-                <a:schemeClr val="accent3"/>
-              </a:solidFill>
-              <a:latin typeface="Yanone Kaffeesatz Regular" panose="02000000000000000000" pitchFamily="2" charset="0"/>
-            </a:endParaRPr>
-          </a:p>
-        </p:txBody>
-      </p:sp>
-      <p:cxnSp>
-        <p:nvCxnSpPr>
-          <p:cNvPr id="37" name="Straight Connector 36"/>
-          <p:cNvCxnSpPr>
-            <a:stCxn id="3" idx="2"/>
-          </p:cNvCxnSpPr>
-          <p:nvPr/>
-        </p:nvCxnSpPr>
-        <p:spPr>
-          <a:xfrm flipH="1">
-            <a:off x="3720377" y="2774253"/>
-            <a:ext cx="1" cy="454025"/>
-          </a:xfrm>
-          <a:prstGeom prst="line">
-            <a:avLst/>
-          </a:prstGeom>
-          <a:ln w="19050">
-            <a:solidFill>
-              <a:schemeClr val="accent4"/>
-            </a:solidFill>
-          </a:ln>
-        </p:spPr>
-        <p:style>
-          <a:lnRef idx="1">
-            <a:schemeClr val="accent1"/>
-          </a:lnRef>
-          <a:fillRef idx="0">
-            <a:schemeClr val="accent1"/>
-          </a:fillRef>
-          <a:effectRef idx="0">
-            <a:schemeClr val="accent1"/>
-          </a:effectRef>
-          <a:fontRef idx="minor">
-            <a:schemeClr val="tx1"/>
-          </a:fontRef>
-        </p:style>
-      </p:cxnSp>
-      <p:cxnSp>
-        <p:nvCxnSpPr>
-          <p:cNvPr id="38" name="Straight Arrow Connector 37"/>
-          <p:cNvCxnSpPr>
-            <a:cxnSpLocks/>
-            <a:stCxn id="13" idx="2"/>
-            <a:endCxn id="15" idx="1"/>
-          </p:cNvCxnSpPr>
-          <p:nvPr/>
-        </p:nvCxnSpPr>
-        <p:spPr>
-          <a:xfrm flipH="1">
-            <a:off x="5792646" y="4487256"/>
-            <a:ext cx="2057400" cy="609446"/>
-          </a:xfrm>
-          <a:prstGeom prst="straightConnector1">
-            <a:avLst/>
-          </a:prstGeom>
-          <a:ln w="19050">
-            <a:solidFill>
-              <a:schemeClr val="accent4"/>
-            </a:solidFill>
-            <a:tailEnd type="triangle"/>
-          </a:ln>
-        </p:spPr>
-        <p:style>
-          <a:lnRef idx="1">
-            <a:schemeClr val="accent1"/>
-          </a:lnRef>
-          <a:fillRef idx="0">
-            <a:schemeClr val="accent1"/>
-          </a:fillRef>
-          <a:effectRef idx="0">
-            <a:schemeClr val="accent1"/>
-          </a:effectRef>
-          <a:fontRef idx="minor">
-            <a:schemeClr val="tx1"/>
-          </a:fontRef>
-        </p:style>
-      </p:cxnSp>
-      <p:cxnSp>
-        <p:nvCxnSpPr>
-          <p:cNvPr id="42" name="Straight Arrow Connector 41"/>
-          <p:cNvCxnSpPr>
-            <a:cxnSpLocks/>
-            <a:stCxn id="12" idx="2"/>
-            <a:endCxn id="15" idx="1"/>
-          </p:cNvCxnSpPr>
-          <p:nvPr/>
-        </p:nvCxnSpPr>
-        <p:spPr>
-          <a:xfrm>
-            <a:off x="5785212" y="4487256"/>
-            <a:ext cx="7434" cy="609446"/>
-          </a:xfrm>
-          <a:prstGeom prst="straightConnector1">
-            <a:avLst/>
-          </a:prstGeom>
-          <a:ln w="19050">
-            <a:solidFill>
-              <a:schemeClr val="accent4"/>
-            </a:solidFill>
-            <a:tailEnd type="triangle"/>
-          </a:ln>
-        </p:spPr>
-        <p:style>
-          <a:lnRef idx="1">
-            <a:schemeClr val="accent1"/>
-          </a:lnRef>
-          <a:fillRef idx="0">
-            <a:schemeClr val="accent1"/>
-          </a:fillRef>
-          <a:effectRef idx="0">
-            <a:schemeClr val="accent1"/>
-          </a:effectRef>
-          <a:fontRef idx="minor">
-            <a:schemeClr val="tx1"/>
-          </a:fontRef>
-        </p:style>
-      </p:cxnSp>
-      <p:cxnSp>
-        <p:nvCxnSpPr>
-          <p:cNvPr id="45" name="Straight Arrow Connector 44"/>
-          <p:cNvCxnSpPr>
-            <a:cxnSpLocks/>
-            <a:stCxn id="11" idx="2"/>
-            <a:endCxn id="15" idx="1"/>
-          </p:cNvCxnSpPr>
-          <p:nvPr/>
-        </p:nvCxnSpPr>
-        <p:spPr>
-          <a:xfrm>
-            <a:off x="3720378" y="4487256"/>
-            <a:ext cx="2072268" cy="609446"/>
-          </a:xfrm>
-          <a:prstGeom prst="straightConnector1">
-            <a:avLst/>
-          </a:prstGeom>
-          <a:ln w="19050">
-            <a:solidFill>
-              <a:schemeClr val="accent4"/>
-            </a:solidFill>
-            <a:tailEnd type="triangle"/>
-          </a:ln>
-        </p:spPr>
-        <p:style>
-          <a:lnRef idx="1">
-            <a:schemeClr val="accent1"/>
-          </a:lnRef>
-          <a:fillRef idx="0">
-            <a:schemeClr val="accent1"/>
-          </a:fillRef>
-          <a:effectRef idx="0">
-            <a:schemeClr val="accent1"/>
-          </a:effectRef>
-          <a:fontRef idx="minor">
-            <a:schemeClr val="tx1"/>
-          </a:fontRef>
-        </p:style>
-      </p:cxnSp>
+              </a:endParaRPr>
+            </a:p>
+          </p:txBody>
+        </p:sp>
+      </p:grpSp>
     </p:spTree>
     <p:extLst>
       <p:ext uri="{BB962C8B-B14F-4D97-AF65-F5344CB8AC3E}">
-        <p14:creationId xmlns:p14="http://schemas.microsoft.com/office/powerpoint/2010/main" val="3804303182"/>
+        <p14:creationId xmlns:p14="http://schemas.microsoft.com/office/powerpoint/2010/main" val="3590353592"/>
       </p:ext>
     </p:extLst>
   </p:cSld>

--- a/presentation.pptx
+++ b/presentation.pptx
@@ -5,7 +5,7 @@
     <p:sldMasterId id="2147483684" r:id="rId1"/>
   </p:sldMasterIdLst>
   <p:notesMasterIdLst>
-    <p:notesMasterId r:id="rId31"/>
+    <p:notesMasterId r:id="rId39"/>
   </p:notesMasterIdLst>
   <p:sldIdLst>
     <p:sldId id="278" r:id="rId2"/>
@@ -32,11 +32,19 @@
     <p:sldId id="437" r:id="rId23"/>
     <p:sldId id="436" r:id="rId24"/>
     <p:sldId id="438" r:id="rId25"/>
-    <p:sldId id="273" r:id="rId26"/>
-    <p:sldId id="267" r:id="rId27"/>
-    <p:sldId id="275" r:id="rId28"/>
-    <p:sldId id="268" r:id="rId29"/>
-    <p:sldId id="279" r:id="rId30"/>
+    <p:sldId id="439" r:id="rId26"/>
+    <p:sldId id="444" r:id="rId27"/>
+    <p:sldId id="442" r:id="rId28"/>
+    <p:sldId id="445" r:id="rId29"/>
+    <p:sldId id="443" r:id="rId30"/>
+    <p:sldId id="446" r:id="rId31"/>
+    <p:sldId id="447" r:id="rId32"/>
+    <p:sldId id="440" r:id="rId33"/>
+    <p:sldId id="273" r:id="rId34"/>
+    <p:sldId id="267" r:id="rId35"/>
+    <p:sldId id="275" r:id="rId36"/>
+    <p:sldId id="268" r:id="rId37"/>
+    <p:sldId id="279" r:id="rId38"/>
   </p:sldIdLst>
   <p:sldSz cx="12192000" cy="6858000"/>
   <p:notesSz cx="6858000" cy="9144000"/>
@@ -168,6 +176,14 @@
             <p14:sldId id="437"/>
             <p14:sldId id="436"/>
             <p14:sldId id="438"/>
+            <p14:sldId id="439"/>
+            <p14:sldId id="444"/>
+            <p14:sldId id="442"/>
+            <p14:sldId id="445"/>
+            <p14:sldId id="443"/>
+            <p14:sldId id="446"/>
+            <p14:sldId id="447"/>
+            <p14:sldId id="440"/>
           </p14:sldIdLst>
         </p14:section>
         <p14:section name="Q &amp; A" id="{EC3F6F94-2D82-4EB0-B8B3-D1EDFDD37945}">
@@ -277,7 +293,7 @@
           <a:p>
             <a:fld id="{D987070D-87AF-4443-8990-425EA27CC244}" type="datetimeFigureOut">
               <a:rPr lang="de-CH" smtClean="0"/>
-              <a:t>09.05.2017</a:t>
+              <a:t>22.05.2017</a:t>
             </a:fld>
             <a:endParaRPr lang="de-CH"/>
           </a:p>
@@ -591,7 +607,7 @@
           <a:p>
             <a:r>
               <a:rPr lang="en-US" baseline="0" dirty="0"/>
-              <a:t>If you are building applications and services today and you are not considering Platform as a Service, you are doing it wrong! The days of shipping data from tier to tier through countless stateless instances to the client and back are over. Modern concurrent computation models for distributed systems like Actors bring data closer to the compute nodes and thus significantly reduce latency. Today I’m taking you on a journey to move away from the data shipping paradigm and stateless middle tiers to a </a:t>
+              <a:t>You are doing it wrong, If you are building applications and services today and you are not considering Platform as a Service! The days of shipping data from tier to tier through countless stateless instances to the client and back are over. Modern concurrent computation models for distributed systems like Actors bring data closer to the compute nodes and thus significantly reduce latency. Today I’m taking you on a journey to move away from the data shipping paradigm and stateless middle tiers to a </a:t>
             </a:r>
             <a:r>
               <a:rPr lang="en-US" baseline="0" dirty="0" err="1"/>
@@ -2534,7 +2550,7 @@
           <a:p>
             <a:r>
               <a:rPr lang="en-US" dirty="0"/>
-              <a:t>So we either need routing keys</a:t>
+              <a:t>So we either need routing keys or a queue per partition</a:t>
             </a:r>
             <a:endParaRPr lang="de-CH" dirty="0"/>
           </a:p>
@@ -2734,7 +2750,7 @@
     </p:spTree>
     <p:extLst>
       <p:ext uri="{BB962C8B-B14F-4D97-AF65-F5344CB8AC3E}">
-        <p14:creationId xmlns:p14="http://schemas.microsoft.com/office/powerpoint/2010/main" val="3503916100"/>
+        <p14:creationId xmlns:p14="http://schemas.microsoft.com/office/powerpoint/2010/main" val="880461075"/>
       </p:ext>
     </p:extLst>
   </p:cSld>
@@ -2788,10 +2804,6 @@
           <a:bodyPr/>
           <a:lstStyle/>
           <a:p>
-            <a:r>
-              <a:rPr lang="en-US" dirty="0"/>
-              <a:t>Questions that can be answered in blog posts</a:t>
-            </a:r>
             <a:endParaRPr lang="de-CH" dirty="0"/>
           </a:p>
         </p:txBody>
@@ -2822,7 +2834,7 @@
     </p:spTree>
     <p:extLst>
       <p:ext uri="{BB962C8B-B14F-4D97-AF65-F5344CB8AC3E}">
-        <p14:creationId xmlns:p14="http://schemas.microsoft.com/office/powerpoint/2010/main" val="3670487613"/>
+        <p14:creationId xmlns:p14="http://schemas.microsoft.com/office/powerpoint/2010/main" val="352960807"/>
       </p:ext>
     </p:extLst>
   </p:cSld>
@@ -2876,6 +2888,48 @@
           <a:bodyPr/>
           <a:lstStyle/>
           <a:p>
+            <a:r>
+              <a:rPr lang="en-US" dirty="0"/>
+              <a:t>Sending a commands means the sender knows the receiver</a:t>
+            </a:r>
+          </a:p>
+          <a:p>
+            <a:r>
+              <a:rPr lang="en-US" dirty="0"/>
+              <a:t>Temporal decoupling but still spatial coupling</a:t>
+            </a:r>
+          </a:p>
+          <a:p>
+            <a:pPr marL="0" marR="0" lvl="0" indent="0" algn="l" defTabSz="914400" rtl="0" eaLnBrk="1" fontAlgn="auto" latinLnBrk="0" hangingPunct="1">
+              <a:lnSpc>
+                <a:spcPct val="100000"/>
+              </a:lnSpc>
+              <a:spcBef>
+                <a:spcPts val="0"/>
+              </a:spcBef>
+              <a:spcAft>
+                <a:spcPts val="0"/>
+              </a:spcAft>
+              <a:buClrTx/>
+              <a:buSzTx/>
+              <a:buFontTx/>
+              <a:buNone/>
+              <a:tabLst/>
+              <a:defRPr/>
+            </a:pPr>
+            <a:r>
+              <a:rPr lang="en-US" dirty="0"/>
+              <a:t>Integration scenarios, a command sender is not part of the cluster but still belongs to the same bounded context</a:t>
+            </a:r>
+            <a:endParaRPr lang="de-CH" dirty="0"/>
+          </a:p>
+          <a:p>
+            <a:r>
+              <a:rPr lang="en-US" dirty="0"/>
+              <a:t>It is OK for the sender to know the partitioning strategy since it belongs to the same bounded context anyway</a:t>
+            </a:r>
+          </a:p>
+          <a:p>
             <a:endParaRPr lang="de-CH" dirty="0"/>
           </a:p>
         </p:txBody>
@@ -2906,7 +2960,7 @@
     </p:spTree>
     <p:extLst>
       <p:ext uri="{BB962C8B-B14F-4D97-AF65-F5344CB8AC3E}">
-        <p14:creationId xmlns:p14="http://schemas.microsoft.com/office/powerpoint/2010/main" val="978782014"/>
+        <p14:creationId xmlns:p14="http://schemas.microsoft.com/office/powerpoint/2010/main" val="3146820806"/>
       </p:ext>
     </p:extLst>
   </p:cSld>
@@ -2960,95 +3014,6 @@
           <a:bodyPr/>
           <a:lstStyle/>
           <a:p>
-            <a:r>
-              <a:rPr lang="en-US" dirty="0"/>
-              <a:t>I’m Daniel, </a:t>
-            </a:r>
-            <a:r>
-              <a:rPr lang="en-US"/>
-              <a:t>Solution Engineer…</a:t>
-            </a:r>
-            <a:endParaRPr lang="en-US" dirty="0"/>
-          </a:p>
-          <a:p>
-            <a:r>
-              <a:rPr lang="en-US" dirty="0"/>
-              <a:t>I live in central</a:t>
-            </a:r>
-            <a:r>
-              <a:rPr lang="en-US" baseline="0" dirty="0"/>
-              <a:t> Switzerland. If you want to know more about me listen to episode 77 of developer on fire</a:t>
-            </a:r>
-            <a:endParaRPr lang="en-US" dirty="0"/>
-          </a:p>
-          <a:p>
-            <a:r>
-              <a:rPr lang="en-US" dirty="0"/>
-              <a:t>You can reach me on twitter under @</a:t>
-            </a:r>
-            <a:r>
-              <a:rPr lang="en-US" dirty="0" err="1"/>
-              <a:t>danielmarbach</a:t>
-            </a:r>
-            <a:endParaRPr lang="en-US" dirty="0"/>
-          </a:p>
-          <a:p>
-            <a:r>
-              <a:rPr lang="en-US" dirty="0"/>
-              <a:t>I blog on the particular blog and on my personal blog</a:t>
-            </a:r>
-          </a:p>
-          <a:p>
-            <a:r>
-              <a:rPr lang="en-US" dirty="0"/>
-              <a:t>I’m the lead behind the </a:t>
-            </a:r>
-            <a:r>
-              <a:rPr lang="en-US" dirty="0" err="1"/>
-              <a:t>asyncification</a:t>
-            </a:r>
-            <a:r>
-              <a:rPr lang="en-US" baseline="0" dirty="0"/>
-              <a:t> of </a:t>
-            </a:r>
-            <a:r>
-              <a:rPr lang="en-US" baseline="0" dirty="0" err="1"/>
-              <a:t>NServiceBus</a:t>
-            </a:r>
-            <a:r>
-              <a:rPr lang="en-US" baseline="0" dirty="0"/>
-              <a:t> and the ecosystem around it</a:t>
-            </a:r>
-          </a:p>
-          <a:p>
-            <a:r>
-              <a:rPr lang="en-US" baseline="0" dirty="0"/>
-              <a:t>I regularly contribute back ideas and code changes to </a:t>
-            </a:r>
-            <a:r>
-              <a:rPr lang="en-US" baseline="0" dirty="0" err="1"/>
-              <a:t>asyncify</a:t>
-            </a:r>
-            <a:r>
-              <a:rPr lang="en-US" baseline="0" dirty="0"/>
-              <a:t> the .NET OSS libraries and frameworks out there. So far I contributed to Entity Framework, </a:t>
-            </a:r>
-            <a:r>
-              <a:rPr lang="en-US" baseline="0" dirty="0" err="1"/>
-              <a:t>RabbitMQ</a:t>
-            </a:r>
-            <a:r>
-              <a:rPr lang="en-US" baseline="0" dirty="0"/>
-              <a:t>, Marten, </a:t>
-            </a:r>
-            <a:r>
-              <a:rPr lang="en-US" baseline="0" dirty="0" err="1"/>
-              <a:t>MassTransit</a:t>
-            </a:r>
-            <a:r>
-              <a:rPr lang="en-US" baseline="0" dirty="0"/>
-              <a:t>, Quartz.NET and many more</a:t>
-            </a:r>
             <a:endParaRPr lang="de-CH" dirty="0"/>
           </a:p>
         </p:txBody>
@@ -3079,7 +3044,7 @@
     </p:spTree>
     <p:extLst>
       <p:ext uri="{BB962C8B-B14F-4D97-AF65-F5344CB8AC3E}">
-        <p14:creationId xmlns:p14="http://schemas.microsoft.com/office/powerpoint/2010/main" val="88145516"/>
+        <p14:creationId xmlns:p14="http://schemas.microsoft.com/office/powerpoint/2010/main" val="3279582723"/>
       </p:ext>
     </p:extLst>
   </p:cSld>
@@ -3134,12 +3099,14 @@
           <a:lstStyle/>
           <a:p>
             <a:r>
-              <a:rPr lang="de-CH" dirty="0"/>
-              <a:t>Thank you very much</a:t>
-            </a:r>
-            <a:r>
-              <a:rPr lang="de-CH" baseline="0" dirty="0"/>
-              <a:t> for listening and see you next time</a:t>
+              <a:rPr lang="en-US" dirty="0"/>
+              <a:t>A publisher cannot define how data needs to be partitioned since subscribers define how they interpret the event that they are subscribed to.</a:t>
+            </a:r>
+          </a:p>
+          <a:p>
+            <a:r>
+              <a:rPr lang="en-US" dirty="0"/>
+              <a:t>Only the subscriber can know the partitioning schema of its own data. Therefore receiver side distribution is needed where data is received and internally rerouted if required.</a:t>
             </a:r>
             <a:endParaRPr lang="de-CH" dirty="0"/>
           </a:p>
@@ -3171,7 +3138,7 @@
     </p:spTree>
     <p:extLst>
       <p:ext uri="{BB962C8B-B14F-4D97-AF65-F5344CB8AC3E}">
-        <p14:creationId xmlns:p14="http://schemas.microsoft.com/office/powerpoint/2010/main" val="3949593976"/>
+        <p14:creationId xmlns:p14="http://schemas.microsoft.com/office/powerpoint/2010/main" val="1504588827"/>
       </p:ext>
     </p:extLst>
   </p:cSld>
@@ -3320,6 +3287,787 @@
     <p:extLst>
       <p:ext uri="{BB962C8B-B14F-4D97-AF65-F5344CB8AC3E}">
         <p14:creationId xmlns:p14="http://schemas.microsoft.com/office/powerpoint/2010/main" val="1291193727"/>
+      </p:ext>
+    </p:extLst>
+  </p:cSld>
+  <p:clrMapOvr>
+    <a:masterClrMapping/>
+  </p:clrMapOvr>
+</p:notes>
+</file>
+
+<file path=ppt/notesSlides/notesSlide30.xml><?xml version="1.0" encoding="utf-8"?>
+<p:notes xmlns:a="http://schemas.openxmlformats.org/drawingml/2006/main" xmlns:r="http://schemas.openxmlformats.org/officeDocument/2006/relationships" xmlns:p="http://schemas.openxmlformats.org/presentationml/2006/main">
+  <p:cSld>
+    <p:spTree>
+      <p:nvGrpSpPr>
+        <p:cNvPr id="1" name=""/>
+        <p:cNvGrpSpPr/>
+        <p:nvPr/>
+      </p:nvGrpSpPr>
+      <p:grpSpPr>
+        <a:xfrm>
+          <a:off x="0" y="0"/>
+          <a:ext cx="0" cy="0"/>
+          <a:chOff x="0" y="0"/>
+          <a:chExt cx="0" cy="0"/>
+        </a:xfrm>
+      </p:grpSpPr>
+      <p:sp>
+        <p:nvSpPr>
+          <p:cNvPr id="2" name="Slide Image Placeholder 1"/>
+          <p:cNvSpPr>
+            <a:spLocks noGrp="1" noRot="1" noChangeAspect="1"/>
+          </p:cNvSpPr>
+          <p:nvPr>
+            <p:ph type="sldImg"/>
+          </p:nvPr>
+        </p:nvSpPr>
+        <p:spPr/>
+      </p:sp>
+      <p:sp>
+        <p:nvSpPr>
+          <p:cNvPr id="3" name="Notes Placeholder 2"/>
+          <p:cNvSpPr>
+            <a:spLocks noGrp="1"/>
+          </p:cNvSpPr>
+          <p:nvPr>
+            <p:ph type="body" idx="1"/>
+          </p:nvPr>
+        </p:nvSpPr>
+        <p:spPr/>
+        <p:txBody>
+          <a:bodyPr/>
+          <a:lstStyle/>
+          <a:p>
+            <a:endParaRPr lang="de-CH" dirty="0"/>
+          </a:p>
+        </p:txBody>
+      </p:sp>
+      <p:sp>
+        <p:nvSpPr>
+          <p:cNvPr id="4" name="Slide Number Placeholder 3"/>
+          <p:cNvSpPr>
+            <a:spLocks noGrp="1"/>
+          </p:cNvSpPr>
+          <p:nvPr>
+            <p:ph type="sldNum" sz="quarter" idx="10"/>
+          </p:nvPr>
+        </p:nvSpPr>
+        <p:spPr/>
+        <p:txBody>
+          <a:bodyPr/>
+          <a:lstStyle/>
+          <a:p>
+            <a:fld id="{9BCA07FD-5BD5-4529-84B0-48DD2C561176}" type="slidenum">
+              <a:rPr lang="de-CH" smtClean="0"/>
+              <a:t>30</a:t>
+            </a:fld>
+            <a:endParaRPr lang="de-CH"/>
+          </a:p>
+        </p:txBody>
+      </p:sp>
+    </p:spTree>
+    <p:extLst>
+      <p:ext uri="{BB962C8B-B14F-4D97-AF65-F5344CB8AC3E}">
+        <p14:creationId xmlns:p14="http://schemas.microsoft.com/office/powerpoint/2010/main" val="2636600687"/>
+      </p:ext>
+    </p:extLst>
+  </p:cSld>
+  <p:clrMapOvr>
+    <a:masterClrMapping/>
+  </p:clrMapOvr>
+</p:notes>
+</file>
+
+<file path=ppt/notesSlides/notesSlide31.xml><?xml version="1.0" encoding="utf-8"?>
+<p:notes xmlns:a="http://schemas.openxmlformats.org/drawingml/2006/main" xmlns:r="http://schemas.openxmlformats.org/officeDocument/2006/relationships" xmlns:p="http://schemas.openxmlformats.org/presentationml/2006/main">
+  <p:cSld>
+    <p:spTree>
+      <p:nvGrpSpPr>
+        <p:cNvPr id="1" name=""/>
+        <p:cNvGrpSpPr/>
+        <p:nvPr/>
+      </p:nvGrpSpPr>
+      <p:grpSpPr>
+        <a:xfrm>
+          <a:off x="0" y="0"/>
+          <a:ext cx="0" cy="0"/>
+          <a:chOff x="0" y="0"/>
+          <a:chExt cx="0" cy="0"/>
+        </a:xfrm>
+      </p:grpSpPr>
+      <p:sp>
+        <p:nvSpPr>
+          <p:cNvPr id="2" name="Slide Image Placeholder 1"/>
+          <p:cNvSpPr>
+            <a:spLocks noGrp="1" noRot="1" noChangeAspect="1"/>
+          </p:cNvSpPr>
+          <p:nvPr>
+            <p:ph type="sldImg"/>
+          </p:nvPr>
+        </p:nvSpPr>
+        <p:spPr/>
+      </p:sp>
+      <p:sp>
+        <p:nvSpPr>
+          <p:cNvPr id="3" name="Notes Placeholder 2"/>
+          <p:cNvSpPr>
+            <a:spLocks noGrp="1"/>
+          </p:cNvSpPr>
+          <p:nvPr>
+            <p:ph type="body" idx="1"/>
+          </p:nvPr>
+        </p:nvSpPr>
+        <p:spPr/>
+        <p:txBody>
+          <a:bodyPr/>
+          <a:lstStyle/>
+          <a:p>
+            <a:r>
+              <a:rPr lang="en-US" dirty="0"/>
+              <a:t>With request reply you usually want stickiness or partition affinity since the sender might have created a callback or state that is associated with the partition of the sender</a:t>
+            </a:r>
+            <a:endParaRPr lang="de-CH" dirty="0"/>
+          </a:p>
+        </p:txBody>
+      </p:sp>
+      <p:sp>
+        <p:nvSpPr>
+          <p:cNvPr id="4" name="Slide Number Placeholder 3"/>
+          <p:cNvSpPr>
+            <a:spLocks noGrp="1"/>
+          </p:cNvSpPr>
+          <p:nvPr>
+            <p:ph type="sldNum" sz="quarter" idx="10"/>
+          </p:nvPr>
+        </p:nvSpPr>
+        <p:spPr/>
+        <p:txBody>
+          <a:bodyPr/>
+          <a:lstStyle/>
+          <a:p>
+            <a:fld id="{9BCA07FD-5BD5-4529-84B0-48DD2C561176}" type="slidenum">
+              <a:rPr lang="de-CH" smtClean="0"/>
+              <a:t>31</a:t>
+            </a:fld>
+            <a:endParaRPr lang="de-CH"/>
+          </a:p>
+        </p:txBody>
+      </p:sp>
+    </p:spTree>
+    <p:extLst>
+      <p:ext uri="{BB962C8B-B14F-4D97-AF65-F5344CB8AC3E}">
+        <p14:creationId xmlns:p14="http://schemas.microsoft.com/office/powerpoint/2010/main" val="2045886333"/>
+      </p:ext>
+    </p:extLst>
+  </p:cSld>
+  <p:clrMapOvr>
+    <a:masterClrMapping/>
+  </p:clrMapOvr>
+</p:notes>
+</file>
+
+<file path=ppt/notesSlides/notesSlide32.xml><?xml version="1.0" encoding="utf-8"?>
+<p:notes xmlns:a="http://schemas.openxmlformats.org/drawingml/2006/main" xmlns:r="http://schemas.openxmlformats.org/officeDocument/2006/relationships" xmlns:p="http://schemas.openxmlformats.org/presentationml/2006/main">
+  <p:cSld>
+    <p:spTree>
+      <p:nvGrpSpPr>
+        <p:cNvPr id="1" name=""/>
+        <p:cNvGrpSpPr/>
+        <p:nvPr/>
+      </p:nvGrpSpPr>
+      <p:grpSpPr>
+        <a:xfrm>
+          <a:off x="0" y="0"/>
+          <a:ext cx="0" cy="0"/>
+          <a:chOff x="0" y="0"/>
+          <a:chExt cx="0" cy="0"/>
+        </a:xfrm>
+      </p:grpSpPr>
+      <p:sp>
+        <p:nvSpPr>
+          <p:cNvPr id="2" name="Slide Image Placeholder 1"/>
+          <p:cNvSpPr>
+            <a:spLocks noGrp="1" noRot="1" noChangeAspect="1"/>
+          </p:cNvSpPr>
+          <p:nvPr>
+            <p:ph type="sldImg"/>
+          </p:nvPr>
+        </p:nvSpPr>
+        <p:spPr/>
+      </p:sp>
+      <p:sp>
+        <p:nvSpPr>
+          <p:cNvPr id="3" name="Notes Placeholder 2"/>
+          <p:cNvSpPr>
+            <a:spLocks noGrp="1"/>
+          </p:cNvSpPr>
+          <p:nvPr>
+            <p:ph type="body" idx="1"/>
+          </p:nvPr>
+        </p:nvSpPr>
+        <p:spPr/>
+        <p:txBody>
+          <a:bodyPr/>
+          <a:lstStyle/>
+          <a:p>
+            <a:r>
+              <a:rPr lang="en-US" dirty="0"/>
+              <a:t>BIG DEMO</a:t>
+            </a:r>
+            <a:endParaRPr lang="de-CH" dirty="0"/>
+          </a:p>
+        </p:txBody>
+      </p:sp>
+      <p:sp>
+        <p:nvSpPr>
+          <p:cNvPr id="4" name="Slide Number Placeholder 3"/>
+          <p:cNvSpPr>
+            <a:spLocks noGrp="1"/>
+          </p:cNvSpPr>
+          <p:nvPr>
+            <p:ph type="sldNum" sz="quarter" idx="10"/>
+          </p:nvPr>
+        </p:nvSpPr>
+        <p:spPr/>
+        <p:txBody>
+          <a:bodyPr/>
+          <a:lstStyle/>
+          <a:p>
+            <a:fld id="{9BCA07FD-5BD5-4529-84B0-48DD2C561176}" type="slidenum">
+              <a:rPr lang="de-CH" smtClean="0"/>
+              <a:t>32</a:t>
+            </a:fld>
+            <a:endParaRPr lang="de-CH"/>
+          </a:p>
+        </p:txBody>
+      </p:sp>
+    </p:spTree>
+    <p:extLst>
+      <p:ext uri="{BB962C8B-B14F-4D97-AF65-F5344CB8AC3E}">
+        <p14:creationId xmlns:p14="http://schemas.microsoft.com/office/powerpoint/2010/main" val="1730557964"/>
+      </p:ext>
+    </p:extLst>
+  </p:cSld>
+  <p:clrMapOvr>
+    <a:masterClrMapping/>
+  </p:clrMapOvr>
+</p:notes>
+</file>
+
+<file path=ppt/notesSlides/notesSlide33.xml><?xml version="1.0" encoding="utf-8"?>
+<p:notes xmlns:a="http://schemas.openxmlformats.org/drawingml/2006/main" xmlns:r="http://schemas.openxmlformats.org/officeDocument/2006/relationships" xmlns:p="http://schemas.openxmlformats.org/presentationml/2006/main">
+  <p:cSld>
+    <p:spTree>
+      <p:nvGrpSpPr>
+        <p:cNvPr id="1" name=""/>
+        <p:cNvGrpSpPr/>
+        <p:nvPr/>
+      </p:nvGrpSpPr>
+      <p:grpSpPr>
+        <a:xfrm>
+          <a:off x="0" y="0"/>
+          <a:ext cx="0" cy="0"/>
+          <a:chOff x="0" y="0"/>
+          <a:chExt cx="0" cy="0"/>
+        </a:xfrm>
+      </p:grpSpPr>
+      <p:sp>
+        <p:nvSpPr>
+          <p:cNvPr id="2" name="Slide Image Placeholder 1"/>
+          <p:cNvSpPr>
+            <a:spLocks noGrp="1" noRot="1" noChangeAspect="1"/>
+          </p:cNvSpPr>
+          <p:nvPr>
+            <p:ph type="sldImg"/>
+          </p:nvPr>
+        </p:nvSpPr>
+        <p:spPr/>
+      </p:sp>
+      <p:sp>
+        <p:nvSpPr>
+          <p:cNvPr id="3" name="Notes Placeholder 2"/>
+          <p:cNvSpPr>
+            <a:spLocks noGrp="1"/>
+          </p:cNvSpPr>
+          <p:nvPr>
+            <p:ph type="body" idx="1"/>
+          </p:nvPr>
+        </p:nvSpPr>
+        <p:spPr/>
+        <p:txBody>
+          <a:bodyPr/>
+          <a:lstStyle/>
+          <a:p>
+            <a:endParaRPr lang="de-CH" dirty="0"/>
+          </a:p>
+        </p:txBody>
+      </p:sp>
+      <p:sp>
+        <p:nvSpPr>
+          <p:cNvPr id="4" name="Slide Number Placeholder 3"/>
+          <p:cNvSpPr>
+            <a:spLocks noGrp="1"/>
+          </p:cNvSpPr>
+          <p:nvPr>
+            <p:ph type="sldNum" sz="quarter" idx="10"/>
+          </p:nvPr>
+        </p:nvSpPr>
+        <p:spPr/>
+        <p:txBody>
+          <a:bodyPr/>
+          <a:lstStyle/>
+          <a:p>
+            <a:fld id="{9BCA07FD-5BD5-4529-84B0-48DD2C561176}" type="slidenum">
+              <a:rPr lang="de-CH" smtClean="0"/>
+              <a:t>33</a:t>
+            </a:fld>
+            <a:endParaRPr lang="de-CH"/>
+          </a:p>
+        </p:txBody>
+      </p:sp>
+    </p:spTree>
+    <p:extLst>
+      <p:ext uri="{BB962C8B-B14F-4D97-AF65-F5344CB8AC3E}">
+        <p14:creationId xmlns:p14="http://schemas.microsoft.com/office/powerpoint/2010/main" val="3503916100"/>
+      </p:ext>
+    </p:extLst>
+  </p:cSld>
+  <p:clrMapOvr>
+    <a:masterClrMapping/>
+  </p:clrMapOvr>
+</p:notes>
+</file>
+
+<file path=ppt/notesSlides/notesSlide34.xml><?xml version="1.0" encoding="utf-8"?>
+<p:notes xmlns:a="http://schemas.openxmlformats.org/drawingml/2006/main" xmlns:r="http://schemas.openxmlformats.org/officeDocument/2006/relationships" xmlns:p="http://schemas.openxmlformats.org/presentationml/2006/main">
+  <p:cSld>
+    <p:spTree>
+      <p:nvGrpSpPr>
+        <p:cNvPr id="1" name=""/>
+        <p:cNvGrpSpPr/>
+        <p:nvPr/>
+      </p:nvGrpSpPr>
+      <p:grpSpPr>
+        <a:xfrm>
+          <a:off x="0" y="0"/>
+          <a:ext cx="0" cy="0"/>
+          <a:chOff x="0" y="0"/>
+          <a:chExt cx="0" cy="0"/>
+        </a:xfrm>
+      </p:grpSpPr>
+      <p:sp>
+        <p:nvSpPr>
+          <p:cNvPr id="2" name="Slide Image Placeholder 1"/>
+          <p:cNvSpPr>
+            <a:spLocks noGrp="1" noRot="1" noChangeAspect="1"/>
+          </p:cNvSpPr>
+          <p:nvPr>
+            <p:ph type="sldImg"/>
+          </p:nvPr>
+        </p:nvSpPr>
+        <p:spPr/>
+      </p:sp>
+      <p:sp>
+        <p:nvSpPr>
+          <p:cNvPr id="3" name="Notes Placeholder 2"/>
+          <p:cNvSpPr>
+            <a:spLocks noGrp="1"/>
+          </p:cNvSpPr>
+          <p:nvPr>
+            <p:ph type="body" idx="1"/>
+          </p:nvPr>
+        </p:nvSpPr>
+        <p:spPr/>
+        <p:txBody>
+          <a:bodyPr/>
+          <a:lstStyle/>
+          <a:p>
+            <a:r>
+              <a:rPr lang="en-US" dirty="0"/>
+              <a:t>Questions that can be answered in blog posts</a:t>
+            </a:r>
+            <a:endParaRPr lang="de-CH" dirty="0"/>
+          </a:p>
+        </p:txBody>
+      </p:sp>
+      <p:sp>
+        <p:nvSpPr>
+          <p:cNvPr id="4" name="Slide Number Placeholder 3"/>
+          <p:cNvSpPr>
+            <a:spLocks noGrp="1"/>
+          </p:cNvSpPr>
+          <p:nvPr>
+            <p:ph type="sldNum" sz="quarter" idx="10"/>
+          </p:nvPr>
+        </p:nvSpPr>
+        <p:spPr/>
+        <p:txBody>
+          <a:bodyPr/>
+          <a:lstStyle/>
+          <a:p>
+            <a:fld id="{9BCA07FD-5BD5-4529-84B0-48DD2C561176}" type="slidenum">
+              <a:rPr lang="de-CH" smtClean="0"/>
+              <a:t>34</a:t>
+            </a:fld>
+            <a:endParaRPr lang="de-CH"/>
+          </a:p>
+        </p:txBody>
+      </p:sp>
+    </p:spTree>
+    <p:extLst>
+      <p:ext uri="{BB962C8B-B14F-4D97-AF65-F5344CB8AC3E}">
+        <p14:creationId xmlns:p14="http://schemas.microsoft.com/office/powerpoint/2010/main" val="3670487613"/>
+      </p:ext>
+    </p:extLst>
+  </p:cSld>
+  <p:clrMapOvr>
+    <a:masterClrMapping/>
+  </p:clrMapOvr>
+</p:notes>
+</file>
+
+<file path=ppt/notesSlides/notesSlide35.xml><?xml version="1.0" encoding="utf-8"?>
+<p:notes xmlns:a="http://schemas.openxmlformats.org/drawingml/2006/main" xmlns:r="http://schemas.openxmlformats.org/officeDocument/2006/relationships" xmlns:p="http://schemas.openxmlformats.org/presentationml/2006/main">
+  <p:cSld>
+    <p:spTree>
+      <p:nvGrpSpPr>
+        <p:cNvPr id="1" name=""/>
+        <p:cNvGrpSpPr/>
+        <p:nvPr/>
+      </p:nvGrpSpPr>
+      <p:grpSpPr>
+        <a:xfrm>
+          <a:off x="0" y="0"/>
+          <a:ext cx="0" cy="0"/>
+          <a:chOff x="0" y="0"/>
+          <a:chExt cx="0" cy="0"/>
+        </a:xfrm>
+      </p:grpSpPr>
+      <p:sp>
+        <p:nvSpPr>
+          <p:cNvPr id="2" name="Slide Image Placeholder 1"/>
+          <p:cNvSpPr>
+            <a:spLocks noGrp="1" noRot="1" noChangeAspect="1"/>
+          </p:cNvSpPr>
+          <p:nvPr>
+            <p:ph type="sldImg"/>
+          </p:nvPr>
+        </p:nvSpPr>
+        <p:spPr/>
+      </p:sp>
+      <p:sp>
+        <p:nvSpPr>
+          <p:cNvPr id="3" name="Notes Placeholder 2"/>
+          <p:cNvSpPr>
+            <a:spLocks noGrp="1"/>
+          </p:cNvSpPr>
+          <p:nvPr>
+            <p:ph type="body" idx="1"/>
+          </p:nvPr>
+        </p:nvSpPr>
+        <p:spPr/>
+        <p:txBody>
+          <a:bodyPr/>
+          <a:lstStyle/>
+          <a:p>
+            <a:endParaRPr lang="de-CH" dirty="0"/>
+          </a:p>
+        </p:txBody>
+      </p:sp>
+      <p:sp>
+        <p:nvSpPr>
+          <p:cNvPr id="4" name="Slide Number Placeholder 3"/>
+          <p:cNvSpPr>
+            <a:spLocks noGrp="1"/>
+          </p:cNvSpPr>
+          <p:nvPr>
+            <p:ph type="sldNum" sz="quarter" idx="10"/>
+          </p:nvPr>
+        </p:nvSpPr>
+        <p:spPr/>
+        <p:txBody>
+          <a:bodyPr/>
+          <a:lstStyle/>
+          <a:p>
+            <a:fld id="{9BCA07FD-5BD5-4529-84B0-48DD2C561176}" type="slidenum">
+              <a:rPr lang="de-CH" smtClean="0"/>
+              <a:t>35</a:t>
+            </a:fld>
+            <a:endParaRPr lang="de-CH"/>
+          </a:p>
+        </p:txBody>
+      </p:sp>
+    </p:spTree>
+    <p:extLst>
+      <p:ext uri="{BB962C8B-B14F-4D97-AF65-F5344CB8AC3E}">
+        <p14:creationId xmlns:p14="http://schemas.microsoft.com/office/powerpoint/2010/main" val="978782014"/>
+      </p:ext>
+    </p:extLst>
+  </p:cSld>
+  <p:clrMapOvr>
+    <a:masterClrMapping/>
+  </p:clrMapOvr>
+</p:notes>
+</file>
+
+<file path=ppt/notesSlides/notesSlide36.xml><?xml version="1.0" encoding="utf-8"?>
+<p:notes xmlns:a="http://schemas.openxmlformats.org/drawingml/2006/main" xmlns:r="http://schemas.openxmlformats.org/officeDocument/2006/relationships" xmlns:p="http://schemas.openxmlformats.org/presentationml/2006/main">
+  <p:cSld>
+    <p:spTree>
+      <p:nvGrpSpPr>
+        <p:cNvPr id="1" name=""/>
+        <p:cNvGrpSpPr/>
+        <p:nvPr/>
+      </p:nvGrpSpPr>
+      <p:grpSpPr>
+        <a:xfrm>
+          <a:off x="0" y="0"/>
+          <a:ext cx="0" cy="0"/>
+          <a:chOff x="0" y="0"/>
+          <a:chExt cx="0" cy="0"/>
+        </a:xfrm>
+      </p:grpSpPr>
+      <p:sp>
+        <p:nvSpPr>
+          <p:cNvPr id="2" name="Slide Image Placeholder 1"/>
+          <p:cNvSpPr>
+            <a:spLocks noGrp="1" noRot="1" noChangeAspect="1"/>
+          </p:cNvSpPr>
+          <p:nvPr>
+            <p:ph type="sldImg"/>
+          </p:nvPr>
+        </p:nvSpPr>
+        <p:spPr/>
+      </p:sp>
+      <p:sp>
+        <p:nvSpPr>
+          <p:cNvPr id="3" name="Notes Placeholder 2"/>
+          <p:cNvSpPr>
+            <a:spLocks noGrp="1"/>
+          </p:cNvSpPr>
+          <p:nvPr>
+            <p:ph type="body" idx="1"/>
+          </p:nvPr>
+        </p:nvSpPr>
+        <p:spPr/>
+        <p:txBody>
+          <a:bodyPr/>
+          <a:lstStyle/>
+          <a:p>
+            <a:r>
+              <a:rPr lang="en-US" dirty="0"/>
+              <a:t>I’m Daniel, </a:t>
+            </a:r>
+            <a:r>
+              <a:rPr lang="en-US"/>
+              <a:t>Solution Engineer…</a:t>
+            </a:r>
+            <a:endParaRPr lang="en-US" dirty="0"/>
+          </a:p>
+          <a:p>
+            <a:r>
+              <a:rPr lang="en-US" dirty="0"/>
+              <a:t>I live in central</a:t>
+            </a:r>
+            <a:r>
+              <a:rPr lang="en-US" baseline="0" dirty="0"/>
+              <a:t> Switzerland. If you want to know more about me listen to episode 77 of developer on fire</a:t>
+            </a:r>
+            <a:endParaRPr lang="en-US" dirty="0"/>
+          </a:p>
+          <a:p>
+            <a:r>
+              <a:rPr lang="en-US" dirty="0"/>
+              <a:t>You can reach me on twitter under @</a:t>
+            </a:r>
+            <a:r>
+              <a:rPr lang="en-US" dirty="0" err="1"/>
+              <a:t>danielmarbach</a:t>
+            </a:r>
+            <a:endParaRPr lang="en-US" dirty="0"/>
+          </a:p>
+          <a:p>
+            <a:r>
+              <a:rPr lang="en-US" dirty="0"/>
+              <a:t>I blog on the particular blog and on my personal blog</a:t>
+            </a:r>
+          </a:p>
+          <a:p>
+            <a:r>
+              <a:rPr lang="en-US" dirty="0"/>
+              <a:t>I’m the lead behind the </a:t>
+            </a:r>
+            <a:r>
+              <a:rPr lang="en-US" dirty="0" err="1"/>
+              <a:t>asyncification</a:t>
+            </a:r>
+            <a:r>
+              <a:rPr lang="en-US" baseline="0" dirty="0"/>
+              <a:t> of </a:t>
+            </a:r>
+            <a:r>
+              <a:rPr lang="en-US" baseline="0" dirty="0" err="1"/>
+              <a:t>NServiceBus</a:t>
+            </a:r>
+            <a:r>
+              <a:rPr lang="en-US" baseline="0" dirty="0"/>
+              <a:t> and the ecosystem around it</a:t>
+            </a:r>
+          </a:p>
+          <a:p>
+            <a:r>
+              <a:rPr lang="en-US" baseline="0" dirty="0"/>
+              <a:t>I regularly contribute back ideas and code changes to </a:t>
+            </a:r>
+            <a:r>
+              <a:rPr lang="en-US" baseline="0" dirty="0" err="1"/>
+              <a:t>asyncify</a:t>
+            </a:r>
+            <a:r>
+              <a:rPr lang="en-US" baseline="0" dirty="0"/>
+              <a:t> the .NET OSS libraries and frameworks out there. So far I contributed to Entity Framework, </a:t>
+            </a:r>
+            <a:r>
+              <a:rPr lang="en-US" baseline="0" dirty="0" err="1"/>
+              <a:t>RabbitMQ</a:t>
+            </a:r>
+            <a:r>
+              <a:rPr lang="en-US" baseline="0" dirty="0"/>
+              <a:t>, Marten, </a:t>
+            </a:r>
+            <a:r>
+              <a:rPr lang="en-US" baseline="0" dirty="0" err="1"/>
+              <a:t>MassTransit</a:t>
+            </a:r>
+            <a:r>
+              <a:rPr lang="en-US" baseline="0" dirty="0"/>
+              <a:t>, Quartz.NET and many more</a:t>
+            </a:r>
+            <a:endParaRPr lang="de-CH" dirty="0"/>
+          </a:p>
+        </p:txBody>
+      </p:sp>
+      <p:sp>
+        <p:nvSpPr>
+          <p:cNvPr id="4" name="Slide Number Placeholder 3"/>
+          <p:cNvSpPr>
+            <a:spLocks noGrp="1"/>
+          </p:cNvSpPr>
+          <p:nvPr>
+            <p:ph type="sldNum" sz="quarter" idx="10"/>
+          </p:nvPr>
+        </p:nvSpPr>
+        <p:spPr/>
+        <p:txBody>
+          <a:bodyPr/>
+          <a:lstStyle/>
+          <a:p>
+            <a:fld id="{9BCA07FD-5BD5-4529-84B0-48DD2C561176}" type="slidenum">
+              <a:rPr lang="de-CH" smtClean="0"/>
+              <a:t>36</a:t>
+            </a:fld>
+            <a:endParaRPr lang="de-CH"/>
+          </a:p>
+        </p:txBody>
+      </p:sp>
+    </p:spTree>
+    <p:extLst>
+      <p:ext uri="{BB962C8B-B14F-4D97-AF65-F5344CB8AC3E}">
+        <p14:creationId xmlns:p14="http://schemas.microsoft.com/office/powerpoint/2010/main" val="88145516"/>
+      </p:ext>
+    </p:extLst>
+  </p:cSld>
+  <p:clrMapOvr>
+    <a:masterClrMapping/>
+  </p:clrMapOvr>
+</p:notes>
+</file>
+
+<file path=ppt/notesSlides/notesSlide37.xml><?xml version="1.0" encoding="utf-8"?>
+<p:notes xmlns:a="http://schemas.openxmlformats.org/drawingml/2006/main" xmlns:r="http://schemas.openxmlformats.org/officeDocument/2006/relationships" xmlns:p="http://schemas.openxmlformats.org/presentationml/2006/main">
+  <p:cSld>
+    <p:spTree>
+      <p:nvGrpSpPr>
+        <p:cNvPr id="1" name=""/>
+        <p:cNvGrpSpPr/>
+        <p:nvPr/>
+      </p:nvGrpSpPr>
+      <p:grpSpPr>
+        <a:xfrm>
+          <a:off x="0" y="0"/>
+          <a:ext cx="0" cy="0"/>
+          <a:chOff x="0" y="0"/>
+          <a:chExt cx="0" cy="0"/>
+        </a:xfrm>
+      </p:grpSpPr>
+      <p:sp>
+        <p:nvSpPr>
+          <p:cNvPr id="2" name="Slide Image Placeholder 1"/>
+          <p:cNvSpPr>
+            <a:spLocks noGrp="1" noRot="1" noChangeAspect="1"/>
+          </p:cNvSpPr>
+          <p:nvPr>
+            <p:ph type="sldImg"/>
+          </p:nvPr>
+        </p:nvSpPr>
+        <p:spPr/>
+      </p:sp>
+      <p:sp>
+        <p:nvSpPr>
+          <p:cNvPr id="3" name="Notes Placeholder 2"/>
+          <p:cNvSpPr>
+            <a:spLocks noGrp="1"/>
+          </p:cNvSpPr>
+          <p:nvPr>
+            <p:ph type="body" idx="1"/>
+          </p:nvPr>
+        </p:nvSpPr>
+        <p:spPr/>
+        <p:txBody>
+          <a:bodyPr/>
+          <a:lstStyle/>
+          <a:p>
+            <a:r>
+              <a:rPr lang="de-CH" dirty="0"/>
+              <a:t>Thank you very much</a:t>
+            </a:r>
+            <a:r>
+              <a:rPr lang="de-CH" baseline="0" dirty="0"/>
+              <a:t> for listening and see you next time</a:t>
+            </a:r>
+            <a:endParaRPr lang="de-CH" dirty="0"/>
+          </a:p>
+        </p:txBody>
+      </p:sp>
+      <p:sp>
+        <p:nvSpPr>
+          <p:cNvPr id="4" name="Slide Number Placeholder 3"/>
+          <p:cNvSpPr>
+            <a:spLocks noGrp="1"/>
+          </p:cNvSpPr>
+          <p:nvPr>
+            <p:ph type="sldNum" sz="quarter" idx="10"/>
+          </p:nvPr>
+        </p:nvSpPr>
+        <p:spPr/>
+        <p:txBody>
+          <a:bodyPr/>
+          <a:lstStyle/>
+          <a:p>
+            <a:fld id="{9BCA07FD-5BD5-4529-84B0-48DD2C561176}" type="slidenum">
+              <a:rPr lang="de-CH" smtClean="0"/>
+              <a:t>37</a:t>
+            </a:fld>
+            <a:endParaRPr lang="de-CH"/>
+          </a:p>
+        </p:txBody>
+      </p:sp>
+    </p:spTree>
+    <p:extLst>
+      <p:ext uri="{BB962C8B-B14F-4D97-AF65-F5344CB8AC3E}">
+        <p14:creationId xmlns:p14="http://schemas.microsoft.com/office/powerpoint/2010/main" val="3949593976"/>
       </p:ext>
     </p:extLst>
   </p:cSld>
@@ -4087,7 +4835,7 @@
           <a:p>
             <a:fld id="{A2EAEABE-1D59-4413-813E-803E21872067}" type="datetimeFigureOut">
               <a:rPr lang="de-CH" smtClean="0"/>
-              <a:t>09.05.2017</a:t>
+              <a:t>22.05.2017</a:t>
             </a:fld>
             <a:endParaRPr lang="de-CH"/>
           </a:p>
@@ -4257,7 +5005,7 @@
           <a:p>
             <a:fld id="{A2EAEABE-1D59-4413-813E-803E21872067}" type="datetimeFigureOut">
               <a:rPr lang="de-CH" smtClean="0"/>
-              <a:t>09.05.2017</a:t>
+              <a:t>22.05.2017</a:t>
             </a:fld>
             <a:endParaRPr lang="de-CH"/>
           </a:p>
@@ -4437,7 +5185,7 @@
           <a:p>
             <a:fld id="{A2EAEABE-1D59-4413-813E-803E21872067}" type="datetimeFigureOut">
               <a:rPr lang="de-CH" smtClean="0"/>
-              <a:t>09.05.2017</a:t>
+              <a:t>22.05.2017</a:t>
             </a:fld>
             <a:endParaRPr lang="de-CH"/>
           </a:p>
@@ -4606,7 +5354,7 @@
           <a:p>
             <a:fld id="{A2EAEABE-1D59-4413-813E-803E21872067}" type="datetimeFigureOut">
               <a:rPr lang="de-CH" smtClean="0"/>
-              <a:t>09.05.2017</a:t>
+              <a:t>22.05.2017</a:t>
             </a:fld>
             <a:endParaRPr lang="de-CH"/>
           </a:p>
@@ -4852,7 +5600,7 @@
           <a:p>
             <a:fld id="{A2EAEABE-1D59-4413-813E-803E21872067}" type="datetimeFigureOut">
               <a:rPr lang="de-CH" smtClean="0"/>
-              <a:t>09.05.2017</a:t>
+              <a:t>22.05.2017</a:t>
             </a:fld>
             <a:endParaRPr lang="de-CH"/>
           </a:p>
@@ -5084,7 +5832,7 @@
           <a:p>
             <a:fld id="{A2EAEABE-1D59-4413-813E-803E21872067}" type="datetimeFigureOut">
               <a:rPr lang="de-CH" smtClean="0"/>
-              <a:t>09.05.2017</a:t>
+              <a:t>22.05.2017</a:t>
             </a:fld>
             <a:endParaRPr lang="de-CH"/>
           </a:p>
@@ -5451,7 +6199,7 @@
           <a:p>
             <a:fld id="{A2EAEABE-1D59-4413-813E-803E21872067}" type="datetimeFigureOut">
               <a:rPr lang="de-CH" smtClean="0"/>
-              <a:t>09.05.2017</a:t>
+              <a:t>22.05.2017</a:t>
             </a:fld>
             <a:endParaRPr lang="de-CH"/>
           </a:p>
@@ -5569,7 +6317,7 @@
           <a:p>
             <a:fld id="{A2EAEABE-1D59-4413-813E-803E21872067}" type="datetimeFigureOut">
               <a:rPr lang="de-CH" smtClean="0"/>
-              <a:t>09.05.2017</a:t>
+              <a:t>22.05.2017</a:t>
             </a:fld>
             <a:endParaRPr lang="de-CH"/>
           </a:p>
@@ -5664,7 +6412,7 @@
           <a:p>
             <a:fld id="{A2EAEABE-1D59-4413-813E-803E21872067}" type="datetimeFigureOut">
               <a:rPr lang="de-CH" smtClean="0"/>
-              <a:t>09.05.2017</a:t>
+              <a:t>22.05.2017</a:t>
             </a:fld>
             <a:endParaRPr lang="de-CH"/>
           </a:p>
@@ -5941,7 +6689,7 @@
           <a:p>
             <a:fld id="{A2EAEABE-1D59-4413-813E-803E21872067}" type="datetimeFigureOut">
               <a:rPr lang="de-CH" smtClean="0"/>
-              <a:t>09.05.2017</a:t>
+              <a:t>22.05.2017</a:t>
             </a:fld>
             <a:endParaRPr lang="de-CH"/>
           </a:p>
@@ -6198,7 +6946,7 @@
           <a:p>
             <a:fld id="{A2EAEABE-1D59-4413-813E-803E21872067}" type="datetimeFigureOut">
               <a:rPr lang="de-CH" smtClean="0"/>
-              <a:t>09.05.2017</a:t>
+              <a:t>22.05.2017</a:t>
             </a:fld>
             <a:endParaRPr lang="de-CH"/>
           </a:p>
@@ -6409,7 +7157,7 @@
           <a:p>
             <a:fld id="{A2EAEABE-1D59-4413-813E-803E21872067}" type="datetimeFigureOut">
               <a:rPr lang="de-CH" smtClean="0"/>
-              <a:t>09.05.2017</a:t>
+              <a:t>22.05.2017</a:t>
             </a:fld>
             <a:endParaRPr lang="de-CH"/>
           </a:p>
@@ -17872,6 +18620,46 @@
       </p:grpSpPr>
       <p:sp>
         <p:nvSpPr>
+          <p:cNvPr id="30" name="TextBox 29"/>
+          <p:cNvSpPr txBox="1"/>
+          <p:nvPr/>
+        </p:nvSpPr>
+        <p:spPr>
+          <a:xfrm>
+            <a:off x="1890131" y="1696712"/>
+            <a:ext cx="801823" cy="461665"/>
+          </a:xfrm>
+          <a:prstGeom prst="rect">
+            <a:avLst/>
+          </a:prstGeom>
+          <a:noFill/>
+        </p:spPr>
+        <p:txBody>
+          <a:bodyPr wrap="none" rtlCol="0">
+            <a:spAutoFit/>
+          </a:bodyPr>
+          <a:lstStyle/>
+          <a:p>
+            <a:r>
+              <a:rPr lang="en-US" sz="2400" dirty="0">
+                <a:solidFill>
+                  <a:schemeClr val="accent3"/>
+                </a:solidFill>
+                <a:latin typeface="Yanone Kaffeesatz Regular" panose="02000000000000000000" pitchFamily="2" charset="0"/>
+              </a:rPr>
+              <a:t>Broker</a:t>
+            </a:r>
+            <a:endParaRPr lang="de-CH" sz="2400" dirty="0">
+              <a:solidFill>
+                <a:schemeClr val="accent3"/>
+              </a:solidFill>
+              <a:latin typeface="Yanone Kaffeesatz Regular" panose="02000000000000000000" pitchFamily="2" charset="0"/>
+            </a:endParaRPr>
+          </a:p>
+        </p:txBody>
+      </p:sp>
+      <p:sp>
+        <p:nvSpPr>
           <p:cNvPr id="3" name="Rectangle 2"/>
           <p:cNvSpPr/>
           <p:nvPr/>
@@ -19199,26 +19987,26 @@
       </p:grpSpPr>
       <p:sp>
         <p:nvSpPr>
-          <p:cNvPr id="5" name="Rectangle 4"/>
-          <p:cNvSpPr/>
-          <p:nvPr/>
-        </p:nvSpPr>
-        <p:spPr>
-          <a:xfrm>
-            <a:off x="0" y="1952437"/>
-            <a:ext cx="4999912" cy="2646878"/>
+          <p:cNvPr id="2" name="TextBox 1"/>
+          <p:cNvSpPr txBox="1"/>
+          <p:nvPr/>
+        </p:nvSpPr>
+        <p:spPr>
+          <a:xfrm>
+            <a:off x="930339" y="1218087"/>
+            <a:ext cx="8863324" cy="2646878"/>
           </a:xfrm>
           <a:prstGeom prst="rect">
             <a:avLst/>
           </a:prstGeom>
-        </p:spPr>
-        <p:txBody>
-          <a:bodyPr wrap="square">
+          <a:noFill/>
+        </p:spPr>
+        <p:txBody>
+          <a:bodyPr wrap="none" rtlCol="0">
             <a:spAutoFit/>
           </a:bodyPr>
           <a:lstStyle/>
           <a:p>
-            <a:pPr algn="ctr"/>
             <a:r>
               <a:rPr lang="en-US" sz="16600" dirty="0">
                 <a:solidFill>
@@ -19226,22 +20014,45 @@
                 </a:solidFill>
                 <a:latin typeface="Yanone Kaffeesatz Regular" panose="02000000000000000000" pitchFamily="2" charset="0"/>
               </a:rPr>
-              <a:t>Recap</a:t>
-            </a:r>
-            <a:endParaRPr lang="de-CH" dirty="0"/>
-          </a:p>
-        </p:txBody>
-      </p:sp>
-      <p:sp>
-        <p:nvSpPr>
-          <p:cNvPr id="7" name="Rectangle 6"/>
+              <a:t>The </a:t>
+            </a:r>
+            <a:r>
+              <a:rPr lang="en-US" sz="16600" dirty="0" err="1">
+                <a:solidFill>
+                  <a:schemeClr val="accent2"/>
+                </a:solidFill>
+                <a:latin typeface="Yanone Kaffeesatz Regular" panose="02000000000000000000" pitchFamily="2" charset="0"/>
+              </a:rPr>
+              <a:t>Phd</a:t>
+            </a:r>
+            <a:r>
+              <a:rPr lang="en-US" sz="16600" dirty="0">
+                <a:solidFill>
+                  <a:schemeClr val="accent2"/>
+                </a:solidFill>
+                <a:latin typeface="Yanone Kaffeesatz Regular" panose="02000000000000000000" pitchFamily="2" charset="0"/>
+              </a:rPr>
+              <a:t> dude</a:t>
+            </a:r>
+            <a:endParaRPr lang="de-CH" sz="7200" dirty="0">
+              <a:solidFill>
+                <a:schemeClr val="accent4"/>
+              </a:solidFill>
+              <a:latin typeface="Yanone Kaffeesatz Regular" panose="02000000000000000000" pitchFamily="2" charset="0"/>
+            </a:endParaRPr>
+          </a:p>
+        </p:txBody>
+      </p:sp>
+      <p:sp>
+        <p:nvSpPr>
+          <p:cNvPr id="3" name="Rectangle 2"/>
           <p:cNvSpPr/>
           <p:nvPr/>
         </p:nvSpPr>
         <p:spPr>
           <a:xfrm>
-            <a:off x="1" y="4399885"/>
-            <a:ext cx="6494332" cy="1200329"/>
+            <a:off x="1786919" y="3864965"/>
+            <a:ext cx="9542849" cy="1015663"/>
           </a:xfrm>
           <a:prstGeom prst="rect">
             <a:avLst/>
@@ -19253,23 +20064,28 @@
           </a:bodyPr>
           <a:lstStyle/>
           <a:p>
-            <a:pPr algn="ctr"/>
-            <a:r>
-              <a:rPr lang="en-US" sz="7200" dirty="0">
+            <a:pPr algn="r"/>
+            <a:r>
+              <a:rPr lang="en-US" sz="6000" dirty="0">
                 <a:solidFill>
-                  <a:schemeClr val="accent3"/>
+                  <a:schemeClr val="tx2"/>
                 </a:solidFill>
                 <a:latin typeface="Yanone Kaffeesatz Regular" panose="02000000000000000000" pitchFamily="2" charset="0"/>
               </a:rPr>
-              <a:t>reminder</a:t>
-            </a:r>
+              <a:t>acts like a smart ass</a:t>
+            </a:r>
+            <a:endParaRPr lang="de-CH" sz="6000" dirty="0">
+              <a:solidFill>
+                <a:schemeClr val="tx2"/>
+              </a:solidFill>
+            </a:endParaRPr>
           </a:p>
         </p:txBody>
       </p:sp>
     </p:spTree>
     <p:extLst>
       <p:ext uri="{BB962C8B-B14F-4D97-AF65-F5344CB8AC3E}">
-        <p14:creationId xmlns:p14="http://schemas.microsoft.com/office/powerpoint/2010/main" val="2436182924"/>
+        <p14:creationId xmlns:p14="http://schemas.microsoft.com/office/powerpoint/2010/main" val="2728891524"/>
       </p:ext>
     </p:extLst>
   </p:cSld>
@@ -19304,8 +20120,8 @@
         </p:nvSpPr>
         <p:spPr>
           <a:xfrm>
-            <a:off x="1064014" y="3127733"/>
-            <a:ext cx="9860392" cy="923330"/>
+            <a:off x="1792579" y="1834918"/>
+            <a:ext cx="8606843" cy="3154710"/>
           </a:xfrm>
           <a:prstGeom prst="rect">
             <a:avLst/>
@@ -19318,70 +20134,22 @@
           <a:lstStyle/>
           <a:p>
             <a:r>
-              <a:rPr lang="en-US" sz="3600" dirty="0">
-                <a:solidFill>
-                  <a:schemeClr val="tx2"/>
-                </a:solidFill>
-                <a:latin typeface="Yanone Kaffeesatz Regular" panose="02000000000000000000" pitchFamily="2" charset="0"/>
-              </a:rPr>
-              <a:t>github.com/danielmarbach/</a:t>
-            </a:r>
-            <a:r>
-              <a:rPr lang="en-US" sz="5400" dirty="0" err="1">
-                <a:solidFill>
-                  <a:schemeClr val="accent4"/>
-                </a:solidFill>
-                <a:latin typeface="Yanone Kaffeesatz Regular" panose="02000000000000000000" pitchFamily="2" charset="0"/>
-              </a:rPr>
-              <a:t>Microservices.ServiceFabric</a:t>
-            </a:r>
-            <a:endParaRPr lang="de-CH" sz="5400" dirty="0">
-              <a:solidFill>
-                <a:schemeClr val="accent4"/>
-              </a:solidFill>
-              <a:latin typeface="Yanone Kaffeesatz Regular" panose="02000000000000000000" pitchFamily="2" charset="0"/>
-            </a:endParaRPr>
-          </a:p>
-        </p:txBody>
-      </p:sp>
-      <p:sp>
-        <p:nvSpPr>
-          <p:cNvPr id="4" name="Rectangle 3"/>
-          <p:cNvSpPr/>
-          <p:nvPr/>
-        </p:nvSpPr>
-        <p:spPr>
-          <a:xfrm>
-            <a:off x="1064014" y="1124536"/>
-            <a:ext cx="6463629" cy="1862048"/>
-          </a:xfrm>
-          <a:prstGeom prst="rect">
-            <a:avLst/>
-          </a:prstGeom>
-        </p:spPr>
-        <p:txBody>
-          <a:bodyPr wrap="none">
-            <a:spAutoFit/>
-          </a:bodyPr>
-          <a:lstStyle/>
-          <a:p>
-            <a:r>
-              <a:rPr lang="en-US" sz="11500" dirty="0">
+              <a:rPr lang="en-US" sz="19900" dirty="0">
                 <a:solidFill>
                   <a:schemeClr val="accent2"/>
                 </a:solidFill>
                 <a:latin typeface="Yanone Kaffeesatz Regular" panose="02000000000000000000" pitchFamily="2" charset="0"/>
               </a:rPr>
-              <a:t>Slides, Links…</a:t>
-            </a:r>
-            <a:endParaRPr lang="de-CH" sz="1400" dirty="0"/>
+              <a:t>Commands</a:t>
+            </a:r>
+            <a:endParaRPr lang="de-CH" sz="2000" dirty="0"/>
           </a:p>
         </p:txBody>
       </p:sp>
     </p:spTree>
     <p:extLst>
       <p:ext uri="{BB962C8B-B14F-4D97-AF65-F5344CB8AC3E}">
-        <p14:creationId xmlns:p14="http://schemas.microsoft.com/office/powerpoint/2010/main" val="1581449120"/>
+        <p14:creationId xmlns:p14="http://schemas.microsoft.com/office/powerpoint/2010/main" val="2000319039"/>
       </p:ext>
     </p:extLst>
   </p:cSld>
@@ -19416,66 +20184,792 @@
         </p:nvSpPr>
         <p:spPr>
           <a:xfrm>
-            <a:off x="3858849" y="1851645"/>
-            <a:ext cx="4474302" cy="3154710"/>
+            <a:off x="2227363" y="2837985"/>
+            <a:ext cx="1944303" cy="914400"/>
           </a:xfrm>
           <a:prstGeom prst="rect">
             <a:avLst/>
           </a:prstGeom>
-        </p:spPr>
-        <p:txBody>
-          <a:bodyPr wrap="none">
+          <a:solidFill>
+            <a:schemeClr val="tx2"/>
+          </a:solidFill>
+          <a:ln>
+            <a:noFill/>
+          </a:ln>
+        </p:spPr>
+        <p:style>
+          <a:lnRef idx="2">
+            <a:schemeClr val="accent1">
+              <a:shade val="50000"/>
+            </a:schemeClr>
+          </a:lnRef>
+          <a:fillRef idx="1">
+            <a:schemeClr val="accent1"/>
+          </a:fillRef>
+          <a:effectRef idx="0">
+            <a:schemeClr val="accent1"/>
+          </a:effectRef>
+          <a:fontRef idx="minor">
+            <a:schemeClr val="lt1"/>
+          </a:fontRef>
+        </p:style>
+        <p:txBody>
+          <a:bodyPr rot="0" spcFirstLastPara="0" vertOverflow="overflow" horzOverflow="overflow" vert="horz" wrap="square" lIns="91440" tIns="45720" rIns="91440" bIns="45720" numCol="1" spcCol="0" rtlCol="0" fromWordArt="0" anchor="ctr" anchorCtr="0" forceAA="0" compatLnSpc="1">
+            <a:prstTxWarp prst="textNoShape">
+              <a:avLst/>
+            </a:prstTxWarp>
+            <a:noAutofit/>
+          </a:bodyPr>
+          <a:lstStyle/>
+          <a:p>
+            <a:pPr algn="ctr"/>
+            <a:r>
+              <a:rPr lang="en-US" sz="2400" dirty="0">
+                <a:latin typeface="Yanone Kaffeesatz Light" panose="02000000000000000000" pitchFamily="2" charset="0"/>
+              </a:rPr>
+              <a:t>Sender</a:t>
+            </a:r>
+            <a:endParaRPr lang="de-CH" sz="2400" dirty="0">
+              <a:latin typeface="Yanone Kaffeesatz Light" panose="02000000000000000000" pitchFamily="2" charset="0"/>
+            </a:endParaRPr>
+          </a:p>
+        </p:txBody>
+      </p:sp>
+      <p:grpSp>
+        <p:nvGrpSpPr>
+          <p:cNvPr id="15" name="Group 14"/>
+          <p:cNvGrpSpPr/>
+          <p:nvPr/>
+        </p:nvGrpSpPr>
+        <p:grpSpPr>
+          <a:xfrm>
+            <a:off x="6508358" y="1562361"/>
+            <a:ext cx="3849503" cy="3465650"/>
+            <a:chOff x="6267622" y="1248109"/>
+            <a:chExt cx="3849503" cy="3465650"/>
+          </a:xfrm>
+        </p:grpSpPr>
+        <p:sp>
+          <p:nvSpPr>
+            <p:cNvPr id="3" name="Cylinder 2"/>
+            <p:cNvSpPr/>
+            <p:nvPr/>
+          </p:nvSpPr>
+          <p:spPr>
+            <a:xfrm rot="16200000">
+              <a:off x="6540510" y="975224"/>
+              <a:ext cx="914400" cy="1460171"/>
+            </a:xfrm>
+            <a:prstGeom prst="can">
+              <a:avLst/>
+            </a:prstGeom>
+            <a:solidFill>
+              <a:schemeClr val="accent4"/>
+            </a:solidFill>
+            <a:ln>
+              <a:solidFill>
+                <a:schemeClr val="accent3"/>
+              </a:solidFill>
+            </a:ln>
+          </p:spPr>
+          <p:style>
+            <a:lnRef idx="2">
+              <a:schemeClr val="accent1">
+                <a:shade val="50000"/>
+              </a:schemeClr>
+            </a:lnRef>
+            <a:fillRef idx="1">
+              <a:schemeClr val="accent1"/>
+            </a:fillRef>
+            <a:effectRef idx="0">
+              <a:schemeClr val="accent1"/>
+            </a:effectRef>
+            <a:fontRef idx="minor">
+              <a:schemeClr val="lt1"/>
+            </a:fontRef>
+          </p:style>
+          <p:txBody>
+            <a:bodyPr vert="vert" rtlCol="0" anchor="ctr"/>
+            <a:lstStyle/>
+            <a:p>
+              <a:pPr algn="ctr"/>
+              <a:r>
+                <a:rPr lang="en-US" sz="2400" dirty="0">
+                  <a:latin typeface="Yanone Kaffeesatz Light" panose="02000000000000000000" pitchFamily="2" charset="0"/>
+                </a:rPr>
+                <a:t>Receiver1</a:t>
+              </a:r>
+              <a:endParaRPr lang="de-CH" sz="2400" dirty="0">
+                <a:latin typeface="Yanone Kaffeesatz Light" panose="02000000000000000000" pitchFamily="2" charset="0"/>
+              </a:endParaRPr>
+            </a:p>
+          </p:txBody>
+        </p:sp>
+        <p:sp>
+          <p:nvSpPr>
+            <p:cNvPr id="9" name="Rectangle 8"/>
+            <p:cNvSpPr/>
+            <p:nvPr/>
+          </p:nvSpPr>
+          <p:spPr>
+            <a:xfrm>
+              <a:off x="8172822" y="1248109"/>
+              <a:ext cx="1944303" cy="914400"/>
+            </a:xfrm>
+            <a:prstGeom prst="rect">
+              <a:avLst/>
+            </a:prstGeom>
+            <a:solidFill>
+              <a:schemeClr val="tx2"/>
+            </a:solidFill>
+            <a:ln>
+              <a:noFill/>
+            </a:ln>
+          </p:spPr>
+          <p:style>
+            <a:lnRef idx="2">
+              <a:schemeClr val="accent1">
+                <a:shade val="50000"/>
+              </a:schemeClr>
+            </a:lnRef>
+            <a:fillRef idx="1">
+              <a:schemeClr val="accent1"/>
+            </a:fillRef>
+            <a:effectRef idx="0">
+              <a:schemeClr val="accent1"/>
+            </a:effectRef>
+            <a:fontRef idx="minor">
+              <a:schemeClr val="lt1"/>
+            </a:fontRef>
+          </p:style>
+          <p:txBody>
+            <a:bodyPr rot="0" spcFirstLastPara="0" vertOverflow="overflow" horzOverflow="overflow" vert="horz" wrap="square" lIns="91440" tIns="45720" rIns="91440" bIns="45720" numCol="1" spcCol="0" rtlCol="0" fromWordArt="0" anchor="ctr" anchorCtr="0" forceAA="0" compatLnSpc="1">
+              <a:prstTxWarp prst="textNoShape">
+                <a:avLst/>
+              </a:prstTxWarp>
+              <a:noAutofit/>
+            </a:bodyPr>
+            <a:lstStyle/>
+            <a:p>
+              <a:pPr algn="ctr"/>
+              <a:r>
+                <a:rPr lang="en-US" sz="2400" dirty="0">
+                  <a:latin typeface="Yanone Kaffeesatz Light" panose="02000000000000000000" pitchFamily="2" charset="0"/>
+                </a:rPr>
+                <a:t>Receiver1</a:t>
+              </a:r>
+              <a:endParaRPr lang="de-CH" sz="2400" dirty="0">
+                <a:latin typeface="Yanone Kaffeesatz Light" panose="02000000000000000000" pitchFamily="2" charset="0"/>
+              </a:endParaRPr>
+            </a:p>
+          </p:txBody>
+        </p:sp>
+        <p:sp>
+          <p:nvSpPr>
+            <p:cNvPr id="11" name="Cylinder 10"/>
+            <p:cNvSpPr/>
+            <p:nvPr/>
+          </p:nvSpPr>
+          <p:spPr>
+            <a:xfrm rot="16200000">
+              <a:off x="6540508" y="2250849"/>
+              <a:ext cx="914400" cy="1460171"/>
+            </a:xfrm>
+            <a:prstGeom prst="can">
+              <a:avLst/>
+            </a:prstGeom>
+            <a:solidFill>
+              <a:schemeClr val="accent4"/>
+            </a:solidFill>
+            <a:ln>
+              <a:solidFill>
+                <a:schemeClr val="accent3"/>
+              </a:solidFill>
+            </a:ln>
+          </p:spPr>
+          <p:style>
+            <a:lnRef idx="2">
+              <a:schemeClr val="accent1">
+                <a:shade val="50000"/>
+              </a:schemeClr>
+            </a:lnRef>
+            <a:fillRef idx="1">
+              <a:schemeClr val="accent1"/>
+            </a:fillRef>
+            <a:effectRef idx="0">
+              <a:schemeClr val="accent1"/>
+            </a:effectRef>
+            <a:fontRef idx="minor">
+              <a:schemeClr val="lt1"/>
+            </a:fontRef>
+          </p:style>
+          <p:txBody>
+            <a:bodyPr vert="vert" rtlCol="0" anchor="ctr"/>
+            <a:lstStyle/>
+            <a:p>
+              <a:pPr algn="ctr"/>
+              <a:r>
+                <a:rPr lang="en-US" sz="2400" dirty="0">
+                  <a:latin typeface="Yanone Kaffeesatz Light" panose="02000000000000000000" pitchFamily="2" charset="0"/>
+                </a:rPr>
+                <a:t>Receiver2</a:t>
+              </a:r>
+              <a:endParaRPr lang="de-CH" sz="2400" dirty="0">
+                <a:latin typeface="Yanone Kaffeesatz Light" panose="02000000000000000000" pitchFamily="2" charset="0"/>
+              </a:endParaRPr>
+            </a:p>
+          </p:txBody>
+        </p:sp>
+        <p:sp>
+          <p:nvSpPr>
+            <p:cNvPr id="12" name="Cylinder 11"/>
+            <p:cNvSpPr/>
+            <p:nvPr/>
+          </p:nvSpPr>
+          <p:spPr>
+            <a:xfrm rot="16200000">
+              <a:off x="6540509" y="3526473"/>
+              <a:ext cx="914400" cy="1460171"/>
+            </a:xfrm>
+            <a:prstGeom prst="can">
+              <a:avLst/>
+            </a:prstGeom>
+            <a:solidFill>
+              <a:schemeClr val="accent4"/>
+            </a:solidFill>
+            <a:ln>
+              <a:solidFill>
+                <a:schemeClr val="accent3"/>
+              </a:solidFill>
+            </a:ln>
+          </p:spPr>
+          <p:style>
+            <a:lnRef idx="2">
+              <a:schemeClr val="accent1">
+                <a:shade val="50000"/>
+              </a:schemeClr>
+            </a:lnRef>
+            <a:fillRef idx="1">
+              <a:schemeClr val="accent1"/>
+            </a:fillRef>
+            <a:effectRef idx="0">
+              <a:schemeClr val="accent1"/>
+            </a:effectRef>
+            <a:fontRef idx="minor">
+              <a:schemeClr val="lt1"/>
+            </a:fontRef>
+          </p:style>
+          <p:txBody>
+            <a:bodyPr vert="vert" rtlCol="0" anchor="ctr"/>
+            <a:lstStyle/>
+            <a:p>
+              <a:pPr algn="ctr"/>
+              <a:r>
+                <a:rPr lang="en-US" sz="2400" dirty="0">
+                  <a:latin typeface="Yanone Kaffeesatz Light" panose="02000000000000000000" pitchFamily="2" charset="0"/>
+                </a:rPr>
+                <a:t>Receiver3</a:t>
+              </a:r>
+              <a:endParaRPr lang="de-CH" sz="2400" dirty="0">
+                <a:latin typeface="Yanone Kaffeesatz Light" panose="02000000000000000000" pitchFamily="2" charset="0"/>
+              </a:endParaRPr>
+            </a:p>
+          </p:txBody>
+        </p:sp>
+        <p:sp>
+          <p:nvSpPr>
+            <p:cNvPr id="13" name="Rectangle 12"/>
+            <p:cNvSpPr/>
+            <p:nvPr/>
+          </p:nvSpPr>
+          <p:spPr>
+            <a:xfrm>
+              <a:off x="8172822" y="2523733"/>
+              <a:ext cx="1944303" cy="914400"/>
+            </a:xfrm>
+            <a:prstGeom prst="rect">
+              <a:avLst/>
+            </a:prstGeom>
+            <a:solidFill>
+              <a:schemeClr val="tx2"/>
+            </a:solidFill>
+            <a:ln>
+              <a:noFill/>
+            </a:ln>
+          </p:spPr>
+          <p:style>
+            <a:lnRef idx="2">
+              <a:schemeClr val="accent1">
+                <a:shade val="50000"/>
+              </a:schemeClr>
+            </a:lnRef>
+            <a:fillRef idx="1">
+              <a:schemeClr val="accent1"/>
+            </a:fillRef>
+            <a:effectRef idx="0">
+              <a:schemeClr val="accent1"/>
+            </a:effectRef>
+            <a:fontRef idx="minor">
+              <a:schemeClr val="lt1"/>
+            </a:fontRef>
+          </p:style>
+          <p:txBody>
+            <a:bodyPr rot="0" spcFirstLastPara="0" vertOverflow="overflow" horzOverflow="overflow" vert="horz" wrap="square" lIns="91440" tIns="45720" rIns="91440" bIns="45720" numCol="1" spcCol="0" rtlCol="0" fromWordArt="0" anchor="ctr" anchorCtr="0" forceAA="0" compatLnSpc="1">
+              <a:prstTxWarp prst="textNoShape">
+                <a:avLst/>
+              </a:prstTxWarp>
+              <a:noAutofit/>
+            </a:bodyPr>
+            <a:lstStyle/>
+            <a:p>
+              <a:pPr algn="ctr"/>
+              <a:r>
+                <a:rPr lang="en-US" sz="2400" dirty="0">
+                  <a:latin typeface="Yanone Kaffeesatz Light" panose="02000000000000000000" pitchFamily="2" charset="0"/>
+                </a:rPr>
+                <a:t>Receiver2</a:t>
+              </a:r>
+              <a:endParaRPr lang="de-CH" sz="2400" dirty="0">
+                <a:latin typeface="Yanone Kaffeesatz Light" panose="02000000000000000000" pitchFamily="2" charset="0"/>
+              </a:endParaRPr>
+            </a:p>
+          </p:txBody>
+        </p:sp>
+        <p:sp>
+          <p:nvSpPr>
+            <p:cNvPr id="14" name="Rectangle 13"/>
+            <p:cNvSpPr/>
+            <p:nvPr/>
+          </p:nvSpPr>
+          <p:spPr>
+            <a:xfrm>
+              <a:off x="8172822" y="3799358"/>
+              <a:ext cx="1944303" cy="914400"/>
+            </a:xfrm>
+            <a:prstGeom prst="rect">
+              <a:avLst/>
+            </a:prstGeom>
+            <a:solidFill>
+              <a:schemeClr val="tx2"/>
+            </a:solidFill>
+            <a:ln>
+              <a:noFill/>
+            </a:ln>
+          </p:spPr>
+          <p:style>
+            <a:lnRef idx="2">
+              <a:schemeClr val="accent1">
+                <a:shade val="50000"/>
+              </a:schemeClr>
+            </a:lnRef>
+            <a:fillRef idx="1">
+              <a:schemeClr val="accent1"/>
+            </a:fillRef>
+            <a:effectRef idx="0">
+              <a:schemeClr val="accent1"/>
+            </a:effectRef>
+            <a:fontRef idx="minor">
+              <a:schemeClr val="lt1"/>
+            </a:fontRef>
+          </p:style>
+          <p:txBody>
+            <a:bodyPr rot="0" spcFirstLastPara="0" vertOverflow="overflow" horzOverflow="overflow" vert="horz" wrap="square" lIns="91440" tIns="45720" rIns="91440" bIns="45720" numCol="1" spcCol="0" rtlCol="0" fromWordArt="0" anchor="ctr" anchorCtr="0" forceAA="0" compatLnSpc="1">
+              <a:prstTxWarp prst="textNoShape">
+                <a:avLst/>
+              </a:prstTxWarp>
+              <a:noAutofit/>
+            </a:bodyPr>
+            <a:lstStyle/>
+            <a:p>
+              <a:pPr algn="ctr"/>
+              <a:r>
+                <a:rPr lang="en-US" sz="2400" dirty="0">
+                  <a:latin typeface="Yanone Kaffeesatz Light" panose="02000000000000000000" pitchFamily="2" charset="0"/>
+                </a:rPr>
+                <a:t>Receiver3</a:t>
+              </a:r>
+              <a:endParaRPr lang="de-CH" sz="2400" dirty="0">
+                <a:latin typeface="Yanone Kaffeesatz Light" panose="02000000000000000000" pitchFamily="2" charset="0"/>
+              </a:endParaRPr>
+            </a:p>
+          </p:txBody>
+        </p:sp>
+      </p:grpSp>
+      <p:sp>
+        <p:nvSpPr>
+          <p:cNvPr id="16" name="Rectangle 15"/>
+          <p:cNvSpPr/>
+          <p:nvPr/>
+        </p:nvSpPr>
+        <p:spPr>
+          <a:xfrm>
+            <a:off x="5993780" y="936703"/>
+            <a:ext cx="4878660" cy="4716966"/>
+          </a:xfrm>
+          <a:prstGeom prst="rect">
+            <a:avLst/>
+          </a:prstGeom>
+          <a:noFill/>
+          <a:ln w="19050">
+            <a:solidFill>
+              <a:schemeClr val="accent3"/>
+            </a:solidFill>
+          </a:ln>
+        </p:spPr>
+        <p:style>
+          <a:lnRef idx="2">
+            <a:schemeClr val="accent1">
+              <a:shade val="50000"/>
+            </a:schemeClr>
+          </a:lnRef>
+          <a:fillRef idx="1">
+            <a:schemeClr val="accent1"/>
+          </a:fillRef>
+          <a:effectRef idx="0">
+            <a:schemeClr val="accent1"/>
+          </a:effectRef>
+          <a:fontRef idx="minor">
+            <a:schemeClr val="lt1"/>
+          </a:fontRef>
+        </p:style>
+        <p:txBody>
+          <a:bodyPr rtlCol="0" anchor="ctr"/>
+          <a:lstStyle/>
+          <a:p>
+            <a:pPr algn="ctr"/>
+            <a:endParaRPr lang="de-CH"/>
+          </a:p>
+        </p:txBody>
+      </p:sp>
+      <p:sp>
+        <p:nvSpPr>
+          <p:cNvPr id="17" name="TextBox 16"/>
+          <p:cNvSpPr txBox="1"/>
+          <p:nvPr/>
+        </p:nvSpPr>
+        <p:spPr>
+          <a:xfrm>
+            <a:off x="5993780" y="931410"/>
+            <a:ext cx="1661032" cy="461665"/>
+          </a:xfrm>
+          <a:prstGeom prst="rect">
+            <a:avLst/>
+          </a:prstGeom>
+          <a:noFill/>
+        </p:spPr>
+        <p:txBody>
+          <a:bodyPr wrap="none" rtlCol="0">
             <a:spAutoFit/>
           </a:bodyPr>
           <a:lstStyle/>
           <a:p>
             <a:r>
-              <a:rPr lang="en-US" sz="19900" dirty="0">
+              <a:rPr lang="en-US" sz="2400" dirty="0">
+                <a:solidFill>
+                  <a:schemeClr val="accent3"/>
+                </a:solidFill>
+                <a:latin typeface="Yanone Kaffeesatz Regular" panose="02000000000000000000" pitchFamily="2" charset="0"/>
+              </a:rPr>
+              <a:t>Logical Receiver</a:t>
+            </a:r>
+            <a:endParaRPr lang="de-CH" sz="2400" dirty="0">
+              <a:solidFill>
+                <a:schemeClr val="accent3"/>
+              </a:solidFill>
+              <a:latin typeface="Yanone Kaffeesatz Regular" panose="02000000000000000000" pitchFamily="2" charset="0"/>
+            </a:endParaRPr>
+          </a:p>
+        </p:txBody>
+      </p:sp>
+      <p:cxnSp>
+        <p:nvCxnSpPr>
+          <p:cNvPr id="18" name="Straight Arrow Connector 17"/>
+          <p:cNvCxnSpPr>
+            <a:cxnSpLocks/>
+            <a:stCxn id="2" idx="3"/>
+            <a:endCxn id="11" idx="1"/>
+          </p:cNvCxnSpPr>
+          <p:nvPr/>
+        </p:nvCxnSpPr>
+        <p:spPr>
+          <a:xfrm>
+            <a:off x="4171666" y="3295185"/>
+            <a:ext cx="2336693" cy="2"/>
+          </a:xfrm>
+          <a:prstGeom prst="straightConnector1">
+            <a:avLst/>
+          </a:prstGeom>
+          <a:ln w="19050">
+            <a:solidFill>
+              <a:schemeClr val="accent4"/>
+            </a:solidFill>
+            <a:tailEnd type="triangle"/>
+          </a:ln>
+        </p:spPr>
+        <p:style>
+          <a:lnRef idx="1">
+            <a:schemeClr val="accent1"/>
+          </a:lnRef>
+          <a:fillRef idx="0">
+            <a:schemeClr val="accent1"/>
+          </a:fillRef>
+          <a:effectRef idx="0">
+            <a:schemeClr val="accent1"/>
+          </a:effectRef>
+          <a:fontRef idx="minor">
+            <a:schemeClr val="tx1"/>
+          </a:fontRef>
+        </p:style>
+      </p:cxnSp>
+      <p:cxnSp>
+        <p:nvCxnSpPr>
+          <p:cNvPr id="22" name="Straight Arrow Connector 21"/>
+          <p:cNvCxnSpPr>
+            <a:cxnSpLocks/>
+            <a:stCxn id="2" idx="3"/>
+            <a:endCxn id="3" idx="1"/>
+          </p:cNvCxnSpPr>
+          <p:nvPr/>
+        </p:nvCxnSpPr>
+        <p:spPr>
+          <a:xfrm flipV="1">
+            <a:off x="4171666" y="2019562"/>
+            <a:ext cx="2336695" cy="1275623"/>
+          </a:xfrm>
+          <a:prstGeom prst="straightConnector1">
+            <a:avLst/>
+          </a:prstGeom>
+          <a:ln w="19050">
+            <a:solidFill>
+              <a:schemeClr val="accent4"/>
+            </a:solidFill>
+            <a:tailEnd type="triangle"/>
+          </a:ln>
+        </p:spPr>
+        <p:style>
+          <a:lnRef idx="1">
+            <a:schemeClr val="accent1"/>
+          </a:lnRef>
+          <a:fillRef idx="0">
+            <a:schemeClr val="accent1"/>
+          </a:fillRef>
+          <a:effectRef idx="0">
+            <a:schemeClr val="accent1"/>
+          </a:effectRef>
+          <a:fontRef idx="minor">
+            <a:schemeClr val="tx1"/>
+          </a:fontRef>
+        </p:style>
+      </p:cxnSp>
+      <p:cxnSp>
+        <p:nvCxnSpPr>
+          <p:cNvPr id="25" name="Straight Arrow Connector 24"/>
+          <p:cNvCxnSpPr>
+            <a:cxnSpLocks/>
+            <a:stCxn id="2" idx="3"/>
+            <a:endCxn id="12" idx="1"/>
+          </p:cNvCxnSpPr>
+          <p:nvPr/>
+        </p:nvCxnSpPr>
+        <p:spPr>
+          <a:xfrm>
+            <a:off x="4171666" y="3295185"/>
+            <a:ext cx="2336694" cy="1275626"/>
+          </a:xfrm>
+          <a:prstGeom prst="straightConnector1">
+            <a:avLst/>
+          </a:prstGeom>
+          <a:ln w="19050">
+            <a:solidFill>
+              <a:schemeClr val="accent4"/>
+            </a:solidFill>
+            <a:tailEnd type="triangle"/>
+          </a:ln>
+        </p:spPr>
+        <p:style>
+          <a:lnRef idx="1">
+            <a:schemeClr val="accent1"/>
+          </a:lnRef>
+          <a:fillRef idx="0">
+            <a:schemeClr val="accent1"/>
+          </a:fillRef>
+          <a:effectRef idx="0">
+            <a:schemeClr val="accent1"/>
+          </a:effectRef>
+          <a:fontRef idx="minor">
+            <a:schemeClr val="tx1"/>
+          </a:fontRef>
+        </p:style>
+      </p:cxnSp>
+      <p:sp>
+        <p:nvSpPr>
+          <p:cNvPr id="31" name="Flowchart: Card 30"/>
+          <p:cNvSpPr/>
+          <p:nvPr/>
+        </p:nvSpPr>
+        <p:spPr>
+          <a:xfrm>
+            <a:off x="3704697" y="2509230"/>
+            <a:ext cx="767772" cy="560367"/>
+          </a:xfrm>
+          <a:prstGeom prst="flowChartPunchedCard">
+            <a:avLst/>
+          </a:prstGeom>
+          <a:solidFill>
+            <a:schemeClr val="accent4"/>
+          </a:solidFill>
+          <a:ln>
+            <a:noFill/>
+          </a:ln>
+        </p:spPr>
+        <p:style>
+          <a:lnRef idx="2">
+            <a:schemeClr val="accent1">
+              <a:shade val="50000"/>
+            </a:schemeClr>
+          </a:lnRef>
+          <a:fillRef idx="1">
+            <a:schemeClr val="accent1"/>
+          </a:fillRef>
+          <a:effectRef idx="0">
+            <a:schemeClr val="accent1"/>
+          </a:effectRef>
+          <a:fontRef idx="minor">
+            <a:schemeClr val="lt1"/>
+          </a:fontRef>
+        </p:style>
+        <p:txBody>
+          <a:bodyPr rtlCol="0" anchor="ctr"/>
+          <a:lstStyle/>
+          <a:p>
+            <a:pPr algn="ctr"/>
+            <a:r>
+              <a:rPr lang="en-US" sz="2400" dirty="0" err="1">
+                <a:latin typeface="Yanone Kaffeesatz Light" panose="02000000000000000000" pitchFamily="2" charset="0"/>
+              </a:rPr>
+              <a:t>Cmd</a:t>
+            </a:r>
+            <a:endParaRPr lang="de-CH" sz="2400" dirty="0">
+              <a:latin typeface="Yanone Kaffeesatz Light" panose="02000000000000000000" pitchFamily="2" charset="0"/>
+            </a:endParaRPr>
+          </a:p>
+        </p:txBody>
+      </p:sp>
+      <p:sp>
+        <p:nvSpPr>
+          <p:cNvPr id="33" name="TextBox 32"/>
+          <p:cNvSpPr txBox="1"/>
+          <p:nvPr/>
+        </p:nvSpPr>
+        <p:spPr>
+          <a:xfrm>
+            <a:off x="2026758" y="1221031"/>
+            <a:ext cx="2345514" cy="830997"/>
+          </a:xfrm>
+          <a:prstGeom prst="rect">
+            <a:avLst/>
+          </a:prstGeom>
+          <a:noFill/>
+        </p:spPr>
+        <p:txBody>
+          <a:bodyPr wrap="none" rtlCol="0">
+            <a:spAutoFit/>
+          </a:bodyPr>
+          <a:lstStyle/>
+          <a:p>
+            <a:pPr algn="ctr"/>
+            <a:r>
+              <a:rPr lang="en-US" sz="2400" dirty="0">
+                <a:solidFill>
+                  <a:schemeClr val="accent3"/>
+                </a:solidFill>
+                <a:latin typeface="Yanone Kaffeesatz Regular" panose="02000000000000000000" pitchFamily="2" charset="0"/>
+              </a:rPr>
+              <a:t>Same bounded context</a:t>
+            </a:r>
+          </a:p>
+          <a:p>
+            <a:pPr algn="ctr"/>
+            <a:r>
+              <a:rPr lang="en-US" sz="2400" dirty="0">
+                <a:solidFill>
+                  <a:schemeClr val="accent3"/>
+                </a:solidFill>
+                <a:latin typeface="Yanone Kaffeesatz Regular" panose="02000000000000000000" pitchFamily="2" charset="0"/>
+              </a:rPr>
+              <a:t>inside the cluster</a:t>
+            </a:r>
+            <a:endParaRPr lang="de-CH" sz="2400" dirty="0">
+              <a:solidFill>
+                <a:schemeClr val="accent3"/>
+              </a:solidFill>
+              <a:latin typeface="Yanone Kaffeesatz Regular" panose="02000000000000000000" pitchFamily="2" charset="0"/>
+            </a:endParaRPr>
+          </a:p>
+        </p:txBody>
+      </p:sp>
+      <p:sp>
+        <p:nvSpPr>
+          <p:cNvPr id="34" name="TextBox 33"/>
+          <p:cNvSpPr txBox="1"/>
+          <p:nvPr/>
+        </p:nvSpPr>
+        <p:spPr>
+          <a:xfrm>
+            <a:off x="1188599" y="4345220"/>
+            <a:ext cx="4033231" cy="2123658"/>
+          </a:xfrm>
+          <a:prstGeom prst="rect">
+            <a:avLst/>
+          </a:prstGeom>
+          <a:noFill/>
+        </p:spPr>
+        <p:txBody>
+          <a:bodyPr wrap="square" rtlCol="0">
+            <a:spAutoFit/>
+          </a:bodyPr>
+          <a:lstStyle/>
+          <a:p>
+            <a:pPr algn="ctr"/>
+            <a:r>
+              <a:rPr lang="en-US" sz="6600" dirty="0">
                 <a:solidFill>
                   <a:schemeClr val="accent2"/>
                 </a:solidFill>
                 <a:latin typeface="Yanone Kaffeesatz Regular" panose="02000000000000000000" pitchFamily="2" charset="0"/>
               </a:rPr>
-              <a:t>Q &amp; A</a:t>
-            </a:r>
-            <a:endParaRPr lang="de-CH" sz="2000" dirty="0"/>
-          </a:p>
-        </p:txBody>
-      </p:sp>
-      <p:pic>
-        <p:nvPicPr>
-          <p:cNvPr id="4" name="Picture 3"/>
-          <p:cNvPicPr>
-            <a:picLocks noChangeAspect="1"/>
-          </p:cNvPicPr>
-          <p:nvPr/>
-        </p:nvPicPr>
-        <p:blipFill>
-          <a:blip r:embed="rId3" cstate="print">
-            <a:extLst>
-              <a:ext uri="{28A0092B-C50C-407E-A947-70E740481C1C}">
-                <a14:useLocalDpi xmlns:a14="http://schemas.microsoft.com/office/drawing/2010/main" val="0"/>
-              </a:ext>
-            </a:extLst>
-          </a:blip>
-          <a:stretch>
-            <a:fillRect/>
-          </a:stretch>
-        </p:blipFill>
-        <p:spPr>
-          <a:xfrm>
-            <a:off x="8052306" y="612519"/>
-            <a:ext cx="2880000" cy="690817"/>
-          </a:xfrm>
-          <a:prstGeom prst="rect">
-            <a:avLst/>
-          </a:prstGeom>
-        </p:spPr>
-      </p:pic>
+              <a:t>Sender Side </a:t>
+            </a:r>
+            <a:br>
+              <a:rPr lang="en-US" sz="6600" dirty="0">
+                <a:solidFill>
+                  <a:schemeClr val="accent2"/>
+                </a:solidFill>
+                <a:latin typeface="Yanone Kaffeesatz Regular" panose="02000000000000000000" pitchFamily="2" charset="0"/>
+              </a:rPr>
+            </a:br>
+            <a:r>
+              <a:rPr lang="en-US" sz="6600" dirty="0">
+                <a:solidFill>
+                  <a:schemeClr val="accent2"/>
+                </a:solidFill>
+                <a:latin typeface="Yanone Kaffeesatz Regular" panose="02000000000000000000" pitchFamily="2" charset="0"/>
+              </a:rPr>
+              <a:t>Distribution</a:t>
+            </a:r>
+            <a:endParaRPr lang="de-CH" sz="6600" dirty="0">
+              <a:solidFill>
+                <a:schemeClr val="accent2"/>
+              </a:solidFill>
+              <a:latin typeface="Yanone Kaffeesatz Regular" panose="02000000000000000000" pitchFamily="2" charset="0"/>
+            </a:endParaRPr>
+          </a:p>
+        </p:txBody>
+      </p:sp>
     </p:spTree>
     <p:extLst>
       <p:ext uri="{BB962C8B-B14F-4D97-AF65-F5344CB8AC3E}">
-        <p14:creationId xmlns:p14="http://schemas.microsoft.com/office/powerpoint/2010/main" val="4241321608"/>
+        <p14:creationId xmlns:p14="http://schemas.microsoft.com/office/powerpoint/2010/main" val="1120482712"/>
       </p:ext>
     </p:extLst>
   </p:cSld>
@@ -19502,36 +20996,6 @@
           <a:chExt cx="0" cy="0"/>
         </a:xfrm>
       </p:grpSpPr>
-      <p:pic>
-        <p:nvPicPr>
-          <p:cNvPr id="3" name="Picture 2"/>
-          <p:cNvPicPr>
-            <a:picLocks noChangeAspect="1"/>
-          </p:cNvPicPr>
-          <p:nvPr/>
-        </p:nvPicPr>
-        <p:blipFill>
-          <a:blip r:embed="rId3" cstate="print">
-            <a:extLst>
-              <a:ext uri="{28A0092B-C50C-407E-A947-70E740481C1C}">
-                <a14:useLocalDpi xmlns:a14="http://schemas.microsoft.com/office/drawing/2010/main" val="0"/>
-              </a:ext>
-            </a:extLst>
-          </a:blip>
-          <a:stretch>
-            <a:fillRect/>
-          </a:stretch>
-        </p:blipFill>
-        <p:spPr>
-          <a:xfrm>
-            <a:off x="8052306" y="612519"/>
-            <a:ext cx="2880000" cy="690817"/>
-          </a:xfrm>
-          <a:prstGeom prst="rect">
-            <a:avLst/>
-          </a:prstGeom>
-        </p:spPr>
-      </p:pic>
       <p:sp>
         <p:nvSpPr>
           <p:cNvPr id="2" name="Rectangle 1"/>
@@ -19540,128 +21004,36 @@
         </p:nvSpPr>
         <p:spPr>
           <a:xfrm>
-            <a:off x="5723694" y="2132715"/>
-            <a:ext cx="6096000" cy="3108543"/>
+            <a:off x="3397185" y="1834918"/>
+            <a:ext cx="5397631" cy="3154710"/>
           </a:xfrm>
           <a:prstGeom prst="rect">
             <a:avLst/>
           </a:prstGeom>
         </p:spPr>
         <p:txBody>
-          <a:bodyPr>
+          <a:bodyPr wrap="none">
             <a:spAutoFit/>
           </a:bodyPr>
           <a:lstStyle/>
           <a:p>
             <a:r>
-              <a:rPr lang="en-US" sz="2800" dirty="0">
+              <a:rPr lang="en-US" sz="19900" dirty="0">
                 <a:solidFill>
-                  <a:schemeClr val="tx2"/>
+                  <a:schemeClr val="accent2"/>
                 </a:solidFill>
                 <a:latin typeface="Yanone Kaffeesatz Regular" panose="02000000000000000000" pitchFamily="2" charset="0"/>
               </a:rPr>
-              <a:t>Software Engineer</a:t>
-            </a:r>
-          </a:p>
-          <a:p>
-            <a:r>
-              <a:rPr lang="en-US" sz="2800" dirty="0">
-                <a:solidFill>
-                  <a:schemeClr val="tx2"/>
-                </a:solidFill>
-                <a:latin typeface="Yanone Kaffeesatz Regular" panose="02000000000000000000" pitchFamily="2" charset="0"/>
-              </a:rPr>
-              <a:t>Enthusiastic Software Engineer</a:t>
-            </a:r>
-          </a:p>
-          <a:p>
-            <a:r>
-              <a:rPr lang="en-US" sz="2800" dirty="0">
-                <a:solidFill>
-                  <a:schemeClr val="tx2"/>
-                </a:solidFill>
-                <a:latin typeface="Yanone Kaffeesatz Regular" panose="02000000000000000000" pitchFamily="2" charset="0"/>
-              </a:rPr>
-              <a:t>Microsoft MVP</a:t>
-            </a:r>
-          </a:p>
-          <a:p>
-            <a:endParaRPr lang="en-US" sz="2800" dirty="0">
-              <a:solidFill>
-                <a:schemeClr val="tx2"/>
-              </a:solidFill>
-              <a:latin typeface="Yanone Kaffeesatz Regular" panose="02000000000000000000" pitchFamily="2" charset="0"/>
-            </a:endParaRPr>
-          </a:p>
-          <a:p>
-            <a:r>
-              <a:rPr lang="en-US" sz="2800" dirty="0">
-                <a:solidFill>
-                  <a:schemeClr val="accent4"/>
-                </a:solidFill>
-                <a:latin typeface="Yanone Kaffeesatz Regular" panose="02000000000000000000" pitchFamily="2" charset="0"/>
-              </a:rPr>
-              <a:t>@danielmarbach</a:t>
-            </a:r>
-          </a:p>
-          <a:p>
-            <a:r>
-              <a:rPr lang="en-US" sz="2800" dirty="0">
-                <a:solidFill>
-                  <a:schemeClr val="accent4"/>
-                </a:solidFill>
-                <a:latin typeface="Yanone Kaffeesatz Regular" panose="02000000000000000000" pitchFamily="2" charset="0"/>
-              </a:rPr>
-              <a:t>particular.net/blog</a:t>
-            </a:r>
-          </a:p>
-          <a:p>
-            <a:r>
-              <a:rPr lang="en-US" sz="2800" dirty="0">
-                <a:solidFill>
-                  <a:schemeClr val="accent4"/>
-                </a:solidFill>
-                <a:latin typeface="Yanone Kaffeesatz Regular" panose="02000000000000000000" pitchFamily="2" charset="0"/>
-              </a:rPr>
-              <a:t>planetgeek.ch</a:t>
-            </a:r>
-          </a:p>
-        </p:txBody>
-      </p:sp>
-      <p:pic>
-        <p:nvPicPr>
-          <p:cNvPr id="6" name="Picture 5"/>
-          <p:cNvPicPr>
-            <a:picLocks noChangeAspect="1"/>
-          </p:cNvPicPr>
-          <p:nvPr/>
-        </p:nvPicPr>
-        <p:blipFill>
-          <a:blip r:embed="rId4" cstate="print">
-            <a:extLst>
-              <a:ext uri="{28A0092B-C50C-407E-A947-70E740481C1C}">
-                <a14:useLocalDpi xmlns:a14="http://schemas.microsoft.com/office/drawing/2010/main" val="0"/>
-              </a:ext>
-            </a:extLst>
-          </a:blip>
-          <a:stretch>
-            <a:fillRect/>
-          </a:stretch>
-        </p:blipFill>
-        <p:spPr>
-          <a:xfrm rot="16200000">
-            <a:off x="895952" y="2228758"/>
-            <a:ext cx="4374682" cy="2916455"/>
-          </a:xfrm>
-          <a:prstGeom prst="rect">
-            <a:avLst/>
-          </a:prstGeom>
-        </p:spPr>
-      </p:pic>
+              <a:t>Events</a:t>
+            </a:r>
+            <a:endParaRPr lang="de-CH" sz="2000" dirty="0"/>
+          </a:p>
+        </p:txBody>
+      </p:sp>
     </p:spTree>
     <p:extLst>
       <p:ext uri="{BB962C8B-B14F-4D97-AF65-F5344CB8AC3E}">
-        <p14:creationId xmlns:p14="http://schemas.microsoft.com/office/powerpoint/2010/main" val="3601279917"/>
+        <p14:creationId xmlns:p14="http://schemas.microsoft.com/office/powerpoint/2010/main" val="3895944296"/>
       </p:ext>
     </p:extLst>
   </p:cSld>
@@ -19690,72 +21062,1022 @@
       </p:grpSpPr>
       <p:sp>
         <p:nvSpPr>
-          <p:cNvPr id="2" name="Rectangle 1"/>
-          <p:cNvSpPr/>
-          <p:nvPr/>
-        </p:nvSpPr>
-        <p:spPr>
-          <a:xfrm>
-            <a:off x="3176771" y="1851645"/>
-            <a:ext cx="5838458" cy="3154710"/>
+          <p:cNvPr id="20" name="TextBox 19"/>
+          <p:cNvSpPr txBox="1"/>
+          <p:nvPr/>
+        </p:nvSpPr>
+        <p:spPr>
+          <a:xfrm>
+            <a:off x="1188599" y="4345220"/>
+            <a:ext cx="4033231" cy="2123658"/>
           </a:xfrm>
           <a:prstGeom prst="rect">
             <a:avLst/>
           </a:prstGeom>
-        </p:spPr>
-        <p:txBody>
-          <a:bodyPr wrap="none">
+          <a:noFill/>
+        </p:spPr>
+        <p:txBody>
+          <a:bodyPr wrap="square" rtlCol="0">
             <a:spAutoFit/>
           </a:bodyPr>
           <a:lstStyle/>
           <a:p>
-            <a:r>
-              <a:rPr lang="en-US" sz="19900" dirty="0">
+            <a:pPr algn="ctr"/>
+            <a:r>
+              <a:rPr lang="en-US" sz="6600" dirty="0">
                 <a:solidFill>
                   <a:schemeClr val="accent2"/>
                 </a:solidFill>
                 <a:latin typeface="Yanone Kaffeesatz Regular" panose="02000000000000000000" pitchFamily="2" charset="0"/>
               </a:rPr>
-              <a:t>Thanks</a:t>
-            </a:r>
-            <a:endParaRPr lang="de-CH" sz="2000" dirty="0"/>
-          </a:p>
-        </p:txBody>
-      </p:sp>
-      <p:pic>
-        <p:nvPicPr>
-          <p:cNvPr id="3" name="Picture 2"/>
-          <p:cNvPicPr>
-            <a:picLocks noChangeAspect="1"/>
-          </p:cNvPicPr>
-          <p:nvPr/>
-        </p:nvPicPr>
-        <p:blipFill>
-          <a:blip r:embed="rId3" cstate="print">
-            <a:extLst>
-              <a:ext uri="{28A0092B-C50C-407E-A947-70E740481C1C}">
-                <a14:useLocalDpi xmlns:a14="http://schemas.microsoft.com/office/drawing/2010/main" val="0"/>
-              </a:ext>
-            </a:extLst>
-          </a:blip>
-          <a:stretch>
-            <a:fillRect/>
-          </a:stretch>
-        </p:blipFill>
-        <p:spPr>
-          <a:xfrm>
-            <a:off x="8052306" y="612519"/>
-            <a:ext cx="2880000" cy="690817"/>
+              <a:t>Receiver Side </a:t>
+            </a:r>
+            <a:br>
+              <a:rPr lang="en-US" sz="6600" dirty="0">
+                <a:solidFill>
+                  <a:schemeClr val="accent2"/>
+                </a:solidFill>
+                <a:latin typeface="Yanone Kaffeesatz Regular" panose="02000000000000000000" pitchFamily="2" charset="0"/>
+              </a:rPr>
+            </a:br>
+            <a:r>
+              <a:rPr lang="en-US" sz="6600" dirty="0">
+                <a:solidFill>
+                  <a:schemeClr val="accent2"/>
+                </a:solidFill>
+                <a:latin typeface="Yanone Kaffeesatz Regular" panose="02000000000000000000" pitchFamily="2" charset="0"/>
+              </a:rPr>
+              <a:t>Distribution</a:t>
+            </a:r>
+            <a:endParaRPr lang="de-CH" sz="6600" dirty="0">
+              <a:solidFill>
+                <a:schemeClr val="accent2"/>
+              </a:solidFill>
+              <a:latin typeface="Yanone Kaffeesatz Regular" panose="02000000000000000000" pitchFamily="2" charset="0"/>
+            </a:endParaRPr>
+          </a:p>
+        </p:txBody>
+      </p:sp>
+      <p:sp>
+        <p:nvSpPr>
+          <p:cNvPr id="2" name="Rectangle 1"/>
+          <p:cNvSpPr/>
+          <p:nvPr/>
+        </p:nvSpPr>
+        <p:spPr>
+          <a:xfrm>
+            <a:off x="2227363" y="2837985"/>
+            <a:ext cx="1944303" cy="914400"/>
           </a:xfrm>
           <a:prstGeom prst="rect">
             <a:avLst/>
           </a:prstGeom>
-        </p:spPr>
-      </p:pic>
+          <a:solidFill>
+            <a:schemeClr val="tx2"/>
+          </a:solidFill>
+          <a:ln>
+            <a:noFill/>
+          </a:ln>
+        </p:spPr>
+        <p:style>
+          <a:lnRef idx="2">
+            <a:schemeClr val="accent1">
+              <a:shade val="50000"/>
+            </a:schemeClr>
+          </a:lnRef>
+          <a:fillRef idx="1">
+            <a:schemeClr val="accent1"/>
+          </a:fillRef>
+          <a:effectRef idx="0">
+            <a:schemeClr val="accent1"/>
+          </a:effectRef>
+          <a:fontRef idx="minor">
+            <a:schemeClr val="lt1"/>
+          </a:fontRef>
+        </p:style>
+        <p:txBody>
+          <a:bodyPr rot="0" spcFirstLastPara="0" vertOverflow="overflow" horzOverflow="overflow" vert="horz" wrap="square" lIns="91440" tIns="45720" rIns="91440" bIns="45720" numCol="1" spcCol="0" rtlCol="0" fromWordArt="0" anchor="ctr" anchorCtr="0" forceAA="0" compatLnSpc="1">
+            <a:prstTxWarp prst="textNoShape">
+              <a:avLst/>
+            </a:prstTxWarp>
+            <a:noAutofit/>
+          </a:bodyPr>
+          <a:lstStyle/>
+          <a:p>
+            <a:pPr algn="ctr"/>
+            <a:r>
+              <a:rPr lang="en-US" sz="2400" dirty="0">
+                <a:latin typeface="Yanone Kaffeesatz Light" panose="02000000000000000000" pitchFamily="2" charset="0"/>
+              </a:rPr>
+              <a:t>Publisher</a:t>
+            </a:r>
+            <a:endParaRPr lang="de-CH" sz="2400" dirty="0">
+              <a:latin typeface="Yanone Kaffeesatz Light" panose="02000000000000000000" pitchFamily="2" charset="0"/>
+            </a:endParaRPr>
+          </a:p>
+        </p:txBody>
+      </p:sp>
+      <p:sp>
+        <p:nvSpPr>
+          <p:cNvPr id="3" name="Cylinder 2"/>
+          <p:cNvSpPr/>
+          <p:nvPr/>
+        </p:nvSpPr>
+        <p:spPr>
+          <a:xfrm rot="16200000">
+            <a:off x="9812118" y="1196344"/>
+            <a:ext cx="914400" cy="1641142"/>
+          </a:xfrm>
+          <a:prstGeom prst="can">
+            <a:avLst/>
+          </a:prstGeom>
+          <a:solidFill>
+            <a:schemeClr val="accent4"/>
+          </a:solidFill>
+          <a:ln>
+            <a:solidFill>
+              <a:schemeClr val="accent3"/>
+            </a:solidFill>
+          </a:ln>
+        </p:spPr>
+        <p:style>
+          <a:lnRef idx="2">
+            <a:schemeClr val="accent1">
+              <a:shade val="50000"/>
+            </a:schemeClr>
+          </a:lnRef>
+          <a:fillRef idx="1">
+            <a:schemeClr val="accent1"/>
+          </a:fillRef>
+          <a:effectRef idx="0">
+            <a:schemeClr val="accent1"/>
+          </a:effectRef>
+          <a:fontRef idx="minor">
+            <a:schemeClr val="lt1"/>
+          </a:fontRef>
+        </p:style>
+        <p:txBody>
+          <a:bodyPr vert="vert" rtlCol="0" anchor="ctr"/>
+          <a:lstStyle/>
+          <a:p>
+            <a:pPr algn="ctr"/>
+            <a:r>
+              <a:rPr lang="en-US" sz="2400" dirty="0">
+                <a:latin typeface="Yanone Kaffeesatz Light" panose="02000000000000000000" pitchFamily="2" charset="0"/>
+              </a:rPr>
+              <a:t>Subscriber1</a:t>
+            </a:r>
+            <a:endParaRPr lang="de-CH" sz="2400" dirty="0">
+              <a:latin typeface="Yanone Kaffeesatz Light" panose="02000000000000000000" pitchFamily="2" charset="0"/>
+            </a:endParaRPr>
+          </a:p>
+        </p:txBody>
+      </p:sp>
+      <p:sp>
+        <p:nvSpPr>
+          <p:cNvPr id="9" name="Rectangle 8"/>
+          <p:cNvSpPr/>
+          <p:nvPr/>
+        </p:nvSpPr>
+        <p:spPr>
+          <a:xfrm>
+            <a:off x="7080195" y="1562361"/>
+            <a:ext cx="1944303" cy="914400"/>
+          </a:xfrm>
+          <a:prstGeom prst="rect">
+            <a:avLst/>
+          </a:prstGeom>
+          <a:solidFill>
+            <a:schemeClr val="tx2"/>
+          </a:solidFill>
+          <a:ln>
+            <a:noFill/>
+          </a:ln>
+        </p:spPr>
+        <p:style>
+          <a:lnRef idx="2">
+            <a:schemeClr val="accent1">
+              <a:shade val="50000"/>
+            </a:schemeClr>
+          </a:lnRef>
+          <a:fillRef idx="1">
+            <a:schemeClr val="accent1"/>
+          </a:fillRef>
+          <a:effectRef idx="0">
+            <a:schemeClr val="accent1"/>
+          </a:effectRef>
+          <a:fontRef idx="minor">
+            <a:schemeClr val="lt1"/>
+          </a:fontRef>
+        </p:style>
+        <p:txBody>
+          <a:bodyPr rot="0" spcFirstLastPara="0" vertOverflow="overflow" horzOverflow="overflow" vert="horz" wrap="square" lIns="91440" tIns="45720" rIns="91440" bIns="45720" numCol="1" spcCol="0" rtlCol="0" fromWordArt="0" anchor="ctr" anchorCtr="0" forceAA="0" compatLnSpc="1">
+            <a:prstTxWarp prst="textNoShape">
+              <a:avLst/>
+            </a:prstTxWarp>
+            <a:noAutofit/>
+          </a:bodyPr>
+          <a:lstStyle/>
+          <a:p>
+            <a:pPr algn="ctr"/>
+            <a:r>
+              <a:rPr lang="en-US" sz="2400" dirty="0">
+                <a:latin typeface="Yanone Kaffeesatz Light" panose="02000000000000000000" pitchFamily="2" charset="0"/>
+              </a:rPr>
+              <a:t>Subscriber1</a:t>
+            </a:r>
+            <a:endParaRPr lang="de-CH" sz="2400" dirty="0">
+              <a:latin typeface="Yanone Kaffeesatz Light" panose="02000000000000000000" pitchFamily="2" charset="0"/>
+            </a:endParaRPr>
+          </a:p>
+        </p:txBody>
+      </p:sp>
+      <p:sp>
+        <p:nvSpPr>
+          <p:cNvPr id="13" name="Rectangle 12"/>
+          <p:cNvSpPr/>
+          <p:nvPr/>
+        </p:nvSpPr>
+        <p:spPr>
+          <a:xfrm>
+            <a:off x="7080195" y="2837985"/>
+            <a:ext cx="1944303" cy="914400"/>
+          </a:xfrm>
+          <a:prstGeom prst="rect">
+            <a:avLst/>
+          </a:prstGeom>
+          <a:solidFill>
+            <a:schemeClr val="tx2"/>
+          </a:solidFill>
+          <a:ln>
+            <a:noFill/>
+          </a:ln>
+        </p:spPr>
+        <p:style>
+          <a:lnRef idx="2">
+            <a:schemeClr val="accent1">
+              <a:shade val="50000"/>
+            </a:schemeClr>
+          </a:lnRef>
+          <a:fillRef idx="1">
+            <a:schemeClr val="accent1"/>
+          </a:fillRef>
+          <a:effectRef idx="0">
+            <a:schemeClr val="accent1"/>
+          </a:effectRef>
+          <a:fontRef idx="minor">
+            <a:schemeClr val="lt1"/>
+          </a:fontRef>
+        </p:style>
+        <p:txBody>
+          <a:bodyPr rot="0" spcFirstLastPara="0" vertOverflow="overflow" horzOverflow="overflow" vert="horz" wrap="square" lIns="91440" tIns="45720" rIns="91440" bIns="45720" numCol="1" spcCol="0" rtlCol="0" fromWordArt="0" anchor="ctr" anchorCtr="0" forceAA="0" compatLnSpc="1">
+            <a:prstTxWarp prst="textNoShape">
+              <a:avLst/>
+            </a:prstTxWarp>
+            <a:noAutofit/>
+          </a:bodyPr>
+          <a:lstStyle/>
+          <a:p>
+            <a:pPr algn="ctr"/>
+            <a:r>
+              <a:rPr lang="en-US" sz="2400" dirty="0">
+                <a:latin typeface="Yanone Kaffeesatz Light" panose="02000000000000000000" pitchFamily="2" charset="0"/>
+              </a:rPr>
+              <a:t>Subscriber2</a:t>
+            </a:r>
+            <a:endParaRPr lang="de-CH" sz="2400" dirty="0">
+              <a:latin typeface="Yanone Kaffeesatz Light" panose="02000000000000000000" pitchFamily="2" charset="0"/>
+            </a:endParaRPr>
+          </a:p>
+        </p:txBody>
+      </p:sp>
+      <p:sp>
+        <p:nvSpPr>
+          <p:cNvPr id="14" name="Rectangle 13"/>
+          <p:cNvSpPr/>
+          <p:nvPr/>
+        </p:nvSpPr>
+        <p:spPr>
+          <a:xfrm>
+            <a:off x="7080195" y="4113610"/>
+            <a:ext cx="1944303" cy="914400"/>
+          </a:xfrm>
+          <a:prstGeom prst="rect">
+            <a:avLst/>
+          </a:prstGeom>
+          <a:solidFill>
+            <a:schemeClr val="tx2"/>
+          </a:solidFill>
+          <a:ln>
+            <a:noFill/>
+          </a:ln>
+        </p:spPr>
+        <p:style>
+          <a:lnRef idx="2">
+            <a:schemeClr val="accent1">
+              <a:shade val="50000"/>
+            </a:schemeClr>
+          </a:lnRef>
+          <a:fillRef idx="1">
+            <a:schemeClr val="accent1"/>
+          </a:fillRef>
+          <a:effectRef idx="0">
+            <a:schemeClr val="accent1"/>
+          </a:effectRef>
+          <a:fontRef idx="minor">
+            <a:schemeClr val="lt1"/>
+          </a:fontRef>
+        </p:style>
+        <p:txBody>
+          <a:bodyPr rot="0" spcFirstLastPara="0" vertOverflow="overflow" horzOverflow="overflow" vert="horz" wrap="square" lIns="91440" tIns="45720" rIns="91440" bIns="45720" numCol="1" spcCol="0" rtlCol="0" fromWordArt="0" anchor="ctr" anchorCtr="0" forceAA="0" compatLnSpc="1">
+            <a:prstTxWarp prst="textNoShape">
+              <a:avLst/>
+            </a:prstTxWarp>
+            <a:noAutofit/>
+          </a:bodyPr>
+          <a:lstStyle/>
+          <a:p>
+            <a:pPr algn="ctr"/>
+            <a:r>
+              <a:rPr lang="en-US" sz="2400" dirty="0">
+                <a:latin typeface="Yanone Kaffeesatz Light" panose="02000000000000000000" pitchFamily="2" charset="0"/>
+              </a:rPr>
+              <a:t>Subscriber3</a:t>
+            </a:r>
+            <a:endParaRPr lang="de-CH" sz="2400" dirty="0">
+              <a:latin typeface="Yanone Kaffeesatz Light" panose="02000000000000000000" pitchFamily="2" charset="0"/>
+            </a:endParaRPr>
+          </a:p>
+        </p:txBody>
+      </p:sp>
+      <p:sp>
+        <p:nvSpPr>
+          <p:cNvPr id="16" name="Rectangle 15"/>
+          <p:cNvSpPr/>
+          <p:nvPr/>
+        </p:nvSpPr>
+        <p:spPr>
+          <a:xfrm>
+            <a:off x="5776332" y="936703"/>
+            <a:ext cx="5531484" cy="4716966"/>
+          </a:xfrm>
+          <a:prstGeom prst="rect">
+            <a:avLst/>
+          </a:prstGeom>
+          <a:noFill/>
+          <a:ln w="19050">
+            <a:solidFill>
+              <a:schemeClr val="accent3"/>
+            </a:solidFill>
+          </a:ln>
+        </p:spPr>
+        <p:style>
+          <a:lnRef idx="2">
+            <a:schemeClr val="accent1">
+              <a:shade val="50000"/>
+            </a:schemeClr>
+          </a:lnRef>
+          <a:fillRef idx="1">
+            <a:schemeClr val="accent1"/>
+          </a:fillRef>
+          <a:effectRef idx="0">
+            <a:schemeClr val="accent1"/>
+          </a:effectRef>
+          <a:fontRef idx="minor">
+            <a:schemeClr val="lt1"/>
+          </a:fontRef>
+        </p:style>
+        <p:txBody>
+          <a:bodyPr rtlCol="0" anchor="ctr"/>
+          <a:lstStyle/>
+          <a:p>
+            <a:pPr algn="ctr"/>
+            <a:endParaRPr lang="de-CH"/>
+          </a:p>
+        </p:txBody>
+      </p:sp>
+      <p:sp>
+        <p:nvSpPr>
+          <p:cNvPr id="17" name="TextBox 16"/>
+          <p:cNvSpPr txBox="1"/>
+          <p:nvPr/>
+        </p:nvSpPr>
+        <p:spPr>
+          <a:xfrm>
+            <a:off x="5993780" y="931410"/>
+            <a:ext cx="1872629" cy="461665"/>
+          </a:xfrm>
+          <a:prstGeom prst="rect">
+            <a:avLst/>
+          </a:prstGeom>
+          <a:noFill/>
+        </p:spPr>
+        <p:txBody>
+          <a:bodyPr wrap="none" rtlCol="0">
+            <a:spAutoFit/>
+          </a:bodyPr>
+          <a:lstStyle/>
+          <a:p>
+            <a:r>
+              <a:rPr lang="en-US" sz="2400" dirty="0">
+                <a:solidFill>
+                  <a:schemeClr val="accent3"/>
+                </a:solidFill>
+                <a:latin typeface="Yanone Kaffeesatz Regular" panose="02000000000000000000" pitchFamily="2" charset="0"/>
+              </a:rPr>
+              <a:t>Logical Subscriber</a:t>
+            </a:r>
+            <a:endParaRPr lang="de-CH" sz="2400" dirty="0">
+              <a:solidFill>
+                <a:schemeClr val="accent3"/>
+              </a:solidFill>
+              <a:latin typeface="Yanone Kaffeesatz Regular" panose="02000000000000000000" pitchFamily="2" charset="0"/>
+            </a:endParaRPr>
+          </a:p>
+        </p:txBody>
+      </p:sp>
+      <p:cxnSp>
+        <p:nvCxnSpPr>
+          <p:cNvPr id="18" name="Straight Arrow Connector 17"/>
+          <p:cNvCxnSpPr>
+            <a:cxnSpLocks/>
+            <a:stCxn id="2" idx="3"/>
+            <a:endCxn id="16" idx="1"/>
+          </p:cNvCxnSpPr>
+          <p:nvPr/>
+        </p:nvCxnSpPr>
+        <p:spPr>
+          <a:xfrm>
+            <a:off x="4171666" y="3295185"/>
+            <a:ext cx="1604666" cy="1"/>
+          </a:xfrm>
+          <a:prstGeom prst="straightConnector1">
+            <a:avLst/>
+          </a:prstGeom>
+          <a:ln w="19050">
+            <a:solidFill>
+              <a:schemeClr val="accent4"/>
+            </a:solidFill>
+            <a:tailEnd type="triangle"/>
+          </a:ln>
+        </p:spPr>
+        <p:style>
+          <a:lnRef idx="1">
+            <a:schemeClr val="accent1"/>
+          </a:lnRef>
+          <a:fillRef idx="0">
+            <a:schemeClr val="accent1"/>
+          </a:fillRef>
+          <a:effectRef idx="0">
+            <a:schemeClr val="accent1"/>
+          </a:effectRef>
+          <a:fontRef idx="minor">
+            <a:schemeClr val="tx1"/>
+          </a:fontRef>
+        </p:style>
+      </p:cxnSp>
+      <p:sp>
+        <p:nvSpPr>
+          <p:cNvPr id="31" name="Flowchart: Card 30"/>
+          <p:cNvSpPr/>
+          <p:nvPr/>
+        </p:nvSpPr>
+        <p:spPr>
+          <a:xfrm>
+            <a:off x="3704697" y="2509230"/>
+            <a:ext cx="767772" cy="560367"/>
+          </a:xfrm>
+          <a:prstGeom prst="flowChartPunchedCard">
+            <a:avLst/>
+          </a:prstGeom>
+          <a:solidFill>
+            <a:schemeClr val="accent4"/>
+          </a:solidFill>
+          <a:ln>
+            <a:noFill/>
+          </a:ln>
+        </p:spPr>
+        <p:style>
+          <a:lnRef idx="2">
+            <a:schemeClr val="accent1">
+              <a:shade val="50000"/>
+            </a:schemeClr>
+          </a:lnRef>
+          <a:fillRef idx="1">
+            <a:schemeClr val="accent1"/>
+          </a:fillRef>
+          <a:effectRef idx="0">
+            <a:schemeClr val="accent1"/>
+          </a:effectRef>
+          <a:fontRef idx="minor">
+            <a:schemeClr val="lt1"/>
+          </a:fontRef>
+        </p:style>
+        <p:txBody>
+          <a:bodyPr rtlCol="0" anchor="ctr"/>
+          <a:lstStyle/>
+          <a:p>
+            <a:pPr algn="ctr"/>
+            <a:r>
+              <a:rPr lang="en-US" sz="2400" dirty="0" err="1">
+                <a:latin typeface="Yanone Kaffeesatz Light" panose="02000000000000000000" pitchFamily="2" charset="0"/>
+              </a:rPr>
+              <a:t>Evnt</a:t>
+            </a:r>
+            <a:endParaRPr lang="de-CH" sz="2400" dirty="0">
+              <a:latin typeface="Yanone Kaffeesatz Light" panose="02000000000000000000" pitchFamily="2" charset="0"/>
+            </a:endParaRPr>
+          </a:p>
+        </p:txBody>
+      </p:sp>
+      <p:sp>
+        <p:nvSpPr>
+          <p:cNvPr id="19" name="Cylinder 18"/>
+          <p:cNvSpPr/>
+          <p:nvPr/>
+        </p:nvSpPr>
+        <p:spPr>
+          <a:xfrm>
+            <a:off x="5920684" y="2520928"/>
+            <a:ext cx="914400" cy="1548511"/>
+          </a:xfrm>
+          <a:prstGeom prst="can">
+            <a:avLst/>
+          </a:prstGeom>
+          <a:solidFill>
+            <a:schemeClr val="accent4"/>
+          </a:solidFill>
+          <a:ln>
+            <a:solidFill>
+              <a:schemeClr val="accent3"/>
+            </a:solidFill>
+          </a:ln>
+        </p:spPr>
+        <p:style>
+          <a:lnRef idx="2">
+            <a:schemeClr val="accent1">
+              <a:shade val="50000"/>
+            </a:schemeClr>
+          </a:lnRef>
+          <a:fillRef idx="1">
+            <a:schemeClr val="accent1"/>
+          </a:fillRef>
+          <a:effectRef idx="0">
+            <a:schemeClr val="accent1"/>
+          </a:effectRef>
+          <a:fontRef idx="minor">
+            <a:schemeClr val="lt1"/>
+          </a:fontRef>
+        </p:style>
+        <p:txBody>
+          <a:bodyPr vert="vert" rtlCol="0" anchor="ctr"/>
+          <a:lstStyle/>
+          <a:p>
+            <a:pPr algn="ctr"/>
+            <a:r>
+              <a:rPr lang="en-US" sz="2400" dirty="0">
+                <a:latin typeface="Yanone Kaffeesatz Light" panose="02000000000000000000" pitchFamily="2" charset="0"/>
+              </a:rPr>
+              <a:t>Subscriber</a:t>
+            </a:r>
+            <a:endParaRPr lang="de-CH" sz="2400" dirty="0">
+              <a:latin typeface="Yanone Kaffeesatz Light" panose="02000000000000000000" pitchFamily="2" charset="0"/>
+            </a:endParaRPr>
+          </a:p>
+        </p:txBody>
+      </p:sp>
+      <p:sp>
+        <p:nvSpPr>
+          <p:cNvPr id="21" name="Cylinder 20"/>
+          <p:cNvSpPr/>
+          <p:nvPr/>
+        </p:nvSpPr>
+        <p:spPr>
+          <a:xfrm rot="16200000">
+            <a:off x="9812118" y="2474614"/>
+            <a:ext cx="914400" cy="1641142"/>
+          </a:xfrm>
+          <a:prstGeom prst="can">
+            <a:avLst/>
+          </a:prstGeom>
+          <a:solidFill>
+            <a:schemeClr val="accent4"/>
+          </a:solidFill>
+          <a:ln>
+            <a:solidFill>
+              <a:schemeClr val="accent3"/>
+            </a:solidFill>
+          </a:ln>
+        </p:spPr>
+        <p:style>
+          <a:lnRef idx="2">
+            <a:schemeClr val="accent1">
+              <a:shade val="50000"/>
+            </a:schemeClr>
+          </a:lnRef>
+          <a:fillRef idx="1">
+            <a:schemeClr val="accent1"/>
+          </a:fillRef>
+          <a:effectRef idx="0">
+            <a:schemeClr val="accent1"/>
+          </a:effectRef>
+          <a:fontRef idx="minor">
+            <a:schemeClr val="lt1"/>
+          </a:fontRef>
+        </p:style>
+        <p:txBody>
+          <a:bodyPr vert="vert" rtlCol="0" anchor="ctr"/>
+          <a:lstStyle/>
+          <a:p>
+            <a:pPr algn="ctr"/>
+            <a:r>
+              <a:rPr lang="en-US" sz="2400" dirty="0">
+                <a:latin typeface="Yanone Kaffeesatz Light" panose="02000000000000000000" pitchFamily="2" charset="0"/>
+              </a:rPr>
+              <a:t>Subscriber2</a:t>
+            </a:r>
+            <a:endParaRPr lang="de-CH" sz="2400" dirty="0">
+              <a:latin typeface="Yanone Kaffeesatz Light" panose="02000000000000000000" pitchFamily="2" charset="0"/>
+            </a:endParaRPr>
+          </a:p>
+        </p:txBody>
+      </p:sp>
+      <p:sp>
+        <p:nvSpPr>
+          <p:cNvPr id="23" name="Cylinder 22"/>
+          <p:cNvSpPr/>
+          <p:nvPr/>
+        </p:nvSpPr>
+        <p:spPr>
+          <a:xfrm rot="16200000">
+            <a:off x="9812118" y="3750239"/>
+            <a:ext cx="914400" cy="1641142"/>
+          </a:xfrm>
+          <a:prstGeom prst="can">
+            <a:avLst/>
+          </a:prstGeom>
+          <a:solidFill>
+            <a:schemeClr val="accent4"/>
+          </a:solidFill>
+          <a:ln>
+            <a:solidFill>
+              <a:schemeClr val="accent3"/>
+            </a:solidFill>
+          </a:ln>
+        </p:spPr>
+        <p:style>
+          <a:lnRef idx="2">
+            <a:schemeClr val="accent1">
+              <a:shade val="50000"/>
+            </a:schemeClr>
+          </a:lnRef>
+          <a:fillRef idx="1">
+            <a:schemeClr val="accent1"/>
+          </a:fillRef>
+          <a:effectRef idx="0">
+            <a:schemeClr val="accent1"/>
+          </a:effectRef>
+          <a:fontRef idx="minor">
+            <a:schemeClr val="lt1"/>
+          </a:fontRef>
+        </p:style>
+        <p:txBody>
+          <a:bodyPr vert="vert" rtlCol="0" anchor="ctr"/>
+          <a:lstStyle/>
+          <a:p>
+            <a:pPr algn="ctr"/>
+            <a:r>
+              <a:rPr lang="en-US" sz="2400" dirty="0">
+                <a:latin typeface="Yanone Kaffeesatz Light" panose="02000000000000000000" pitchFamily="2" charset="0"/>
+              </a:rPr>
+              <a:t>Subscriber3</a:t>
+            </a:r>
+            <a:endParaRPr lang="de-CH" sz="2400" dirty="0">
+              <a:latin typeface="Yanone Kaffeesatz Light" panose="02000000000000000000" pitchFamily="2" charset="0"/>
+            </a:endParaRPr>
+          </a:p>
+        </p:txBody>
+      </p:sp>
+      <p:cxnSp>
+        <p:nvCxnSpPr>
+          <p:cNvPr id="24" name="Straight Arrow Connector 23"/>
+          <p:cNvCxnSpPr>
+            <a:cxnSpLocks/>
+            <a:stCxn id="9" idx="1"/>
+            <a:endCxn id="19" idx="4"/>
+          </p:cNvCxnSpPr>
+          <p:nvPr/>
+        </p:nvCxnSpPr>
+        <p:spPr>
+          <a:xfrm flipH="1">
+            <a:off x="6835084" y="2019561"/>
+            <a:ext cx="245111" cy="1275623"/>
+          </a:xfrm>
+          <a:prstGeom prst="straightConnector1">
+            <a:avLst/>
+          </a:prstGeom>
+          <a:ln w="19050">
+            <a:solidFill>
+              <a:schemeClr val="accent4"/>
+            </a:solidFill>
+            <a:tailEnd type="triangle"/>
+          </a:ln>
+        </p:spPr>
+        <p:style>
+          <a:lnRef idx="1">
+            <a:schemeClr val="accent1"/>
+          </a:lnRef>
+          <a:fillRef idx="0">
+            <a:schemeClr val="accent1"/>
+          </a:fillRef>
+          <a:effectRef idx="0">
+            <a:schemeClr val="accent1"/>
+          </a:effectRef>
+          <a:fontRef idx="minor">
+            <a:schemeClr val="tx1"/>
+          </a:fontRef>
+        </p:style>
+      </p:cxnSp>
+      <p:cxnSp>
+        <p:nvCxnSpPr>
+          <p:cNvPr id="26" name="Straight Arrow Connector 25"/>
+          <p:cNvCxnSpPr>
+            <a:cxnSpLocks/>
+            <a:stCxn id="13" idx="1"/>
+            <a:endCxn id="19" idx="4"/>
+          </p:cNvCxnSpPr>
+          <p:nvPr/>
+        </p:nvCxnSpPr>
+        <p:spPr>
+          <a:xfrm flipH="1" flipV="1">
+            <a:off x="6835084" y="3295184"/>
+            <a:ext cx="245111" cy="1"/>
+          </a:xfrm>
+          <a:prstGeom prst="straightConnector1">
+            <a:avLst/>
+          </a:prstGeom>
+          <a:ln w="19050">
+            <a:solidFill>
+              <a:schemeClr val="tx2"/>
+            </a:solidFill>
+            <a:tailEnd type="triangle"/>
+          </a:ln>
+        </p:spPr>
+        <p:style>
+          <a:lnRef idx="1">
+            <a:schemeClr val="accent1"/>
+          </a:lnRef>
+          <a:fillRef idx="0">
+            <a:schemeClr val="accent1"/>
+          </a:fillRef>
+          <a:effectRef idx="0">
+            <a:schemeClr val="accent1"/>
+          </a:effectRef>
+          <a:fontRef idx="minor">
+            <a:schemeClr val="tx1"/>
+          </a:fontRef>
+        </p:style>
+      </p:cxnSp>
+      <p:cxnSp>
+        <p:nvCxnSpPr>
+          <p:cNvPr id="30" name="Straight Arrow Connector 29"/>
+          <p:cNvCxnSpPr>
+            <a:cxnSpLocks/>
+            <a:stCxn id="14" idx="1"/>
+            <a:endCxn id="19" idx="4"/>
+          </p:cNvCxnSpPr>
+          <p:nvPr/>
+        </p:nvCxnSpPr>
+        <p:spPr>
+          <a:xfrm flipH="1" flipV="1">
+            <a:off x="6835084" y="3295184"/>
+            <a:ext cx="245111" cy="1275626"/>
+          </a:xfrm>
+          <a:prstGeom prst="straightConnector1">
+            <a:avLst/>
+          </a:prstGeom>
+          <a:ln w="19050">
+            <a:solidFill>
+              <a:schemeClr val="tx2"/>
+            </a:solidFill>
+            <a:tailEnd type="triangle"/>
+          </a:ln>
+        </p:spPr>
+        <p:style>
+          <a:lnRef idx="1">
+            <a:schemeClr val="accent1"/>
+          </a:lnRef>
+          <a:fillRef idx="0">
+            <a:schemeClr val="accent1"/>
+          </a:fillRef>
+          <a:effectRef idx="0">
+            <a:schemeClr val="accent1"/>
+          </a:effectRef>
+          <a:fontRef idx="minor">
+            <a:schemeClr val="tx1"/>
+          </a:fontRef>
+        </p:style>
+      </p:cxnSp>
+      <p:cxnSp>
+        <p:nvCxnSpPr>
+          <p:cNvPr id="34" name="Straight Arrow Connector 33"/>
+          <p:cNvCxnSpPr>
+            <a:cxnSpLocks/>
+            <a:stCxn id="14" idx="3"/>
+            <a:endCxn id="23" idx="1"/>
+          </p:cNvCxnSpPr>
+          <p:nvPr/>
+        </p:nvCxnSpPr>
+        <p:spPr>
+          <a:xfrm>
+            <a:off x="9024498" y="4570810"/>
+            <a:ext cx="424249" cy="0"/>
+          </a:xfrm>
+          <a:prstGeom prst="straightConnector1">
+            <a:avLst/>
+          </a:prstGeom>
+          <a:ln w="19050">
+            <a:solidFill>
+              <a:schemeClr val="tx2"/>
+            </a:solidFill>
+            <a:tailEnd type="triangle"/>
+          </a:ln>
+        </p:spPr>
+        <p:style>
+          <a:lnRef idx="1">
+            <a:schemeClr val="accent1"/>
+          </a:lnRef>
+          <a:fillRef idx="0">
+            <a:schemeClr val="accent1"/>
+          </a:fillRef>
+          <a:effectRef idx="0">
+            <a:schemeClr val="accent1"/>
+          </a:effectRef>
+          <a:fontRef idx="minor">
+            <a:schemeClr val="tx1"/>
+          </a:fontRef>
+        </p:style>
+      </p:cxnSp>
+      <p:cxnSp>
+        <p:nvCxnSpPr>
+          <p:cNvPr id="37" name="Straight Arrow Connector 36"/>
+          <p:cNvCxnSpPr>
+            <a:cxnSpLocks/>
+          </p:cNvCxnSpPr>
+          <p:nvPr/>
+        </p:nvCxnSpPr>
+        <p:spPr>
+          <a:xfrm>
+            <a:off x="9024498" y="3295184"/>
+            <a:ext cx="424249" cy="0"/>
+          </a:xfrm>
+          <a:prstGeom prst="straightConnector1">
+            <a:avLst/>
+          </a:prstGeom>
+          <a:ln w="19050">
+            <a:solidFill>
+              <a:schemeClr val="tx2"/>
+            </a:solidFill>
+            <a:tailEnd type="triangle"/>
+          </a:ln>
+        </p:spPr>
+        <p:style>
+          <a:lnRef idx="1">
+            <a:schemeClr val="accent1"/>
+          </a:lnRef>
+          <a:fillRef idx="0">
+            <a:schemeClr val="accent1"/>
+          </a:fillRef>
+          <a:effectRef idx="0">
+            <a:schemeClr val="accent1"/>
+          </a:effectRef>
+          <a:fontRef idx="minor">
+            <a:schemeClr val="tx1"/>
+          </a:fontRef>
+        </p:style>
+      </p:cxnSp>
+      <p:cxnSp>
+        <p:nvCxnSpPr>
+          <p:cNvPr id="38" name="Straight Arrow Connector 37"/>
+          <p:cNvCxnSpPr>
+            <a:cxnSpLocks/>
+          </p:cNvCxnSpPr>
+          <p:nvPr/>
+        </p:nvCxnSpPr>
+        <p:spPr>
+          <a:xfrm>
+            <a:off x="9024498" y="2019561"/>
+            <a:ext cx="424249" cy="0"/>
+          </a:xfrm>
+          <a:prstGeom prst="straightConnector1">
+            <a:avLst/>
+          </a:prstGeom>
+          <a:ln w="19050">
+            <a:solidFill>
+              <a:schemeClr val="tx2"/>
+            </a:solidFill>
+            <a:tailEnd type="triangle"/>
+          </a:ln>
+        </p:spPr>
+        <p:style>
+          <a:lnRef idx="1">
+            <a:schemeClr val="accent1"/>
+          </a:lnRef>
+          <a:fillRef idx="0">
+            <a:schemeClr val="accent1"/>
+          </a:fillRef>
+          <a:effectRef idx="0">
+            <a:schemeClr val="accent1"/>
+          </a:effectRef>
+          <a:fontRef idx="minor">
+            <a:schemeClr val="tx1"/>
+          </a:fontRef>
+        </p:style>
+      </p:cxnSp>
+      <p:cxnSp>
+        <p:nvCxnSpPr>
+          <p:cNvPr id="39" name="Straight Arrow Connector 38"/>
+          <p:cNvCxnSpPr>
+            <a:cxnSpLocks/>
+            <a:stCxn id="9" idx="3"/>
+            <a:endCxn id="21" idx="1"/>
+          </p:cNvCxnSpPr>
+          <p:nvPr/>
+        </p:nvCxnSpPr>
+        <p:spPr>
+          <a:xfrm>
+            <a:off x="9024498" y="2019561"/>
+            <a:ext cx="424249" cy="1275624"/>
+          </a:xfrm>
+          <a:prstGeom prst="straightConnector1">
+            <a:avLst/>
+          </a:prstGeom>
+          <a:ln w="19050">
+            <a:solidFill>
+              <a:schemeClr val="accent4"/>
+            </a:solidFill>
+            <a:tailEnd type="triangle"/>
+          </a:ln>
+        </p:spPr>
+        <p:style>
+          <a:lnRef idx="1">
+            <a:schemeClr val="accent1"/>
+          </a:lnRef>
+          <a:fillRef idx="0">
+            <a:schemeClr val="accent1"/>
+          </a:fillRef>
+          <a:effectRef idx="0">
+            <a:schemeClr val="accent1"/>
+          </a:effectRef>
+          <a:fontRef idx="minor">
+            <a:schemeClr val="tx1"/>
+          </a:fontRef>
+        </p:style>
+      </p:cxnSp>
+      <p:cxnSp>
+        <p:nvCxnSpPr>
+          <p:cNvPr id="42" name="Straight Arrow Connector 41"/>
+          <p:cNvCxnSpPr>
+            <a:cxnSpLocks/>
+            <a:stCxn id="9" idx="3"/>
+            <a:endCxn id="23" idx="1"/>
+          </p:cNvCxnSpPr>
+          <p:nvPr/>
+        </p:nvCxnSpPr>
+        <p:spPr>
+          <a:xfrm>
+            <a:off x="9024498" y="2019561"/>
+            <a:ext cx="424249" cy="2551249"/>
+          </a:xfrm>
+          <a:prstGeom prst="straightConnector1">
+            <a:avLst/>
+          </a:prstGeom>
+          <a:ln w="19050">
+            <a:solidFill>
+              <a:schemeClr val="accent4"/>
+            </a:solidFill>
+            <a:tailEnd type="triangle"/>
+          </a:ln>
+        </p:spPr>
+        <p:style>
+          <a:lnRef idx="1">
+            <a:schemeClr val="accent1"/>
+          </a:lnRef>
+          <a:fillRef idx="0">
+            <a:schemeClr val="accent1"/>
+          </a:fillRef>
+          <a:effectRef idx="0">
+            <a:schemeClr val="accent1"/>
+          </a:effectRef>
+          <a:fontRef idx="minor">
+            <a:schemeClr val="tx1"/>
+          </a:fontRef>
+        </p:style>
+      </p:cxnSp>
     </p:spTree>
     <p:extLst>
       <p:ext uri="{BB962C8B-B14F-4D97-AF65-F5344CB8AC3E}">
-        <p14:creationId xmlns:p14="http://schemas.microsoft.com/office/powerpoint/2010/main" val="3887468163"/>
+        <p14:creationId xmlns:p14="http://schemas.microsoft.com/office/powerpoint/2010/main" val="1959108542"/>
       </p:ext>
     </p:extLst>
   </p:cSld>
@@ -19821,6 +22143,1857 @@
     <p:extLst>
       <p:ext uri="{BB962C8B-B14F-4D97-AF65-F5344CB8AC3E}">
         <p14:creationId xmlns:p14="http://schemas.microsoft.com/office/powerpoint/2010/main" val="1358001949"/>
+      </p:ext>
+    </p:extLst>
+  </p:cSld>
+  <p:clrMapOvr>
+    <a:masterClrMapping/>
+  </p:clrMapOvr>
+</p:sld>
+</file>
+
+<file path=ppt/slides/slide30.xml><?xml version="1.0" encoding="utf-8"?>
+<p:sld xmlns:a="http://schemas.openxmlformats.org/drawingml/2006/main" xmlns:r="http://schemas.openxmlformats.org/officeDocument/2006/relationships" xmlns:p="http://schemas.openxmlformats.org/presentationml/2006/main">
+  <p:cSld>
+    <p:spTree>
+      <p:nvGrpSpPr>
+        <p:cNvPr id="1" name=""/>
+        <p:cNvGrpSpPr/>
+        <p:nvPr/>
+      </p:nvGrpSpPr>
+      <p:grpSpPr>
+        <a:xfrm>
+          <a:off x="0" y="0"/>
+          <a:ext cx="0" cy="0"/>
+          <a:chOff x="0" y="0"/>
+          <a:chExt cx="0" cy="0"/>
+        </a:xfrm>
+      </p:grpSpPr>
+      <p:sp>
+        <p:nvSpPr>
+          <p:cNvPr id="2" name="Rectangle 1"/>
+          <p:cNvSpPr/>
+          <p:nvPr/>
+        </p:nvSpPr>
+        <p:spPr>
+          <a:xfrm>
+            <a:off x="890088" y="2105561"/>
+            <a:ext cx="10411825" cy="2646878"/>
+          </a:xfrm>
+          <a:prstGeom prst="rect">
+            <a:avLst/>
+          </a:prstGeom>
+        </p:spPr>
+        <p:txBody>
+          <a:bodyPr wrap="none">
+            <a:spAutoFit/>
+          </a:bodyPr>
+          <a:lstStyle/>
+          <a:p>
+            <a:r>
+              <a:rPr lang="en-US" sz="16600" dirty="0">
+                <a:solidFill>
+                  <a:schemeClr val="accent2"/>
+                </a:solidFill>
+                <a:latin typeface="Yanone Kaffeesatz Regular" panose="02000000000000000000" pitchFamily="2" charset="0"/>
+              </a:rPr>
+              <a:t>Request / Reply</a:t>
+            </a:r>
+            <a:endParaRPr lang="de-CH" dirty="0"/>
+          </a:p>
+        </p:txBody>
+      </p:sp>
+    </p:spTree>
+    <p:extLst>
+      <p:ext uri="{BB962C8B-B14F-4D97-AF65-F5344CB8AC3E}">
+        <p14:creationId xmlns:p14="http://schemas.microsoft.com/office/powerpoint/2010/main" val="3427769525"/>
+      </p:ext>
+    </p:extLst>
+  </p:cSld>
+  <p:clrMapOvr>
+    <a:masterClrMapping/>
+  </p:clrMapOvr>
+</p:sld>
+</file>
+
+<file path=ppt/slides/slide31.xml><?xml version="1.0" encoding="utf-8"?>
+<p:sld xmlns:a="http://schemas.openxmlformats.org/drawingml/2006/main" xmlns:r="http://schemas.openxmlformats.org/officeDocument/2006/relationships" xmlns:p="http://schemas.openxmlformats.org/presentationml/2006/main">
+  <p:cSld>
+    <p:spTree>
+      <p:nvGrpSpPr>
+        <p:cNvPr id="1" name=""/>
+        <p:cNvGrpSpPr/>
+        <p:nvPr/>
+      </p:nvGrpSpPr>
+      <p:grpSpPr>
+        <a:xfrm>
+          <a:off x="0" y="0"/>
+          <a:ext cx="0" cy="0"/>
+          <a:chOff x="0" y="0"/>
+          <a:chExt cx="0" cy="0"/>
+        </a:xfrm>
+      </p:grpSpPr>
+      <p:grpSp>
+        <p:nvGrpSpPr>
+          <p:cNvPr id="15" name="Group 14"/>
+          <p:cNvGrpSpPr/>
+          <p:nvPr/>
+        </p:nvGrpSpPr>
+        <p:grpSpPr>
+          <a:xfrm>
+            <a:off x="6976709" y="1712903"/>
+            <a:ext cx="3849503" cy="3465650"/>
+            <a:chOff x="6267622" y="1248109"/>
+            <a:chExt cx="3849503" cy="3465650"/>
+          </a:xfrm>
+        </p:grpSpPr>
+        <p:sp>
+          <p:nvSpPr>
+            <p:cNvPr id="3" name="Cylinder 2"/>
+            <p:cNvSpPr/>
+            <p:nvPr/>
+          </p:nvSpPr>
+          <p:spPr>
+            <a:xfrm rot="16200000">
+              <a:off x="6540510" y="975224"/>
+              <a:ext cx="914400" cy="1460171"/>
+            </a:xfrm>
+            <a:prstGeom prst="can">
+              <a:avLst/>
+            </a:prstGeom>
+            <a:solidFill>
+              <a:schemeClr val="tx2"/>
+            </a:solidFill>
+            <a:ln>
+              <a:solidFill>
+                <a:schemeClr val="accent3"/>
+              </a:solidFill>
+            </a:ln>
+          </p:spPr>
+          <p:style>
+            <a:lnRef idx="2">
+              <a:schemeClr val="accent1">
+                <a:shade val="50000"/>
+              </a:schemeClr>
+            </a:lnRef>
+            <a:fillRef idx="1">
+              <a:schemeClr val="accent1"/>
+            </a:fillRef>
+            <a:effectRef idx="0">
+              <a:schemeClr val="accent1"/>
+            </a:effectRef>
+            <a:fontRef idx="minor">
+              <a:schemeClr val="lt1"/>
+            </a:fontRef>
+          </p:style>
+          <p:txBody>
+            <a:bodyPr vert="vert" rtlCol="0" anchor="ctr"/>
+            <a:lstStyle/>
+            <a:p>
+              <a:pPr algn="ctr"/>
+              <a:r>
+                <a:rPr lang="en-US" sz="2400">
+                  <a:latin typeface="Yanone Kaffeesatz Light" panose="02000000000000000000" pitchFamily="2" charset="0"/>
+                </a:rPr>
+                <a:t>Receiver1</a:t>
+              </a:r>
+              <a:endParaRPr lang="de-CH" sz="2400" dirty="0">
+                <a:latin typeface="Yanone Kaffeesatz Light" panose="02000000000000000000" pitchFamily="2" charset="0"/>
+              </a:endParaRPr>
+            </a:p>
+          </p:txBody>
+        </p:sp>
+        <p:sp>
+          <p:nvSpPr>
+            <p:cNvPr id="9" name="Rectangle 8"/>
+            <p:cNvSpPr/>
+            <p:nvPr/>
+          </p:nvSpPr>
+          <p:spPr>
+            <a:xfrm>
+              <a:off x="8172822" y="1248109"/>
+              <a:ext cx="1944303" cy="914400"/>
+            </a:xfrm>
+            <a:prstGeom prst="rect">
+              <a:avLst/>
+            </a:prstGeom>
+            <a:solidFill>
+              <a:schemeClr val="tx2"/>
+            </a:solidFill>
+            <a:ln>
+              <a:noFill/>
+            </a:ln>
+          </p:spPr>
+          <p:style>
+            <a:lnRef idx="2">
+              <a:schemeClr val="accent1">
+                <a:shade val="50000"/>
+              </a:schemeClr>
+            </a:lnRef>
+            <a:fillRef idx="1">
+              <a:schemeClr val="accent1"/>
+            </a:fillRef>
+            <a:effectRef idx="0">
+              <a:schemeClr val="accent1"/>
+            </a:effectRef>
+            <a:fontRef idx="minor">
+              <a:schemeClr val="lt1"/>
+            </a:fontRef>
+          </p:style>
+          <p:txBody>
+            <a:bodyPr rot="0" spcFirstLastPara="0" vertOverflow="overflow" horzOverflow="overflow" vert="horz" wrap="square" lIns="91440" tIns="45720" rIns="91440" bIns="45720" numCol="1" spcCol="0" rtlCol="0" fromWordArt="0" anchor="ctr" anchorCtr="0" forceAA="0" compatLnSpc="1">
+              <a:prstTxWarp prst="textNoShape">
+                <a:avLst/>
+              </a:prstTxWarp>
+              <a:noAutofit/>
+            </a:bodyPr>
+            <a:lstStyle/>
+            <a:p>
+              <a:pPr algn="ctr"/>
+              <a:r>
+                <a:rPr lang="en-US" sz="2400">
+                  <a:latin typeface="Yanone Kaffeesatz Light" panose="02000000000000000000" pitchFamily="2" charset="0"/>
+                </a:rPr>
+                <a:t>Receiver1</a:t>
+              </a:r>
+              <a:endParaRPr lang="de-CH" sz="2400" dirty="0">
+                <a:latin typeface="Yanone Kaffeesatz Light" panose="02000000000000000000" pitchFamily="2" charset="0"/>
+              </a:endParaRPr>
+            </a:p>
+          </p:txBody>
+        </p:sp>
+        <p:sp>
+          <p:nvSpPr>
+            <p:cNvPr id="11" name="Cylinder 10"/>
+            <p:cNvSpPr/>
+            <p:nvPr/>
+          </p:nvSpPr>
+          <p:spPr>
+            <a:xfrm rot="16200000">
+              <a:off x="6540508" y="2250849"/>
+              <a:ext cx="914400" cy="1460171"/>
+            </a:xfrm>
+            <a:prstGeom prst="can">
+              <a:avLst/>
+            </a:prstGeom>
+            <a:solidFill>
+              <a:schemeClr val="accent4"/>
+            </a:solidFill>
+            <a:ln>
+              <a:solidFill>
+                <a:schemeClr val="accent3"/>
+              </a:solidFill>
+            </a:ln>
+          </p:spPr>
+          <p:style>
+            <a:lnRef idx="2">
+              <a:schemeClr val="accent1">
+                <a:shade val="50000"/>
+              </a:schemeClr>
+            </a:lnRef>
+            <a:fillRef idx="1">
+              <a:schemeClr val="accent1"/>
+            </a:fillRef>
+            <a:effectRef idx="0">
+              <a:schemeClr val="accent1"/>
+            </a:effectRef>
+            <a:fontRef idx="minor">
+              <a:schemeClr val="lt1"/>
+            </a:fontRef>
+          </p:style>
+          <p:txBody>
+            <a:bodyPr vert="vert" rtlCol="0" anchor="ctr"/>
+            <a:lstStyle/>
+            <a:p>
+              <a:pPr algn="ctr"/>
+              <a:r>
+                <a:rPr lang="en-US" sz="2400">
+                  <a:latin typeface="Yanone Kaffeesatz Light" panose="02000000000000000000" pitchFamily="2" charset="0"/>
+                </a:rPr>
+                <a:t>Receiver2</a:t>
+              </a:r>
+              <a:endParaRPr lang="de-CH" sz="2400" dirty="0">
+                <a:latin typeface="Yanone Kaffeesatz Light" panose="02000000000000000000" pitchFamily="2" charset="0"/>
+              </a:endParaRPr>
+            </a:p>
+          </p:txBody>
+        </p:sp>
+        <p:sp>
+          <p:nvSpPr>
+            <p:cNvPr id="12" name="Cylinder 11"/>
+            <p:cNvSpPr/>
+            <p:nvPr/>
+          </p:nvSpPr>
+          <p:spPr>
+            <a:xfrm rot="16200000">
+              <a:off x="6540509" y="3526473"/>
+              <a:ext cx="914400" cy="1460171"/>
+            </a:xfrm>
+            <a:prstGeom prst="can">
+              <a:avLst/>
+            </a:prstGeom>
+            <a:solidFill>
+              <a:schemeClr val="tx2"/>
+            </a:solidFill>
+            <a:ln>
+              <a:solidFill>
+                <a:schemeClr val="accent3"/>
+              </a:solidFill>
+            </a:ln>
+          </p:spPr>
+          <p:style>
+            <a:lnRef idx="2">
+              <a:schemeClr val="accent1">
+                <a:shade val="50000"/>
+              </a:schemeClr>
+            </a:lnRef>
+            <a:fillRef idx="1">
+              <a:schemeClr val="accent1"/>
+            </a:fillRef>
+            <a:effectRef idx="0">
+              <a:schemeClr val="accent1"/>
+            </a:effectRef>
+            <a:fontRef idx="minor">
+              <a:schemeClr val="lt1"/>
+            </a:fontRef>
+          </p:style>
+          <p:txBody>
+            <a:bodyPr vert="vert" rtlCol="0" anchor="ctr"/>
+            <a:lstStyle/>
+            <a:p>
+              <a:pPr algn="ctr"/>
+              <a:r>
+                <a:rPr lang="en-US" sz="2400">
+                  <a:latin typeface="Yanone Kaffeesatz Light" panose="02000000000000000000" pitchFamily="2" charset="0"/>
+                </a:rPr>
+                <a:t>Receiver3</a:t>
+              </a:r>
+              <a:endParaRPr lang="de-CH" sz="2400" dirty="0">
+                <a:latin typeface="Yanone Kaffeesatz Light" panose="02000000000000000000" pitchFamily="2" charset="0"/>
+              </a:endParaRPr>
+            </a:p>
+          </p:txBody>
+        </p:sp>
+        <p:sp>
+          <p:nvSpPr>
+            <p:cNvPr id="13" name="Rectangle 12"/>
+            <p:cNvSpPr/>
+            <p:nvPr/>
+          </p:nvSpPr>
+          <p:spPr>
+            <a:xfrm>
+              <a:off x="8172822" y="2523733"/>
+              <a:ext cx="1944303" cy="914400"/>
+            </a:xfrm>
+            <a:prstGeom prst="rect">
+              <a:avLst/>
+            </a:prstGeom>
+            <a:solidFill>
+              <a:schemeClr val="tx2"/>
+            </a:solidFill>
+            <a:ln>
+              <a:noFill/>
+            </a:ln>
+          </p:spPr>
+          <p:style>
+            <a:lnRef idx="2">
+              <a:schemeClr val="accent1">
+                <a:shade val="50000"/>
+              </a:schemeClr>
+            </a:lnRef>
+            <a:fillRef idx="1">
+              <a:schemeClr val="accent1"/>
+            </a:fillRef>
+            <a:effectRef idx="0">
+              <a:schemeClr val="accent1"/>
+            </a:effectRef>
+            <a:fontRef idx="minor">
+              <a:schemeClr val="lt1"/>
+            </a:fontRef>
+          </p:style>
+          <p:txBody>
+            <a:bodyPr rot="0" spcFirstLastPara="0" vertOverflow="overflow" horzOverflow="overflow" vert="horz" wrap="square" lIns="91440" tIns="45720" rIns="91440" bIns="45720" numCol="1" spcCol="0" rtlCol="0" fromWordArt="0" anchor="ctr" anchorCtr="0" forceAA="0" compatLnSpc="1">
+              <a:prstTxWarp prst="textNoShape">
+                <a:avLst/>
+              </a:prstTxWarp>
+              <a:noAutofit/>
+            </a:bodyPr>
+            <a:lstStyle/>
+            <a:p>
+              <a:pPr algn="ctr"/>
+              <a:r>
+                <a:rPr lang="en-US" sz="2400">
+                  <a:latin typeface="Yanone Kaffeesatz Light" panose="02000000000000000000" pitchFamily="2" charset="0"/>
+                </a:rPr>
+                <a:t>Receiver2</a:t>
+              </a:r>
+              <a:endParaRPr lang="de-CH" sz="2400" dirty="0">
+                <a:latin typeface="Yanone Kaffeesatz Light" panose="02000000000000000000" pitchFamily="2" charset="0"/>
+              </a:endParaRPr>
+            </a:p>
+          </p:txBody>
+        </p:sp>
+        <p:sp>
+          <p:nvSpPr>
+            <p:cNvPr id="14" name="Rectangle 13"/>
+            <p:cNvSpPr/>
+            <p:nvPr/>
+          </p:nvSpPr>
+          <p:spPr>
+            <a:xfrm>
+              <a:off x="8172822" y="3799358"/>
+              <a:ext cx="1944303" cy="914400"/>
+            </a:xfrm>
+            <a:prstGeom prst="rect">
+              <a:avLst/>
+            </a:prstGeom>
+            <a:solidFill>
+              <a:schemeClr val="tx2"/>
+            </a:solidFill>
+            <a:ln>
+              <a:noFill/>
+            </a:ln>
+          </p:spPr>
+          <p:style>
+            <a:lnRef idx="2">
+              <a:schemeClr val="accent1">
+                <a:shade val="50000"/>
+              </a:schemeClr>
+            </a:lnRef>
+            <a:fillRef idx="1">
+              <a:schemeClr val="accent1"/>
+            </a:fillRef>
+            <a:effectRef idx="0">
+              <a:schemeClr val="accent1"/>
+            </a:effectRef>
+            <a:fontRef idx="minor">
+              <a:schemeClr val="lt1"/>
+            </a:fontRef>
+          </p:style>
+          <p:txBody>
+            <a:bodyPr rot="0" spcFirstLastPara="0" vertOverflow="overflow" horzOverflow="overflow" vert="horz" wrap="square" lIns="91440" tIns="45720" rIns="91440" bIns="45720" numCol="1" spcCol="0" rtlCol="0" fromWordArt="0" anchor="ctr" anchorCtr="0" forceAA="0" compatLnSpc="1">
+              <a:prstTxWarp prst="textNoShape">
+                <a:avLst/>
+              </a:prstTxWarp>
+              <a:noAutofit/>
+            </a:bodyPr>
+            <a:lstStyle/>
+            <a:p>
+              <a:pPr algn="ctr"/>
+              <a:r>
+                <a:rPr lang="en-US" sz="2400">
+                  <a:latin typeface="Yanone Kaffeesatz Light" panose="02000000000000000000" pitchFamily="2" charset="0"/>
+                </a:rPr>
+                <a:t>Receiver3</a:t>
+              </a:r>
+              <a:endParaRPr lang="de-CH" sz="2400" dirty="0">
+                <a:latin typeface="Yanone Kaffeesatz Light" panose="02000000000000000000" pitchFamily="2" charset="0"/>
+              </a:endParaRPr>
+            </a:p>
+          </p:txBody>
+        </p:sp>
+      </p:grpSp>
+      <p:sp>
+        <p:nvSpPr>
+          <p:cNvPr id="16" name="Rectangle 15"/>
+          <p:cNvSpPr/>
+          <p:nvPr/>
+        </p:nvSpPr>
+        <p:spPr>
+          <a:xfrm>
+            <a:off x="6462131" y="1087245"/>
+            <a:ext cx="4878660" cy="4716966"/>
+          </a:xfrm>
+          <a:prstGeom prst="rect">
+            <a:avLst/>
+          </a:prstGeom>
+          <a:noFill/>
+          <a:ln w="19050">
+            <a:solidFill>
+              <a:schemeClr val="accent3"/>
+            </a:solidFill>
+          </a:ln>
+        </p:spPr>
+        <p:style>
+          <a:lnRef idx="2">
+            <a:schemeClr val="accent1">
+              <a:shade val="50000"/>
+            </a:schemeClr>
+          </a:lnRef>
+          <a:fillRef idx="1">
+            <a:schemeClr val="accent1"/>
+          </a:fillRef>
+          <a:effectRef idx="0">
+            <a:schemeClr val="accent1"/>
+          </a:effectRef>
+          <a:fontRef idx="minor">
+            <a:schemeClr val="lt1"/>
+          </a:fontRef>
+        </p:style>
+        <p:txBody>
+          <a:bodyPr rtlCol="0" anchor="ctr"/>
+          <a:lstStyle/>
+          <a:p>
+            <a:pPr algn="ctr"/>
+            <a:endParaRPr lang="de-CH"/>
+          </a:p>
+        </p:txBody>
+      </p:sp>
+      <p:sp>
+        <p:nvSpPr>
+          <p:cNvPr id="17" name="TextBox 16"/>
+          <p:cNvSpPr txBox="1"/>
+          <p:nvPr/>
+        </p:nvSpPr>
+        <p:spPr>
+          <a:xfrm>
+            <a:off x="6462131" y="1081952"/>
+            <a:ext cx="1661032" cy="461665"/>
+          </a:xfrm>
+          <a:prstGeom prst="rect">
+            <a:avLst/>
+          </a:prstGeom>
+          <a:noFill/>
+        </p:spPr>
+        <p:txBody>
+          <a:bodyPr wrap="none" rtlCol="0">
+            <a:spAutoFit/>
+          </a:bodyPr>
+          <a:lstStyle/>
+          <a:p>
+            <a:r>
+              <a:rPr lang="en-US" sz="2400" dirty="0">
+                <a:solidFill>
+                  <a:schemeClr val="accent3"/>
+                </a:solidFill>
+                <a:latin typeface="Yanone Kaffeesatz Regular" panose="02000000000000000000" pitchFamily="2" charset="0"/>
+              </a:rPr>
+              <a:t>Logical Receiver</a:t>
+            </a:r>
+            <a:endParaRPr lang="de-CH" sz="2400" dirty="0">
+              <a:solidFill>
+                <a:schemeClr val="accent3"/>
+              </a:solidFill>
+              <a:latin typeface="Yanone Kaffeesatz Regular" panose="02000000000000000000" pitchFamily="2" charset="0"/>
+            </a:endParaRPr>
+          </a:p>
+        </p:txBody>
+      </p:sp>
+      <p:sp>
+        <p:nvSpPr>
+          <p:cNvPr id="20" name="Cylinder 19"/>
+          <p:cNvSpPr/>
+          <p:nvPr/>
+        </p:nvSpPr>
+        <p:spPr>
+          <a:xfrm rot="16200000">
+            <a:off x="4246265" y="1435271"/>
+            <a:ext cx="914400" cy="1460171"/>
+          </a:xfrm>
+          <a:prstGeom prst="can">
+            <a:avLst/>
+          </a:prstGeom>
+          <a:solidFill>
+            <a:schemeClr val="tx2"/>
+          </a:solidFill>
+          <a:ln>
+            <a:solidFill>
+              <a:schemeClr val="accent3"/>
+            </a:solidFill>
+          </a:ln>
+        </p:spPr>
+        <p:style>
+          <a:lnRef idx="2">
+            <a:schemeClr val="accent1">
+              <a:shade val="50000"/>
+            </a:schemeClr>
+          </a:lnRef>
+          <a:fillRef idx="1">
+            <a:schemeClr val="accent1"/>
+          </a:fillRef>
+          <a:effectRef idx="0">
+            <a:schemeClr val="accent1"/>
+          </a:effectRef>
+          <a:fontRef idx="minor">
+            <a:schemeClr val="lt1"/>
+          </a:fontRef>
+        </p:style>
+        <p:txBody>
+          <a:bodyPr vert="vert" rtlCol="0" anchor="ctr"/>
+          <a:lstStyle/>
+          <a:p>
+            <a:pPr algn="ctr"/>
+            <a:r>
+              <a:rPr lang="en-US" sz="2400" dirty="0">
+                <a:latin typeface="Yanone Kaffeesatz Light" panose="02000000000000000000" pitchFamily="2" charset="0"/>
+              </a:rPr>
+              <a:t>Sender1</a:t>
+            </a:r>
+            <a:endParaRPr lang="de-CH" sz="2400" dirty="0">
+              <a:latin typeface="Yanone Kaffeesatz Light" panose="02000000000000000000" pitchFamily="2" charset="0"/>
+            </a:endParaRPr>
+          </a:p>
+        </p:txBody>
+      </p:sp>
+      <p:sp>
+        <p:nvSpPr>
+          <p:cNvPr id="21" name="Rectangle 20"/>
+          <p:cNvSpPr/>
+          <p:nvPr/>
+        </p:nvSpPr>
+        <p:spPr>
+          <a:xfrm>
+            <a:off x="1508066" y="1708157"/>
+            <a:ext cx="1944303" cy="914400"/>
+          </a:xfrm>
+          <a:prstGeom prst="rect">
+            <a:avLst/>
+          </a:prstGeom>
+          <a:solidFill>
+            <a:schemeClr val="tx2"/>
+          </a:solidFill>
+          <a:ln>
+            <a:noFill/>
+          </a:ln>
+        </p:spPr>
+        <p:style>
+          <a:lnRef idx="2">
+            <a:schemeClr val="accent1">
+              <a:shade val="50000"/>
+            </a:schemeClr>
+          </a:lnRef>
+          <a:fillRef idx="1">
+            <a:schemeClr val="accent1"/>
+          </a:fillRef>
+          <a:effectRef idx="0">
+            <a:schemeClr val="accent1"/>
+          </a:effectRef>
+          <a:fontRef idx="minor">
+            <a:schemeClr val="lt1"/>
+          </a:fontRef>
+        </p:style>
+        <p:txBody>
+          <a:bodyPr rot="0" spcFirstLastPara="0" vertOverflow="overflow" horzOverflow="overflow" vert="horz" wrap="square" lIns="91440" tIns="45720" rIns="91440" bIns="45720" numCol="1" spcCol="0" rtlCol="0" fromWordArt="0" anchor="ctr" anchorCtr="0" forceAA="0" compatLnSpc="1">
+            <a:prstTxWarp prst="textNoShape">
+              <a:avLst/>
+            </a:prstTxWarp>
+            <a:noAutofit/>
+          </a:bodyPr>
+          <a:lstStyle/>
+          <a:p>
+            <a:pPr algn="ctr"/>
+            <a:r>
+              <a:rPr lang="en-US" sz="2400" dirty="0">
+                <a:latin typeface="Yanone Kaffeesatz Light" panose="02000000000000000000" pitchFamily="2" charset="0"/>
+              </a:rPr>
+              <a:t>Sender1</a:t>
+            </a:r>
+            <a:endParaRPr lang="de-CH" sz="2400" dirty="0">
+              <a:latin typeface="Yanone Kaffeesatz Light" panose="02000000000000000000" pitchFamily="2" charset="0"/>
+            </a:endParaRPr>
+          </a:p>
+        </p:txBody>
+      </p:sp>
+      <p:sp>
+        <p:nvSpPr>
+          <p:cNvPr id="23" name="Cylinder 22"/>
+          <p:cNvSpPr/>
+          <p:nvPr/>
+        </p:nvSpPr>
+        <p:spPr>
+          <a:xfrm rot="16200000">
+            <a:off x="4246263" y="2710896"/>
+            <a:ext cx="914400" cy="1460171"/>
+          </a:xfrm>
+          <a:prstGeom prst="can">
+            <a:avLst/>
+          </a:prstGeom>
+          <a:solidFill>
+            <a:schemeClr val="accent4"/>
+          </a:solidFill>
+          <a:ln>
+            <a:solidFill>
+              <a:schemeClr val="accent3"/>
+            </a:solidFill>
+          </a:ln>
+        </p:spPr>
+        <p:style>
+          <a:lnRef idx="2">
+            <a:schemeClr val="accent1">
+              <a:shade val="50000"/>
+            </a:schemeClr>
+          </a:lnRef>
+          <a:fillRef idx="1">
+            <a:schemeClr val="accent1"/>
+          </a:fillRef>
+          <a:effectRef idx="0">
+            <a:schemeClr val="accent1"/>
+          </a:effectRef>
+          <a:fontRef idx="minor">
+            <a:schemeClr val="lt1"/>
+          </a:fontRef>
+        </p:style>
+        <p:txBody>
+          <a:bodyPr vert="vert" rtlCol="0" anchor="ctr"/>
+          <a:lstStyle/>
+          <a:p>
+            <a:pPr algn="ctr"/>
+            <a:r>
+              <a:rPr lang="en-US" sz="2400" dirty="0">
+                <a:latin typeface="Yanone Kaffeesatz Light" panose="02000000000000000000" pitchFamily="2" charset="0"/>
+              </a:rPr>
+              <a:t>Sender2</a:t>
+            </a:r>
+            <a:endParaRPr lang="de-CH" sz="2400" dirty="0">
+              <a:latin typeface="Yanone Kaffeesatz Light" panose="02000000000000000000" pitchFamily="2" charset="0"/>
+            </a:endParaRPr>
+          </a:p>
+        </p:txBody>
+      </p:sp>
+      <p:sp>
+        <p:nvSpPr>
+          <p:cNvPr id="24" name="Cylinder 23"/>
+          <p:cNvSpPr/>
+          <p:nvPr/>
+        </p:nvSpPr>
+        <p:spPr>
+          <a:xfrm rot="16200000">
+            <a:off x="4246264" y="3986520"/>
+            <a:ext cx="914400" cy="1460171"/>
+          </a:xfrm>
+          <a:prstGeom prst="can">
+            <a:avLst/>
+          </a:prstGeom>
+          <a:solidFill>
+            <a:schemeClr val="tx2"/>
+          </a:solidFill>
+          <a:ln>
+            <a:solidFill>
+              <a:schemeClr val="accent3"/>
+            </a:solidFill>
+          </a:ln>
+        </p:spPr>
+        <p:style>
+          <a:lnRef idx="2">
+            <a:schemeClr val="accent1">
+              <a:shade val="50000"/>
+            </a:schemeClr>
+          </a:lnRef>
+          <a:fillRef idx="1">
+            <a:schemeClr val="accent1"/>
+          </a:fillRef>
+          <a:effectRef idx="0">
+            <a:schemeClr val="accent1"/>
+          </a:effectRef>
+          <a:fontRef idx="minor">
+            <a:schemeClr val="lt1"/>
+          </a:fontRef>
+        </p:style>
+        <p:txBody>
+          <a:bodyPr vert="vert" rtlCol="0" anchor="ctr"/>
+          <a:lstStyle/>
+          <a:p>
+            <a:pPr algn="ctr"/>
+            <a:r>
+              <a:rPr lang="en-US" sz="2400" dirty="0">
+                <a:latin typeface="Yanone Kaffeesatz Light" panose="02000000000000000000" pitchFamily="2" charset="0"/>
+              </a:rPr>
+              <a:t>Sender3</a:t>
+            </a:r>
+            <a:endParaRPr lang="de-CH" sz="2400" dirty="0">
+              <a:latin typeface="Yanone Kaffeesatz Light" panose="02000000000000000000" pitchFamily="2" charset="0"/>
+            </a:endParaRPr>
+          </a:p>
+        </p:txBody>
+      </p:sp>
+      <p:sp>
+        <p:nvSpPr>
+          <p:cNvPr id="26" name="Rectangle 25"/>
+          <p:cNvSpPr/>
+          <p:nvPr/>
+        </p:nvSpPr>
+        <p:spPr>
+          <a:xfrm>
+            <a:off x="1508066" y="2983781"/>
+            <a:ext cx="1944303" cy="914400"/>
+          </a:xfrm>
+          <a:prstGeom prst="rect">
+            <a:avLst/>
+          </a:prstGeom>
+          <a:solidFill>
+            <a:schemeClr val="tx2"/>
+          </a:solidFill>
+          <a:ln>
+            <a:noFill/>
+          </a:ln>
+        </p:spPr>
+        <p:style>
+          <a:lnRef idx="2">
+            <a:schemeClr val="accent1">
+              <a:shade val="50000"/>
+            </a:schemeClr>
+          </a:lnRef>
+          <a:fillRef idx="1">
+            <a:schemeClr val="accent1"/>
+          </a:fillRef>
+          <a:effectRef idx="0">
+            <a:schemeClr val="accent1"/>
+          </a:effectRef>
+          <a:fontRef idx="minor">
+            <a:schemeClr val="lt1"/>
+          </a:fontRef>
+        </p:style>
+        <p:txBody>
+          <a:bodyPr rot="0" spcFirstLastPara="0" vertOverflow="overflow" horzOverflow="overflow" vert="horz" wrap="square" lIns="91440" tIns="45720" rIns="91440" bIns="45720" numCol="1" spcCol="0" rtlCol="0" fromWordArt="0" anchor="ctr" anchorCtr="0" forceAA="0" compatLnSpc="1">
+            <a:prstTxWarp prst="textNoShape">
+              <a:avLst/>
+            </a:prstTxWarp>
+            <a:noAutofit/>
+          </a:bodyPr>
+          <a:lstStyle/>
+          <a:p>
+            <a:pPr algn="ctr"/>
+            <a:r>
+              <a:rPr lang="en-US" sz="2400" dirty="0">
+                <a:latin typeface="Yanone Kaffeesatz Light" panose="02000000000000000000" pitchFamily="2" charset="0"/>
+              </a:rPr>
+              <a:t>Sender2</a:t>
+            </a:r>
+            <a:endParaRPr lang="de-CH" sz="2400" dirty="0">
+              <a:latin typeface="Yanone Kaffeesatz Light" panose="02000000000000000000" pitchFamily="2" charset="0"/>
+            </a:endParaRPr>
+          </a:p>
+        </p:txBody>
+      </p:sp>
+      <p:sp>
+        <p:nvSpPr>
+          <p:cNvPr id="27" name="Rectangle 26"/>
+          <p:cNvSpPr/>
+          <p:nvPr/>
+        </p:nvSpPr>
+        <p:spPr>
+          <a:xfrm>
+            <a:off x="1508066" y="4259406"/>
+            <a:ext cx="1944303" cy="914400"/>
+          </a:xfrm>
+          <a:prstGeom prst="rect">
+            <a:avLst/>
+          </a:prstGeom>
+          <a:solidFill>
+            <a:schemeClr val="tx2"/>
+          </a:solidFill>
+          <a:ln>
+            <a:noFill/>
+          </a:ln>
+        </p:spPr>
+        <p:style>
+          <a:lnRef idx="2">
+            <a:schemeClr val="accent1">
+              <a:shade val="50000"/>
+            </a:schemeClr>
+          </a:lnRef>
+          <a:fillRef idx="1">
+            <a:schemeClr val="accent1"/>
+          </a:fillRef>
+          <a:effectRef idx="0">
+            <a:schemeClr val="accent1"/>
+          </a:effectRef>
+          <a:fontRef idx="minor">
+            <a:schemeClr val="lt1"/>
+          </a:fontRef>
+        </p:style>
+        <p:txBody>
+          <a:bodyPr rot="0" spcFirstLastPara="0" vertOverflow="overflow" horzOverflow="overflow" vert="horz" wrap="square" lIns="91440" tIns="45720" rIns="91440" bIns="45720" numCol="1" spcCol="0" rtlCol="0" fromWordArt="0" anchor="ctr" anchorCtr="0" forceAA="0" compatLnSpc="1">
+            <a:prstTxWarp prst="textNoShape">
+              <a:avLst/>
+            </a:prstTxWarp>
+            <a:noAutofit/>
+          </a:bodyPr>
+          <a:lstStyle/>
+          <a:p>
+            <a:pPr algn="ctr"/>
+            <a:r>
+              <a:rPr lang="en-US" sz="2400" dirty="0">
+                <a:latin typeface="Yanone Kaffeesatz Light" panose="02000000000000000000" pitchFamily="2" charset="0"/>
+              </a:rPr>
+              <a:t>Sender3</a:t>
+            </a:r>
+            <a:endParaRPr lang="de-CH" sz="2400" dirty="0">
+              <a:latin typeface="Yanone Kaffeesatz Light" panose="02000000000000000000" pitchFamily="2" charset="0"/>
+            </a:endParaRPr>
+          </a:p>
+        </p:txBody>
+      </p:sp>
+      <p:sp>
+        <p:nvSpPr>
+          <p:cNvPr id="28" name="Rectangle 27"/>
+          <p:cNvSpPr/>
+          <p:nvPr/>
+        </p:nvSpPr>
+        <p:spPr>
+          <a:xfrm>
+            <a:off x="1062463" y="1087245"/>
+            <a:ext cx="4878660" cy="4716966"/>
+          </a:xfrm>
+          <a:prstGeom prst="rect">
+            <a:avLst/>
+          </a:prstGeom>
+          <a:noFill/>
+          <a:ln w="19050">
+            <a:solidFill>
+              <a:schemeClr val="accent3"/>
+            </a:solidFill>
+          </a:ln>
+        </p:spPr>
+        <p:style>
+          <a:lnRef idx="2">
+            <a:schemeClr val="accent1">
+              <a:shade val="50000"/>
+            </a:schemeClr>
+          </a:lnRef>
+          <a:fillRef idx="1">
+            <a:schemeClr val="accent1"/>
+          </a:fillRef>
+          <a:effectRef idx="0">
+            <a:schemeClr val="accent1"/>
+          </a:effectRef>
+          <a:fontRef idx="minor">
+            <a:schemeClr val="lt1"/>
+          </a:fontRef>
+        </p:style>
+        <p:txBody>
+          <a:bodyPr rtlCol="0" anchor="ctr"/>
+          <a:lstStyle/>
+          <a:p>
+            <a:pPr algn="ctr"/>
+            <a:endParaRPr lang="de-CH"/>
+          </a:p>
+        </p:txBody>
+      </p:sp>
+      <p:sp>
+        <p:nvSpPr>
+          <p:cNvPr id="29" name="TextBox 28"/>
+          <p:cNvSpPr txBox="1"/>
+          <p:nvPr/>
+        </p:nvSpPr>
+        <p:spPr>
+          <a:xfrm>
+            <a:off x="1062463" y="1081952"/>
+            <a:ext cx="1524776" cy="461665"/>
+          </a:xfrm>
+          <a:prstGeom prst="rect">
+            <a:avLst/>
+          </a:prstGeom>
+          <a:noFill/>
+        </p:spPr>
+        <p:txBody>
+          <a:bodyPr wrap="none" rtlCol="0">
+            <a:spAutoFit/>
+          </a:bodyPr>
+          <a:lstStyle/>
+          <a:p>
+            <a:r>
+              <a:rPr lang="en-US" sz="2400" dirty="0">
+                <a:solidFill>
+                  <a:schemeClr val="accent3"/>
+                </a:solidFill>
+                <a:latin typeface="Yanone Kaffeesatz Regular" panose="02000000000000000000" pitchFamily="2" charset="0"/>
+              </a:rPr>
+              <a:t>Logical Sender</a:t>
+            </a:r>
+            <a:endParaRPr lang="de-CH" sz="2400" dirty="0">
+              <a:solidFill>
+                <a:schemeClr val="accent3"/>
+              </a:solidFill>
+              <a:latin typeface="Yanone Kaffeesatz Regular" panose="02000000000000000000" pitchFamily="2" charset="0"/>
+            </a:endParaRPr>
+          </a:p>
+        </p:txBody>
+      </p:sp>
+      <p:sp>
+        <p:nvSpPr>
+          <p:cNvPr id="31" name="Flowchart: Card 30"/>
+          <p:cNvSpPr/>
+          <p:nvPr/>
+        </p:nvSpPr>
+        <p:spPr>
+          <a:xfrm>
+            <a:off x="3068483" y="2775868"/>
+            <a:ext cx="767772" cy="560367"/>
+          </a:xfrm>
+          <a:prstGeom prst="flowChartPunchedCard">
+            <a:avLst/>
+          </a:prstGeom>
+          <a:solidFill>
+            <a:schemeClr val="accent4"/>
+          </a:solidFill>
+          <a:ln>
+            <a:noFill/>
+          </a:ln>
+        </p:spPr>
+        <p:style>
+          <a:lnRef idx="2">
+            <a:schemeClr val="accent1">
+              <a:shade val="50000"/>
+            </a:schemeClr>
+          </a:lnRef>
+          <a:fillRef idx="1">
+            <a:schemeClr val="accent1"/>
+          </a:fillRef>
+          <a:effectRef idx="0">
+            <a:schemeClr val="accent1"/>
+          </a:effectRef>
+          <a:fontRef idx="minor">
+            <a:schemeClr val="lt1"/>
+          </a:fontRef>
+        </p:style>
+        <p:txBody>
+          <a:bodyPr rtlCol="0" anchor="ctr"/>
+          <a:lstStyle/>
+          <a:p>
+            <a:pPr algn="ctr"/>
+            <a:r>
+              <a:rPr lang="en-US" sz="2400" dirty="0" err="1">
+                <a:latin typeface="Yanone Kaffeesatz Light" panose="02000000000000000000" pitchFamily="2" charset="0"/>
+              </a:rPr>
+              <a:t>Cmd</a:t>
+            </a:r>
+            <a:endParaRPr lang="de-CH" sz="2400" dirty="0">
+              <a:latin typeface="Yanone Kaffeesatz Light" panose="02000000000000000000" pitchFamily="2" charset="0"/>
+            </a:endParaRPr>
+          </a:p>
+        </p:txBody>
+      </p:sp>
+      <p:cxnSp>
+        <p:nvCxnSpPr>
+          <p:cNvPr id="42" name="Connector: Elbow 41"/>
+          <p:cNvCxnSpPr>
+            <a:stCxn id="31" idx="0"/>
+            <a:endCxn id="11" idx="4"/>
+          </p:cNvCxnSpPr>
+          <p:nvPr/>
+        </p:nvCxnSpPr>
+        <p:spPr>
+          <a:xfrm rot="16200000" flipH="1">
+            <a:off x="5473251" y="754985"/>
+            <a:ext cx="212661" cy="4254427"/>
+          </a:xfrm>
+          <a:prstGeom prst="bentConnector3">
+            <a:avLst>
+              <a:gd name="adj1" fmla="val -38807"/>
+            </a:avLst>
+          </a:prstGeom>
+          <a:ln w="19050">
+            <a:solidFill>
+              <a:schemeClr val="accent4"/>
+            </a:solidFill>
+            <a:tailEnd type="triangle"/>
+          </a:ln>
+        </p:spPr>
+        <p:style>
+          <a:lnRef idx="1">
+            <a:schemeClr val="accent1"/>
+          </a:lnRef>
+          <a:fillRef idx="0">
+            <a:schemeClr val="accent1"/>
+          </a:fillRef>
+          <a:effectRef idx="0">
+            <a:schemeClr val="accent1"/>
+          </a:effectRef>
+          <a:fontRef idx="minor">
+            <a:schemeClr val="tx1"/>
+          </a:fontRef>
+        </p:style>
+      </p:cxnSp>
+      <p:cxnSp>
+        <p:nvCxnSpPr>
+          <p:cNvPr id="44" name="Straight Arrow Connector 43"/>
+          <p:cNvCxnSpPr>
+            <a:cxnSpLocks/>
+            <a:stCxn id="13" idx="1"/>
+            <a:endCxn id="11" idx="3"/>
+          </p:cNvCxnSpPr>
+          <p:nvPr/>
+        </p:nvCxnSpPr>
+        <p:spPr>
+          <a:xfrm flipH="1">
+            <a:off x="8436881" y="3445727"/>
+            <a:ext cx="445028" cy="1"/>
+          </a:xfrm>
+          <a:prstGeom prst="straightConnector1">
+            <a:avLst/>
+          </a:prstGeom>
+          <a:ln w="19050">
+            <a:solidFill>
+              <a:schemeClr val="accent4"/>
+            </a:solidFill>
+            <a:tailEnd type="triangle"/>
+          </a:ln>
+        </p:spPr>
+        <p:style>
+          <a:lnRef idx="1">
+            <a:schemeClr val="accent1"/>
+          </a:lnRef>
+          <a:fillRef idx="0">
+            <a:schemeClr val="accent1"/>
+          </a:fillRef>
+          <a:effectRef idx="0">
+            <a:schemeClr val="accent1"/>
+          </a:effectRef>
+          <a:fontRef idx="minor">
+            <a:schemeClr val="tx1"/>
+          </a:fontRef>
+        </p:style>
+      </p:cxnSp>
+      <p:cxnSp>
+        <p:nvCxnSpPr>
+          <p:cNvPr id="47" name="Connector: Elbow 46"/>
+          <p:cNvCxnSpPr>
+            <a:cxnSpLocks/>
+            <a:stCxn id="13" idx="2"/>
+            <a:endCxn id="23" idx="2"/>
+          </p:cNvCxnSpPr>
+          <p:nvPr/>
+        </p:nvCxnSpPr>
+        <p:spPr>
+          <a:xfrm rot="5400000" flipH="1">
+            <a:off x="7276390" y="1325257"/>
+            <a:ext cx="4745" cy="5150597"/>
+          </a:xfrm>
+          <a:prstGeom prst="bentConnector3">
+            <a:avLst>
+              <a:gd name="adj1" fmla="val -5180991"/>
+            </a:avLst>
+          </a:prstGeom>
+          <a:ln w="19050">
+            <a:solidFill>
+              <a:schemeClr val="accent4"/>
+            </a:solidFill>
+            <a:tailEnd type="triangle"/>
+          </a:ln>
+        </p:spPr>
+        <p:style>
+          <a:lnRef idx="1">
+            <a:schemeClr val="accent1"/>
+          </a:lnRef>
+          <a:fillRef idx="0">
+            <a:schemeClr val="accent1"/>
+          </a:fillRef>
+          <a:effectRef idx="0">
+            <a:schemeClr val="accent1"/>
+          </a:effectRef>
+          <a:fontRef idx="minor">
+            <a:schemeClr val="tx1"/>
+          </a:fontRef>
+        </p:style>
+      </p:cxnSp>
+      <p:sp>
+        <p:nvSpPr>
+          <p:cNvPr id="51" name="Flowchart: Card 50"/>
+          <p:cNvSpPr/>
+          <p:nvPr/>
+        </p:nvSpPr>
+        <p:spPr>
+          <a:xfrm>
+            <a:off x="10315730" y="3622744"/>
+            <a:ext cx="767772" cy="560367"/>
+          </a:xfrm>
+          <a:prstGeom prst="flowChartPunchedCard">
+            <a:avLst/>
+          </a:prstGeom>
+          <a:solidFill>
+            <a:schemeClr val="accent4"/>
+          </a:solidFill>
+          <a:ln>
+            <a:noFill/>
+          </a:ln>
+        </p:spPr>
+        <p:style>
+          <a:lnRef idx="2">
+            <a:schemeClr val="accent1">
+              <a:shade val="50000"/>
+            </a:schemeClr>
+          </a:lnRef>
+          <a:fillRef idx="1">
+            <a:schemeClr val="accent1"/>
+          </a:fillRef>
+          <a:effectRef idx="0">
+            <a:schemeClr val="accent1"/>
+          </a:effectRef>
+          <a:fontRef idx="minor">
+            <a:schemeClr val="lt1"/>
+          </a:fontRef>
+        </p:style>
+        <p:txBody>
+          <a:bodyPr rtlCol="0" anchor="ctr"/>
+          <a:lstStyle/>
+          <a:p>
+            <a:pPr algn="ctr"/>
+            <a:r>
+              <a:rPr lang="en-US" sz="2400" dirty="0" err="1">
+                <a:latin typeface="Yanone Kaffeesatz Light" panose="02000000000000000000" pitchFamily="2" charset="0"/>
+              </a:rPr>
+              <a:t>Rpl</a:t>
+            </a:r>
+            <a:endParaRPr lang="de-CH" sz="2400" dirty="0">
+              <a:latin typeface="Yanone Kaffeesatz Light" panose="02000000000000000000" pitchFamily="2" charset="0"/>
+            </a:endParaRPr>
+          </a:p>
+        </p:txBody>
+      </p:sp>
+    </p:spTree>
+    <p:extLst>
+      <p:ext uri="{BB962C8B-B14F-4D97-AF65-F5344CB8AC3E}">
+        <p14:creationId xmlns:p14="http://schemas.microsoft.com/office/powerpoint/2010/main" val="4268951436"/>
+      </p:ext>
+    </p:extLst>
+  </p:cSld>
+  <p:clrMapOvr>
+    <a:masterClrMapping/>
+  </p:clrMapOvr>
+</p:sld>
+</file>
+
+<file path=ppt/slides/slide32.xml><?xml version="1.0" encoding="utf-8"?>
+<p:sld xmlns:a="http://schemas.openxmlformats.org/drawingml/2006/main" xmlns:r="http://schemas.openxmlformats.org/officeDocument/2006/relationships" xmlns:p="http://schemas.openxmlformats.org/presentationml/2006/main">
+  <p:cSld>
+    <p:spTree>
+      <p:nvGrpSpPr>
+        <p:cNvPr id="1" name=""/>
+        <p:cNvGrpSpPr/>
+        <p:nvPr/>
+      </p:nvGrpSpPr>
+      <p:grpSpPr>
+        <a:xfrm>
+          <a:off x="0" y="0"/>
+          <a:ext cx="0" cy="0"/>
+          <a:chOff x="0" y="0"/>
+          <a:chExt cx="0" cy="0"/>
+        </a:xfrm>
+      </p:grpSpPr>
+      <p:sp>
+        <p:nvSpPr>
+          <p:cNvPr id="2" name="Rectangle 1"/>
+          <p:cNvSpPr/>
+          <p:nvPr/>
+        </p:nvSpPr>
+        <p:spPr>
+          <a:xfrm>
+            <a:off x="3858849" y="1851645"/>
+            <a:ext cx="4485523" cy="3154710"/>
+          </a:xfrm>
+          <a:prstGeom prst="rect">
+            <a:avLst/>
+          </a:prstGeom>
+        </p:spPr>
+        <p:txBody>
+          <a:bodyPr wrap="none">
+            <a:spAutoFit/>
+          </a:bodyPr>
+          <a:lstStyle/>
+          <a:p>
+            <a:r>
+              <a:rPr lang="en-US" sz="19900" dirty="0">
+                <a:solidFill>
+                  <a:schemeClr val="accent2"/>
+                </a:solidFill>
+                <a:latin typeface="Yanone Kaffeesatz Regular" panose="02000000000000000000" pitchFamily="2" charset="0"/>
+              </a:rPr>
+              <a:t>Demo</a:t>
+            </a:r>
+            <a:endParaRPr lang="de-CH" sz="2000" dirty="0"/>
+          </a:p>
+        </p:txBody>
+      </p:sp>
+    </p:spTree>
+    <p:extLst>
+      <p:ext uri="{BB962C8B-B14F-4D97-AF65-F5344CB8AC3E}">
+        <p14:creationId xmlns:p14="http://schemas.microsoft.com/office/powerpoint/2010/main" val="1485510424"/>
+      </p:ext>
+    </p:extLst>
+  </p:cSld>
+  <p:clrMapOvr>
+    <a:masterClrMapping/>
+  </p:clrMapOvr>
+</p:sld>
+</file>
+
+<file path=ppt/slides/slide33.xml><?xml version="1.0" encoding="utf-8"?>
+<p:sld xmlns:a="http://schemas.openxmlformats.org/drawingml/2006/main" xmlns:r="http://schemas.openxmlformats.org/officeDocument/2006/relationships" xmlns:p="http://schemas.openxmlformats.org/presentationml/2006/main">
+  <p:cSld>
+    <p:spTree>
+      <p:nvGrpSpPr>
+        <p:cNvPr id="1" name=""/>
+        <p:cNvGrpSpPr/>
+        <p:nvPr/>
+      </p:nvGrpSpPr>
+      <p:grpSpPr>
+        <a:xfrm>
+          <a:off x="0" y="0"/>
+          <a:ext cx="0" cy="0"/>
+          <a:chOff x="0" y="0"/>
+          <a:chExt cx="0" cy="0"/>
+        </a:xfrm>
+      </p:grpSpPr>
+      <p:sp>
+        <p:nvSpPr>
+          <p:cNvPr id="5" name="Rectangle 4"/>
+          <p:cNvSpPr/>
+          <p:nvPr/>
+        </p:nvSpPr>
+        <p:spPr>
+          <a:xfrm>
+            <a:off x="0" y="1952437"/>
+            <a:ext cx="4999912" cy="2646878"/>
+          </a:xfrm>
+          <a:prstGeom prst="rect">
+            <a:avLst/>
+          </a:prstGeom>
+        </p:spPr>
+        <p:txBody>
+          <a:bodyPr wrap="square">
+            <a:spAutoFit/>
+          </a:bodyPr>
+          <a:lstStyle/>
+          <a:p>
+            <a:pPr algn="ctr"/>
+            <a:r>
+              <a:rPr lang="en-US" sz="16600" dirty="0">
+                <a:solidFill>
+                  <a:schemeClr val="accent2"/>
+                </a:solidFill>
+                <a:latin typeface="Yanone Kaffeesatz Regular" panose="02000000000000000000" pitchFamily="2" charset="0"/>
+              </a:rPr>
+              <a:t>Recap</a:t>
+            </a:r>
+            <a:endParaRPr lang="de-CH" dirty="0"/>
+          </a:p>
+        </p:txBody>
+      </p:sp>
+      <p:sp>
+        <p:nvSpPr>
+          <p:cNvPr id="7" name="Rectangle 6"/>
+          <p:cNvSpPr/>
+          <p:nvPr/>
+        </p:nvSpPr>
+        <p:spPr>
+          <a:xfrm>
+            <a:off x="1" y="4399885"/>
+            <a:ext cx="6494332" cy="1200329"/>
+          </a:xfrm>
+          <a:prstGeom prst="rect">
+            <a:avLst/>
+          </a:prstGeom>
+        </p:spPr>
+        <p:txBody>
+          <a:bodyPr wrap="square">
+            <a:spAutoFit/>
+          </a:bodyPr>
+          <a:lstStyle/>
+          <a:p>
+            <a:pPr algn="ctr"/>
+            <a:r>
+              <a:rPr lang="en-US" sz="7200" dirty="0">
+                <a:solidFill>
+                  <a:schemeClr val="accent3"/>
+                </a:solidFill>
+                <a:latin typeface="Yanone Kaffeesatz Regular" panose="02000000000000000000" pitchFamily="2" charset="0"/>
+              </a:rPr>
+              <a:t>reminder</a:t>
+            </a:r>
+          </a:p>
+        </p:txBody>
+      </p:sp>
+    </p:spTree>
+    <p:extLst>
+      <p:ext uri="{BB962C8B-B14F-4D97-AF65-F5344CB8AC3E}">
+        <p14:creationId xmlns:p14="http://schemas.microsoft.com/office/powerpoint/2010/main" val="2436182924"/>
+      </p:ext>
+    </p:extLst>
+  </p:cSld>
+  <p:clrMapOvr>
+    <a:masterClrMapping/>
+  </p:clrMapOvr>
+</p:sld>
+</file>
+
+<file path=ppt/slides/slide34.xml><?xml version="1.0" encoding="utf-8"?>
+<p:sld xmlns:a="http://schemas.openxmlformats.org/drawingml/2006/main" xmlns:r="http://schemas.openxmlformats.org/officeDocument/2006/relationships" xmlns:p="http://schemas.openxmlformats.org/presentationml/2006/main">
+  <p:cSld>
+    <p:spTree>
+      <p:nvGrpSpPr>
+        <p:cNvPr id="1" name=""/>
+        <p:cNvGrpSpPr/>
+        <p:nvPr/>
+      </p:nvGrpSpPr>
+      <p:grpSpPr>
+        <a:xfrm>
+          <a:off x="0" y="0"/>
+          <a:ext cx="0" cy="0"/>
+          <a:chOff x="0" y="0"/>
+          <a:chExt cx="0" cy="0"/>
+        </a:xfrm>
+      </p:grpSpPr>
+      <p:sp>
+        <p:nvSpPr>
+          <p:cNvPr id="2" name="Rectangle 1"/>
+          <p:cNvSpPr/>
+          <p:nvPr/>
+        </p:nvSpPr>
+        <p:spPr>
+          <a:xfrm>
+            <a:off x="1064014" y="3127733"/>
+            <a:ext cx="9860392" cy="923330"/>
+          </a:xfrm>
+          <a:prstGeom prst="rect">
+            <a:avLst/>
+          </a:prstGeom>
+        </p:spPr>
+        <p:txBody>
+          <a:bodyPr wrap="none">
+            <a:spAutoFit/>
+          </a:bodyPr>
+          <a:lstStyle/>
+          <a:p>
+            <a:r>
+              <a:rPr lang="en-US" sz="3600" dirty="0">
+                <a:solidFill>
+                  <a:schemeClr val="tx2"/>
+                </a:solidFill>
+                <a:latin typeface="Yanone Kaffeesatz Regular" panose="02000000000000000000" pitchFamily="2" charset="0"/>
+              </a:rPr>
+              <a:t>github.com/danielmarbach/</a:t>
+            </a:r>
+            <a:r>
+              <a:rPr lang="en-US" sz="5400" dirty="0" err="1">
+                <a:solidFill>
+                  <a:schemeClr val="accent4"/>
+                </a:solidFill>
+                <a:latin typeface="Yanone Kaffeesatz Regular" panose="02000000000000000000" pitchFamily="2" charset="0"/>
+              </a:rPr>
+              <a:t>Microservices.ServiceFabric</a:t>
+            </a:r>
+            <a:endParaRPr lang="de-CH" sz="5400" dirty="0">
+              <a:solidFill>
+                <a:schemeClr val="accent4"/>
+              </a:solidFill>
+              <a:latin typeface="Yanone Kaffeesatz Regular" panose="02000000000000000000" pitchFamily="2" charset="0"/>
+            </a:endParaRPr>
+          </a:p>
+        </p:txBody>
+      </p:sp>
+      <p:sp>
+        <p:nvSpPr>
+          <p:cNvPr id="4" name="Rectangle 3"/>
+          <p:cNvSpPr/>
+          <p:nvPr/>
+        </p:nvSpPr>
+        <p:spPr>
+          <a:xfrm>
+            <a:off x="1064014" y="1124536"/>
+            <a:ext cx="6463629" cy="1862048"/>
+          </a:xfrm>
+          <a:prstGeom prst="rect">
+            <a:avLst/>
+          </a:prstGeom>
+        </p:spPr>
+        <p:txBody>
+          <a:bodyPr wrap="none">
+            <a:spAutoFit/>
+          </a:bodyPr>
+          <a:lstStyle/>
+          <a:p>
+            <a:r>
+              <a:rPr lang="en-US" sz="11500" dirty="0">
+                <a:solidFill>
+                  <a:schemeClr val="accent2"/>
+                </a:solidFill>
+                <a:latin typeface="Yanone Kaffeesatz Regular" panose="02000000000000000000" pitchFamily="2" charset="0"/>
+              </a:rPr>
+              <a:t>Slides, Links…</a:t>
+            </a:r>
+            <a:endParaRPr lang="de-CH" sz="1400" dirty="0"/>
+          </a:p>
+        </p:txBody>
+      </p:sp>
+    </p:spTree>
+    <p:extLst>
+      <p:ext uri="{BB962C8B-B14F-4D97-AF65-F5344CB8AC3E}">
+        <p14:creationId xmlns:p14="http://schemas.microsoft.com/office/powerpoint/2010/main" val="1581449120"/>
+      </p:ext>
+    </p:extLst>
+  </p:cSld>
+  <p:clrMapOvr>
+    <a:masterClrMapping/>
+  </p:clrMapOvr>
+</p:sld>
+</file>
+
+<file path=ppt/slides/slide35.xml><?xml version="1.0" encoding="utf-8"?>
+<p:sld xmlns:a="http://schemas.openxmlformats.org/drawingml/2006/main" xmlns:r="http://schemas.openxmlformats.org/officeDocument/2006/relationships" xmlns:p="http://schemas.openxmlformats.org/presentationml/2006/main">
+  <p:cSld>
+    <p:spTree>
+      <p:nvGrpSpPr>
+        <p:cNvPr id="1" name=""/>
+        <p:cNvGrpSpPr/>
+        <p:nvPr/>
+      </p:nvGrpSpPr>
+      <p:grpSpPr>
+        <a:xfrm>
+          <a:off x="0" y="0"/>
+          <a:ext cx="0" cy="0"/>
+          <a:chOff x="0" y="0"/>
+          <a:chExt cx="0" cy="0"/>
+        </a:xfrm>
+      </p:grpSpPr>
+      <p:sp>
+        <p:nvSpPr>
+          <p:cNvPr id="2" name="Rectangle 1"/>
+          <p:cNvSpPr/>
+          <p:nvPr/>
+        </p:nvSpPr>
+        <p:spPr>
+          <a:xfrm>
+            <a:off x="3858849" y="1851645"/>
+            <a:ext cx="4474302" cy="3154710"/>
+          </a:xfrm>
+          <a:prstGeom prst="rect">
+            <a:avLst/>
+          </a:prstGeom>
+        </p:spPr>
+        <p:txBody>
+          <a:bodyPr wrap="none">
+            <a:spAutoFit/>
+          </a:bodyPr>
+          <a:lstStyle/>
+          <a:p>
+            <a:r>
+              <a:rPr lang="en-US" sz="19900" dirty="0">
+                <a:solidFill>
+                  <a:schemeClr val="accent2"/>
+                </a:solidFill>
+                <a:latin typeface="Yanone Kaffeesatz Regular" panose="02000000000000000000" pitchFamily="2" charset="0"/>
+              </a:rPr>
+              <a:t>Q &amp; A</a:t>
+            </a:r>
+            <a:endParaRPr lang="de-CH" sz="2000" dirty="0"/>
+          </a:p>
+        </p:txBody>
+      </p:sp>
+      <p:pic>
+        <p:nvPicPr>
+          <p:cNvPr id="4" name="Picture 3"/>
+          <p:cNvPicPr>
+            <a:picLocks noChangeAspect="1"/>
+          </p:cNvPicPr>
+          <p:nvPr/>
+        </p:nvPicPr>
+        <p:blipFill>
+          <a:blip r:embed="rId3" cstate="print">
+            <a:extLst>
+              <a:ext uri="{28A0092B-C50C-407E-A947-70E740481C1C}">
+                <a14:useLocalDpi xmlns:a14="http://schemas.microsoft.com/office/drawing/2010/main" val="0"/>
+              </a:ext>
+            </a:extLst>
+          </a:blip>
+          <a:stretch>
+            <a:fillRect/>
+          </a:stretch>
+        </p:blipFill>
+        <p:spPr>
+          <a:xfrm>
+            <a:off x="8052306" y="612519"/>
+            <a:ext cx="2880000" cy="690817"/>
+          </a:xfrm>
+          <a:prstGeom prst="rect">
+            <a:avLst/>
+          </a:prstGeom>
+        </p:spPr>
+      </p:pic>
+    </p:spTree>
+    <p:extLst>
+      <p:ext uri="{BB962C8B-B14F-4D97-AF65-F5344CB8AC3E}">
+        <p14:creationId xmlns:p14="http://schemas.microsoft.com/office/powerpoint/2010/main" val="4241321608"/>
+      </p:ext>
+    </p:extLst>
+  </p:cSld>
+  <p:clrMapOvr>
+    <a:masterClrMapping/>
+  </p:clrMapOvr>
+</p:sld>
+</file>
+
+<file path=ppt/slides/slide36.xml><?xml version="1.0" encoding="utf-8"?>
+<p:sld xmlns:a="http://schemas.openxmlformats.org/drawingml/2006/main" xmlns:r="http://schemas.openxmlformats.org/officeDocument/2006/relationships" xmlns:p="http://schemas.openxmlformats.org/presentationml/2006/main">
+  <p:cSld>
+    <p:spTree>
+      <p:nvGrpSpPr>
+        <p:cNvPr id="1" name=""/>
+        <p:cNvGrpSpPr/>
+        <p:nvPr/>
+      </p:nvGrpSpPr>
+      <p:grpSpPr>
+        <a:xfrm>
+          <a:off x="0" y="0"/>
+          <a:ext cx="0" cy="0"/>
+          <a:chOff x="0" y="0"/>
+          <a:chExt cx="0" cy="0"/>
+        </a:xfrm>
+      </p:grpSpPr>
+      <p:pic>
+        <p:nvPicPr>
+          <p:cNvPr id="3" name="Picture 2"/>
+          <p:cNvPicPr>
+            <a:picLocks noChangeAspect="1"/>
+          </p:cNvPicPr>
+          <p:nvPr/>
+        </p:nvPicPr>
+        <p:blipFill>
+          <a:blip r:embed="rId3" cstate="print">
+            <a:extLst>
+              <a:ext uri="{28A0092B-C50C-407E-A947-70E740481C1C}">
+                <a14:useLocalDpi xmlns:a14="http://schemas.microsoft.com/office/drawing/2010/main" val="0"/>
+              </a:ext>
+            </a:extLst>
+          </a:blip>
+          <a:stretch>
+            <a:fillRect/>
+          </a:stretch>
+        </p:blipFill>
+        <p:spPr>
+          <a:xfrm>
+            <a:off x="8052306" y="612519"/>
+            <a:ext cx="2880000" cy="690817"/>
+          </a:xfrm>
+          <a:prstGeom prst="rect">
+            <a:avLst/>
+          </a:prstGeom>
+        </p:spPr>
+      </p:pic>
+      <p:sp>
+        <p:nvSpPr>
+          <p:cNvPr id="2" name="Rectangle 1"/>
+          <p:cNvSpPr/>
+          <p:nvPr/>
+        </p:nvSpPr>
+        <p:spPr>
+          <a:xfrm>
+            <a:off x="5723694" y="2132715"/>
+            <a:ext cx="6096000" cy="3108543"/>
+          </a:xfrm>
+          <a:prstGeom prst="rect">
+            <a:avLst/>
+          </a:prstGeom>
+        </p:spPr>
+        <p:txBody>
+          <a:bodyPr>
+            <a:spAutoFit/>
+          </a:bodyPr>
+          <a:lstStyle/>
+          <a:p>
+            <a:r>
+              <a:rPr lang="en-US" sz="2800" dirty="0">
+                <a:solidFill>
+                  <a:schemeClr val="tx2"/>
+                </a:solidFill>
+                <a:latin typeface="Yanone Kaffeesatz Regular" panose="02000000000000000000" pitchFamily="2" charset="0"/>
+              </a:rPr>
+              <a:t>Software Engineer</a:t>
+            </a:r>
+          </a:p>
+          <a:p>
+            <a:r>
+              <a:rPr lang="en-US" sz="2800" dirty="0">
+                <a:solidFill>
+                  <a:schemeClr val="tx2"/>
+                </a:solidFill>
+                <a:latin typeface="Yanone Kaffeesatz Regular" panose="02000000000000000000" pitchFamily="2" charset="0"/>
+              </a:rPr>
+              <a:t>Enthusiastic Software Engineer</a:t>
+            </a:r>
+          </a:p>
+          <a:p>
+            <a:r>
+              <a:rPr lang="en-US" sz="2800" dirty="0">
+                <a:solidFill>
+                  <a:schemeClr val="tx2"/>
+                </a:solidFill>
+                <a:latin typeface="Yanone Kaffeesatz Regular" panose="02000000000000000000" pitchFamily="2" charset="0"/>
+              </a:rPr>
+              <a:t>Microsoft MVP</a:t>
+            </a:r>
+          </a:p>
+          <a:p>
+            <a:endParaRPr lang="en-US" sz="2800" dirty="0">
+              <a:solidFill>
+                <a:schemeClr val="tx2"/>
+              </a:solidFill>
+              <a:latin typeface="Yanone Kaffeesatz Regular" panose="02000000000000000000" pitchFamily="2" charset="0"/>
+            </a:endParaRPr>
+          </a:p>
+          <a:p>
+            <a:r>
+              <a:rPr lang="en-US" sz="2800" dirty="0">
+                <a:solidFill>
+                  <a:schemeClr val="accent4"/>
+                </a:solidFill>
+                <a:latin typeface="Yanone Kaffeesatz Regular" panose="02000000000000000000" pitchFamily="2" charset="0"/>
+              </a:rPr>
+              <a:t>@danielmarbach</a:t>
+            </a:r>
+          </a:p>
+          <a:p>
+            <a:r>
+              <a:rPr lang="en-US" sz="2800" dirty="0">
+                <a:solidFill>
+                  <a:schemeClr val="accent4"/>
+                </a:solidFill>
+                <a:latin typeface="Yanone Kaffeesatz Regular" panose="02000000000000000000" pitchFamily="2" charset="0"/>
+              </a:rPr>
+              <a:t>particular.net/blog</a:t>
+            </a:r>
+          </a:p>
+          <a:p>
+            <a:r>
+              <a:rPr lang="en-US" sz="2800" dirty="0">
+                <a:solidFill>
+                  <a:schemeClr val="accent4"/>
+                </a:solidFill>
+                <a:latin typeface="Yanone Kaffeesatz Regular" panose="02000000000000000000" pitchFamily="2" charset="0"/>
+              </a:rPr>
+              <a:t>planetgeek.ch</a:t>
+            </a:r>
+          </a:p>
+        </p:txBody>
+      </p:sp>
+      <p:pic>
+        <p:nvPicPr>
+          <p:cNvPr id="6" name="Picture 5"/>
+          <p:cNvPicPr>
+            <a:picLocks noChangeAspect="1"/>
+          </p:cNvPicPr>
+          <p:nvPr/>
+        </p:nvPicPr>
+        <p:blipFill>
+          <a:blip r:embed="rId4" cstate="print">
+            <a:extLst>
+              <a:ext uri="{28A0092B-C50C-407E-A947-70E740481C1C}">
+                <a14:useLocalDpi xmlns:a14="http://schemas.microsoft.com/office/drawing/2010/main" val="0"/>
+              </a:ext>
+            </a:extLst>
+          </a:blip>
+          <a:stretch>
+            <a:fillRect/>
+          </a:stretch>
+        </p:blipFill>
+        <p:spPr>
+          <a:xfrm rot="16200000">
+            <a:off x="895952" y="2228758"/>
+            <a:ext cx="4374682" cy="2916455"/>
+          </a:xfrm>
+          <a:prstGeom prst="rect">
+            <a:avLst/>
+          </a:prstGeom>
+        </p:spPr>
+      </p:pic>
+    </p:spTree>
+    <p:extLst>
+      <p:ext uri="{BB962C8B-B14F-4D97-AF65-F5344CB8AC3E}">
+        <p14:creationId xmlns:p14="http://schemas.microsoft.com/office/powerpoint/2010/main" val="3601279917"/>
+      </p:ext>
+    </p:extLst>
+  </p:cSld>
+  <p:clrMapOvr>
+    <a:masterClrMapping/>
+  </p:clrMapOvr>
+</p:sld>
+</file>
+
+<file path=ppt/slides/slide37.xml><?xml version="1.0" encoding="utf-8"?>
+<p:sld xmlns:a="http://schemas.openxmlformats.org/drawingml/2006/main" xmlns:r="http://schemas.openxmlformats.org/officeDocument/2006/relationships" xmlns:p="http://schemas.openxmlformats.org/presentationml/2006/main">
+  <p:cSld>
+    <p:spTree>
+      <p:nvGrpSpPr>
+        <p:cNvPr id="1" name=""/>
+        <p:cNvGrpSpPr/>
+        <p:nvPr/>
+      </p:nvGrpSpPr>
+      <p:grpSpPr>
+        <a:xfrm>
+          <a:off x="0" y="0"/>
+          <a:ext cx="0" cy="0"/>
+          <a:chOff x="0" y="0"/>
+          <a:chExt cx="0" cy="0"/>
+        </a:xfrm>
+      </p:grpSpPr>
+      <p:sp>
+        <p:nvSpPr>
+          <p:cNvPr id="2" name="Rectangle 1"/>
+          <p:cNvSpPr/>
+          <p:nvPr/>
+        </p:nvSpPr>
+        <p:spPr>
+          <a:xfrm>
+            <a:off x="3176771" y="1851645"/>
+            <a:ext cx="5838458" cy="3154710"/>
+          </a:xfrm>
+          <a:prstGeom prst="rect">
+            <a:avLst/>
+          </a:prstGeom>
+        </p:spPr>
+        <p:txBody>
+          <a:bodyPr wrap="none">
+            <a:spAutoFit/>
+          </a:bodyPr>
+          <a:lstStyle/>
+          <a:p>
+            <a:r>
+              <a:rPr lang="en-US" sz="19900" dirty="0">
+                <a:solidFill>
+                  <a:schemeClr val="accent2"/>
+                </a:solidFill>
+                <a:latin typeface="Yanone Kaffeesatz Regular" panose="02000000000000000000" pitchFamily="2" charset="0"/>
+              </a:rPr>
+              <a:t>Thanks</a:t>
+            </a:r>
+            <a:endParaRPr lang="de-CH" sz="2000" dirty="0"/>
+          </a:p>
+        </p:txBody>
+      </p:sp>
+      <p:pic>
+        <p:nvPicPr>
+          <p:cNvPr id="3" name="Picture 2"/>
+          <p:cNvPicPr>
+            <a:picLocks noChangeAspect="1"/>
+          </p:cNvPicPr>
+          <p:nvPr/>
+        </p:nvPicPr>
+        <p:blipFill>
+          <a:blip r:embed="rId3" cstate="print">
+            <a:extLst>
+              <a:ext uri="{28A0092B-C50C-407E-A947-70E740481C1C}">
+                <a14:useLocalDpi xmlns:a14="http://schemas.microsoft.com/office/drawing/2010/main" val="0"/>
+              </a:ext>
+            </a:extLst>
+          </a:blip>
+          <a:stretch>
+            <a:fillRect/>
+          </a:stretch>
+        </p:blipFill>
+        <p:spPr>
+          <a:xfrm>
+            <a:off x="8052306" y="612519"/>
+            <a:ext cx="2880000" cy="690817"/>
+          </a:xfrm>
+          <a:prstGeom prst="rect">
+            <a:avLst/>
+          </a:prstGeom>
+        </p:spPr>
+      </p:pic>
+    </p:spTree>
+    <p:extLst>
+      <p:ext uri="{BB962C8B-B14F-4D97-AF65-F5344CB8AC3E}">
+        <p14:creationId xmlns:p14="http://schemas.microsoft.com/office/powerpoint/2010/main" val="3887468163"/>
       </p:ext>
     </p:extLst>
   </p:cSld>

--- a/presentation.pptx
+++ b/presentation.pptx
@@ -32,9 +32,9 @@
     <p:sldId id="437" r:id="rId23"/>
     <p:sldId id="436" r:id="rId24"/>
     <p:sldId id="438" r:id="rId25"/>
-    <p:sldId id="439" r:id="rId26"/>
-    <p:sldId id="444" r:id="rId27"/>
-    <p:sldId id="442" r:id="rId28"/>
+    <p:sldId id="448" r:id="rId26"/>
+    <p:sldId id="449" r:id="rId27"/>
+    <p:sldId id="439" r:id="rId28"/>
     <p:sldId id="445" r:id="rId29"/>
     <p:sldId id="443" r:id="rId30"/>
     <p:sldId id="446" r:id="rId31"/>
@@ -176,9 +176,9 @@
             <p14:sldId id="437"/>
             <p14:sldId id="436"/>
             <p14:sldId id="438"/>
+            <p14:sldId id="448"/>
+            <p14:sldId id="449"/>
             <p14:sldId id="439"/>
-            <p14:sldId id="444"/>
-            <p14:sldId id="442"/>
             <p14:sldId id="445"/>
             <p14:sldId id="443"/>
             <p14:sldId id="446"/>
@@ -2750,7 +2750,7 @@
     </p:spTree>
     <p:extLst>
       <p:ext uri="{BB962C8B-B14F-4D97-AF65-F5344CB8AC3E}">
-        <p14:creationId xmlns:p14="http://schemas.microsoft.com/office/powerpoint/2010/main" val="880461075"/>
+        <p14:creationId xmlns:p14="http://schemas.microsoft.com/office/powerpoint/2010/main" val="3423655258"/>
       </p:ext>
     </p:extLst>
   </p:cSld>
@@ -2804,6 +2804,48 @@
           <a:bodyPr/>
           <a:lstStyle/>
           <a:p>
+            <a:r>
+              <a:rPr lang="en-US" dirty="0"/>
+              <a:t>Sending a commands means the sender knows the receiver</a:t>
+            </a:r>
+          </a:p>
+          <a:p>
+            <a:r>
+              <a:rPr lang="en-US" dirty="0"/>
+              <a:t>Temporal decoupling but still spatial coupling</a:t>
+            </a:r>
+          </a:p>
+          <a:p>
+            <a:pPr marL="0" marR="0" lvl="0" indent="0" algn="l" defTabSz="914400" rtl="0" eaLnBrk="1" fontAlgn="auto" latinLnBrk="0" hangingPunct="1">
+              <a:lnSpc>
+                <a:spcPct val="100000"/>
+              </a:lnSpc>
+              <a:spcBef>
+                <a:spcPts val="0"/>
+              </a:spcBef>
+              <a:spcAft>
+                <a:spcPts val="0"/>
+              </a:spcAft>
+              <a:buClrTx/>
+              <a:buSzTx/>
+              <a:buFontTx/>
+              <a:buNone/>
+              <a:tabLst/>
+              <a:defRPr/>
+            </a:pPr>
+            <a:r>
+              <a:rPr lang="en-US" dirty="0"/>
+              <a:t>Integration scenarios, a command sender is not part of the cluster but still belongs to the same bounded context</a:t>
+            </a:r>
+            <a:endParaRPr lang="de-CH" dirty="0"/>
+          </a:p>
+          <a:p>
+            <a:r>
+              <a:rPr lang="en-US" dirty="0"/>
+              <a:t>It is OK for the sender to know the partitioning strategy since it belongs to the same bounded context anyway</a:t>
+            </a:r>
+          </a:p>
+          <a:p>
             <a:endParaRPr lang="de-CH" dirty="0"/>
           </a:p>
         </p:txBody>
@@ -2834,7 +2876,7 @@
     </p:spTree>
     <p:extLst>
       <p:ext uri="{BB962C8B-B14F-4D97-AF65-F5344CB8AC3E}">
-        <p14:creationId xmlns:p14="http://schemas.microsoft.com/office/powerpoint/2010/main" val="352960807"/>
+        <p14:creationId xmlns:p14="http://schemas.microsoft.com/office/powerpoint/2010/main" val="1591652962"/>
       </p:ext>
     </p:extLst>
   </p:cSld>
@@ -2888,48 +2930,6 @@
           <a:bodyPr/>
           <a:lstStyle/>
           <a:p>
-            <a:r>
-              <a:rPr lang="en-US" dirty="0"/>
-              <a:t>Sending a commands means the sender knows the receiver</a:t>
-            </a:r>
-          </a:p>
-          <a:p>
-            <a:r>
-              <a:rPr lang="en-US" dirty="0"/>
-              <a:t>Temporal decoupling but still spatial coupling</a:t>
-            </a:r>
-          </a:p>
-          <a:p>
-            <a:pPr marL="0" marR="0" lvl="0" indent="0" algn="l" defTabSz="914400" rtl="0" eaLnBrk="1" fontAlgn="auto" latinLnBrk="0" hangingPunct="1">
-              <a:lnSpc>
-                <a:spcPct val="100000"/>
-              </a:lnSpc>
-              <a:spcBef>
-                <a:spcPts val="0"/>
-              </a:spcBef>
-              <a:spcAft>
-                <a:spcPts val="0"/>
-              </a:spcAft>
-              <a:buClrTx/>
-              <a:buSzTx/>
-              <a:buFontTx/>
-              <a:buNone/>
-              <a:tabLst/>
-              <a:defRPr/>
-            </a:pPr>
-            <a:r>
-              <a:rPr lang="en-US" dirty="0"/>
-              <a:t>Integration scenarios, a command sender is not part of the cluster but still belongs to the same bounded context</a:t>
-            </a:r>
-            <a:endParaRPr lang="de-CH" dirty="0"/>
-          </a:p>
-          <a:p>
-            <a:r>
-              <a:rPr lang="en-US" dirty="0"/>
-              <a:t>It is OK for the sender to know the partitioning strategy since it belongs to the same bounded context anyway</a:t>
-            </a:r>
-          </a:p>
-          <a:p>
             <a:endParaRPr lang="de-CH" dirty="0"/>
           </a:p>
         </p:txBody>
@@ -2960,7 +2960,7 @@
     </p:spTree>
     <p:extLst>
       <p:ext uri="{BB962C8B-B14F-4D97-AF65-F5344CB8AC3E}">
-        <p14:creationId xmlns:p14="http://schemas.microsoft.com/office/powerpoint/2010/main" val="3146820806"/>
+        <p14:creationId xmlns:p14="http://schemas.microsoft.com/office/powerpoint/2010/main" val="880461075"/>
       </p:ext>
     </p:extLst>
   </p:cSld>
@@ -19955,6 +19955,246 @@
           </a:p>
         </p:txBody>
       </p:sp>
+      <p:cxnSp>
+        <p:nvCxnSpPr>
+          <p:cNvPr id="31" name="Straight Arrow Connector 30"/>
+          <p:cNvCxnSpPr>
+            <a:cxnSpLocks/>
+            <a:stCxn id="4" idx="2"/>
+            <a:endCxn id="54" idx="4"/>
+          </p:cNvCxnSpPr>
+          <p:nvPr/>
+        </p:nvCxnSpPr>
+        <p:spPr>
+          <a:xfrm flipH="1">
+            <a:off x="3720377" y="1380735"/>
+            <a:ext cx="2064835" cy="542025"/>
+          </a:xfrm>
+          <a:prstGeom prst="straightConnector1">
+            <a:avLst/>
+          </a:prstGeom>
+          <a:ln w="19050">
+            <a:solidFill>
+              <a:schemeClr val="accent4"/>
+            </a:solidFill>
+            <a:tailEnd type="triangle"/>
+          </a:ln>
+        </p:spPr>
+        <p:style>
+          <a:lnRef idx="1">
+            <a:schemeClr val="accent1"/>
+          </a:lnRef>
+          <a:fillRef idx="0">
+            <a:schemeClr val="accent1"/>
+          </a:fillRef>
+          <a:effectRef idx="0">
+            <a:schemeClr val="accent1"/>
+          </a:effectRef>
+          <a:fontRef idx="minor">
+            <a:schemeClr val="tx1"/>
+          </a:fontRef>
+        </p:style>
+      </p:cxnSp>
+      <p:cxnSp>
+        <p:nvCxnSpPr>
+          <p:cNvPr id="33" name="Straight Arrow Connector 32"/>
+          <p:cNvCxnSpPr>
+            <a:cxnSpLocks/>
+            <a:stCxn id="4" idx="2"/>
+            <a:endCxn id="29" idx="4"/>
+          </p:cNvCxnSpPr>
+          <p:nvPr/>
+        </p:nvCxnSpPr>
+        <p:spPr>
+          <a:xfrm>
+            <a:off x="5785212" y="1380735"/>
+            <a:ext cx="2064832" cy="531454"/>
+          </a:xfrm>
+          <a:prstGeom prst="straightConnector1">
+            <a:avLst/>
+          </a:prstGeom>
+          <a:ln w="19050">
+            <a:solidFill>
+              <a:schemeClr val="accent4"/>
+            </a:solidFill>
+            <a:tailEnd type="triangle"/>
+          </a:ln>
+        </p:spPr>
+        <p:style>
+          <a:lnRef idx="1">
+            <a:schemeClr val="accent1"/>
+          </a:lnRef>
+          <a:fillRef idx="0">
+            <a:schemeClr val="accent1"/>
+          </a:fillRef>
+          <a:effectRef idx="0">
+            <a:schemeClr val="accent1"/>
+          </a:effectRef>
+          <a:fontRef idx="minor">
+            <a:schemeClr val="tx1"/>
+          </a:fontRef>
+        </p:style>
+      </p:cxnSp>
+      <p:cxnSp>
+        <p:nvCxnSpPr>
+          <p:cNvPr id="36" name="Straight Arrow Connector 35"/>
+          <p:cNvCxnSpPr>
+            <a:cxnSpLocks/>
+            <a:stCxn id="5" idx="2"/>
+            <a:endCxn id="28" idx="4"/>
+          </p:cNvCxnSpPr>
+          <p:nvPr/>
+        </p:nvCxnSpPr>
+        <p:spPr>
+          <a:xfrm flipH="1">
+            <a:off x="5785209" y="1380735"/>
+            <a:ext cx="2064837" cy="543124"/>
+          </a:xfrm>
+          <a:prstGeom prst="straightConnector1">
+            <a:avLst/>
+          </a:prstGeom>
+          <a:ln w="19050">
+            <a:solidFill>
+              <a:schemeClr val="accent4"/>
+            </a:solidFill>
+            <a:tailEnd type="triangle"/>
+          </a:ln>
+        </p:spPr>
+        <p:style>
+          <a:lnRef idx="1">
+            <a:schemeClr val="accent1"/>
+          </a:lnRef>
+          <a:fillRef idx="0">
+            <a:schemeClr val="accent1"/>
+          </a:fillRef>
+          <a:effectRef idx="0">
+            <a:schemeClr val="accent1"/>
+          </a:effectRef>
+          <a:fontRef idx="minor">
+            <a:schemeClr val="tx1"/>
+          </a:fontRef>
+        </p:style>
+      </p:cxnSp>
+      <p:cxnSp>
+        <p:nvCxnSpPr>
+          <p:cNvPr id="39" name="Straight Arrow Connector 38"/>
+          <p:cNvCxnSpPr>
+            <a:cxnSpLocks/>
+            <a:stCxn id="5" idx="2"/>
+            <a:endCxn id="54" idx="4"/>
+          </p:cNvCxnSpPr>
+          <p:nvPr/>
+        </p:nvCxnSpPr>
+        <p:spPr>
+          <a:xfrm flipH="1">
+            <a:off x="3720377" y="1380735"/>
+            <a:ext cx="4129669" cy="542025"/>
+          </a:xfrm>
+          <a:prstGeom prst="straightConnector1">
+            <a:avLst/>
+          </a:prstGeom>
+          <a:ln w="19050">
+            <a:solidFill>
+              <a:schemeClr val="accent4"/>
+            </a:solidFill>
+            <a:tailEnd type="triangle"/>
+          </a:ln>
+        </p:spPr>
+        <p:style>
+          <a:lnRef idx="1">
+            <a:schemeClr val="accent1"/>
+          </a:lnRef>
+          <a:fillRef idx="0">
+            <a:schemeClr val="accent1"/>
+          </a:fillRef>
+          <a:effectRef idx="0">
+            <a:schemeClr val="accent1"/>
+          </a:effectRef>
+          <a:fontRef idx="minor">
+            <a:schemeClr val="tx1"/>
+          </a:fontRef>
+        </p:style>
+      </p:cxnSp>
+      <p:cxnSp>
+        <p:nvCxnSpPr>
+          <p:cNvPr id="43" name="Straight Arrow Connector 42"/>
+          <p:cNvCxnSpPr>
+            <a:cxnSpLocks/>
+            <a:stCxn id="3" idx="2"/>
+            <a:endCxn id="28" idx="4"/>
+          </p:cNvCxnSpPr>
+          <p:nvPr/>
+        </p:nvCxnSpPr>
+        <p:spPr>
+          <a:xfrm>
+            <a:off x="3720378" y="1380735"/>
+            <a:ext cx="2064831" cy="543124"/>
+          </a:xfrm>
+          <a:prstGeom prst="straightConnector1">
+            <a:avLst/>
+          </a:prstGeom>
+          <a:ln w="19050">
+            <a:solidFill>
+              <a:schemeClr val="accent4"/>
+            </a:solidFill>
+            <a:tailEnd type="triangle"/>
+          </a:ln>
+        </p:spPr>
+        <p:style>
+          <a:lnRef idx="1">
+            <a:schemeClr val="accent1"/>
+          </a:lnRef>
+          <a:fillRef idx="0">
+            <a:schemeClr val="accent1"/>
+          </a:fillRef>
+          <a:effectRef idx="0">
+            <a:schemeClr val="accent1"/>
+          </a:effectRef>
+          <a:fontRef idx="minor">
+            <a:schemeClr val="tx1"/>
+          </a:fontRef>
+        </p:style>
+      </p:cxnSp>
+      <p:cxnSp>
+        <p:nvCxnSpPr>
+          <p:cNvPr id="46" name="Straight Arrow Connector 45"/>
+          <p:cNvCxnSpPr>
+            <a:cxnSpLocks/>
+            <a:stCxn id="3" idx="2"/>
+            <a:endCxn id="29" idx="4"/>
+          </p:cNvCxnSpPr>
+          <p:nvPr/>
+        </p:nvCxnSpPr>
+        <p:spPr>
+          <a:xfrm>
+            <a:off x="3720378" y="1380735"/>
+            <a:ext cx="4129666" cy="531454"/>
+          </a:xfrm>
+          <a:prstGeom prst="straightConnector1">
+            <a:avLst/>
+          </a:prstGeom>
+          <a:ln w="19050">
+            <a:solidFill>
+              <a:schemeClr val="accent4"/>
+            </a:solidFill>
+            <a:tailEnd type="triangle"/>
+          </a:ln>
+        </p:spPr>
+        <p:style>
+          <a:lnRef idx="1">
+            <a:schemeClr val="accent1"/>
+          </a:lnRef>
+          <a:fillRef idx="0">
+            <a:schemeClr val="accent1"/>
+          </a:fillRef>
+          <a:effectRef idx="0">
+            <a:schemeClr val="accent1"/>
+          </a:effectRef>
+          <a:fontRef idx="minor">
+            <a:schemeClr val="tx1"/>
+          </a:fontRef>
+        </p:style>
+      </p:cxnSp>
     </p:spTree>
     <p:extLst>
       <p:ext uri="{BB962C8B-B14F-4D97-AF65-F5344CB8AC3E}">
@@ -19987,105 +20227,42 @@
       </p:grpSpPr>
       <p:sp>
         <p:nvSpPr>
-          <p:cNvPr id="2" name="TextBox 1"/>
-          <p:cNvSpPr txBox="1"/>
-          <p:nvPr/>
-        </p:nvSpPr>
-        <p:spPr>
-          <a:xfrm>
-            <a:off x="930339" y="1218087"/>
-            <a:ext cx="8863324" cy="2646878"/>
+          <p:cNvPr id="2" name="Rectangle 1"/>
+          <p:cNvSpPr/>
+          <p:nvPr/>
+        </p:nvSpPr>
+        <p:spPr>
+          <a:xfrm>
+            <a:off x="1792579" y="1834918"/>
+            <a:ext cx="8606843" cy="3154710"/>
           </a:xfrm>
           <a:prstGeom prst="rect">
             <a:avLst/>
           </a:prstGeom>
-          <a:noFill/>
-        </p:spPr>
-        <p:txBody>
-          <a:bodyPr wrap="none" rtlCol="0">
+        </p:spPr>
+        <p:txBody>
+          <a:bodyPr wrap="none">
             <a:spAutoFit/>
           </a:bodyPr>
           <a:lstStyle/>
           <a:p>
             <a:r>
-              <a:rPr lang="en-US" sz="16600" dirty="0">
+              <a:rPr lang="en-US" sz="19900" dirty="0">
                 <a:solidFill>
                   <a:schemeClr val="accent2"/>
                 </a:solidFill>
                 <a:latin typeface="Yanone Kaffeesatz Regular" panose="02000000000000000000" pitchFamily="2" charset="0"/>
               </a:rPr>
-              <a:t>The </a:t>
-            </a:r>
-            <a:r>
-              <a:rPr lang="en-US" sz="16600" dirty="0" err="1">
-                <a:solidFill>
-                  <a:schemeClr val="accent2"/>
-                </a:solidFill>
-                <a:latin typeface="Yanone Kaffeesatz Regular" panose="02000000000000000000" pitchFamily="2" charset="0"/>
-              </a:rPr>
-              <a:t>Phd</a:t>
-            </a:r>
-            <a:r>
-              <a:rPr lang="en-US" sz="16600" dirty="0">
-                <a:solidFill>
-                  <a:schemeClr val="accent2"/>
-                </a:solidFill>
-                <a:latin typeface="Yanone Kaffeesatz Regular" panose="02000000000000000000" pitchFamily="2" charset="0"/>
-              </a:rPr>
-              <a:t> dude</a:t>
-            </a:r>
-            <a:endParaRPr lang="de-CH" sz="7200" dirty="0">
-              <a:solidFill>
-                <a:schemeClr val="accent4"/>
-              </a:solidFill>
-              <a:latin typeface="Yanone Kaffeesatz Regular" panose="02000000000000000000" pitchFamily="2" charset="0"/>
-            </a:endParaRPr>
-          </a:p>
-        </p:txBody>
-      </p:sp>
-      <p:sp>
-        <p:nvSpPr>
-          <p:cNvPr id="3" name="Rectangle 2"/>
-          <p:cNvSpPr/>
-          <p:nvPr/>
-        </p:nvSpPr>
-        <p:spPr>
-          <a:xfrm>
-            <a:off x="1786919" y="3864965"/>
-            <a:ext cx="9542849" cy="1015663"/>
-          </a:xfrm>
-          <a:prstGeom prst="rect">
-            <a:avLst/>
-          </a:prstGeom>
-        </p:spPr>
-        <p:txBody>
-          <a:bodyPr wrap="square">
-            <a:spAutoFit/>
-          </a:bodyPr>
-          <a:lstStyle/>
-          <a:p>
-            <a:pPr algn="r"/>
-            <a:r>
-              <a:rPr lang="en-US" sz="6000" dirty="0">
-                <a:solidFill>
-                  <a:schemeClr val="tx2"/>
-                </a:solidFill>
-                <a:latin typeface="Yanone Kaffeesatz Regular" panose="02000000000000000000" pitchFamily="2" charset="0"/>
-              </a:rPr>
-              <a:t>acts like a smart ass</a:t>
-            </a:r>
-            <a:endParaRPr lang="de-CH" sz="6000" dirty="0">
-              <a:solidFill>
-                <a:schemeClr val="tx2"/>
-              </a:solidFill>
-            </a:endParaRPr>
+              <a:t>Commands</a:t>
+            </a:r>
+            <a:endParaRPr lang="de-CH" sz="2000" dirty="0"/>
           </a:p>
         </p:txBody>
       </p:sp>
     </p:spTree>
     <p:extLst>
       <p:ext uri="{BB962C8B-B14F-4D97-AF65-F5344CB8AC3E}">
-        <p14:creationId xmlns:p14="http://schemas.microsoft.com/office/powerpoint/2010/main" val="2728891524"/>
+        <p14:creationId xmlns:p14="http://schemas.microsoft.com/office/powerpoint/2010/main" val="3093032315"/>
       </p:ext>
     </p:extLst>
   </p:cSld>
@@ -20096,70 +20273,6 @@
 </file>
 
 <file path=ppt/slides/slide26.xml><?xml version="1.0" encoding="utf-8"?>
-<p:sld xmlns:a="http://schemas.openxmlformats.org/drawingml/2006/main" xmlns:r="http://schemas.openxmlformats.org/officeDocument/2006/relationships" xmlns:p="http://schemas.openxmlformats.org/presentationml/2006/main">
-  <p:cSld>
-    <p:spTree>
-      <p:nvGrpSpPr>
-        <p:cNvPr id="1" name=""/>
-        <p:cNvGrpSpPr/>
-        <p:nvPr/>
-      </p:nvGrpSpPr>
-      <p:grpSpPr>
-        <a:xfrm>
-          <a:off x="0" y="0"/>
-          <a:ext cx="0" cy="0"/>
-          <a:chOff x="0" y="0"/>
-          <a:chExt cx="0" cy="0"/>
-        </a:xfrm>
-      </p:grpSpPr>
-      <p:sp>
-        <p:nvSpPr>
-          <p:cNvPr id="2" name="Rectangle 1"/>
-          <p:cNvSpPr/>
-          <p:nvPr/>
-        </p:nvSpPr>
-        <p:spPr>
-          <a:xfrm>
-            <a:off x="1792579" y="1834918"/>
-            <a:ext cx="8606843" cy="3154710"/>
-          </a:xfrm>
-          <a:prstGeom prst="rect">
-            <a:avLst/>
-          </a:prstGeom>
-        </p:spPr>
-        <p:txBody>
-          <a:bodyPr wrap="none">
-            <a:spAutoFit/>
-          </a:bodyPr>
-          <a:lstStyle/>
-          <a:p>
-            <a:r>
-              <a:rPr lang="en-US" sz="19900" dirty="0">
-                <a:solidFill>
-                  <a:schemeClr val="accent2"/>
-                </a:solidFill>
-                <a:latin typeface="Yanone Kaffeesatz Regular" panose="02000000000000000000" pitchFamily="2" charset="0"/>
-              </a:rPr>
-              <a:t>Commands</a:t>
-            </a:r>
-            <a:endParaRPr lang="de-CH" sz="2000" dirty="0"/>
-          </a:p>
-        </p:txBody>
-      </p:sp>
-    </p:spTree>
-    <p:extLst>
-      <p:ext uri="{BB962C8B-B14F-4D97-AF65-F5344CB8AC3E}">
-        <p14:creationId xmlns:p14="http://schemas.microsoft.com/office/powerpoint/2010/main" val="2000319039"/>
-      </p:ext>
-    </p:extLst>
-  </p:cSld>
-  <p:clrMapOvr>
-    <a:masterClrMapping/>
-  </p:clrMapOvr>
-</p:sld>
-</file>
-
-<file path=ppt/slides/slide27.xml><?xml version="1.0" encoding="utf-8"?>
 <p:sld xmlns:a="http://schemas.openxmlformats.org/drawingml/2006/main" xmlns:r="http://schemas.openxmlformats.org/officeDocument/2006/relationships" xmlns:p="http://schemas.openxmlformats.org/presentationml/2006/main">
   <p:cSld>
     <p:spTree>
@@ -20969,7 +21082,134 @@
     </p:spTree>
     <p:extLst>
       <p:ext uri="{BB962C8B-B14F-4D97-AF65-F5344CB8AC3E}">
-        <p14:creationId xmlns:p14="http://schemas.microsoft.com/office/powerpoint/2010/main" val="1120482712"/>
+        <p14:creationId xmlns:p14="http://schemas.microsoft.com/office/powerpoint/2010/main" val="3368957611"/>
+      </p:ext>
+    </p:extLst>
+  </p:cSld>
+  <p:clrMapOvr>
+    <a:masterClrMapping/>
+  </p:clrMapOvr>
+</p:sld>
+</file>
+
+<file path=ppt/slides/slide27.xml><?xml version="1.0" encoding="utf-8"?>
+<p:sld xmlns:a="http://schemas.openxmlformats.org/drawingml/2006/main" xmlns:r="http://schemas.openxmlformats.org/officeDocument/2006/relationships" xmlns:p="http://schemas.openxmlformats.org/presentationml/2006/main">
+  <p:cSld>
+    <p:spTree>
+      <p:nvGrpSpPr>
+        <p:cNvPr id="1" name=""/>
+        <p:cNvGrpSpPr/>
+        <p:nvPr/>
+      </p:nvGrpSpPr>
+      <p:grpSpPr>
+        <a:xfrm>
+          <a:off x="0" y="0"/>
+          <a:ext cx="0" cy="0"/>
+          <a:chOff x="0" y="0"/>
+          <a:chExt cx="0" cy="0"/>
+        </a:xfrm>
+      </p:grpSpPr>
+      <p:sp>
+        <p:nvSpPr>
+          <p:cNvPr id="2" name="TextBox 1"/>
+          <p:cNvSpPr txBox="1"/>
+          <p:nvPr/>
+        </p:nvSpPr>
+        <p:spPr>
+          <a:xfrm>
+            <a:off x="930339" y="1218087"/>
+            <a:ext cx="8863324" cy="2646878"/>
+          </a:xfrm>
+          <a:prstGeom prst="rect">
+            <a:avLst/>
+          </a:prstGeom>
+          <a:noFill/>
+        </p:spPr>
+        <p:txBody>
+          <a:bodyPr wrap="none" rtlCol="0">
+            <a:spAutoFit/>
+          </a:bodyPr>
+          <a:lstStyle/>
+          <a:p>
+            <a:r>
+              <a:rPr lang="en-US" sz="16600" dirty="0">
+                <a:solidFill>
+                  <a:schemeClr val="accent2"/>
+                </a:solidFill>
+                <a:latin typeface="Yanone Kaffeesatz Regular" panose="02000000000000000000" pitchFamily="2" charset="0"/>
+              </a:rPr>
+              <a:t>The </a:t>
+            </a:r>
+            <a:r>
+              <a:rPr lang="en-US" sz="16600" dirty="0" err="1">
+                <a:solidFill>
+                  <a:schemeClr val="accent2"/>
+                </a:solidFill>
+                <a:latin typeface="Yanone Kaffeesatz Regular" panose="02000000000000000000" pitchFamily="2" charset="0"/>
+              </a:rPr>
+              <a:t>Phd</a:t>
+            </a:r>
+            <a:r>
+              <a:rPr lang="en-US" sz="16600" dirty="0">
+                <a:solidFill>
+                  <a:schemeClr val="accent2"/>
+                </a:solidFill>
+                <a:latin typeface="Yanone Kaffeesatz Regular" panose="02000000000000000000" pitchFamily="2" charset="0"/>
+              </a:rPr>
+              <a:t> dude</a:t>
+            </a:r>
+            <a:endParaRPr lang="de-CH" sz="7200" dirty="0">
+              <a:solidFill>
+                <a:schemeClr val="accent4"/>
+              </a:solidFill>
+              <a:latin typeface="Yanone Kaffeesatz Regular" panose="02000000000000000000" pitchFamily="2" charset="0"/>
+            </a:endParaRPr>
+          </a:p>
+        </p:txBody>
+      </p:sp>
+      <p:sp>
+        <p:nvSpPr>
+          <p:cNvPr id="3" name="Rectangle 2"/>
+          <p:cNvSpPr/>
+          <p:nvPr/>
+        </p:nvSpPr>
+        <p:spPr>
+          <a:xfrm>
+            <a:off x="1786919" y="3864965"/>
+            <a:ext cx="9542849" cy="1015663"/>
+          </a:xfrm>
+          <a:prstGeom prst="rect">
+            <a:avLst/>
+          </a:prstGeom>
+        </p:spPr>
+        <p:txBody>
+          <a:bodyPr wrap="square">
+            <a:spAutoFit/>
+          </a:bodyPr>
+          <a:lstStyle/>
+          <a:p>
+            <a:pPr algn="r"/>
+            <a:r>
+              <a:rPr lang="en-US" sz="6000" dirty="0">
+                <a:solidFill>
+                  <a:schemeClr val="tx2"/>
+                </a:solidFill>
+                <a:latin typeface="Yanone Kaffeesatz Regular" panose="02000000000000000000" pitchFamily="2" charset="0"/>
+              </a:rPr>
+              <a:t>acts like a smart ass</a:t>
+            </a:r>
+            <a:endParaRPr lang="de-CH" sz="6000" dirty="0">
+              <a:solidFill>
+                <a:schemeClr val="tx2"/>
+              </a:solidFill>
+            </a:endParaRPr>
+          </a:p>
+        </p:txBody>
+      </p:sp>
+    </p:spTree>
+    <p:extLst>
+      <p:ext uri="{BB962C8B-B14F-4D97-AF65-F5344CB8AC3E}">
+        <p14:creationId xmlns:p14="http://schemas.microsoft.com/office/powerpoint/2010/main" val="2728891524"/>
       </p:ext>
     </p:extLst>
   </p:cSld>

--- a/presentation.pptx
+++ b/presentation.pptx
@@ -5,7 +5,7 @@
     <p:sldMasterId id="2147483684" r:id="rId1"/>
   </p:sldMasterIdLst>
   <p:notesMasterIdLst>
-    <p:notesMasterId r:id="rId40"/>
+    <p:notesMasterId r:id="rId42"/>
   </p:notesMasterIdLst>
   <p:sldIdLst>
     <p:sldId id="278" r:id="rId2"/>
@@ -40,12 +40,14 @@
     <p:sldId id="443" r:id="rId31"/>
     <p:sldId id="446" r:id="rId32"/>
     <p:sldId id="447" r:id="rId33"/>
-    <p:sldId id="440" r:id="rId34"/>
-    <p:sldId id="273" r:id="rId35"/>
-    <p:sldId id="267" r:id="rId36"/>
-    <p:sldId id="275" r:id="rId37"/>
-    <p:sldId id="268" r:id="rId38"/>
-    <p:sldId id="279" r:id="rId39"/>
+    <p:sldId id="451" r:id="rId34"/>
+    <p:sldId id="452" r:id="rId35"/>
+    <p:sldId id="440" r:id="rId36"/>
+    <p:sldId id="273" r:id="rId37"/>
+    <p:sldId id="267" r:id="rId38"/>
+    <p:sldId id="275" r:id="rId39"/>
+    <p:sldId id="268" r:id="rId40"/>
+    <p:sldId id="279" r:id="rId41"/>
   </p:sldIdLst>
   <p:sldSz cx="12192000" cy="6858000"/>
   <p:notesSz cx="6858000" cy="9144000"/>
@@ -185,6 +187,8 @@
             <p14:sldId id="443"/>
             <p14:sldId id="446"/>
             <p14:sldId id="447"/>
+            <p14:sldId id="451"/>
+            <p14:sldId id="452"/>
             <p14:sldId id="440"/>
           </p14:sldIdLst>
         </p14:section>
@@ -788,6 +792,15 @@
           <a:p>
             <a:r>
               <a:rPr lang="en-US" dirty="0"/>
+              <a:t>We make them smaller and then spread them out</a:t>
+            </a:r>
+          </a:p>
+          <a:p>
+            <a:endParaRPr lang="en-US" dirty="0"/>
+          </a:p>
+          <a:p>
+            <a:r>
+              <a:rPr lang="en-US" dirty="0"/>
               <a:t>Thereby I, the great Karl, architect of the universe came up with the following architecture blue print</a:t>
             </a:r>
           </a:p>
@@ -3962,10 +3975,6 @@
           <a:bodyPr/>
           <a:lstStyle/>
           <a:p>
-            <a:r>
-              <a:rPr lang="en-US" dirty="0"/>
-              <a:t>BIG DEMO</a:t>
-            </a:r>
             <a:endParaRPr lang="de-CH" dirty="0"/>
           </a:p>
         </p:txBody>
@@ -3996,7 +4005,7 @@
     </p:spTree>
     <p:extLst>
       <p:ext uri="{BB962C8B-B14F-4D97-AF65-F5344CB8AC3E}">
-        <p14:creationId xmlns:p14="http://schemas.microsoft.com/office/powerpoint/2010/main" val="1730557964"/>
+        <p14:creationId xmlns:p14="http://schemas.microsoft.com/office/powerpoint/2010/main" val="3626532161"/>
       </p:ext>
     </p:extLst>
   </p:cSld>
@@ -4050,6 +4059,55 @@
           <a:bodyPr/>
           <a:lstStyle/>
           <a:p>
+            <a:r>
+              <a:rPr lang="en-US" sz="1200" b="0" i="0" kern="1200" dirty="0">
+                <a:solidFill>
+                  <a:schemeClr val="tx1"/>
+                </a:solidFill>
+                <a:effectLst/>
+                <a:latin typeface="+mn-lt"/>
+                <a:ea typeface="+mn-ea"/>
+                <a:cs typeface="+mn-cs"/>
+              </a:rPr>
+              <a:t>In a complex system that you have modeled using aggregates and bounded contexts, there may be some business processes that involve multiple aggregates, or multiple aggregates in multiple bounded contexts. In these business processes multiple messages of different types are exchanged by the participating aggregates. For example, in a conference management system, the business process of purchasing seats at a conference might involve an order aggregate, a reservation aggregate, and a payment aggregate. They must all cooperate to enable a customer to complete a purchase.</a:t>
+            </a:r>
+          </a:p>
+          <a:p>
+            <a:endParaRPr lang="en-US" sz="1200" b="0" i="0" kern="1200" dirty="0">
+              <a:solidFill>
+                <a:schemeClr val="tx1"/>
+              </a:solidFill>
+              <a:effectLst/>
+              <a:latin typeface="+mn-lt"/>
+              <a:ea typeface="+mn-ea"/>
+              <a:cs typeface="+mn-cs"/>
+            </a:endParaRPr>
+          </a:p>
+          <a:p>
+            <a:r>
+              <a:rPr lang="en-US" sz="1200" b="0" i="0" kern="1200" dirty="0">
+                <a:solidFill>
+                  <a:schemeClr val="tx1"/>
+                </a:solidFill>
+                <a:effectLst/>
+                <a:latin typeface="+mn-lt"/>
+                <a:ea typeface="+mn-ea"/>
+                <a:cs typeface="+mn-cs"/>
+              </a:rPr>
+              <a:t>A combination of different messaging patterns like command, pub/sub and request/reply. The state and partitioning schema belongs to the bounded context that owns the process manager unless the process manager is here for integration purposes over multiple </a:t>
+            </a:r>
+            <a:r>
+              <a:rPr lang="en-US" sz="1200" b="0" i="0" kern="1200">
+                <a:solidFill>
+                  <a:schemeClr val="tx1"/>
+                </a:solidFill>
+                <a:effectLst/>
+                <a:latin typeface="+mn-lt"/>
+                <a:ea typeface="+mn-ea"/>
+                <a:cs typeface="+mn-cs"/>
+              </a:rPr>
+              <a:t>bounded processes. </a:t>
+            </a:r>
             <a:endParaRPr lang="de-CH" dirty="0"/>
           </a:p>
         </p:txBody>
@@ -4080,7 +4138,7 @@
     </p:spTree>
     <p:extLst>
       <p:ext uri="{BB962C8B-B14F-4D97-AF65-F5344CB8AC3E}">
-        <p14:creationId xmlns:p14="http://schemas.microsoft.com/office/powerpoint/2010/main" val="3503916100"/>
+        <p14:creationId xmlns:p14="http://schemas.microsoft.com/office/powerpoint/2010/main" val="1527243864"/>
       </p:ext>
     </p:extLst>
   </p:cSld>
@@ -4136,7 +4194,7 @@
           <a:p>
             <a:r>
               <a:rPr lang="en-US" dirty="0"/>
-              <a:t>Questions that can be answered in blog posts</a:t>
+              <a:t>BIG DEMO</a:t>
             </a:r>
             <a:endParaRPr lang="de-CH" dirty="0"/>
           </a:p>
@@ -4168,7 +4226,7 @@
     </p:spTree>
     <p:extLst>
       <p:ext uri="{BB962C8B-B14F-4D97-AF65-F5344CB8AC3E}">
-        <p14:creationId xmlns:p14="http://schemas.microsoft.com/office/powerpoint/2010/main" val="3670487613"/>
+        <p14:creationId xmlns:p14="http://schemas.microsoft.com/office/powerpoint/2010/main" val="1730557964"/>
       </p:ext>
     </p:extLst>
   </p:cSld>
@@ -4252,7 +4310,7 @@
     </p:spTree>
     <p:extLst>
       <p:ext uri="{BB962C8B-B14F-4D97-AF65-F5344CB8AC3E}">
-        <p14:creationId xmlns:p14="http://schemas.microsoft.com/office/powerpoint/2010/main" val="978782014"/>
+        <p14:creationId xmlns:p14="http://schemas.microsoft.com/office/powerpoint/2010/main" val="3503916100"/>
       </p:ext>
     </p:extLst>
   </p:cSld>
@@ -4308,92 +4366,7 @@
           <a:p>
             <a:r>
               <a:rPr lang="en-US" dirty="0"/>
-              <a:t>I’m Daniel, </a:t>
-            </a:r>
-            <a:r>
-              <a:rPr lang="en-US"/>
-              <a:t>Solution Engineer…</a:t>
-            </a:r>
-            <a:endParaRPr lang="en-US" dirty="0"/>
-          </a:p>
-          <a:p>
-            <a:r>
-              <a:rPr lang="en-US" dirty="0"/>
-              <a:t>I live in central</a:t>
-            </a:r>
-            <a:r>
-              <a:rPr lang="en-US" baseline="0" dirty="0"/>
-              <a:t> Switzerland. If you want to know more about me listen to episode 77 of developer on fire</a:t>
-            </a:r>
-            <a:endParaRPr lang="en-US" dirty="0"/>
-          </a:p>
-          <a:p>
-            <a:r>
-              <a:rPr lang="en-US" dirty="0"/>
-              <a:t>You can reach me on twitter under @</a:t>
-            </a:r>
-            <a:r>
-              <a:rPr lang="en-US" dirty="0" err="1"/>
-              <a:t>danielmarbach</a:t>
-            </a:r>
-            <a:endParaRPr lang="en-US" dirty="0"/>
-          </a:p>
-          <a:p>
-            <a:r>
-              <a:rPr lang="en-US" dirty="0"/>
-              <a:t>I blog on the particular blog and on my personal blog</a:t>
-            </a:r>
-          </a:p>
-          <a:p>
-            <a:r>
-              <a:rPr lang="en-US" dirty="0"/>
-              <a:t>I’m the lead behind the </a:t>
-            </a:r>
-            <a:r>
-              <a:rPr lang="en-US" dirty="0" err="1"/>
-              <a:t>asyncification</a:t>
-            </a:r>
-            <a:r>
-              <a:rPr lang="en-US" baseline="0" dirty="0"/>
-              <a:t> of </a:t>
-            </a:r>
-            <a:r>
-              <a:rPr lang="en-US" baseline="0" dirty="0" err="1"/>
-              <a:t>NServiceBus</a:t>
-            </a:r>
-            <a:r>
-              <a:rPr lang="en-US" baseline="0" dirty="0"/>
-              <a:t> and the ecosystem around it</a:t>
-            </a:r>
-          </a:p>
-          <a:p>
-            <a:r>
-              <a:rPr lang="en-US" baseline="0" dirty="0"/>
-              <a:t>I regularly contribute back ideas and code changes to </a:t>
-            </a:r>
-            <a:r>
-              <a:rPr lang="en-US" baseline="0" dirty="0" err="1"/>
-              <a:t>asyncify</a:t>
-            </a:r>
-            <a:r>
-              <a:rPr lang="en-US" baseline="0" dirty="0"/>
-              <a:t> the .NET OSS libraries and frameworks out there. So far I contributed to Entity Framework, </a:t>
-            </a:r>
-            <a:r>
-              <a:rPr lang="en-US" baseline="0" dirty="0" err="1"/>
-              <a:t>RabbitMQ</a:t>
-            </a:r>
-            <a:r>
-              <a:rPr lang="en-US" baseline="0" dirty="0"/>
-              <a:t>, Marten, </a:t>
-            </a:r>
-            <a:r>
-              <a:rPr lang="en-US" baseline="0" dirty="0" err="1"/>
-              <a:t>MassTransit</a:t>
-            </a:r>
-            <a:r>
-              <a:rPr lang="en-US" baseline="0" dirty="0"/>
-              <a:t>, Quartz.NET and many more</a:t>
+              <a:t>Questions that can be answered in blog posts</a:t>
             </a:r>
             <a:endParaRPr lang="de-CH" dirty="0"/>
           </a:p>
@@ -4425,7 +4398,7 @@
     </p:spTree>
     <p:extLst>
       <p:ext uri="{BB962C8B-B14F-4D97-AF65-F5344CB8AC3E}">
-        <p14:creationId xmlns:p14="http://schemas.microsoft.com/office/powerpoint/2010/main" val="88145516"/>
+        <p14:creationId xmlns:p14="http://schemas.microsoft.com/office/powerpoint/2010/main" val="3670487613"/>
       </p:ext>
     </p:extLst>
   </p:cSld>
@@ -4479,14 +4452,6 @@
           <a:bodyPr/>
           <a:lstStyle/>
           <a:p>
-            <a:r>
-              <a:rPr lang="de-CH" dirty="0"/>
-              <a:t>Thank you very much</a:t>
-            </a:r>
-            <a:r>
-              <a:rPr lang="de-CH" baseline="0" dirty="0"/>
-              <a:t> for listening and see you next time</a:t>
-            </a:r>
             <a:endParaRPr lang="de-CH" dirty="0"/>
           </a:p>
         </p:txBody>
@@ -4517,7 +4482,180 @@
     </p:spTree>
     <p:extLst>
       <p:ext uri="{BB962C8B-B14F-4D97-AF65-F5344CB8AC3E}">
-        <p14:creationId xmlns:p14="http://schemas.microsoft.com/office/powerpoint/2010/main" val="3949593976"/>
+        <p14:creationId xmlns:p14="http://schemas.microsoft.com/office/powerpoint/2010/main" val="978782014"/>
+      </p:ext>
+    </p:extLst>
+  </p:cSld>
+  <p:clrMapOvr>
+    <a:masterClrMapping/>
+  </p:clrMapOvr>
+</p:notes>
+</file>
+
+<file path=ppt/notesSlides/notesSlide39.xml><?xml version="1.0" encoding="utf-8"?>
+<p:notes xmlns:a="http://schemas.openxmlformats.org/drawingml/2006/main" xmlns:r="http://schemas.openxmlformats.org/officeDocument/2006/relationships" xmlns:p="http://schemas.openxmlformats.org/presentationml/2006/main">
+  <p:cSld>
+    <p:spTree>
+      <p:nvGrpSpPr>
+        <p:cNvPr id="1" name=""/>
+        <p:cNvGrpSpPr/>
+        <p:nvPr/>
+      </p:nvGrpSpPr>
+      <p:grpSpPr>
+        <a:xfrm>
+          <a:off x="0" y="0"/>
+          <a:ext cx="0" cy="0"/>
+          <a:chOff x="0" y="0"/>
+          <a:chExt cx="0" cy="0"/>
+        </a:xfrm>
+      </p:grpSpPr>
+      <p:sp>
+        <p:nvSpPr>
+          <p:cNvPr id="2" name="Slide Image Placeholder 1"/>
+          <p:cNvSpPr>
+            <a:spLocks noGrp="1" noRot="1" noChangeAspect="1"/>
+          </p:cNvSpPr>
+          <p:nvPr>
+            <p:ph type="sldImg"/>
+          </p:nvPr>
+        </p:nvSpPr>
+        <p:spPr/>
+      </p:sp>
+      <p:sp>
+        <p:nvSpPr>
+          <p:cNvPr id="3" name="Notes Placeholder 2"/>
+          <p:cNvSpPr>
+            <a:spLocks noGrp="1"/>
+          </p:cNvSpPr>
+          <p:nvPr>
+            <p:ph type="body" idx="1"/>
+          </p:nvPr>
+        </p:nvSpPr>
+        <p:spPr/>
+        <p:txBody>
+          <a:bodyPr/>
+          <a:lstStyle/>
+          <a:p>
+            <a:r>
+              <a:rPr lang="en-US" dirty="0"/>
+              <a:t>I’m Daniel, </a:t>
+            </a:r>
+            <a:r>
+              <a:rPr lang="en-US"/>
+              <a:t>Solution Engineer…</a:t>
+            </a:r>
+            <a:endParaRPr lang="en-US" dirty="0"/>
+          </a:p>
+          <a:p>
+            <a:r>
+              <a:rPr lang="en-US" dirty="0"/>
+              <a:t>I live in central</a:t>
+            </a:r>
+            <a:r>
+              <a:rPr lang="en-US" baseline="0" dirty="0"/>
+              <a:t> Switzerland. If you want to know more about me listen to episode 77 of developer on fire</a:t>
+            </a:r>
+            <a:endParaRPr lang="en-US" dirty="0"/>
+          </a:p>
+          <a:p>
+            <a:r>
+              <a:rPr lang="en-US" dirty="0"/>
+              <a:t>You can reach me on twitter under @</a:t>
+            </a:r>
+            <a:r>
+              <a:rPr lang="en-US" dirty="0" err="1"/>
+              <a:t>danielmarbach</a:t>
+            </a:r>
+            <a:endParaRPr lang="en-US" dirty="0"/>
+          </a:p>
+          <a:p>
+            <a:r>
+              <a:rPr lang="en-US" dirty="0"/>
+              <a:t>I blog on the particular blog and on my personal blog</a:t>
+            </a:r>
+          </a:p>
+          <a:p>
+            <a:r>
+              <a:rPr lang="en-US" dirty="0"/>
+              <a:t>I’m the lead behind the </a:t>
+            </a:r>
+            <a:r>
+              <a:rPr lang="en-US" dirty="0" err="1"/>
+              <a:t>asyncification</a:t>
+            </a:r>
+            <a:r>
+              <a:rPr lang="en-US" baseline="0" dirty="0"/>
+              <a:t> of </a:t>
+            </a:r>
+            <a:r>
+              <a:rPr lang="en-US" baseline="0" dirty="0" err="1"/>
+              <a:t>NServiceBus</a:t>
+            </a:r>
+            <a:r>
+              <a:rPr lang="en-US" baseline="0" dirty="0"/>
+              <a:t> and the ecosystem around it</a:t>
+            </a:r>
+          </a:p>
+          <a:p>
+            <a:r>
+              <a:rPr lang="en-US" baseline="0" dirty="0"/>
+              <a:t>I regularly contribute back ideas and code changes to </a:t>
+            </a:r>
+            <a:r>
+              <a:rPr lang="en-US" baseline="0" dirty="0" err="1"/>
+              <a:t>asyncify</a:t>
+            </a:r>
+            <a:r>
+              <a:rPr lang="en-US" baseline="0" dirty="0"/>
+              <a:t> the .NET OSS libraries and frameworks out there. So far I contributed to Entity Framework, </a:t>
+            </a:r>
+            <a:r>
+              <a:rPr lang="en-US" baseline="0" dirty="0" err="1"/>
+              <a:t>RabbitMQ</a:t>
+            </a:r>
+            <a:r>
+              <a:rPr lang="en-US" baseline="0" dirty="0"/>
+              <a:t>, Marten, </a:t>
+            </a:r>
+            <a:r>
+              <a:rPr lang="en-US" baseline="0" dirty="0" err="1"/>
+              <a:t>MassTransit</a:t>
+            </a:r>
+            <a:r>
+              <a:rPr lang="en-US" baseline="0" dirty="0"/>
+              <a:t>, Quartz.NET and many more</a:t>
+            </a:r>
+            <a:endParaRPr lang="de-CH" dirty="0"/>
+          </a:p>
+        </p:txBody>
+      </p:sp>
+      <p:sp>
+        <p:nvSpPr>
+          <p:cNvPr id="4" name="Slide Number Placeholder 3"/>
+          <p:cNvSpPr>
+            <a:spLocks noGrp="1"/>
+          </p:cNvSpPr>
+          <p:nvPr>
+            <p:ph type="sldNum" sz="quarter" idx="10"/>
+          </p:nvPr>
+        </p:nvSpPr>
+        <p:spPr/>
+        <p:txBody>
+          <a:bodyPr/>
+          <a:lstStyle/>
+          <a:p>
+            <a:fld id="{9BCA07FD-5BD5-4529-84B0-48DD2C561176}" type="slidenum">
+              <a:rPr lang="de-CH" smtClean="0"/>
+              <a:t>39</a:t>
+            </a:fld>
+            <a:endParaRPr lang="de-CH"/>
+          </a:p>
+        </p:txBody>
+      </p:sp>
+    </p:spTree>
+    <p:extLst>
+      <p:ext uri="{BB962C8B-B14F-4D97-AF65-F5344CB8AC3E}">
+        <p14:creationId xmlns:p14="http://schemas.microsoft.com/office/powerpoint/2010/main" val="88145516"/>
       </p:ext>
     </p:extLst>
   </p:cSld>
@@ -4648,6 +4786,98 @@
     <p:extLst>
       <p:ext uri="{BB962C8B-B14F-4D97-AF65-F5344CB8AC3E}">
         <p14:creationId xmlns:p14="http://schemas.microsoft.com/office/powerpoint/2010/main" val="2586203513"/>
+      </p:ext>
+    </p:extLst>
+  </p:cSld>
+  <p:clrMapOvr>
+    <a:masterClrMapping/>
+  </p:clrMapOvr>
+</p:notes>
+</file>
+
+<file path=ppt/notesSlides/notesSlide40.xml><?xml version="1.0" encoding="utf-8"?>
+<p:notes xmlns:a="http://schemas.openxmlformats.org/drawingml/2006/main" xmlns:r="http://schemas.openxmlformats.org/officeDocument/2006/relationships" xmlns:p="http://schemas.openxmlformats.org/presentationml/2006/main">
+  <p:cSld>
+    <p:spTree>
+      <p:nvGrpSpPr>
+        <p:cNvPr id="1" name=""/>
+        <p:cNvGrpSpPr/>
+        <p:nvPr/>
+      </p:nvGrpSpPr>
+      <p:grpSpPr>
+        <a:xfrm>
+          <a:off x="0" y="0"/>
+          <a:ext cx="0" cy="0"/>
+          <a:chOff x="0" y="0"/>
+          <a:chExt cx="0" cy="0"/>
+        </a:xfrm>
+      </p:grpSpPr>
+      <p:sp>
+        <p:nvSpPr>
+          <p:cNvPr id="2" name="Slide Image Placeholder 1"/>
+          <p:cNvSpPr>
+            <a:spLocks noGrp="1" noRot="1" noChangeAspect="1"/>
+          </p:cNvSpPr>
+          <p:nvPr>
+            <p:ph type="sldImg"/>
+          </p:nvPr>
+        </p:nvSpPr>
+        <p:spPr/>
+      </p:sp>
+      <p:sp>
+        <p:nvSpPr>
+          <p:cNvPr id="3" name="Notes Placeholder 2"/>
+          <p:cNvSpPr>
+            <a:spLocks noGrp="1"/>
+          </p:cNvSpPr>
+          <p:nvPr>
+            <p:ph type="body" idx="1"/>
+          </p:nvPr>
+        </p:nvSpPr>
+        <p:spPr/>
+        <p:txBody>
+          <a:bodyPr/>
+          <a:lstStyle/>
+          <a:p>
+            <a:r>
+              <a:rPr lang="de-CH" dirty="0"/>
+              <a:t>Thank you very much</a:t>
+            </a:r>
+            <a:r>
+              <a:rPr lang="de-CH" baseline="0" dirty="0"/>
+              <a:t> for listening and see you next time</a:t>
+            </a:r>
+            <a:endParaRPr lang="de-CH" dirty="0"/>
+          </a:p>
+        </p:txBody>
+      </p:sp>
+      <p:sp>
+        <p:nvSpPr>
+          <p:cNvPr id="4" name="Slide Number Placeholder 3"/>
+          <p:cNvSpPr>
+            <a:spLocks noGrp="1"/>
+          </p:cNvSpPr>
+          <p:nvPr>
+            <p:ph type="sldNum" sz="quarter" idx="10"/>
+          </p:nvPr>
+        </p:nvSpPr>
+        <p:spPr/>
+        <p:txBody>
+          <a:bodyPr/>
+          <a:lstStyle/>
+          <a:p>
+            <a:fld id="{9BCA07FD-5BD5-4529-84B0-48DD2C561176}" type="slidenum">
+              <a:rPr lang="de-CH" smtClean="0"/>
+              <a:t>40</a:t>
+            </a:fld>
+            <a:endParaRPr lang="de-CH"/>
+          </a:p>
+        </p:txBody>
+      </p:sp>
+    </p:spTree>
+    <p:extLst>
+      <p:ext uri="{BB962C8B-B14F-4D97-AF65-F5344CB8AC3E}">
+        <p14:creationId xmlns:p14="http://schemas.microsoft.com/office/powerpoint/2010/main" val="3949593976"/>
       </p:ext>
     </p:extLst>
   </p:cSld>
@@ -22093,6 +22323,84 @@
   <p:clrMapOvr>
     <a:masterClrMapping/>
   </p:clrMapOvr>
+  <p:timing>
+    <p:tnLst>
+      <p:par>
+        <p:cTn id="1" dur="indefinite" restart="never" nodeType="tmRoot">
+          <p:childTnLst>
+            <p:seq concurrent="1" nextAc="seek">
+              <p:cTn id="2" dur="indefinite" nodeType="mainSeq">
+                <p:childTnLst>
+                  <p:par>
+                    <p:cTn id="3" fill="hold">
+                      <p:stCondLst>
+                        <p:cond delay="indefinite"/>
+                      </p:stCondLst>
+                      <p:childTnLst>
+                        <p:par>
+                          <p:cTn id="4" fill="hold">
+                            <p:stCondLst>
+                              <p:cond delay="0"/>
+                            </p:stCondLst>
+                            <p:childTnLst>
+                              <p:par>
+                                <p:cTn id="5" presetID="1" presetClass="entr" presetSubtype="0" fill="hold" grpId="0" nodeType="clickEffect">
+                                  <p:stCondLst>
+                                    <p:cond delay="0"/>
+                                  </p:stCondLst>
+                                  <p:childTnLst>
+                                    <p:set>
+                                      <p:cBhvr>
+                                        <p:cTn id="6" dur="1" fill="hold">
+                                          <p:stCondLst>
+                                            <p:cond delay="0"/>
+                                          </p:stCondLst>
+                                        </p:cTn>
+                                        <p:tgtEl>
+                                          <p:spTgt spid="34"/>
+                                        </p:tgtEl>
+                                        <p:attrNameLst>
+                                          <p:attrName>style.visibility</p:attrName>
+                                        </p:attrNameLst>
+                                      </p:cBhvr>
+                                      <p:to>
+                                        <p:strVal val="visible"/>
+                                      </p:to>
+                                    </p:set>
+                                  </p:childTnLst>
+                                </p:cTn>
+                              </p:par>
+                            </p:childTnLst>
+                          </p:cTn>
+                        </p:par>
+                      </p:childTnLst>
+                    </p:cTn>
+                  </p:par>
+                </p:childTnLst>
+              </p:cTn>
+              <p:prevCondLst>
+                <p:cond evt="onPrev" delay="0">
+                  <p:tgtEl>
+                    <p:sldTgt/>
+                  </p:tgtEl>
+                </p:cond>
+              </p:prevCondLst>
+              <p:nextCondLst>
+                <p:cond evt="onNext" delay="0">
+                  <p:tgtEl>
+                    <p:sldTgt/>
+                  </p:tgtEl>
+                </p:cond>
+              </p:nextCondLst>
+            </p:seq>
+          </p:childTnLst>
+        </p:cTn>
+      </p:par>
+    </p:tnLst>
+    <p:bldLst>
+      <p:bldP spid="34" grpId="0"/>
+    </p:bldLst>
+  </p:timing>
 </p:sld>
 </file>
 
@@ -23265,7 +23573,7 @@
           </a:prstGeom>
           <a:ln w="19050">
             <a:solidFill>
-              <a:schemeClr val="tx2"/>
+              <a:schemeClr val="accent4"/>
             </a:solidFill>
             <a:tailEnd type="triangle"/>
           </a:ln>
@@ -23448,6 +23756,84 @@
   <p:clrMapOvr>
     <a:masterClrMapping/>
   </p:clrMapOvr>
+  <p:timing>
+    <p:tnLst>
+      <p:par>
+        <p:cTn id="1" dur="indefinite" restart="never" nodeType="tmRoot">
+          <p:childTnLst>
+            <p:seq concurrent="1" nextAc="seek">
+              <p:cTn id="2" dur="indefinite" nodeType="mainSeq">
+                <p:childTnLst>
+                  <p:par>
+                    <p:cTn id="3" fill="hold">
+                      <p:stCondLst>
+                        <p:cond delay="indefinite"/>
+                      </p:stCondLst>
+                      <p:childTnLst>
+                        <p:par>
+                          <p:cTn id="4" fill="hold">
+                            <p:stCondLst>
+                              <p:cond delay="0"/>
+                            </p:stCondLst>
+                            <p:childTnLst>
+                              <p:par>
+                                <p:cTn id="5" presetID="1" presetClass="entr" presetSubtype="0" fill="hold" grpId="0" nodeType="clickEffect">
+                                  <p:stCondLst>
+                                    <p:cond delay="0"/>
+                                  </p:stCondLst>
+                                  <p:childTnLst>
+                                    <p:set>
+                                      <p:cBhvr>
+                                        <p:cTn id="6" dur="1" fill="hold">
+                                          <p:stCondLst>
+                                            <p:cond delay="0"/>
+                                          </p:stCondLst>
+                                        </p:cTn>
+                                        <p:tgtEl>
+                                          <p:spTgt spid="20"/>
+                                        </p:tgtEl>
+                                        <p:attrNameLst>
+                                          <p:attrName>style.visibility</p:attrName>
+                                        </p:attrNameLst>
+                                      </p:cBhvr>
+                                      <p:to>
+                                        <p:strVal val="visible"/>
+                                      </p:to>
+                                    </p:set>
+                                  </p:childTnLst>
+                                </p:cTn>
+                              </p:par>
+                            </p:childTnLst>
+                          </p:cTn>
+                        </p:par>
+                      </p:childTnLst>
+                    </p:cTn>
+                  </p:par>
+                </p:childTnLst>
+              </p:cTn>
+              <p:prevCondLst>
+                <p:cond evt="onPrev" delay="0">
+                  <p:tgtEl>
+                    <p:sldTgt/>
+                  </p:tgtEl>
+                </p:cond>
+              </p:prevCondLst>
+              <p:nextCondLst>
+                <p:cond evt="onNext" delay="0">
+                  <p:tgtEl>
+                    <p:sldTgt/>
+                  </p:tgtEl>
+                </p:cond>
+              </p:nextCondLst>
+            </p:seq>
+          </p:childTnLst>
+        </p:cTn>
+      </p:par>
+    </p:tnLst>
+    <p:bldLst>
+      <p:bldP spid="20" grpId="0"/>
+    </p:bldLst>
+  </p:timing>
 </p:sld>
 </file>
 
@@ -24678,8 +25064,8 @@
         </p:nvSpPr>
         <p:spPr>
           <a:xfrm>
-            <a:off x="3858849" y="1851645"/>
-            <a:ext cx="4485523" cy="3154710"/>
+            <a:off x="568686" y="2105561"/>
+            <a:ext cx="11054629" cy="2646878"/>
           </a:xfrm>
           <a:prstGeom prst="rect">
             <a:avLst/>
@@ -24692,22 +25078,22 @@
           <a:lstStyle/>
           <a:p>
             <a:r>
-              <a:rPr lang="en-US" sz="19900" dirty="0">
+              <a:rPr lang="en-US" sz="16600" dirty="0">
                 <a:solidFill>
                   <a:schemeClr val="accent2"/>
                 </a:solidFill>
                 <a:latin typeface="Yanone Kaffeesatz Regular" panose="02000000000000000000" pitchFamily="2" charset="0"/>
               </a:rPr>
-              <a:t>Demo</a:t>
-            </a:r>
-            <a:endParaRPr lang="de-CH" sz="2000" dirty="0"/>
+              <a:t>Process Manager</a:t>
+            </a:r>
+            <a:endParaRPr lang="de-CH" dirty="0"/>
           </a:p>
         </p:txBody>
       </p:sp>
     </p:spTree>
     <p:extLst>
       <p:ext uri="{BB962C8B-B14F-4D97-AF65-F5344CB8AC3E}">
-        <p14:creationId xmlns:p14="http://schemas.microsoft.com/office/powerpoint/2010/main" val="1485510424"/>
+        <p14:creationId xmlns:p14="http://schemas.microsoft.com/office/powerpoint/2010/main" val="64455746"/>
       </p:ext>
     </p:extLst>
   </p:cSld>
@@ -24736,77 +25122,860 @@
       </p:grpSpPr>
       <p:sp>
         <p:nvSpPr>
-          <p:cNvPr id="5" name="Rectangle 4"/>
+          <p:cNvPr id="2" name="Rectangle 1"/>
           <p:cNvSpPr/>
           <p:nvPr/>
         </p:nvSpPr>
         <p:spPr>
           <a:xfrm>
-            <a:off x="0" y="1952437"/>
-            <a:ext cx="4999912" cy="2646878"/>
+            <a:off x="4429728" y="2118730"/>
+            <a:ext cx="2740506" cy="2414241"/>
           </a:xfrm>
           <a:prstGeom prst="rect">
             <a:avLst/>
           </a:prstGeom>
-        </p:spPr>
-        <p:txBody>
-          <a:bodyPr wrap="square">
+          <a:solidFill>
+            <a:schemeClr val="tx2"/>
+          </a:solidFill>
+          <a:ln>
+            <a:noFill/>
+          </a:ln>
+        </p:spPr>
+        <p:style>
+          <a:lnRef idx="2">
+            <a:schemeClr val="accent1">
+              <a:shade val="50000"/>
+            </a:schemeClr>
+          </a:lnRef>
+          <a:fillRef idx="1">
+            <a:schemeClr val="accent1"/>
+          </a:fillRef>
+          <a:effectRef idx="0">
+            <a:schemeClr val="accent1"/>
+          </a:effectRef>
+          <a:fontRef idx="minor">
+            <a:schemeClr val="lt1"/>
+          </a:fontRef>
+        </p:style>
+        <p:txBody>
+          <a:bodyPr rot="0" spcFirstLastPara="0" vertOverflow="overflow" horzOverflow="overflow" vert="horz" wrap="square" lIns="91440" tIns="45720" rIns="91440" bIns="45720" numCol="1" spcCol="0" rtlCol="0" fromWordArt="0" anchor="ctr" anchorCtr="0" forceAA="0" compatLnSpc="1">
+            <a:prstTxWarp prst="textNoShape">
+              <a:avLst/>
+            </a:prstTxWarp>
+            <a:noAutofit/>
+          </a:bodyPr>
+          <a:lstStyle/>
+          <a:p>
+            <a:pPr algn="ctr"/>
+            <a:r>
+              <a:rPr lang="en-US" sz="2400" dirty="0" err="1">
+                <a:latin typeface="Yanone Kaffeesatz Light" panose="02000000000000000000" pitchFamily="2" charset="0"/>
+              </a:rPr>
+              <a:t>ChocolateOrder</a:t>
+            </a:r>
+            <a:br>
+              <a:rPr lang="en-US" sz="2400" dirty="0">
+                <a:latin typeface="Yanone Kaffeesatz Light" panose="02000000000000000000" pitchFamily="2" charset="0"/>
+              </a:rPr>
+            </a:br>
+            <a:r>
+              <a:rPr lang="en-US" sz="2400" dirty="0" err="1">
+                <a:latin typeface="Yanone Kaffeesatz Light" panose="02000000000000000000" pitchFamily="2" charset="0"/>
+              </a:rPr>
+              <a:t>ProcessManager</a:t>
+            </a:r>
+            <a:endParaRPr lang="de-CH" sz="2400" dirty="0">
+              <a:latin typeface="Yanone Kaffeesatz Light" panose="02000000000000000000" pitchFamily="2" charset="0"/>
+            </a:endParaRPr>
+          </a:p>
+        </p:txBody>
+      </p:sp>
+      <p:sp>
+        <p:nvSpPr>
+          <p:cNvPr id="3" name="Flowchart: Card 2"/>
+          <p:cNvSpPr/>
+          <p:nvPr/>
+        </p:nvSpPr>
+        <p:spPr>
+          <a:xfrm>
+            <a:off x="5433329" y="870000"/>
+            <a:ext cx="767772" cy="560367"/>
+          </a:xfrm>
+          <a:prstGeom prst="flowChartPunchedCard">
+            <a:avLst/>
+          </a:prstGeom>
+          <a:solidFill>
+            <a:schemeClr val="accent4"/>
+          </a:solidFill>
+          <a:ln>
+            <a:noFill/>
+          </a:ln>
+        </p:spPr>
+        <p:style>
+          <a:lnRef idx="2">
+            <a:schemeClr val="accent1">
+              <a:shade val="50000"/>
+            </a:schemeClr>
+          </a:lnRef>
+          <a:fillRef idx="1">
+            <a:schemeClr val="accent1"/>
+          </a:fillRef>
+          <a:effectRef idx="0">
+            <a:schemeClr val="accent1"/>
+          </a:effectRef>
+          <a:fontRef idx="minor">
+            <a:schemeClr val="lt1"/>
+          </a:fontRef>
+        </p:style>
+        <p:txBody>
+          <a:bodyPr rtlCol="0" anchor="ctr"/>
+          <a:lstStyle/>
+          <a:p>
+            <a:pPr algn="ctr"/>
+            <a:r>
+              <a:rPr lang="en-US" sz="2400" dirty="0" err="1">
+                <a:latin typeface="Yanone Kaffeesatz Light" panose="02000000000000000000" pitchFamily="2" charset="0"/>
+              </a:rPr>
+              <a:t>Evnt</a:t>
+            </a:r>
+            <a:endParaRPr lang="de-CH" sz="2400" dirty="0">
+              <a:latin typeface="Yanone Kaffeesatz Light" panose="02000000000000000000" pitchFamily="2" charset="0"/>
+            </a:endParaRPr>
+          </a:p>
+        </p:txBody>
+      </p:sp>
+      <p:sp>
+        <p:nvSpPr>
+          <p:cNvPr id="4" name="Rectangle 3"/>
+          <p:cNvSpPr/>
+          <p:nvPr/>
+        </p:nvSpPr>
+        <p:spPr>
+          <a:xfrm>
+            <a:off x="5187074" y="554280"/>
+            <a:ext cx="1433406" cy="369332"/>
+          </a:xfrm>
+          <a:prstGeom prst="rect">
+            <a:avLst/>
+          </a:prstGeom>
+        </p:spPr>
+        <p:txBody>
+          <a:bodyPr wrap="none">
             <a:spAutoFit/>
           </a:bodyPr>
           <a:lstStyle/>
           <a:p>
-            <a:pPr algn="ctr"/>
-            <a:r>
-              <a:rPr lang="en-US" sz="16600" dirty="0">
+            <a:r>
+              <a:rPr lang="en-US" dirty="0" err="1">
                 <a:solidFill>
                   <a:schemeClr val="accent2"/>
                 </a:solidFill>
                 <a:latin typeface="Yanone Kaffeesatz Regular" panose="02000000000000000000" pitchFamily="2" charset="0"/>
               </a:rPr>
-              <a:t>Recap</a:t>
-            </a:r>
-            <a:endParaRPr lang="de-CH" dirty="0"/>
-          </a:p>
-        </p:txBody>
-      </p:sp>
-      <p:sp>
-        <p:nvSpPr>
-          <p:cNvPr id="7" name="Rectangle 6"/>
+              <a:t>ChocolateOrdered</a:t>
+            </a:r>
+            <a:endParaRPr lang="de-CH" dirty="0">
+              <a:solidFill>
+                <a:schemeClr val="accent2"/>
+              </a:solidFill>
+            </a:endParaRPr>
+          </a:p>
+        </p:txBody>
+      </p:sp>
+      <p:sp>
+        <p:nvSpPr>
+          <p:cNvPr id="5" name="Flowchart: Card 4"/>
           <p:cNvSpPr/>
           <p:nvPr/>
         </p:nvSpPr>
         <p:spPr>
           <a:xfrm>
-            <a:off x="1" y="4399885"/>
-            <a:ext cx="6494332" cy="1200329"/>
+            <a:off x="2550545" y="3052391"/>
+            <a:ext cx="767772" cy="560367"/>
+          </a:xfrm>
+          <a:prstGeom prst="flowChartPunchedCard">
+            <a:avLst/>
+          </a:prstGeom>
+          <a:solidFill>
+            <a:schemeClr val="accent4"/>
+          </a:solidFill>
+          <a:ln>
+            <a:noFill/>
+          </a:ln>
+        </p:spPr>
+        <p:style>
+          <a:lnRef idx="2">
+            <a:schemeClr val="accent1">
+              <a:shade val="50000"/>
+            </a:schemeClr>
+          </a:lnRef>
+          <a:fillRef idx="1">
+            <a:schemeClr val="accent1"/>
+          </a:fillRef>
+          <a:effectRef idx="0">
+            <a:schemeClr val="accent1"/>
+          </a:effectRef>
+          <a:fontRef idx="minor">
+            <a:schemeClr val="lt1"/>
+          </a:fontRef>
+        </p:style>
+        <p:txBody>
+          <a:bodyPr rtlCol="0" anchor="ctr"/>
+          <a:lstStyle/>
+          <a:p>
+            <a:pPr algn="ctr"/>
+            <a:r>
+              <a:rPr lang="en-US" sz="2400" dirty="0" err="1">
+                <a:latin typeface="Yanone Kaffeesatz Light" panose="02000000000000000000" pitchFamily="2" charset="0"/>
+              </a:rPr>
+              <a:t>Cmd</a:t>
+            </a:r>
+            <a:endParaRPr lang="de-CH" sz="2400" dirty="0">
+              <a:latin typeface="Yanone Kaffeesatz Light" panose="02000000000000000000" pitchFamily="2" charset="0"/>
+            </a:endParaRPr>
+          </a:p>
+        </p:txBody>
+      </p:sp>
+      <p:sp>
+        <p:nvSpPr>
+          <p:cNvPr id="6" name="Rectangle 5"/>
+          <p:cNvSpPr/>
+          <p:nvPr/>
+        </p:nvSpPr>
+        <p:spPr>
+          <a:xfrm>
+            <a:off x="2304290" y="2736671"/>
+            <a:ext cx="1260281" cy="369332"/>
           </a:xfrm>
           <a:prstGeom prst="rect">
             <a:avLst/>
           </a:prstGeom>
         </p:spPr>
         <p:txBody>
-          <a:bodyPr wrap="square">
+          <a:bodyPr wrap="none">
             <a:spAutoFit/>
           </a:bodyPr>
           <a:lstStyle/>
           <a:p>
-            <a:pPr algn="ctr"/>
-            <a:r>
-              <a:rPr lang="en-US" sz="7200" dirty="0">
+            <a:r>
+              <a:rPr lang="en-US" dirty="0" err="1">
                 <a:solidFill>
-                  <a:schemeClr val="accent3"/>
+                  <a:schemeClr val="accent2"/>
                 </a:solidFill>
                 <a:latin typeface="Yanone Kaffeesatz Regular" panose="02000000000000000000" pitchFamily="2" charset="0"/>
               </a:rPr>
-              <a:t>reminder</a:t>
-            </a:r>
+              <a:t>OrderChocolate</a:t>
+            </a:r>
+            <a:endParaRPr lang="de-CH" dirty="0">
+              <a:solidFill>
+                <a:schemeClr val="accent2"/>
+              </a:solidFill>
+            </a:endParaRPr>
+          </a:p>
+        </p:txBody>
+      </p:sp>
+      <p:cxnSp>
+        <p:nvCxnSpPr>
+          <p:cNvPr id="7" name="Straight Arrow Connector 6"/>
+          <p:cNvCxnSpPr>
+            <a:cxnSpLocks/>
+          </p:cNvCxnSpPr>
+          <p:nvPr/>
+        </p:nvCxnSpPr>
+        <p:spPr>
+          <a:xfrm>
+            <a:off x="5810769" y="1430367"/>
+            <a:ext cx="0" cy="682786"/>
+          </a:xfrm>
+          <a:prstGeom prst="straightConnector1">
+            <a:avLst/>
+          </a:prstGeom>
+          <a:ln w="19050">
+            <a:solidFill>
+              <a:schemeClr val="accent4"/>
+            </a:solidFill>
+            <a:tailEnd type="triangle"/>
+          </a:ln>
+        </p:spPr>
+        <p:style>
+          <a:lnRef idx="1">
+            <a:schemeClr val="accent1"/>
+          </a:lnRef>
+          <a:fillRef idx="0">
+            <a:schemeClr val="accent1"/>
+          </a:fillRef>
+          <a:effectRef idx="0">
+            <a:schemeClr val="accent1"/>
+          </a:effectRef>
+          <a:fontRef idx="minor">
+            <a:schemeClr val="tx1"/>
+          </a:fontRef>
+        </p:style>
+      </p:cxnSp>
+      <p:cxnSp>
+        <p:nvCxnSpPr>
+          <p:cNvPr id="10" name="Straight Arrow Connector 9"/>
+          <p:cNvCxnSpPr>
+            <a:cxnSpLocks/>
+            <a:stCxn id="5" idx="3"/>
+          </p:cNvCxnSpPr>
+          <p:nvPr/>
+        </p:nvCxnSpPr>
+        <p:spPr>
+          <a:xfrm>
+            <a:off x="3318317" y="3332575"/>
+            <a:ext cx="1122562" cy="0"/>
+          </a:xfrm>
+          <a:prstGeom prst="straightConnector1">
+            <a:avLst/>
+          </a:prstGeom>
+          <a:ln w="19050">
+            <a:solidFill>
+              <a:schemeClr val="accent4"/>
+            </a:solidFill>
+            <a:tailEnd type="triangle"/>
+          </a:ln>
+        </p:spPr>
+        <p:style>
+          <a:lnRef idx="1">
+            <a:schemeClr val="accent1"/>
+          </a:lnRef>
+          <a:fillRef idx="0">
+            <a:schemeClr val="accent1"/>
+          </a:fillRef>
+          <a:effectRef idx="0">
+            <a:schemeClr val="accent1"/>
+          </a:effectRef>
+          <a:fontRef idx="minor">
+            <a:schemeClr val="tx1"/>
+          </a:fontRef>
+        </p:style>
+      </p:cxnSp>
+      <p:cxnSp>
+        <p:nvCxnSpPr>
+          <p:cNvPr id="13" name="Straight Arrow Connector 12"/>
+          <p:cNvCxnSpPr>
+            <a:cxnSpLocks/>
+          </p:cNvCxnSpPr>
+          <p:nvPr/>
+        </p:nvCxnSpPr>
+        <p:spPr>
+          <a:xfrm>
+            <a:off x="7170234" y="2783836"/>
+            <a:ext cx="1122562" cy="0"/>
+          </a:xfrm>
+          <a:prstGeom prst="straightConnector1">
+            <a:avLst/>
+          </a:prstGeom>
+          <a:ln w="19050">
+            <a:solidFill>
+              <a:schemeClr val="accent4"/>
+            </a:solidFill>
+            <a:tailEnd type="triangle"/>
+          </a:ln>
+        </p:spPr>
+        <p:style>
+          <a:lnRef idx="1">
+            <a:schemeClr val="accent1"/>
+          </a:lnRef>
+          <a:fillRef idx="0">
+            <a:schemeClr val="accent1"/>
+          </a:fillRef>
+          <a:effectRef idx="0">
+            <a:schemeClr val="accent1"/>
+          </a:effectRef>
+          <a:fontRef idx="minor">
+            <a:schemeClr val="tx1"/>
+          </a:fontRef>
+        </p:style>
+      </p:cxnSp>
+      <p:sp>
+        <p:nvSpPr>
+          <p:cNvPr id="18" name="Flowchart: Card 17"/>
+          <p:cNvSpPr/>
+          <p:nvPr/>
+        </p:nvSpPr>
+        <p:spPr>
+          <a:xfrm>
+            <a:off x="8292796" y="2460687"/>
+            <a:ext cx="767772" cy="560367"/>
+          </a:xfrm>
+          <a:prstGeom prst="flowChartPunchedCard">
+            <a:avLst/>
+          </a:prstGeom>
+          <a:solidFill>
+            <a:schemeClr val="accent4"/>
+          </a:solidFill>
+          <a:ln>
+            <a:noFill/>
+          </a:ln>
+        </p:spPr>
+        <p:style>
+          <a:lnRef idx="2">
+            <a:schemeClr val="accent1">
+              <a:shade val="50000"/>
+            </a:schemeClr>
+          </a:lnRef>
+          <a:fillRef idx="1">
+            <a:schemeClr val="accent1"/>
+          </a:fillRef>
+          <a:effectRef idx="0">
+            <a:schemeClr val="accent1"/>
+          </a:effectRef>
+          <a:fontRef idx="minor">
+            <a:schemeClr val="lt1"/>
+          </a:fontRef>
+        </p:style>
+        <p:txBody>
+          <a:bodyPr rtlCol="0" anchor="ctr"/>
+          <a:lstStyle/>
+          <a:p>
+            <a:pPr algn="ctr"/>
+            <a:r>
+              <a:rPr lang="en-US" sz="2400" dirty="0" err="1">
+                <a:latin typeface="Yanone Kaffeesatz Light" panose="02000000000000000000" pitchFamily="2" charset="0"/>
+              </a:rPr>
+              <a:t>Cmd</a:t>
+            </a:r>
+            <a:endParaRPr lang="de-CH" sz="2400" dirty="0">
+              <a:latin typeface="Yanone Kaffeesatz Light" panose="02000000000000000000" pitchFamily="2" charset="0"/>
+            </a:endParaRPr>
+          </a:p>
+        </p:txBody>
+      </p:sp>
+      <p:sp>
+        <p:nvSpPr>
+          <p:cNvPr id="19" name="Rectangle 18"/>
+          <p:cNvSpPr/>
+          <p:nvPr/>
+        </p:nvSpPr>
+        <p:spPr>
+          <a:xfrm>
+            <a:off x="8046541" y="2144967"/>
+            <a:ext cx="1165704" cy="369332"/>
+          </a:xfrm>
+          <a:prstGeom prst="rect">
+            <a:avLst/>
+          </a:prstGeom>
+        </p:spPr>
+        <p:txBody>
+          <a:bodyPr wrap="none">
+            <a:spAutoFit/>
+          </a:bodyPr>
+          <a:lstStyle/>
+          <a:p>
+            <a:r>
+              <a:rPr lang="en-US" dirty="0" err="1">
+                <a:solidFill>
+                  <a:schemeClr val="accent2"/>
+                </a:solidFill>
+                <a:latin typeface="Yanone Kaffeesatz Regular" panose="02000000000000000000" pitchFamily="2" charset="0"/>
+              </a:rPr>
+              <a:t>MakePayment</a:t>
+            </a:r>
+            <a:endParaRPr lang="de-CH" dirty="0">
+              <a:solidFill>
+                <a:schemeClr val="accent2"/>
+              </a:solidFill>
+            </a:endParaRPr>
+          </a:p>
+        </p:txBody>
+      </p:sp>
+      <p:sp>
+        <p:nvSpPr>
+          <p:cNvPr id="20" name="Flowchart: Card 19"/>
+          <p:cNvSpPr/>
+          <p:nvPr/>
+        </p:nvSpPr>
+        <p:spPr>
+          <a:xfrm>
+            <a:off x="8292796" y="3606311"/>
+            <a:ext cx="767772" cy="560367"/>
+          </a:xfrm>
+          <a:prstGeom prst="flowChartPunchedCard">
+            <a:avLst/>
+          </a:prstGeom>
+          <a:solidFill>
+            <a:schemeClr val="accent4"/>
+          </a:solidFill>
+          <a:ln>
+            <a:noFill/>
+          </a:ln>
+        </p:spPr>
+        <p:style>
+          <a:lnRef idx="2">
+            <a:schemeClr val="accent1">
+              <a:shade val="50000"/>
+            </a:schemeClr>
+          </a:lnRef>
+          <a:fillRef idx="1">
+            <a:schemeClr val="accent1"/>
+          </a:fillRef>
+          <a:effectRef idx="0">
+            <a:schemeClr val="accent1"/>
+          </a:effectRef>
+          <a:fontRef idx="minor">
+            <a:schemeClr val="lt1"/>
+          </a:fontRef>
+        </p:style>
+        <p:txBody>
+          <a:bodyPr rtlCol="0" anchor="ctr"/>
+          <a:lstStyle/>
+          <a:p>
+            <a:pPr algn="ctr"/>
+            <a:r>
+              <a:rPr lang="en-US" sz="2400" dirty="0" err="1">
+                <a:latin typeface="Yanone Kaffeesatz Light" panose="02000000000000000000" pitchFamily="2" charset="0"/>
+              </a:rPr>
+              <a:t>Evnt</a:t>
+            </a:r>
+            <a:endParaRPr lang="de-CH" sz="2400" dirty="0">
+              <a:latin typeface="Yanone Kaffeesatz Light" panose="02000000000000000000" pitchFamily="2" charset="0"/>
+            </a:endParaRPr>
+          </a:p>
+        </p:txBody>
+      </p:sp>
+      <p:sp>
+        <p:nvSpPr>
+          <p:cNvPr id="21" name="Rectangle 20"/>
+          <p:cNvSpPr/>
+          <p:nvPr/>
+        </p:nvSpPr>
+        <p:spPr>
+          <a:xfrm>
+            <a:off x="8129897" y="3285492"/>
+            <a:ext cx="998991" cy="369332"/>
+          </a:xfrm>
+          <a:prstGeom prst="rect">
+            <a:avLst/>
+          </a:prstGeom>
+        </p:spPr>
+        <p:txBody>
+          <a:bodyPr wrap="none">
+            <a:spAutoFit/>
+          </a:bodyPr>
+          <a:lstStyle/>
+          <a:p>
+            <a:r>
+              <a:rPr lang="en-US" dirty="0" err="1">
+                <a:solidFill>
+                  <a:schemeClr val="accent2"/>
+                </a:solidFill>
+                <a:latin typeface="Yanone Kaffeesatz Regular" panose="02000000000000000000" pitchFamily="2" charset="0"/>
+              </a:rPr>
+              <a:t>OrderPayed</a:t>
+            </a:r>
+            <a:endParaRPr lang="de-CH" dirty="0">
+              <a:solidFill>
+                <a:schemeClr val="accent2"/>
+              </a:solidFill>
+            </a:endParaRPr>
+          </a:p>
+        </p:txBody>
+      </p:sp>
+      <p:cxnSp>
+        <p:nvCxnSpPr>
+          <p:cNvPr id="22" name="Straight Arrow Connector 21"/>
+          <p:cNvCxnSpPr>
+            <a:cxnSpLocks/>
+            <a:stCxn id="20" idx="1"/>
+          </p:cNvCxnSpPr>
+          <p:nvPr/>
+        </p:nvCxnSpPr>
+        <p:spPr>
+          <a:xfrm flipH="1">
+            <a:off x="7170234" y="3886495"/>
+            <a:ext cx="1122562" cy="0"/>
+          </a:xfrm>
+          <a:prstGeom prst="straightConnector1">
+            <a:avLst/>
+          </a:prstGeom>
+          <a:ln w="19050">
+            <a:solidFill>
+              <a:schemeClr val="accent4"/>
+            </a:solidFill>
+            <a:tailEnd type="triangle"/>
+          </a:ln>
+        </p:spPr>
+        <p:style>
+          <a:lnRef idx="1">
+            <a:schemeClr val="accent1"/>
+          </a:lnRef>
+          <a:fillRef idx="0">
+            <a:schemeClr val="accent1"/>
+          </a:fillRef>
+          <a:effectRef idx="0">
+            <a:schemeClr val="accent1"/>
+          </a:effectRef>
+          <a:fontRef idx="minor">
+            <a:schemeClr val="tx1"/>
+          </a:fontRef>
+        </p:style>
+      </p:cxnSp>
+      <p:sp>
+        <p:nvSpPr>
+          <p:cNvPr id="25" name="Flowchart: Card 24"/>
+          <p:cNvSpPr/>
+          <p:nvPr/>
+        </p:nvSpPr>
+        <p:spPr>
+          <a:xfrm>
+            <a:off x="4663895" y="5447905"/>
+            <a:ext cx="767772" cy="560367"/>
+          </a:xfrm>
+          <a:prstGeom prst="flowChartPunchedCard">
+            <a:avLst/>
+          </a:prstGeom>
+          <a:solidFill>
+            <a:schemeClr val="accent4"/>
+          </a:solidFill>
+          <a:ln>
+            <a:noFill/>
+          </a:ln>
+        </p:spPr>
+        <p:style>
+          <a:lnRef idx="2">
+            <a:schemeClr val="accent1">
+              <a:shade val="50000"/>
+            </a:schemeClr>
+          </a:lnRef>
+          <a:fillRef idx="1">
+            <a:schemeClr val="accent1"/>
+          </a:fillRef>
+          <a:effectRef idx="0">
+            <a:schemeClr val="accent1"/>
+          </a:effectRef>
+          <a:fontRef idx="minor">
+            <a:schemeClr val="lt1"/>
+          </a:fontRef>
+        </p:style>
+        <p:txBody>
+          <a:bodyPr rtlCol="0" anchor="ctr"/>
+          <a:lstStyle/>
+          <a:p>
+            <a:pPr algn="ctr"/>
+            <a:r>
+              <a:rPr lang="en-US" sz="2400" dirty="0" err="1">
+                <a:latin typeface="Yanone Kaffeesatz Light" panose="02000000000000000000" pitchFamily="2" charset="0"/>
+              </a:rPr>
+              <a:t>Cmd</a:t>
+            </a:r>
+            <a:endParaRPr lang="de-CH" sz="2400" dirty="0">
+              <a:latin typeface="Yanone Kaffeesatz Light" panose="02000000000000000000" pitchFamily="2" charset="0"/>
+            </a:endParaRPr>
+          </a:p>
+        </p:txBody>
+      </p:sp>
+      <p:sp>
+        <p:nvSpPr>
+          <p:cNvPr id="26" name="Rectangle 25"/>
+          <p:cNvSpPr/>
+          <p:nvPr/>
+        </p:nvSpPr>
+        <p:spPr>
+          <a:xfrm>
+            <a:off x="4608397" y="5132185"/>
+            <a:ext cx="878767" cy="369332"/>
+          </a:xfrm>
+          <a:prstGeom prst="rect">
+            <a:avLst/>
+          </a:prstGeom>
+        </p:spPr>
+        <p:txBody>
+          <a:bodyPr wrap="none">
+            <a:spAutoFit/>
+          </a:bodyPr>
+          <a:lstStyle/>
+          <a:p>
+            <a:r>
+              <a:rPr lang="en-US" dirty="0" err="1">
+                <a:solidFill>
+                  <a:schemeClr val="accent2"/>
+                </a:solidFill>
+                <a:latin typeface="Yanone Kaffeesatz Regular" panose="02000000000000000000" pitchFamily="2" charset="0"/>
+              </a:rPr>
+              <a:t>ShipOrder</a:t>
+            </a:r>
+            <a:endParaRPr lang="de-CH" dirty="0">
+              <a:solidFill>
+                <a:schemeClr val="accent2"/>
+              </a:solidFill>
+            </a:endParaRPr>
+          </a:p>
+        </p:txBody>
+      </p:sp>
+      <p:cxnSp>
+        <p:nvCxnSpPr>
+          <p:cNvPr id="27" name="Straight Arrow Connector 26"/>
+          <p:cNvCxnSpPr>
+            <a:cxnSpLocks/>
+          </p:cNvCxnSpPr>
+          <p:nvPr/>
+        </p:nvCxnSpPr>
+        <p:spPr>
+          <a:xfrm>
+            <a:off x="5005511" y="4532971"/>
+            <a:ext cx="0" cy="682786"/>
+          </a:xfrm>
+          <a:prstGeom prst="straightConnector1">
+            <a:avLst/>
+          </a:prstGeom>
+          <a:ln w="19050">
+            <a:solidFill>
+              <a:schemeClr val="accent4"/>
+            </a:solidFill>
+            <a:tailEnd type="triangle"/>
+          </a:ln>
+        </p:spPr>
+        <p:style>
+          <a:lnRef idx="1">
+            <a:schemeClr val="accent1"/>
+          </a:lnRef>
+          <a:fillRef idx="0">
+            <a:schemeClr val="accent1"/>
+          </a:fillRef>
+          <a:effectRef idx="0">
+            <a:schemeClr val="accent1"/>
+          </a:effectRef>
+          <a:fontRef idx="minor">
+            <a:schemeClr val="tx1"/>
+          </a:fontRef>
+        </p:style>
+      </p:cxnSp>
+      <p:sp>
+        <p:nvSpPr>
+          <p:cNvPr id="28" name="Flowchart: Card 27"/>
+          <p:cNvSpPr/>
+          <p:nvPr/>
+        </p:nvSpPr>
+        <p:spPr>
+          <a:xfrm>
+            <a:off x="6142469" y="5447905"/>
+            <a:ext cx="767772" cy="560367"/>
+          </a:xfrm>
+          <a:prstGeom prst="flowChartPunchedCard">
+            <a:avLst/>
+          </a:prstGeom>
+          <a:solidFill>
+            <a:schemeClr val="accent4"/>
+          </a:solidFill>
+          <a:ln>
+            <a:noFill/>
+          </a:ln>
+        </p:spPr>
+        <p:style>
+          <a:lnRef idx="2">
+            <a:schemeClr val="accent1">
+              <a:shade val="50000"/>
+            </a:schemeClr>
+          </a:lnRef>
+          <a:fillRef idx="1">
+            <a:schemeClr val="accent1"/>
+          </a:fillRef>
+          <a:effectRef idx="0">
+            <a:schemeClr val="accent1"/>
+          </a:effectRef>
+          <a:fontRef idx="minor">
+            <a:schemeClr val="lt1"/>
+          </a:fontRef>
+        </p:style>
+        <p:txBody>
+          <a:bodyPr rtlCol="0" anchor="ctr"/>
+          <a:lstStyle/>
+          <a:p>
+            <a:pPr algn="ctr"/>
+            <a:r>
+              <a:rPr lang="en-US" sz="2400" dirty="0" err="1">
+                <a:latin typeface="Yanone Kaffeesatz Light" panose="02000000000000000000" pitchFamily="2" charset="0"/>
+              </a:rPr>
+              <a:t>Evnt</a:t>
+            </a:r>
+            <a:endParaRPr lang="de-CH" sz="2400" dirty="0">
+              <a:latin typeface="Yanone Kaffeesatz Light" panose="02000000000000000000" pitchFamily="2" charset="0"/>
+            </a:endParaRPr>
+          </a:p>
+        </p:txBody>
+      </p:sp>
+      <p:cxnSp>
+        <p:nvCxnSpPr>
+          <p:cNvPr id="29" name="Straight Arrow Connector 28"/>
+          <p:cNvCxnSpPr>
+            <a:cxnSpLocks/>
+          </p:cNvCxnSpPr>
+          <p:nvPr/>
+        </p:nvCxnSpPr>
+        <p:spPr>
+          <a:xfrm flipV="1">
+            <a:off x="6526355" y="4532971"/>
+            <a:ext cx="0" cy="682786"/>
+          </a:xfrm>
+          <a:prstGeom prst="straightConnector1">
+            <a:avLst/>
+          </a:prstGeom>
+          <a:ln w="19050">
+            <a:solidFill>
+              <a:schemeClr val="accent4"/>
+            </a:solidFill>
+            <a:tailEnd type="triangle"/>
+          </a:ln>
+        </p:spPr>
+        <p:style>
+          <a:lnRef idx="1">
+            <a:schemeClr val="accent1"/>
+          </a:lnRef>
+          <a:fillRef idx="0">
+            <a:schemeClr val="accent1"/>
+          </a:fillRef>
+          <a:effectRef idx="0">
+            <a:schemeClr val="accent1"/>
+          </a:effectRef>
+          <a:fontRef idx="minor">
+            <a:schemeClr val="tx1"/>
+          </a:fontRef>
+        </p:style>
+      </p:cxnSp>
+      <p:sp>
+        <p:nvSpPr>
+          <p:cNvPr id="32" name="Rectangle 31"/>
+          <p:cNvSpPr/>
+          <p:nvPr/>
+        </p:nvSpPr>
+        <p:spPr>
+          <a:xfrm>
+            <a:off x="6062947" y="5132185"/>
+            <a:ext cx="1140056" cy="369332"/>
+          </a:xfrm>
+          <a:prstGeom prst="rect">
+            <a:avLst/>
+          </a:prstGeom>
+        </p:spPr>
+        <p:txBody>
+          <a:bodyPr wrap="none">
+            <a:spAutoFit/>
+          </a:bodyPr>
+          <a:lstStyle/>
+          <a:p>
+            <a:r>
+              <a:rPr lang="en-US" dirty="0" err="1">
+                <a:solidFill>
+                  <a:schemeClr val="accent2"/>
+                </a:solidFill>
+                <a:latin typeface="Yanone Kaffeesatz Regular" panose="02000000000000000000" pitchFamily="2" charset="0"/>
+              </a:rPr>
+              <a:t>OrderShipped</a:t>
+            </a:r>
+            <a:endParaRPr lang="de-CH" dirty="0">
+              <a:solidFill>
+                <a:schemeClr val="accent2"/>
+              </a:solidFill>
+            </a:endParaRPr>
           </a:p>
         </p:txBody>
       </p:sp>
     </p:spTree>
     <p:extLst>
       <p:ext uri="{BB962C8B-B14F-4D97-AF65-F5344CB8AC3E}">
-        <p14:creationId xmlns:p14="http://schemas.microsoft.com/office/powerpoint/2010/main" val="2436182924"/>
+        <p14:creationId xmlns:p14="http://schemas.microsoft.com/office/powerpoint/2010/main" val="2632575032"/>
       </p:ext>
     </p:extLst>
   </p:cSld>
@@ -24841,8 +26010,8 @@
         </p:nvSpPr>
         <p:spPr>
           <a:xfrm>
-            <a:off x="1064014" y="3127733"/>
-            <a:ext cx="9860392" cy="923330"/>
+            <a:off x="3858849" y="1851645"/>
+            <a:ext cx="4485523" cy="3154710"/>
           </a:xfrm>
           <a:prstGeom prst="rect">
             <a:avLst/>
@@ -24855,70 +26024,22 @@
           <a:lstStyle/>
           <a:p>
             <a:r>
-              <a:rPr lang="en-US" sz="3600" dirty="0">
-                <a:solidFill>
-                  <a:schemeClr val="tx2"/>
-                </a:solidFill>
-                <a:latin typeface="Yanone Kaffeesatz Regular" panose="02000000000000000000" pitchFamily="2" charset="0"/>
-              </a:rPr>
-              <a:t>github.com/danielmarbach/</a:t>
-            </a:r>
-            <a:r>
-              <a:rPr lang="en-US" sz="5400" dirty="0" err="1">
-                <a:solidFill>
-                  <a:schemeClr val="accent4"/>
-                </a:solidFill>
-                <a:latin typeface="Yanone Kaffeesatz Regular" panose="02000000000000000000" pitchFamily="2" charset="0"/>
-              </a:rPr>
-              <a:t>Microservices.ServiceFabric</a:t>
-            </a:r>
-            <a:endParaRPr lang="de-CH" sz="5400" dirty="0">
-              <a:solidFill>
-                <a:schemeClr val="accent4"/>
-              </a:solidFill>
-              <a:latin typeface="Yanone Kaffeesatz Regular" panose="02000000000000000000" pitchFamily="2" charset="0"/>
-            </a:endParaRPr>
-          </a:p>
-        </p:txBody>
-      </p:sp>
-      <p:sp>
-        <p:nvSpPr>
-          <p:cNvPr id="4" name="Rectangle 3"/>
-          <p:cNvSpPr/>
-          <p:nvPr/>
-        </p:nvSpPr>
-        <p:spPr>
-          <a:xfrm>
-            <a:off x="1064014" y="1124536"/>
-            <a:ext cx="6463629" cy="1862048"/>
-          </a:xfrm>
-          <a:prstGeom prst="rect">
-            <a:avLst/>
-          </a:prstGeom>
-        </p:spPr>
-        <p:txBody>
-          <a:bodyPr wrap="none">
-            <a:spAutoFit/>
-          </a:bodyPr>
-          <a:lstStyle/>
-          <a:p>
-            <a:r>
-              <a:rPr lang="en-US" sz="11500" dirty="0">
+              <a:rPr lang="en-US" sz="19900" dirty="0">
                 <a:solidFill>
                   <a:schemeClr val="accent2"/>
                 </a:solidFill>
                 <a:latin typeface="Yanone Kaffeesatz Regular" panose="02000000000000000000" pitchFamily="2" charset="0"/>
               </a:rPr>
-              <a:t>Slides, Links…</a:t>
-            </a:r>
-            <a:endParaRPr lang="de-CH" sz="1400" dirty="0"/>
+              <a:t>Demo</a:t>
+            </a:r>
+            <a:endParaRPr lang="de-CH" sz="2000" dirty="0"/>
           </a:p>
         </p:txBody>
       </p:sp>
     </p:spTree>
     <p:extLst>
       <p:ext uri="{BB962C8B-B14F-4D97-AF65-F5344CB8AC3E}">
-        <p14:creationId xmlns:p14="http://schemas.microsoft.com/office/powerpoint/2010/main" val="1581449120"/>
+        <p14:creationId xmlns:p14="http://schemas.microsoft.com/office/powerpoint/2010/main" val="1485510424"/>
       </p:ext>
     </p:extLst>
   </p:cSld>
@@ -24947,72 +26068,77 @@
       </p:grpSpPr>
       <p:sp>
         <p:nvSpPr>
-          <p:cNvPr id="2" name="Rectangle 1"/>
+          <p:cNvPr id="5" name="Rectangle 4"/>
           <p:cNvSpPr/>
           <p:nvPr/>
         </p:nvSpPr>
         <p:spPr>
           <a:xfrm>
-            <a:off x="3858849" y="1851645"/>
-            <a:ext cx="4474302" cy="3154710"/>
+            <a:off x="0" y="1952437"/>
+            <a:ext cx="4999912" cy="2646878"/>
           </a:xfrm>
           <a:prstGeom prst="rect">
             <a:avLst/>
           </a:prstGeom>
         </p:spPr>
         <p:txBody>
-          <a:bodyPr wrap="none">
+          <a:bodyPr wrap="square">
             <a:spAutoFit/>
           </a:bodyPr>
           <a:lstStyle/>
           <a:p>
-            <a:r>
-              <a:rPr lang="en-US" sz="19900" dirty="0">
+            <a:pPr algn="ctr"/>
+            <a:r>
+              <a:rPr lang="en-US" sz="16600" dirty="0">
                 <a:solidFill>
                   <a:schemeClr val="accent2"/>
                 </a:solidFill>
                 <a:latin typeface="Yanone Kaffeesatz Regular" panose="02000000000000000000" pitchFamily="2" charset="0"/>
               </a:rPr>
-              <a:t>Q &amp; A</a:t>
-            </a:r>
-            <a:endParaRPr lang="de-CH" sz="2000" dirty="0"/>
-          </a:p>
-        </p:txBody>
-      </p:sp>
-      <p:pic>
-        <p:nvPicPr>
-          <p:cNvPr id="4" name="Picture 3"/>
-          <p:cNvPicPr>
-            <a:picLocks noChangeAspect="1"/>
-          </p:cNvPicPr>
-          <p:nvPr/>
-        </p:nvPicPr>
-        <p:blipFill>
-          <a:blip r:embed="rId3" cstate="print">
-            <a:extLst>
-              <a:ext uri="{28A0092B-C50C-407E-A947-70E740481C1C}">
-                <a14:useLocalDpi xmlns:a14="http://schemas.microsoft.com/office/drawing/2010/main" val="0"/>
-              </a:ext>
-            </a:extLst>
-          </a:blip>
-          <a:stretch>
-            <a:fillRect/>
-          </a:stretch>
-        </p:blipFill>
-        <p:spPr>
-          <a:xfrm>
-            <a:off x="8052306" y="612519"/>
-            <a:ext cx="2880000" cy="690817"/>
+              <a:t>Recap</a:t>
+            </a:r>
+            <a:endParaRPr lang="de-CH" dirty="0"/>
+          </a:p>
+        </p:txBody>
+      </p:sp>
+      <p:sp>
+        <p:nvSpPr>
+          <p:cNvPr id="7" name="Rectangle 6"/>
+          <p:cNvSpPr/>
+          <p:nvPr/>
+        </p:nvSpPr>
+        <p:spPr>
+          <a:xfrm>
+            <a:off x="1" y="4399885"/>
+            <a:ext cx="6494332" cy="1200329"/>
           </a:xfrm>
           <a:prstGeom prst="rect">
             <a:avLst/>
           </a:prstGeom>
         </p:spPr>
-      </p:pic>
+        <p:txBody>
+          <a:bodyPr wrap="square">
+            <a:spAutoFit/>
+          </a:bodyPr>
+          <a:lstStyle/>
+          <a:p>
+            <a:pPr algn="ctr"/>
+            <a:r>
+              <a:rPr lang="en-US" sz="7200" dirty="0">
+                <a:solidFill>
+                  <a:schemeClr val="accent3"/>
+                </a:solidFill>
+                <a:latin typeface="Yanone Kaffeesatz Regular" panose="02000000000000000000" pitchFamily="2" charset="0"/>
+              </a:rPr>
+              <a:t>reminder</a:t>
+            </a:r>
+          </a:p>
+        </p:txBody>
+      </p:sp>
     </p:spTree>
     <p:extLst>
       <p:ext uri="{BB962C8B-B14F-4D97-AF65-F5344CB8AC3E}">
-        <p14:creationId xmlns:p14="http://schemas.microsoft.com/office/powerpoint/2010/main" val="4241321608"/>
+        <p14:creationId xmlns:p14="http://schemas.microsoft.com/office/powerpoint/2010/main" val="2436182924"/>
       </p:ext>
     </p:extLst>
   </p:cSld>
@@ -25039,36 +26165,6 @@
           <a:chExt cx="0" cy="0"/>
         </a:xfrm>
       </p:grpSpPr>
-      <p:pic>
-        <p:nvPicPr>
-          <p:cNvPr id="3" name="Picture 2"/>
-          <p:cNvPicPr>
-            <a:picLocks noChangeAspect="1"/>
-          </p:cNvPicPr>
-          <p:nvPr/>
-        </p:nvPicPr>
-        <p:blipFill>
-          <a:blip r:embed="rId3" cstate="print">
-            <a:extLst>
-              <a:ext uri="{28A0092B-C50C-407E-A947-70E740481C1C}">
-                <a14:useLocalDpi xmlns:a14="http://schemas.microsoft.com/office/drawing/2010/main" val="0"/>
-              </a:ext>
-            </a:extLst>
-          </a:blip>
-          <a:stretch>
-            <a:fillRect/>
-          </a:stretch>
-        </p:blipFill>
-        <p:spPr>
-          <a:xfrm>
-            <a:off x="8052306" y="612519"/>
-            <a:ext cx="2880000" cy="690817"/>
-          </a:xfrm>
-          <a:prstGeom prst="rect">
-            <a:avLst/>
-          </a:prstGeom>
-        </p:spPr>
-      </p:pic>
       <p:sp>
         <p:nvSpPr>
           <p:cNvPr id="2" name="Rectangle 1"/>
@@ -25077,128 +26173,84 @@
         </p:nvSpPr>
         <p:spPr>
           <a:xfrm>
-            <a:off x="5723694" y="2132715"/>
-            <a:ext cx="6096000" cy="3108543"/>
+            <a:off x="1064014" y="3127733"/>
+            <a:ext cx="9860392" cy="923330"/>
           </a:xfrm>
           <a:prstGeom prst="rect">
             <a:avLst/>
           </a:prstGeom>
         </p:spPr>
         <p:txBody>
-          <a:bodyPr>
+          <a:bodyPr wrap="none">
             <a:spAutoFit/>
           </a:bodyPr>
           <a:lstStyle/>
           <a:p>
             <a:r>
-              <a:rPr lang="en-US" sz="2800" dirty="0">
+              <a:rPr lang="en-US" sz="3600" dirty="0">
                 <a:solidFill>
                   <a:schemeClr val="tx2"/>
                 </a:solidFill>
                 <a:latin typeface="Yanone Kaffeesatz Regular" panose="02000000000000000000" pitchFamily="2" charset="0"/>
               </a:rPr>
-              <a:t>Software Engineer</a:t>
-            </a:r>
-          </a:p>
-          <a:p>
-            <a:r>
-              <a:rPr lang="en-US" sz="2800" dirty="0">
-                <a:solidFill>
-                  <a:schemeClr val="tx2"/>
-                </a:solidFill>
-                <a:latin typeface="Yanone Kaffeesatz Regular" panose="02000000000000000000" pitchFamily="2" charset="0"/>
-              </a:rPr>
-              <a:t>Enthusiastic Software Engineer</a:t>
-            </a:r>
-          </a:p>
-          <a:p>
-            <a:r>
-              <a:rPr lang="en-US" sz="2800" dirty="0">
-                <a:solidFill>
-                  <a:schemeClr val="tx2"/>
-                </a:solidFill>
-                <a:latin typeface="Yanone Kaffeesatz Regular" panose="02000000000000000000" pitchFamily="2" charset="0"/>
-              </a:rPr>
-              <a:t>Microsoft MVP</a:t>
-            </a:r>
-          </a:p>
-          <a:p>
-            <a:endParaRPr lang="en-US" sz="2800" dirty="0">
-              <a:solidFill>
-                <a:schemeClr val="tx2"/>
-              </a:solidFill>
-              <a:latin typeface="Yanone Kaffeesatz Regular" panose="02000000000000000000" pitchFamily="2" charset="0"/>
-            </a:endParaRPr>
-          </a:p>
-          <a:p>
-            <a:r>
-              <a:rPr lang="en-US" sz="2800" dirty="0">
+              <a:t>github.com/danielmarbach/</a:t>
+            </a:r>
+            <a:r>
+              <a:rPr lang="en-US" sz="5400" dirty="0" err="1">
                 <a:solidFill>
                   <a:schemeClr val="accent4"/>
                 </a:solidFill>
                 <a:latin typeface="Yanone Kaffeesatz Regular" panose="02000000000000000000" pitchFamily="2" charset="0"/>
               </a:rPr>
-              <a:t>@danielmarbach</a:t>
-            </a:r>
-          </a:p>
-          <a:p>
-            <a:r>
-              <a:rPr lang="en-US" sz="2800" dirty="0">
+              <a:t>Microservices.ServiceFabric</a:t>
+            </a:r>
+            <a:endParaRPr lang="de-CH" sz="5400" dirty="0">
+              <a:solidFill>
+                <a:schemeClr val="accent4"/>
+              </a:solidFill>
+              <a:latin typeface="Yanone Kaffeesatz Regular" panose="02000000000000000000" pitchFamily="2" charset="0"/>
+            </a:endParaRPr>
+          </a:p>
+        </p:txBody>
+      </p:sp>
+      <p:sp>
+        <p:nvSpPr>
+          <p:cNvPr id="4" name="Rectangle 3"/>
+          <p:cNvSpPr/>
+          <p:nvPr/>
+        </p:nvSpPr>
+        <p:spPr>
+          <a:xfrm>
+            <a:off x="1064014" y="1124536"/>
+            <a:ext cx="6463629" cy="1862048"/>
+          </a:xfrm>
+          <a:prstGeom prst="rect">
+            <a:avLst/>
+          </a:prstGeom>
+        </p:spPr>
+        <p:txBody>
+          <a:bodyPr wrap="none">
+            <a:spAutoFit/>
+          </a:bodyPr>
+          <a:lstStyle/>
+          <a:p>
+            <a:r>
+              <a:rPr lang="en-US" sz="11500" dirty="0">
                 <a:solidFill>
-                  <a:schemeClr val="accent4"/>
+                  <a:schemeClr val="accent2"/>
                 </a:solidFill>
                 <a:latin typeface="Yanone Kaffeesatz Regular" panose="02000000000000000000" pitchFamily="2" charset="0"/>
               </a:rPr>
-              <a:t>particular.net/blog</a:t>
-            </a:r>
-          </a:p>
-          <a:p>
-            <a:r>
-              <a:rPr lang="en-US" sz="2800" dirty="0">
-                <a:solidFill>
-                  <a:schemeClr val="accent4"/>
-                </a:solidFill>
-                <a:latin typeface="Yanone Kaffeesatz Regular" panose="02000000000000000000" pitchFamily="2" charset="0"/>
-              </a:rPr>
-              <a:t>planetgeek.ch</a:t>
-            </a:r>
-          </a:p>
-        </p:txBody>
-      </p:sp>
-      <p:pic>
-        <p:nvPicPr>
-          <p:cNvPr id="6" name="Picture 5"/>
-          <p:cNvPicPr>
-            <a:picLocks noChangeAspect="1"/>
-          </p:cNvPicPr>
-          <p:nvPr/>
-        </p:nvPicPr>
-        <p:blipFill>
-          <a:blip r:embed="rId4" cstate="print">
-            <a:extLst>
-              <a:ext uri="{28A0092B-C50C-407E-A947-70E740481C1C}">
-                <a14:useLocalDpi xmlns:a14="http://schemas.microsoft.com/office/drawing/2010/main" val="0"/>
-              </a:ext>
-            </a:extLst>
-          </a:blip>
-          <a:stretch>
-            <a:fillRect/>
-          </a:stretch>
-        </p:blipFill>
-        <p:spPr>
-          <a:xfrm rot="16200000">
-            <a:off x="895952" y="2228758"/>
-            <a:ext cx="4374682" cy="2916455"/>
-          </a:xfrm>
-          <a:prstGeom prst="rect">
-            <a:avLst/>
-          </a:prstGeom>
-        </p:spPr>
-      </p:pic>
+              <a:t>Slides, Links…</a:t>
+            </a:r>
+            <a:endParaRPr lang="de-CH" sz="1400" dirty="0"/>
+          </a:p>
+        </p:txBody>
+      </p:sp>
     </p:spTree>
     <p:extLst>
       <p:ext uri="{BB962C8B-B14F-4D97-AF65-F5344CB8AC3E}">
-        <p14:creationId xmlns:p14="http://schemas.microsoft.com/office/powerpoint/2010/main" val="3601279917"/>
+        <p14:creationId xmlns:p14="http://schemas.microsoft.com/office/powerpoint/2010/main" val="1581449120"/>
       </p:ext>
     </p:extLst>
   </p:cSld>
@@ -25233,8 +26285,8 @@
         </p:nvSpPr>
         <p:spPr>
           <a:xfrm>
-            <a:off x="3176771" y="1851645"/>
-            <a:ext cx="5838458" cy="3154710"/>
+            <a:off x="3858849" y="1851645"/>
+            <a:ext cx="4474302" cy="3154710"/>
           </a:xfrm>
           <a:prstGeom prst="rect">
             <a:avLst/>
@@ -25253,7 +26305,7 @@
                 </a:solidFill>
                 <a:latin typeface="Yanone Kaffeesatz Regular" panose="02000000000000000000" pitchFamily="2" charset="0"/>
               </a:rPr>
-              <a:t>Thanks</a:t>
+              <a:t>Q &amp; A</a:t>
             </a:r>
             <a:endParaRPr lang="de-CH" sz="2000" dirty="0"/>
           </a:p>
@@ -25261,7 +26313,7 @@
       </p:sp>
       <p:pic>
         <p:nvPicPr>
-          <p:cNvPr id="3" name="Picture 2"/>
+          <p:cNvPr id="4" name="Picture 3"/>
           <p:cNvPicPr>
             <a:picLocks noChangeAspect="1"/>
           </p:cNvPicPr>
@@ -25292,7 +26344,193 @@
     </p:spTree>
     <p:extLst>
       <p:ext uri="{BB962C8B-B14F-4D97-AF65-F5344CB8AC3E}">
-        <p14:creationId xmlns:p14="http://schemas.microsoft.com/office/powerpoint/2010/main" val="3887468163"/>
+        <p14:creationId xmlns:p14="http://schemas.microsoft.com/office/powerpoint/2010/main" val="4241321608"/>
+      </p:ext>
+    </p:extLst>
+  </p:cSld>
+  <p:clrMapOvr>
+    <a:masterClrMapping/>
+  </p:clrMapOvr>
+</p:sld>
+</file>
+
+<file path=ppt/slides/slide39.xml><?xml version="1.0" encoding="utf-8"?>
+<p:sld xmlns:a="http://schemas.openxmlformats.org/drawingml/2006/main" xmlns:r="http://schemas.openxmlformats.org/officeDocument/2006/relationships" xmlns:p="http://schemas.openxmlformats.org/presentationml/2006/main">
+  <p:cSld>
+    <p:spTree>
+      <p:nvGrpSpPr>
+        <p:cNvPr id="1" name=""/>
+        <p:cNvGrpSpPr/>
+        <p:nvPr/>
+      </p:nvGrpSpPr>
+      <p:grpSpPr>
+        <a:xfrm>
+          <a:off x="0" y="0"/>
+          <a:ext cx="0" cy="0"/>
+          <a:chOff x="0" y="0"/>
+          <a:chExt cx="0" cy="0"/>
+        </a:xfrm>
+      </p:grpSpPr>
+      <p:pic>
+        <p:nvPicPr>
+          <p:cNvPr id="3" name="Picture 2"/>
+          <p:cNvPicPr>
+            <a:picLocks noChangeAspect="1"/>
+          </p:cNvPicPr>
+          <p:nvPr/>
+        </p:nvPicPr>
+        <p:blipFill>
+          <a:blip r:embed="rId3" cstate="print">
+            <a:extLst>
+              <a:ext uri="{28A0092B-C50C-407E-A947-70E740481C1C}">
+                <a14:useLocalDpi xmlns:a14="http://schemas.microsoft.com/office/drawing/2010/main" val="0"/>
+              </a:ext>
+            </a:extLst>
+          </a:blip>
+          <a:stretch>
+            <a:fillRect/>
+          </a:stretch>
+        </p:blipFill>
+        <p:spPr>
+          <a:xfrm>
+            <a:off x="8052306" y="612519"/>
+            <a:ext cx="2880000" cy="690817"/>
+          </a:xfrm>
+          <a:prstGeom prst="rect">
+            <a:avLst/>
+          </a:prstGeom>
+        </p:spPr>
+      </p:pic>
+      <p:sp>
+        <p:nvSpPr>
+          <p:cNvPr id="2" name="Rectangle 1"/>
+          <p:cNvSpPr/>
+          <p:nvPr/>
+        </p:nvSpPr>
+        <p:spPr>
+          <a:xfrm>
+            <a:off x="5723694" y="2132715"/>
+            <a:ext cx="6096000" cy="3108543"/>
+          </a:xfrm>
+          <a:prstGeom prst="rect">
+            <a:avLst/>
+          </a:prstGeom>
+        </p:spPr>
+        <p:txBody>
+          <a:bodyPr>
+            <a:spAutoFit/>
+          </a:bodyPr>
+          <a:lstStyle/>
+          <a:p>
+            <a:r>
+              <a:rPr lang="en-US" sz="2800" dirty="0">
+                <a:solidFill>
+                  <a:schemeClr val="tx2"/>
+                </a:solidFill>
+                <a:latin typeface="Yanone Kaffeesatz Regular" panose="02000000000000000000" pitchFamily="2" charset="0"/>
+              </a:rPr>
+              <a:t>Software Engineer</a:t>
+            </a:r>
+          </a:p>
+          <a:p>
+            <a:r>
+              <a:rPr lang="en-US" sz="2800" dirty="0">
+                <a:solidFill>
+                  <a:schemeClr val="tx2"/>
+                </a:solidFill>
+                <a:latin typeface="Yanone Kaffeesatz Regular" panose="02000000000000000000" pitchFamily="2" charset="0"/>
+              </a:rPr>
+              <a:t>Enthusiastic Software Engineer</a:t>
+            </a:r>
+          </a:p>
+          <a:p>
+            <a:r>
+              <a:rPr lang="en-US" sz="2800" dirty="0">
+                <a:solidFill>
+                  <a:schemeClr val="tx2"/>
+                </a:solidFill>
+                <a:latin typeface="Yanone Kaffeesatz Regular" panose="02000000000000000000" pitchFamily="2" charset="0"/>
+              </a:rPr>
+              <a:t>Microsoft MVP</a:t>
+            </a:r>
+          </a:p>
+          <a:p>
+            <a:endParaRPr lang="en-US" sz="2800" dirty="0">
+              <a:solidFill>
+                <a:schemeClr val="tx2"/>
+              </a:solidFill>
+              <a:latin typeface="Yanone Kaffeesatz Regular" panose="02000000000000000000" pitchFamily="2" charset="0"/>
+            </a:endParaRPr>
+          </a:p>
+          <a:p>
+            <a:r>
+              <a:rPr lang="en-US" sz="2800" dirty="0">
+                <a:solidFill>
+                  <a:schemeClr val="accent4"/>
+                </a:solidFill>
+                <a:latin typeface="Yanone Kaffeesatz Regular" panose="02000000000000000000" pitchFamily="2" charset="0"/>
+              </a:rPr>
+              <a:t>@danielmarbach</a:t>
+            </a:r>
+          </a:p>
+          <a:p>
+            <a:r>
+              <a:rPr lang="en-US" sz="2800" dirty="0">
+                <a:solidFill>
+                  <a:schemeClr val="accent4"/>
+                </a:solidFill>
+                <a:latin typeface="Yanone Kaffeesatz Regular" panose="02000000000000000000" pitchFamily="2" charset="0"/>
+              </a:rPr>
+              <a:t>particular.net/blog</a:t>
+            </a:r>
+          </a:p>
+          <a:p>
+            <a:r>
+              <a:rPr lang="en-US" sz="2800" dirty="0">
+                <a:solidFill>
+                  <a:schemeClr val="accent4"/>
+                </a:solidFill>
+                <a:latin typeface="Yanone Kaffeesatz Regular" panose="02000000000000000000" pitchFamily="2" charset="0"/>
+              </a:rPr>
+              <a:t>planetgeek.ch</a:t>
+            </a:r>
+          </a:p>
+        </p:txBody>
+      </p:sp>
+      <p:pic>
+        <p:nvPicPr>
+          <p:cNvPr id="6" name="Picture 5"/>
+          <p:cNvPicPr>
+            <a:picLocks noChangeAspect="1"/>
+          </p:cNvPicPr>
+          <p:nvPr/>
+        </p:nvPicPr>
+        <p:blipFill>
+          <a:blip r:embed="rId4" cstate="print">
+            <a:extLst>
+              <a:ext uri="{28A0092B-C50C-407E-A947-70E740481C1C}">
+                <a14:useLocalDpi xmlns:a14="http://schemas.microsoft.com/office/drawing/2010/main" val="0"/>
+              </a:ext>
+            </a:extLst>
+          </a:blip>
+          <a:stretch>
+            <a:fillRect/>
+          </a:stretch>
+        </p:blipFill>
+        <p:spPr>
+          <a:xfrm rot="16200000">
+            <a:off x="895952" y="2228758"/>
+            <a:ext cx="4374682" cy="2916455"/>
+          </a:xfrm>
+          <a:prstGeom prst="rect">
+            <a:avLst/>
+          </a:prstGeom>
+        </p:spPr>
+      </p:pic>
+    </p:spTree>
+    <p:extLst>
+      <p:ext uri="{BB962C8B-B14F-4D97-AF65-F5344CB8AC3E}">
+        <p14:creationId xmlns:p14="http://schemas.microsoft.com/office/powerpoint/2010/main" val="3601279917"/>
       </p:ext>
     </p:extLst>
   </p:cSld>
@@ -25401,6 +26639,100 @@
     <p:extLst>
       <p:ext uri="{BB962C8B-B14F-4D97-AF65-F5344CB8AC3E}">
         <p14:creationId xmlns:p14="http://schemas.microsoft.com/office/powerpoint/2010/main" val="2949078406"/>
+      </p:ext>
+    </p:extLst>
+  </p:cSld>
+  <p:clrMapOvr>
+    <a:masterClrMapping/>
+  </p:clrMapOvr>
+</p:sld>
+</file>
+
+<file path=ppt/slides/slide40.xml><?xml version="1.0" encoding="utf-8"?>
+<p:sld xmlns:a="http://schemas.openxmlformats.org/drawingml/2006/main" xmlns:r="http://schemas.openxmlformats.org/officeDocument/2006/relationships" xmlns:p="http://schemas.openxmlformats.org/presentationml/2006/main">
+  <p:cSld>
+    <p:spTree>
+      <p:nvGrpSpPr>
+        <p:cNvPr id="1" name=""/>
+        <p:cNvGrpSpPr/>
+        <p:nvPr/>
+      </p:nvGrpSpPr>
+      <p:grpSpPr>
+        <a:xfrm>
+          <a:off x="0" y="0"/>
+          <a:ext cx="0" cy="0"/>
+          <a:chOff x="0" y="0"/>
+          <a:chExt cx="0" cy="0"/>
+        </a:xfrm>
+      </p:grpSpPr>
+      <p:sp>
+        <p:nvSpPr>
+          <p:cNvPr id="2" name="Rectangle 1"/>
+          <p:cNvSpPr/>
+          <p:nvPr/>
+        </p:nvSpPr>
+        <p:spPr>
+          <a:xfrm>
+            <a:off x="3176771" y="1851645"/>
+            <a:ext cx="5838458" cy="3154710"/>
+          </a:xfrm>
+          <a:prstGeom prst="rect">
+            <a:avLst/>
+          </a:prstGeom>
+        </p:spPr>
+        <p:txBody>
+          <a:bodyPr wrap="none">
+            <a:spAutoFit/>
+          </a:bodyPr>
+          <a:lstStyle/>
+          <a:p>
+            <a:r>
+              <a:rPr lang="en-US" sz="19900" dirty="0">
+                <a:solidFill>
+                  <a:schemeClr val="accent2"/>
+                </a:solidFill>
+                <a:latin typeface="Yanone Kaffeesatz Regular" panose="02000000000000000000" pitchFamily="2" charset="0"/>
+              </a:rPr>
+              <a:t>Thanks</a:t>
+            </a:r>
+            <a:endParaRPr lang="de-CH" sz="2000" dirty="0"/>
+          </a:p>
+        </p:txBody>
+      </p:sp>
+      <p:pic>
+        <p:nvPicPr>
+          <p:cNvPr id="3" name="Picture 2"/>
+          <p:cNvPicPr>
+            <a:picLocks noChangeAspect="1"/>
+          </p:cNvPicPr>
+          <p:nvPr/>
+        </p:nvPicPr>
+        <p:blipFill>
+          <a:blip r:embed="rId3" cstate="print">
+            <a:extLst>
+              <a:ext uri="{28A0092B-C50C-407E-A947-70E740481C1C}">
+                <a14:useLocalDpi xmlns:a14="http://schemas.microsoft.com/office/drawing/2010/main" val="0"/>
+              </a:ext>
+            </a:extLst>
+          </a:blip>
+          <a:stretch>
+            <a:fillRect/>
+          </a:stretch>
+        </p:blipFill>
+        <p:spPr>
+          <a:xfrm>
+            <a:off x="8052306" y="612519"/>
+            <a:ext cx="2880000" cy="690817"/>
+          </a:xfrm>
+          <a:prstGeom prst="rect">
+            <a:avLst/>
+          </a:prstGeom>
+        </p:spPr>
+      </p:pic>
+    </p:spTree>
+    <p:extLst>
+      <p:ext uri="{BB962C8B-B14F-4D97-AF65-F5344CB8AC3E}">
+        <p14:creationId xmlns:p14="http://schemas.microsoft.com/office/powerpoint/2010/main" val="3887468163"/>
       </p:ext>
     </p:extLst>
   </p:cSld>

--- a/presentation.pptx
+++ b/presentation.pptx
@@ -3117,7 +3117,15 @@
             </a:r>
             <a:r>
               <a:rPr lang="en-US" dirty="0"/>
-              <a:t> programming into the came which drastically reduced the memory footprint of the application and allowed us the better satisfy the </a:t>
+              <a:t> programming into </a:t>
+            </a:r>
+            <a:r>
+              <a:rPr lang="en-US"/>
+              <a:t>the game </a:t>
+            </a:r>
+            <a:r>
+              <a:rPr lang="en-US" dirty="0"/>
+              <a:t>which drastically reduced the memory footprint of the application and allowed us the better satisfy the </a:t>
             </a:r>
             <a:r>
               <a:rPr lang="en-US" dirty="0" err="1"/>
@@ -25496,64 +25504,6 @@
       </p:grpSpPr>
       <p:sp>
         <p:nvSpPr>
-          <p:cNvPr id="20" name="TextBox 19"/>
-          <p:cNvSpPr txBox="1"/>
-          <p:nvPr/>
-        </p:nvSpPr>
-        <p:spPr>
-          <a:xfrm>
-            <a:off x="1188599" y="4345220"/>
-            <a:ext cx="4033231" cy="2123658"/>
-          </a:xfrm>
-          <a:prstGeom prst="rect">
-            <a:avLst/>
-          </a:prstGeom>
-          <a:noFill/>
-        </p:spPr>
-        <p:txBody>
-          <a:bodyPr wrap="square" rtlCol="0">
-            <a:spAutoFit/>
-          </a:bodyPr>
-          <a:lstStyle/>
-          <a:p>
-            <a:pPr algn="ctr"/>
-            <a:r>
-              <a:rPr lang="en-US" sz="6600" dirty="0">
-                <a:solidFill>
-                  <a:schemeClr val="accent2"/>
-                </a:solidFill>
-                <a:latin typeface="Yanone Kaffeesatz Regular" panose="02000000000000000000" pitchFamily="2" charset="0"/>
-              </a:rPr>
-              <a:t>Receiver Side </a:t>
-            </a:r>
-            <a:br>
-              <a:rPr lang="en-US" sz="6600" dirty="0">
-                <a:solidFill>
-                  <a:schemeClr val="accent2"/>
-                </a:solidFill>
-                <a:latin typeface="Yanone Kaffeesatz Regular" panose="02000000000000000000" pitchFamily="2" charset="0"/>
-              </a:rPr>
-            </a:br>
-            <a:r>
-              <a:rPr lang="en-US" sz="6600" dirty="0">
-                <a:solidFill>
-                  <a:schemeClr val="accent2"/>
-                </a:solidFill>
-                <a:latin typeface="Yanone Kaffeesatz Regular" panose="02000000000000000000" pitchFamily="2" charset="0"/>
-              </a:rPr>
-              <a:t>Distribution</a:t>
-            </a:r>
-            <a:endParaRPr lang="de-CH" sz="6600" dirty="0">
-              <a:solidFill>
-                <a:schemeClr val="accent2"/>
-              </a:solidFill>
-              <a:latin typeface="Yanone Kaffeesatz Regular" panose="02000000000000000000" pitchFamily="2" charset="0"/>
-            </a:endParaRPr>
-          </a:p>
-        </p:txBody>
-      </p:sp>
-      <p:sp>
-        <p:nvSpPr>
           <p:cNvPr id="2" name="Rectangle 1"/>
           <p:cNvSpPr/>
           <p:nvPr/>
@@ -26591,84 +26541,6 @@
   <p:clrMapOvr>
     <a:masterClrMapping/>
   </p:clrMapOvr>
-  <p:timing>
-    <p:tnLst>
-      <p:par>
-        <p:cTn id="1" dur="indefinite" restart="never" nodeType="tmRoot">
-          <p:childTnLst>
-            <p:seq concurrent="1" nextAc="seek">
-              <p:cTn id="2" dur="indefinite" nodeType="mainSeq">
-                <p:childTnLst>
-                  <p:par>
-                    <p:cTn id="3" fill="hold">
-                      <p:stCondLst>
-                        <p:cond delay="indefinite"/>
-                      </p:stCondLst>
-                      <p:childTnLst>
-                        <p:par>
-                          <p:cTn id="4" fill="hold">
-                            <p:stCondLst>
-                              <p:cond delay="0"/>
-                            </p:stCondLst>
-                            <p:childTnLst>
-                              <p:par>
-                                <p:cTn id="5" presetID="1" presetClass="entr" presetSubtype="0" fill="hold" grpId="0" nodeType="clickEffect">
-                                  <p:stCondLst>
-                                    <p:cond delay="0"/>
-                                  </p:stCondLst>
-                                  <p:childTnLst>
-                                    <p:set>
-                                      <p:cBhvr>
-                                        <p:cTn id="6" dur="1" fill="hold">
-                                          <p:stCondLst>
-                                            <p:cond delay="0"/>
-                                          </p:stCondLst>
-                                        </p:cTn>
-                                        <p:tgtEl>
-                                          <p:spTgt spid="20"/>
-                                        </p:tgtEl>
-                                        <p:attrNameLst>
-                                          <p:attrName>style.visibility</p:attrName>
-                                        </p:attrNameLst>
-                                      </p:cBhvr>
-                                      <p:to>
-                                        <p:strVal val="visible"/>
-                                      </p:to>
-                                    </p:set>
-                                  </p:childTnLst>
-                                </p:cTn>
-                              </p:par>
-                            </p:childTnLst>
-                          </p:cTn>
-                        </p:par>
-                      </p:childTnLst>
-                    </p:cTn>
-                  </p:par>
-                </p:childTnLst>
-              </p:cTn>
-              <p:prevCondLst>
-                <p:cond evt="onPrev" delay="0">
-                  <p:tgtEl>
-                    <p:sldTgt/>
-                  </p:tgtEl>
-                </p:cond>
-              </p:prevCondLst>
-              <p:nextCondLst>
-                <p:cond evt="onNext" delay="0">
-                  <p:tgtEl>
-                    <p:sldTgt/>
-                  </p:tgtEl>
-                </p:cond>
-              </p:nextCondLst>
-            </p:seq>
-          </p:childTnLst>
-        </p:cTn>
-      </p:par>
-    </p:tnLst>
-    <p:bldLst>
-      <p:bldP spid="20" grpId="0"/>
-    </p:bldLst>
-  </p:timing>
 </p:sld>
 </file>
 

--- a/presentation.pptx
+++ b/presentation.pptx
@@ -311,7 +311,7 @@
           <a:p>
             <a:fld id="{D987070D-87AF-4443-8990-425EA27CC244}" type="datetimeFigureOut">
               <a:rPr lang="de-CH" smtClean="0"/>
-              <a:t>30.05.2017</a:t>
+              <a:t>08.06.2017</a:t>
             </a:fld>
             <a:endParaRPr lang="de-CH"/>
           </a:p>
@@ -3117,15 +3117,7 @@
             </a:r>
             <a:r>
               <a:rPr lang="en-US" dirty="0"/>
-              <a:t> programming into </a:t>
-            </a:r>
-            <a:r>
-              <a:rPr lang="en-US"/>
-              <a:t>the game </a:t>
-            </a:r>
-            <a:r>
-              <a:rPr lang="en-US" dirty="0"/>
-              <a:t>which drastically reduced the memory footprint of the application and allowed us the better satisfy the </a:t>
+              <a:t> programming into the game which drastically reduced the memory footprint of the application and allowed us the better satisfy the </a:t>
             </a:r>
             <a:r>
               <a:rPr lang="en-US" dirty="0" err="1"/>
@@ -6613,7 +6605,7 @@
           <a:p>
             <a:fld id="{A2EAEABE-1D59-4413-813E-803E21872067}" type="datetimeFigureOut">
               <a:rPr lang="de-CH" smtClean="0"/>
-              <a:t>30.05.2017</a:t>
+              <a:t>08.06.2017</a:t>
             </a:fld>
             <a:endParaRPr lang="de-CH"/>
           </a:p>
@@ -6783,7 +6775,7 @@
           <a:p>
             <a:fld id="{A2EAEABE-1D59-4413-813E-803E21872067}" type="datetimeFigureOut">
               <a:rPr lang="de-CH" smtClean="0"/>
-              <a:t>30.05.2017</a:t>
+              <a:t>08.06.2017</a:t>
             </a:fld>
             <a:endParaRPr lang="de-CH"/>
           </a:p>
@@ -6963,7 +6955,7 @@
           <a:p>
             <a:fld id="{A2EAEABE-1D59-4413-813E-803E21872067}" type="datetimeFigureOut">
               <a:rPr lang="de-CH" smtClean="0"/>
-              <a:t>30.05.2017</a:t>
+              <a:t>08.06.2017</a:t>
             </a:fld>
             <a:endParaRPr lang="de-CH"/>
           </a:p>
@@ -7132,7 +7124,7 @@
           <a:p>
             <a:fld id="{A2EAEABE-1D59-4413-813E-803E21872067}" type="datetimeFigureOut">
               <a:rPr lang="de-CH" smtClean="0"/>
-              <a:t>30.05.2017</a:t>
+              <a:t>08.06.2017</a:t>
             </a:fld>
             <a:endParaRPr lang="de-CH"/>
           </a:p>
@@ -7378,7 +7370,7 @@
           <a:p>
             <a:fld id="{A2EAEABE-1D59-4413-813E-803E21872067}" type="datetimeFigureOut">
               <a:rPr lang="de-CH" smtClean="0"/>
-              <a:t>30.05.2017</a:t>
+              <a:t>08.06.2017</a:t>
             </a:fld>
             <a:endParaRPr lang="de-CH"/>
           </a:p>
@@ -7610,7 +7602,7 @@
           <a:p>
             <a:fld id="{A2EAEABE-1D59-4413-813E-803E21872067}" type="datetimeFigureOut">
               <a:rPr lang="de-CH" smtClean="0"/>
-              <a:t>30.05.2017</a:t>
+              <a:t>08.06.2017</a:t>
             </a:fld>
             <a:endParaRPr lang="de-CH"/>
           </a:p>
@@ -7977,7 +7969,7 @@
           <a:p>
             <a:fld id="{A2EAEABE-1D59-4413-813E-803E21872067}" type="datetimeFigureOut">
               <a:rPr lang="de-CH" smtClean="0"/>
-              <a:t>30.05.2017</a:t>
+              <a:t>08.06.2017</a:t>
             </a:fld>
             <a:endParaRPr lang="de-CH"/>
           </a:p>
@@ -8095,7 +8087,7 @@
           <a:p>
             <a:fld id="{A2EAEABE-1D59-4413-813E-803E21872067}" type="datetimeFigureOut">
               <a:rPr lang="de-CH" smtClean="0"/>
-              <a:t>30.05.2017</a:t>
+              <a:t>08.06.2017</a:t>
             </a:fld>
             <a:endParaRPr lang="de-CH"/>
           </a:p>
@@ -8190,7 +8182,7 @@
           <a:p>
             <a:fld id="{A2EAEABE-1D59-4413-813E-803E21872067}" type="datetimeFigureOut">
               <a:rPr lang="de-CH" smtClean="0"/>
-              <a:t>30.05.2017</a:t>
+              <a:t>08.06.2017</a:t>
             </a:fld>
             <a:endParaRPr lang="de-CH"/>
           </a:p>
@@ -8467,7 +8459,7 @@
           <a:p>
             <a:fld id="{A2EAEABE-1D59-4413-813E-803E21872067}" type="datetimeFigureOut">
               <a:rPr lang="de-CH" smtClean="0"/>
-              <a:t>30.05.2017</a:t>
+              <a:t>08.06.2017</a:t>
             </a:fld>
             <a:endParaRPr lang="de-CH"/>
           </a:p>
@@ -8724,7 +8716,7 @@
           <a:p>
             <a:fld id="{A2EAEABE-1D59-4413-813E-803E21872067}" type="datetimeFigureOut">
               <a:rPr lang="de-CH" smtClean="0"/>
-              <a:t>30.05.2017</a:t>
+              <a:t>08.06.2017</a:t>
             </a:fld>
             <a:endParaRPr lang="de-CH"/>
           </a:p>
@@ -8935,7 +8927,7 @@
           <a:p>
             <a:fld id="{A2EAEABE-1D59-4413-813E-803E21872067}" type="datetimeFigureOut">
               <a:rPr lang="de-CH" smtClean="0"/>
-              <a:t>30.05.2017</a:t>
+              <a:t>08.06.2017</a:t>
             </a:fld>
             <a:endParaRPr lang="de-CH"/>
           </a:p>
@@ -25802,8 +25794,8 @@
         </p:nvSpPr>
         <p:spPr>
           <a:xfrm>
-            <a:off x="5776332" y="936703"/>
-            <a:ext cx="5531484" cy="4716966"/>
+            <a:off x="5268951" y="936703"/>
+            <a:ext cx="6038865" cy="4716966"/>
           </a:xfrm>
           <a:prstGeom prst="rect">
             <a:avLst/>
@@ -25893,7 +25885,7 @@
         <p:spPr>
           <a:xfrm>
             <a:off x="4171666" y="3295185"/>
-            <a:ext cx="1604666" cy="1"/>
+            <a:ext cx="1097285" cy="1"/>
           </a:xfrm>
           <a:prstGeom prst="straightConnector1">
             <a:avLst/>
@@ -25981,9 +25973,9 @@
           <p:nvPr/>
         </p:nvSpPr>
         <p:spPr>
-          <a:xfrm>
-            <a:off x="5920684" y="2520928"/>
-            <a:ext cx="914400" cy="1548511"/>
+          <a:xfrm rot="16200000">
+            <a:off x="5552045" y="2648482"/>
+            <a:ext cx="914400" cy="1293403"/>
           </a:xfrm>
           <a:prstGeom prst="can">
             <a:avLst/>
@@ -26148,14 +26140,14 @@
           <p:cNvCxnSpPr>
             <a:cxnSpLocks/>
             <a:stCxn id="9" idx="1"/>
-            <a:endCxn id="19" idx="4"/>
+            <a:endCxn id="19" idx="3"/>
           </p:cNvCxnSpPr>
           <p:nvPr/>
         </p:nvCxnSpPr>
         <p:spPr>
           <a:xfrm flipH="1">
-            <a:off x="6835084" y="2019561"/>
-            <a:ext cx="245111" cy="1275623"/>
+            <a:off x="6655947" y="2019561"/>
+            <a:ext cx="424248" cy="1275623"/>
           </a:xfrm>
           <a:prstGeom prst="straightConnector1">
             <a:avLst/>
@@ -26188,14 +26180,14 @@
           <p:cNvCxnSpPr>
             <a:cxnSpLocks/>
             <a:stCxn id="13" idx="1"/>
-            <a:endCxn id="19" idx="4"/>
+            <a:endCxn id="19" idx="3"/>
           </p:cNvCxnSpPr>
           <p:nvPr/>
         </p:nvCxnSpPr>
         <p:spPr>
           <a:xfrm flipH="1" flipV="1">
-            <a:off x="6835084" y="3295184"/>
-            <a:ext cx="245111" cy="1"/>
+            <a:off x="6655947" y="3295184"/>
+            <a:ext cx="424248" cy="1"/>
           </a:xfrm>
           <a:prstGeom prst="straightConnector1">
             <a:avLst/>
@@ -26228,14 +26220,14 @@
           <p:cNvCxnSpPr>
             <a:cxnSpLocks/>
             <a:stCxn id="14" idx="1"/>
-            <a:endCxn id="19" idx="4"/>
+            <a:endCxn id="19" idx="3"/>
           </p:cNvCxnSpPr>
           <p:nvPr/>
         </p:nvCxnSpPr>
         <p:spPr>
           <a:xfrm flipH="1" flipV="1">
-            <a:off x="6835084" y="3295184"/>
-            <a:ext cx="245111" cy="1275626"/>
+            <a:off x="6655947" y="3295184"/>
+            <a:ext cx="424248" cy="1275626"/>
           </a:xfrm>
           <a:prstGeom prst="straightConnector1">
             <a:avLst/>
@@ -26621,7 +26613,7 @@
       </p:sp>
       <p:sp>
         <p:nvSpPr>
-          <p:cNvPr id="2" name="Rectangle 1"/>
+          <p:cNvPr id="28" name="Rectangle 27"/>
           <p:cNvSpPr/>
           <p:nvPr/>
         </p:nvSpPr>
@@ -26680,7 +26672,7 @@
       </p:sp>
       <p:sp>
         <p:nvSpPr>
-          <p:cNvPr id="3" name="Cylinder 2"/>
+          <p:cNvPr id="29" name="Cylinder 28"/>
           <p:cNvSpPr/>
           <p:nvPr/>
         </p:nvSpPr>
@@ -26736,7 +26728,7 @@
       </p:sp>
       <p:sp>
         <p:nvSpPr>
-          <p:cNvPr id="9" name="Rectangle 8"/>
+          <p:cNvPr id="32" name="Rectangle 31"/>
           <p:cNvSpPr/>
           <p:nvPr/>
         </p:nvSpPr>
@@ -26795,7 +26787,7 @@
       </p:sp>
       <p:sp>
         <p:nvSpPr>
-          <p:cNvPr id="13" name="Rectangle 12"/>
+          <p:cNvPr id="33" name="Rectangle 32"/>
           <p:cNvSpPr/>
           <p:nvPr/>
         </p:nvSpPr>
@@ -26854,7 +26846,7 @@
       </p:sp>
       <p:sp>
         <p:nvSpPr>
-          <p:cNvPr id="14" name="Rectangle 13"/>
+          <p:cNvPr id="35" name="Rectangle 34"/>
           <p:cNvSpPr/>
           <p:nvPr/>
         </p:nvSpPr>
@@ -26913,14 +26905,14 @@
       </p:sp>
       <p:sp>
         <p:nvSpPr>
-          <p:cNvPr id="16" name="Rectangle 15"/>
+          <p:cNvPr id="36" name="Rectangle 35"/>
           <p:cNvSpPr/>
           <p:nvPr/>
         </p:nvSpPr>
         <p:spPr>
           <a:xfrm>
-            <a:off x="5776332" y="936703"/>
-            <a:ext cx="5531484" cy="4716966"/>
+            <a:off x="5268951" y="936703"/>
+            <a:ext cx="6038865" cy="4716966"/>
           </a:xfrm>
           <a:prstGeom prst="rect">
             <a:avLst/>
@@ -26959,7 +26951,7 @@
       </p:sp>
       <p:sp>
         <p:nvSpPr>
-          <p:cNvPr id="17" name="TextBox 16"/>
+          <p:cNvPr id="40" name="TextBox 39"/>
           <p:cNvSpPr txBox="1"/>
           <p:nvPr/>
         </p:nvSpPr>
@@ -26999,18 +26991,18 @@
       </p:sp>
       <p:cxnSp>
         <p:nvCxnSpPr>
-          <p:cNvPr id="18" name="Straight Arrow Connector 17"/>
+          <p:cNvPr id="41" name="Straight Arrow Connector 40"/>
           <p:cNvCxnSpPr>
             <a:cxnSpLocks/>
-            <a:stCxn id="2" idx="3"/>
-            <a:endCxn id="16" idx="1"/>
+            <a:stCxn id="28" idx="3"/>
+            <a:endCxn id="36" idx="1"/>
           </p:cNvCxnSpPr>
           <p:nvPr/>
         </p:nvCxnSpPr>
         <p:spPr>
           <a:xfrm>
             <a:off x="4171666" y="3295185"/>
-            <a:ext cx="1604666" cy="1"/>
+            <a:ext cx="1097285" cy="1"/>
           </a:xfrm>
           <a:prstGeom prst="straightConnector1">
             <a:avLst/>
@@ -27039,7 +27031,7 @@
       </p:cxnSp>
       <p:sp>
         <p:nvSpPr>
-          <p:cNvPr id="31" name="Flowchart: Card 30"/>
+          <p:cNvPr id="43" name="Flowchart: Card 42"/>
           <p:cNvSpPr/>
           <p:nvPr/>
         </p:nvSpPr>
@@ -27093,14 +27085,14 @@
       </p:sp>
       <p:sp>
         <p:nvSpPr>
-          <p:cNvPr id="19" name="Cylinder 18"/>
+          <p:cNvPr id="44" name="Cylinder 43"/>
           <p:cNvSpPr/>
           <p:nvPr/>
         </p:nvSpPr>
         <p:spPr>
-          <a:xfrm>
-            <a:off x="5920684" y="2520928"/>
-            <a:ext cx="914400" cy="1548511"/>
+          <a:xfrm rot="16200000">
+            <a:off x="5552045" y="2648482"/>
+            <a:ext cx="914400" cy="1293403"/>
           </a:xfrm>
           <a:prstGeom prst="can">
             <a:avLst/>
@@ -27149,7 +27141,7 @@
       </p:sp>
       <p:sp>
         <p:nvSpPr>
-          <p:cNvPr id="21" name="Cylinder 20"/>
+          <p:cNvPr id="45" name="Cylinder 44"/>
           <p:cNvSpPr/>
           <p:nvPr/>
         </p:nvSpPr>
@@ -27205,7 +27197,7 @@
       </p:sp>
       <p:sp>
         <p:nvSpPr>
-          <p:cNvPr id="23" name="Cylinder 22"/>
+          <p:cNvPr id="46" name="Cylinder 45"/>
           <p:cNvSpPr/>
           <p:nvPr/>
         </p:nvSpPr>
@@ -27261,18 +27253,18 @@
       </p:sp>
       <p:cxnSp>
         <p:nvCxnSpPr>
-          <p:cNvPr id="24" name="Straight Arrow Connector 23"/>
+          <p:cNvPr id="47" name="Straight Arrow Connector 46"/>
           <p:cNvCxnSpPr>
             <a:cxnSpLocks/>
-            <a:stCxn id="9" idx="1"/>
-            <a:endCxn id="19" idx="4"/>
+            <a:stCxn id="32" idx="1"/>
+            <a:endCxn id="44" idx="3"/>
           </p:cNvCxnSpPr>
           <p:nvPr/>
         </p:nvCxnSpPr>
         <p:spPr>
           <a:xfrm flipH="1">
-            <a:off x="6835084" y="2019561"/>
-            <a:ext cx="245111" cy="1275623"/>
+            <a:off x="6655947" y="2019561"/>
+            <a:ext cx="424248" cy="1275623"/>
           </a:xfrm>
           <a:prstGeom prst="straightConnector1">
             <a:avLst/>
@@ -27301,18 +27293,18 @@
       </p:cxnSp>
       <p:cxnSp>
         <p:nvCxnSpPr>
-          <p:cNvPr id="26" name="Straight Arrow Connector 25"/>
+          <p:cNvPr id="48" name="Straight Arrow Connector 47"/>
           <p:cNvCxnSpPr>
             <a:cxnSpLocks/>
-            <a:stCxn id="13" idx="1"/>
-            <a:endCxn id="19" idx="4"/>
+            <a:stCxn id="33" idx="1"/>
+            <a:endCxn id="44" idx="3"/>
           </p:cNvCxnSpPr>
           <p:nvPr/>
         </p:nvCxnSpPr>
         <p:spPr>
           <a:xfrm flipH="1" flipV="1">
-            <a:off x="6835084" y="3295184"/>
-            <a:ext cx="245111" cy="1"/>
+            <a:off x="6655947" y="3295184"/>
+            <a:ext cx="424248" cy="1"/>
           </a:xfrm>
           <a:prstGeom prst="straightConnector1">
             <a:avLst/>
@@ -27341,18 +27333,18 @@
       </p:cxnSp>
       <p:cxnSp>
         <p:nvCxnSpPr>
-          <p:cNvPr id="30" name="Straight Arrow Connector 29"/>
+          <p:cNvPr id="49" name="Straight Arrow Connector 48"/>
           <p:cNvCxnSpPr>
             <a:cxnSpLocks/>
-            <a:stCxn id="14" idx="1"/>
-            <a:endCxn id="19" idx="4"/>
+            <a:stCxn id="35" idx="1"/>
+            <a:endCxn id="44" idx="3"/>
           </p:cNvCxnSpPr>
           <p:nvPr/>
         </p:nvCxnSpPr>
         <p:spPr>
           <a:xfrm flipH="1" flipV="1">
-            <a:off x="6835084" y="3295184"/>
-            <a:ext cx="245111" cy="1275626"/>
+            <a:off x="6655947" y="3295184"/>
+            <a:ext cx="424248" cy="1275626"/>
           </a:xfrm>
           <a:prstGeom prst="straightConnector1">
             <a:avLst/>
@@ -27381,11 +27373,11 @@
       </p:cxnSp>
       <p:cxnSp>
         <p:nvCxnSpPr>
-          <p:cNvPr id="34" name="Straight Arrow Connector 33"/>
+          <p:cNvPr id="50" name="Straight Arrow Connector 49"/>
           <p:cNvCxnSpPr>
             <a:cxnSpLocks/>
-            <a:stCxn id="14" idx="3"/>
-            <a:endCxn id="23" idx="1"/>
+            <a:stCxn id="35" idx="3"/>
+            <a:endCxn id="46" idx="1"/>
           </p:cNvCxnSpPr>
           <p:nvPr/>
         </p:nvCxnSpPr>
@@ -27421,7 +27413,7 @@
       </p:cxnSp>
       <p:cxnSp>
         <p:nvCxnSpPr>
-          <p:cNvPr id="37" name="Straight Arrow Connector 36"/>
+          <p:cNvPr id="51" name="Straight Arrow Connector 50"/>
           <p:cNvCxnSpPr>
             <a:cxnSpLocks/>
           </p:cNvCxnSpPr>
@@ -27459,7 +27451,7 @@
       </p:cxnSp>
       <p:cxnSp>
         <p:nvCxnSpPr>
-          <p:cNvPr id="38" name="Straight Arrow Connector 37"/>
+          <p:cNvPr id="52" name="Straight Arrow Connector 51"/>
           <p:cNvCxnSpPr>
             <a:cxnSpLocks/>
           </p:cNvCxnSpPr>
@@ -27497,11 +27489,11 @@
       </p:cxnSp>
       <p:cxnSp>
         <p:nvCxnSpPr>
-          <p:cNvPr id="39" name="Straight Arrow Connector 38"/>
+          <p:cNvPr id="53" name="Straight Arrow Connector 52"/>
           <p:cNvCxnSpPr>
             <a:cxnSpLocks/>
-            <a:stCxn id="9" idx="3"/>
-            <a:endCxn id="21" idx="1"/>
+            <a:stCxn id="32" idx="3"/>
+            <a:endCxn id="45" idx="1"/>
           </p:cNvCxnSpPr>
           <p:nvPr/>
         </p:nvCxnSpPr>
@@ -27537,11 +27529,11 @@
       </p:cxnSp>
       <p:cxnSp>
         <p:nvCxnSpPr>
-          <p:cNvPr id="42" name="Straight Arrow Connector 41"/>
+          <p:cNvPr id="54" name="Straight Arrow Connector 53"/>
           <p:cNvCxnSpPr>
             <a:cxnSpLocks/>
-            <a:stCxn id="9" idx="3"/>
-            <a:endCxn id="23" idx="1"/>
+            <a:stCxn id="32" idx="3"/>
+            <a:endCxn id="46" idx="1"/>
           </p:cNvCxnSpPr>
           <p:nvPr/>
         </p:nvCxnSpPr>
@@ -27577,7 +27569,7 @@
       </p:cxnSp>
       <p:sp>
         <p:nvSpPr>
-          <p:cNvPr id="25" name="Rectangle 24"/>
+          <p:cNvPr id="55" name="Rectangle 54"/>
           <p:cNvSpPr/>
           <p:nvPr/>
         </p:nvSpPr>
@@ -27615,7 +27607,7 @@
       </p:sp>
       <p:sp>
         <p:nvSpPr>
-          <p:cNvPr id="27" name="TextBox 26"/>
+          <p:cNvPr id="56" name="TextBox 55"/>
           <p:cNvSpPr txBox="1"/>
           <p:nvPr/>
         </p:nvSpPr>
@@ -29281,13 +29273,14 @@
           <p:cNvPr id="7" name="Straight Arrow Connector 6"/>
           <p:cNvCxnSpPr>
             <a:cxnSpLocks/>
+            <a:endCxn id="3" idx="2"/>
           </p:cNvCxnSpPr>
           <p:nvPr/>
         </p:nvCxnSpPr>
         <p:spPr>
-          <a:xfrm>
-            <a:off x="5810769" y="1430367"/>
-            <a:ext cx="0" cy="682786"/>
+          <a:xfrm flipV="1">
+            <a:off x="5817215" y="1430367"/>
+            <a:ext cx="0" cy="627033"/>
           </a:xfrm>
           <a:prstGeom prst="straightConnector1">
             <a:avLst/>

--- a/presentation.pptx
+++ b/presentation.pptx
@@ -5,7 +5,7 @@
     <p:sldMasterId id="2147483684" r:id="rId1"/>
   </p:sldMasterIdLst>
   <p:notesMasterIdLst>
-    <p:notesMasterId r:id="rId48"/>
+    <p:notesMasterId r:id="rId49"/>
   </p:notesMasterIdLst>
   <p:sldIdLst>
     <p:sldId id="278" r:id="rId2"/>
@@ -46,14 +46,15 @@
     <p:sldId id="447" r:id="rId37"/>
     <p:sldId id="451" r:id="rId38"/>
     <p:sldId id="452" r:id="rId39"/>
-    <p:sldId id="440" r:id="rId40"/>
-    <p:sldId id="273" r:id="rId41"/>
-    <p:sldId id="455" r:id="rId42"/>
-    <p:sldId id="456" r:id="rId43"/>
-    <p:sldId id="267" r:id="rId44"/>
-    <p:sldId id="275" r:id="rId45"/>
-    <p:sldId id="268" r:id="rId46"/>
-    <p:sldId id="279" r:id="rId47"/>
+    <p:sldId id="459" r:id="rId40"/>
+    <p:sldId id="440" r:id="rId41"/>
+    <p:sldId id="273" r:id="rId42"/>
+    <p:sldId id="455" r:id="rId43"/>
+    <p:sldId id="456" r:id="rId44"/>
+    <p:sldId id="267" r:id="rId45"/>
+    <p:sldId id="275" r:id="rId46"/>
+    <p:sldId id="268" r:id="rId47"/>
+    <p:sldId id="279" r:id="rId48"/>
   </p:sldIdLst>
   <p:sldSz cx="12192000" cy="6858000"/>
   <p:notesSz cx="6858000" cy="9144000"/>
@@ -199,6 +200,7 @@
             <p14:sldId id="447"/>
             <p14:sldId id="451"/>
             <p14:sldId id="452"/>
+            <p14:sldId id="459"/>
             <p14:sldId id="440"/>
           </p14:sldIdLst>
         </p14:section>
@@ -311,7 +313,7 @@
           <a:p>
             <a:fld id="{D987070D-87AF-4443-8990-425EA27CC244}" type="datetimeFigureOut">
               <a:rPr lang="de-CH" smtClean="0"/>
-              <a:t>08.06.2017</a:t>
+              <a:t>12.06.2017</a:t>
             </a:fld>
             <a:endParaRPr lang="de-CH"/>
           </a:p>
@@ -2103,6 +2105,15 @@
           <a:p>
             <a:r>
               <a:rPr lang="en-US" dirty="0"/>
+              <a:t>(click)</a:t>
+            </a:r>
+          </a:p>
+          <a:p>
+            <a:endParaRPr lang="en-US" dirty="0"/>
+          </a:p>
+          <a:p>
+            <a:r>
+              <a:rPr lang="en-US" dirty="0"/>
               <a:t>(Let me show you an example. She gracefully walks back to the architecture drawing) Now I’m totally pulling this out of thin air but we could for example split our orders into different chocolate types that customers are ordering. For the sake of the example let’s consider a customer could only order a chocolate type per order.</a:t>
             </a:r>
             <a:endParaRPr lang="de-CH" dirty="0"/>
@@ -3246,22 +3257,71 @@
           <a:p>
             <a:r>
               <a:rPr lang="en-US" dirty="0"/>
+              <a:t>The stateless frontend tier and the </a:t>
+            </a:r>
+            <a:r>
+              <a:rPr lang="en-US" dirty="0" err="1"/>
+              <a:t>stateful</a:t>
+            </a:r>
+            <a:r>
+              <a:rPr lang="en-US" dirty="0"/>
+              <a:t> middle tier with the compute remains the same. But between the stateless and the </a:t>
+            </a:r>
+            <a:r>
+              <a:rPr lang="en-US" dirty="0" err="1"/>
+              <a:t>stateful</a:t>
+            </a:r>
+            <a:r>
+              <a:rPr lang="en-US" dirty="0"/>
+              <a:t> tier we should introduce some kind of broker middleware like Azure Service Bus, Azure Storage Queues or </a:t>
+            </a:r>
+            <a:r>
+              <a:rPr lang="en-US" dirty="0" err="1"/>
+              <a:t>RabbitMQ</a:t>
+            </a:r>
+            <a:r>
+              <a:rPr lang="en-US" dirty="0"/>
+              <a:t> for on-premises. The broker middleware will contain a queue for our chocolate orders. Of course not everything has to go through the queue. Only things like orders that need to be processed in order and potentially throttled. After all it is better to process orders a bit later than loosing them right? With that we get</a:t>
+            </a:r>
+          </a:p>
+          <a:p>
+            <a:endParaRPr lang="en-US" dirty="0"/>
+          </a:p>
+          <a:p>
+            <a:pPr marL="171450" indent="-171450">
+              <a:buFont typeface="Arial" panose="020B0604020202020204" pitchFamily="34" charset="0"/>
+              <a:buChar char="•"/>
+            </a:pPr>
+            <a:r>
+              <a:rPr lang="en-US" dirty="0"/>
               <a:t>Competing consumers</a:t>
             </a:r>
           </a:p>
           <a:p>
+            <a:pPr marL="171450" indent="-171450">
+              <a:buFont typeface="Arial" panose="020B0604020202020204" pitchFamily="34" charset="0"/>
+              <a:buChar char="•"/>
+            </a:pPr>
             <a:r>
               <a:rPr lang="en-US" dirty="0"/>
               <a:t>Awesome scaling</a:t>
             </a:r>
           </a:p>
           <a:p>
+            <a:pPr marL="171450" indent="-171450">
+              <a:buFont typeface="Arial" panose="020B0604020202020204" pitchFamily="34" charset="0"/>
+              <a:buChar char="•"/>
+            </a:pPr>
             <a:r>
               <a:rPr lang="en-US" dirty="0"/>
               <a:t>Throttling</a:t>
             </a:r>
           </a:p>
           <a:p>
+            <a:pPr marL="171450" indent="-171450">
+              <a:buFont typeface="Arial" panose="020B0604020202020204" pitchFamily="34" charset="0"/>
+              <a:buChar char="•"/>
+            </a:pPr>
             <a:r>
               <a:rPr lang="en-US" dirty="0"/>
               <a:t>Retries and business transactions to </a:t>
@@ -3281,6 +3341,10 @@
             <a:endParaRPr lang="en-US" dirty="0"/>
           </a:p>
           <a:p>
+            <a:pPr marL="171450" indent="-171450">
+              <a:buFont typeface="Arial" panose="020B0604020202020204" pitchFamily="34" charset="0"/>
+              <a:buChar char="•"/>
+            </a:pPr>
             <a:r>
               <a:rPr lang="en-US" dirty="0"/>
               <a:t>Reactive</a:t>
@@ -3828,6 +3892,15 @@
               <a:rPr lang="en-US" dirty="0"/>
               <a:t>So we would need to have a dedicated queue per chocolate type.</a:t>
             </a:r>
+          </a:p>
+          <a:p>
+            <a:endParaRPr lang="en-US" dirty="0"/>
+          </a:p>
+          <a:p>
+            <a:r>
+              <a:rPr lang="en-US" dirty="0"/>
+              <a:t>When an order is created on the stateless frontend its chocolate type is used to determine via smart routing where the message has to be routed. In our a bit silly example with chocolate types we can map the chocolate type 1:1 to the queue name or to a queue name convention containing the chocolate type. Each partition will have its own dedicated queue receiver that is receiving messages on the uniquely addressable queue. With that we have  a clear separation and messages that are destined for a given chocolate type are guaranteed to land on the right partition responsible for that chocolate type.</a:t>
+            </a:r>
             <a:endParaRPr lang="de-CH" dirty="0"/>
           </a:p>
         </p:txBody>
@@ -5144,9 +5217,221 @@
           <a:p>
             <a:r>
               <a:rPr lang="en-US" dirty="0"/>
-              <a:t>Let’s see what the team came up with.</a:t>
-            </a:r>
-            <a:endParaRPr lang="de-CH" dirty="0"/>
+              <a:t>The team decided to do a </a:t>
+            </a:r>
+            <a:r>
+              <a:rPr lang="en-US" dirty="0" err="1"/>
+              <a:t>PoC</a:t>
+            </a:r>
+            <a:r>
+              <a:rPr lang="en-US" dirty="0"/>
+              <a:t> with </a:t>
+            </a:r>
+            <a:r>
+              <a:rPr lang="en-US" dirty="0" err="1"/>
+              <a:t>NServiceBus</a:t>
+            </a:r>
+            <a:r>
+              <a:rPr lang="en-US" dirty="0"/>
+              <a:t> running on top of Service Fabric.</a:t>
+            </a:r>
+            <a:r>
+              <a:rPr lang="de-CH" dirty="0"/>
+              <a:t> </a:t>
+            </a:r>
+            <a:r>
+              <a:rPr lang="de-CH" dirty="0" err="1"/>
+              <a:t>They’ve</a:t>
+            </a:r>
+            <a:r>
+              <a:rPr lang="de-CH" dirty="0"/>
+              <a:t> </a:t>
+            </a:r>
+            <a:r>
+              <a:rPr lang="de-CH" dirty="0" err="1"/>
+              <a:t>chosen</a:t>
+            </a:r>
+            <a:r>
+              <a:rPr lang="de-CH" dirty="0"/>
+              <a:t> </a:t>
+            </a:r>
+            <a:r>
+              <a:rPr lang="de-CH" dirty="0" err="1"/>
+              <a:t>NServiceBus</a:t>
+            </a:r>
+            <a:r>
+              <a:rPr lang="de-CH" dirty="0"/>
+              <a:t> </a:t>
+            </a:r>
+            <a:r>
+              <a:rPr lang="de-CH" dirty="0" err="1"/>
+              <a:t>because</a:t>
+            </a:r>
+            <a:r>
+              <a:rPr lang="de-CH" dirty="0"/>
+              <a:t> </a:t>
+            </a:r>
+            <a:r>
+              <a:rPr lang="de-CH" dirty="0" err="1"/>
+              <a:t>it</a:t>
+            </a:r>
+            <a:r>
+              <a:rPr lang="de-CH" dirty="0"/>
+              <a:t> </a:t>
+            </a:r>
+            <a:r>
+              <a:rPr lang="de-CH" dirty="0" err="1"/>
+              <a:t>provides</a:t>
+            </a:r>
+            <a:r>
+              <a:rPr lang="de-CH" dirty="0"/>
+              <a:t> a robust </a:t>
+            </a:r>
+            <a:r>
+              <a:rPr lang="de-CH" dirty="0" err="1"/>
+              <a:t>queue</a:t>
+            </a:r>
+            <a:r>
+              <a:rPr lang="de-CH" dirty="0"/>
+              <a:t> </a:t>
+            </a:r>
+            <a:r>
+              <a:rPr lang="de-CH" dirty="0" err="1"/>
+              <a:t>abstraction</a:t>
+            </a:r>
+            <a:r>
+              <a:rPr lang="de-CH" dirty="0"/>
+              <a:t> so </a:t>
+            </a:r>
+            <a:r>
+              <a:rPr lang="de-CH" dirty="0" err="1"/>
+              <a:t>that</a:t>
+            </a:r>
+            <a:r>
+              <a:rPr lang="de-CH" dirty="0"/>
+              <a:t> </a:t>
+            </a:r>
+            <a:r>
+              <a:rPr lang="de-CH" dirty="0" err="1"/>
+              <a:t>they</a:t>
+            </a:r>
+            <a:r>
+              <a:rPr lang="de-CH" dirty="0"/>
+              <a:t> </a:t>
+            </a:r>
+            <a:r>
+              <a:rPr lang="de-CH" dirty="0" err="1"/>
+              <a:t>didn’t</a:t>
+            </a:r>
+            <a:r>
+              <a:rPr lang="de-CH" dirty="0"/>
+              <a:t> </a:t>
+            </a:r>
+            <a:r>
+              <a:rPr lang="de-CH" dirty="0" err="1"/>
+              <a:t>need</a:t>
+            </a:r>
+            <a:r>
+              <a:rPr lang="de-CH" dirty="0"/>
+              <a:t> </a:t>
+            </a:r>
+            <a:r>
+              <a:rPr lang="de-CH" dirty="0" err="1"/>
+              <a:t>to</a:t>
+            </a:r>
+            <a:r>
+              <a:rPr lang="de-CH" dirty="0"/>
+              <a:t> </a:t>
+            </a:r>
+            <a:r>
+              <a:rPr lang="de-CH" dirty="0" err="1"/>
+              <a:t>focus</a:t>
+            </a:r>
+            <a:r>
+              <a:rPr lang="de-CH" dirty="0"/>
+              <a:t> on </a:t>
+            </a:r>
+            <a:r>
+              <a:rPr lang="de-CH" dirty="0" err="1"/>
+              <a:t>writing</a:t>
+            </a:r>
+            <a:r>
+              <a:rPr lang="de-CH" dirty="0"/>
+              <a:t> </a:t>
+            </a:r>
+            <a:r>
+              <a:rPr lang="de-CH" dirty="0" err="1"/>
+              <a:t>much</a:t>
+            </a:r>
+            <a:r>
+              <a:rPr lang="de-CH" dirty="0"/>
+              <a:t> </a:t>
+            </a:r>
+            <a:r>
+              <a:rPr lang="de-CH" dirty="0" err="1"/>
+              <a:t>plumbing</a:t>
+            </a:r>
+            <a:r>
+              <a:rPr lang="de-CH" dirty="0"/>
+              <a:t> </a:t>
+            </a:r>
+            <a:r>
+              <a:rPr lang="de-CH" dirty="0" err="1"/>
+              <a:t>code</a:t>
+            </a:r>
+            <a:r>
+              <a:rPr lang="de-CH" dirty="0"/>
+              <a:t> </a:t>
+            </a:r>
+            <a:r>
+              <a:rPr lang="de-CH" dirty="0" err="1"/>
+              <a:t>to</a:t>
+            </a:r>
+            <a:r>
+              <a:rPr lang="de-CH" dirty="0"/>
+              <a:t> </a:t>
+            </a:r>
+            <a:r>
+              <a:rPr lang="de-CH" dirty="0" err="1"/>
+              <a:t>fetch</a:t>
+            </a:r>
+            <a:r>
+              <a:rPr lang="de-CH" dirty="0"/>
+              <a:t> </a:t>
+            </a:r>
+            <a:r>
+              <a:rPr lang="de-CH" dirty="0" err="1"/>
+              <a:t>messages</a:t>
+            </a:r>
+            <a:r>
+              <a:rPr lang="de-CH" dirty="0"/>
+              <a:t> </a:t>
+            </a:r>
+            <a:r>
+              <a:rPr lang="de-CH" dirty="0" err="1"/>
+              <a:t>from</a:t>
+            </a:r>
+            <a:r>
+              <a:rPr lang="de-CH" dirty="0"/>
+              <a:t> </a:t>
+            </a:r>
+            <a:r>
+              <a:rPr lang="de-CH" dirty="0" err="1"/>
+              <a:t>the</a:t>
+            </a:r>
+            <a:r>
+              <a:rPr lang="de-CH" dirty="0"/>
+              <a:t> </a:t>
+            </a:r>
+            <a:r>
+              <a:rPr lang="de-CH" dirty="0" err="1"/>
+              <a:t>queues</a:t>
+            </a:r>
+            <a:r>
+              <a:rPr lang="de-CH" dirty="0"/>
+              <a:t>.</a:t>
+            </a:r>
+            <a:endParaRPr lang="en-US" dirty="0"/>
           </a:p>
         </p:txBody>
       </p:sp>
@@ -5176,7 +5461,7 @@
     </p:spTree>
     <p:extLst>
       <p:ext uri="{BB962C8B-B14F-4D97-AF65-F5344CB8AC3E}">
-        <p14:creationId xmlns:p14="http://schemas.microsoft.com/office/powerpoint/2010/main" val="1730557964"/>
+        <p14:creationId xmlns:p14="http://schemas.microsoft.com/office/powerpoint/2010/main" val="2384761535"/>
       </p:ext>
     </p:extLst>
   </p:cSld>
@@ -5360,6 +5645,10 @@
           <a:bodyPr/>
           <a:lstStyle/>
           <a:p>
+            <a:r>
+              <a:rPr lang="en-US" dirty="0"/>
+              <a:t>Let’s see what the team came up with.</a:t>
+            </a:r>
             <a:endParaRPr lang="de-CH" dirty="0"/>
           </a:p>
         </p:txBody>
@@ -5390,7 +5679,7 @@
     </p:spTree>
     <p:extLst>
       <p:ext uri="{BB962C8B-B14F-4D97-AF65-F5344CB8AC3E}">
-        <p14:creationId xmlns:p14="http://schemas.microsoft.com/office/powerpoint/2010/main" val="3503916100"/>
+        <p14:creationId xmlns:p14="http://schemas.microsoft.com/office/powerpoint/2010/main" val="1730557964"/>
       </p:ext>
     </p:extLst>
   </p:cSld>
@@ -5444,10 +5733,6 @@
           <a:bodyPr/>
           <a:lstStyle/>
           <a:p>
-            <a:r>
-              <a:rPr lang="en-US" dirty="0"/>
-              <a:t>Questions that can be answered in blog posts</a:t>
-            </a:r>
             <a:endParaRPr lang="de-CH" dirty="0"/>
           </a:p>
         </p:txBody>
@@ -5469,7 +5754,7 @@
           <a:p>
             <a:fld id="{9BCA07FD-5BD5-4529-84B0-48DD2C561176}" type="slidenum">
               <a:rPr lang="de-CH" smtClean="0"/>
-              <a:t>43</a:t>
+              <a:t>41</a:t>
             </a:fld>
             <a:endParaRPr lang="de-CH"/>
           </a:p>
@@ -5478,7 +5763,7 @@
     </p:spTree>
     <p:extLst>
       <p:ext uri="{BB962C8B-B14F-4D97-AF65-F5344CB8AC3E}">
-        <p14:creationId xmlns:p14="http://schemas.microsoft.com/office/powerpoint/2010/main" val="3670487613"/>
+        <p14:creationId xmlns:p14="http://schemas.microsoft.com/office/powerpoint/2010/main" val="3503916100"/>
       </p:ext>
     </p:extLst>
   </p:cSld>
@@ -5532,6 +5817,10 @@
           <a:bodyPr/>
           <a:lstStyle/>
           <a:p>
+            <a:r>
+              <a:rPr lang="en-US" dirty="0"/>
+              <a:t>Questions that can be answered in blog posts</a:t>
+            </a:r>
             <a:endParaRPr lang="de-CH" dirty="0"/>
           </a:p>
         </p:txBody>
@@ -5562,7 +5851,7 @@
     </p:spTree>
     <p:extLst>
       <p:ext uri="{BB962C8B-B14F-4D97-AF65-F5344CB8AC3E}">
-        <p14:creationId xmlns:p14="http://schemas.microsoft.com/office/powerpoint/2010/main" val="978782014"/>
+        <p14:creationId xmlns:p14="http://schemas.microsoft.com/office/powerpoint/2010/main" val="3670487613"/>
       </p:ext>
     </p:extLst>
   </p:cSld>
@@ -5616,95 +5905,6 @@
           <a:bodyPr/>
           <a:lstStyle/>
           <a:p>
-            <a:r>
-              <a:rPr lang="en-US" dirty="0"/>
-              <a:t>I’m Daniel, </a:t>
-            </a:r>
-            <a:r>
-              <a:rPr lang="en-US"/>
-              <a:t>Solution Engineer…</a:t>
-            </a:r>
-            <a:endParaRPr lang="en-US" dirty="0"/>
-          </a:p>
-          <a:p>
-            <a:r>
-              <a:rPr lang="en-US" dirty="0"/>
-              <a:t>I live in central</a:t>
-            </a:r>
-            <a:r>
-              <a:rPr lang="en-US" baseline="0" dirty="0"/>
-              <a:t> Switzerland. If you want to know more about me listen to episode 77 of developer on fire</a:t>
-            </a:r>
-            <a:endParaRPr lang="en-US" dirty="0"/>
-          </a:p>
-          <a:p>
-            <a:r>
-              <a:rPr lang="en-US" dirty="0"/>
-              <a:t>You can reach me on twitter under @</a:t>
-            </a:r>
-            <a:r>
-              <a:rPr lang="en-US" dirty="0" err="1"/>
-              <a:t>danielmarbach</a:t>
-            </a:r>
-            <a:endParaRPr lang="en-US" dirty="0"/>
-          </a:p>
-          <a:p>
-            <a:r>
-              <a:rPr lang="en-US" dirty="0"/>
-              <a:t>I blog on the particular blog and on my personal blog</a:t>
-            </a:r>
-          </a:p>
-          <a:p>
-            <a:r>
-              <a:rPr lang="en-US" dirty="0"/>
-              <a:t>I’m the lead behind the </a:t>
-            </a:r>
-            <a:r>
-              <a:rPr lang="en-US" dirty="0" err="1"/>
-              <a:t>asyncification</a:t>
-            </a:r>
-            <a:r>
-              <a:rPr lang="en-US" baseline="0" dirty="0"/>
-              <a:t> of </a:t>
-            </a:r>
-            <a:r>
-              <a:rPr lang="en-US" baseline="0" dirty="0" err="1"/>
-              <a:t>NServiceBus</a:t>
-            </a:r>
-            <a:r>
-              <a:rPr lang="en-US" baseline="0" dirty="0"/>
-              <a:t> and the ecosystem around it</a:t>
-            </a:r>
-          </a:p>
-          <a:p>
-            <a:r>
-              <a:rPr lang="en-US" baseline="0" dirty="0"/>
-              <a:t>I regularly contribute back ideas and code changes to </a:t>
-            </a:r>
-            <a:r>
-              <a:rPr lang="en-US" baseline="0" dirty="0" err="1"/>
-              <a:t>asyncify</a:t>
-            </a:r>
-            <a:r>
-              <a:rPr lang="en-US" baseline="0" dirty="0"/>
-              <a:t> the .NET OSS libraries and frameworks out there. So far I contributed to Entity Framework, </a:t>
-            </a:r>
-            <a:r>
-              <a:rPr lang="en-US" baseline="0" dirty="0" err="1"/>
-              <a:t>RabbitMQ</a:t>
-            </a:r>
-            <a:r>
-              <a:rPr lang="en-US" baseline="0" dirty="0"/>
-              <a:t>, Marten, </a:t>
-            </a:r>
-            <a:r>
-              <a:rPr lang="en-US" baseline="0" dirty="0" err="1"/>
-              <a:t>MassTransit</a:t>
-            </a:r>
-            <a:r>
-              <a:rPr lang="en-US" baseline="0" dirty="0"/>
-              <a:t>, Quartz.NET and many more</a:t>
-            </a:r>
             <a:endParaRPr lang="de-CH" dirty="0"/>
           </a:p>
         </p:txBody>
@@ -5735,7 +5935,7 @@
     </p:spTree>
     <p:extLst>
       <p:ext uri="{BB962C8B-B14F-4D97-AF65-F5344CB8AC3E}">
-        <p14:creationId xmlns:p14="http://schemas.microsoft.com/office/powerpoint/2010/main" val="88145516"/>
+        <p14:creationId xmlns:p14="http://schemas.microsoft.com/office/powerpoint/2010/main" val="978782014"/>
       </p:ext>
     </p:extLst>
   </p:cSld>
@@ -5790,12 +5990,93 @@
           <a:lstStyle/>
           <a:p>
             <a:r>
-              <a:rPr lang="de-CH" dirty="0"/>
-              <a:t>Thank you very much</a:t>
-            </a:r>
-            <a:r>
-              <a:rPr lang="de-CH" baseline="0" dirty="0"/>
-              <a:t> for listening and see you next time</a:t>
+              <a:rPr lang="en-US" dirty="0"/>
+              <a:t>I’m Daniel, </a:t>
+            </a:r>
+            <a:r>
+              <a:rPr lang="en-US"/>
+              <a:t>Solution Engineer…</a:t>
+            </a:r>
+            <a:endParaRPr lang="en-US" dirty="0"/>
+          </a:p>
+          <a:p>
+            <a:r>
+              <a:rPr lang="en-US" dirty="0"/>
+              <a:t>I live in central</a:t>
+            </a:r>
+            <a:r>
+              <a:rPr lang="en-US" baseline="0" dirty="0"/>
+              <a:t> Switzerland. If you want to know more about me listen to episode 77 of developer on fire</a:t>
+            </a:r>
+            <a:endParaRPr lang="en-US" dirty="0"/>
+          </a:p>
+          <a:p>
+            <a:r>
+              <a:rPr lang="en-US" dirty="0"/>
+              <a:t>You can reach me on twitter under @</a:t>
+            </a:r>
+            <a:r>
+              <a:rPr lang="en-US" dirty="0" err="1"/>
+              <a:t>danielmarbach</a:t>
+            </a:r>
+            <a:endParaRPr lang="en-US" dirty="0"/>
+          </a:p>
+          <a:p>
+            <a:r>
+              <a:rPr lang="en-US" dirty="0"/>
+              <a:t>I blog on the particular blog and on my personal blog</a:t>
+            </a:r>
+          </a:p>
+          <a:p>
+            <a:r>
+              <a:rPr lang="en-US" dirty="0"/>
+              <a:t>I’m the lead behind the </a:t>
+            </a:r>
+            <a:r>
+              <a:rPr lang="en-US" dirty="0" err="1"/>
+              <a:t>asyncification</a:t>
+            </a:r>
+            <a:r>
+              <a:rPr lang="en-US" baseline="0" dirty="0"/>
+              <a:t> of </a:t>
+            </a:r>
+            <a:r>
+              <a:rPr lang="en-US" baseline="0" dirty="0" err="1"/>
+              <a:t>NServiceBus</a:t>
+            </a:r>
+            <a:r>
+              <a:rPr lang="en-US" baseline="0" dirty="0"/>
+              <a:t> and the ecosystem around it</a:t>
+            </a:r>
+          </a:p>
+          <a:p>
+            <a:r>
+              <a:rPr lang="en-US" baseline="0" dirty="0"/>
+              <a:t>I regularly contribute back ideas and code changes to </a:t>
+            </a:r>
+            <a:r>
+              <a:rPr lang="en-US" baseline="0" dirty="0" err="1"/>
+              <a:t>asyncify</a:t>
+            </a:r>
+            <a:r>
+              <a:rPr lang="en-US" baseline="0" dirty="0"/>
+              <a:t> the .NET OSS libraries and frameworks out there. So far I contributed to Entity Framework, </a:t>
+            </a:r>
+            <a:r>
+              <a:rPr lang="en-US" baseline="0" dirty="0" err="1"/>
+              <a:t>RabbitMQ</a:t>
+            </a:r>
+            <a:r>
+              <a:rPr lang="en-US" baseline="0" dirty="0"/>
+              <a:t>, Marten, </a:t>
+            </a:r>
+            <a:r>
+              <a:rPr lang="en-US" baseline="0" dirty="0" err="1"/>
+              <a:t>MassTransit</a:t>
+            </a:r>
+            <a:r>
+              <a:rPr lang="en-US" baseline="0" dirty="0"/>
+              <a:t>, Quartz.NET and many more</a:t>
             </a:r>
             <a:endParaRPr lang="de-CH" dirty="0"/>
           </a:p>
@@ -5819,6 +6100,98 @@
             <a:fld id="{9BCA07FD-5BD5-4529-84B0-48DD2C561176}" type="slidenum">
               <a:rPr lang="de-CH" smtClean="0"/>
               <a:t>46</a:t>
+            </a:fld>
+            <a:endParaRPr lang="de-CH"/>
+          </a:p>
+        </p:txBody>
+      </p:sp>
+    </p:spTree>
+    <p:extLst>
+      <p:ext uri="{BB962C8B-B14F-4D97-AF65-F5344CB8AC3E}">
+        <p14:creationId xmlns:p14="http://schemas.microsoft.com/office/powerpoint/2010/main" val="88145516"/>
+      </p:ext>
+    </p:extLst>
+  </p:cSld>
+  <p:clrMapOvr>
+    <a:masterClrMapping/>
+  </p:clrMapOvr>
+</p:notes>
+</file>
+
+<file path=ppt/notesSlides/notesSlide45.xml><?xml version="1.0" encoding="utf-8"?>
+<p:notes xmlns:a="http://schemas.openxmlformats.org/drawingml/2006/main" xmlns:r="http://schemas.openxmlformats.org/officeDocument/2006/relationships" xmlns:p="http://schemas.openxmlformats.org/presentationml/2006/main">
+  <p:cSld>
+    <p:spTree>
+      <p:nvGrpSpPr>
+        <p:cNvPr id="1" name=""/>
+        <p:cNvGrpSpPr/>
+        <p:nvPr/>
+      </p:nvGrpSpPr>
+      <p:grpSpPr>
+        <a:xfrm>
+          <a:off x="0" y="0"/>
+          <a:ext cx="0" cy="0"/>
+          <a:chOff x="0" y="0"/>
+          <a:chExt cx="0" cy="0"/>
+        </a:xfrm>
+      </p:grpSpPr>
+      <p:sp>
+        <p:nvSpPr>
+          <p:cNvPr id="2" name="Slide Image Placeholder 1"/>
+          <p:cNvSpPr>
+            <a:spLocks noGrp="1" noRot="1" noChangeAspect="1"/>
+          </p:cNvSpPr>
+          <p:nvPr>
+            <p:ph type="sldImg"/>
+          </p:nvPr>
+        </p:nvSpPr>
+        <p:spPr/>
+      </p:sp>
+      <p:sp>
+        <p:nvSpPr>
+          <p:cNvPr id="3" name="Notes Placeholder 2"/>
+          <p:cNvSpPr>
+            <a:spLocks noGrp="1"/>
+          </p:cNvSpPr>
+          <p:nvPr>
+            <p:ph type="body" idx="1"/>
+          </p:nvPr>
+        </p:nvSpPr>
+        <p:spPr/>
+        <p:txBody>
+          <a:bodyPr/>
+          <a:lstStyle/>
+          <a:p>
+            <a:r>
+              <a:rPr lang="de-CH" dirty="0"/>
+              <a:t>Thank you very much</a:t>
+            </a:r>
+            <a:r>
+              <a:rPr lang="de-CH" baseline="0" dirty="0"/>
+              <a:t> for listening and see you next time</a:t>
+            </a:r>
+            <a:endParaRPr lang="de-CH" dirty="0"/>
+          </a:p>
+        </p:txBody>
+      </p:sp>
+      <p:sp>
+        <p:nvSpPr>
+          <p:cNvPr id="4" name="Slide Number Placeholder 3"/>
+          <p:cNvSpPr>
+            <a:spLocks noGrp="1"/>
+          </p:cNvSpPr>
+          <p:nvPr>
+            <p:ph type="sldNum" sz="quarter" idx="10"/>
+          </p:nvPr>
+        </p:nvSpPr>
+        <p:spPr/>
+        <p:txBody>
+          <a:bodyPr/>
+          <a:lstStyle/>
+          <a:p>
+            <a:fld id="{9BCA07FD-5BD5-4529-84B0-48DD2C561176}" type="slidenum">
+              <a:rPr lang="de-CH" smtClean="0"/>
+              <a:t>47</a:t>
             </a:fld>
             <a:endParaRPr lang="de-CH"/>
           </a:p>
@@ -6605,7 +6978,7 @@
           <a:p>
             <a:fld id="{A2EAEABE-1D59-4413-813E-803E21872067}" type="datetimeFigureOut">
               <a:rPr lang="de-CH" smtClean="0"/>
-              <a:t>08.06.2017</a:t>
+              <a:t>12.06.2017</a:t>
             </a:fld>
             <a:endParaRPr lang="de-CH"/>
           </a:p>
@@ -6775,7 +7148,7 @@
           <a:p>
             <a:fld id="{A2EAEABE-1D59-4413-813E-803E21872067}" type="datetimeFigureOut">
               <a:rPr lang="de-CH" smtClean="0"/>
-              <a:t>08.06.2017</a:t>
+              <a:t>12.06.2017</a:t>
             </a:fld>
             <a:endParaRPr lang="de-CH"/>
           </a:p>
@@ -6955,7 +7328,7 @@
           <a:p>
             <a:fld id="{A2EAEABE-1D59-4413-813E-803E21872067}" type="datetimeFigureOut">
               <a:rPr lang="de-CH" smtClean="0"/>
-              <a:t>08.06.2017</a:t>
+              <a:t>12.06.2017</a:t>
             </a:fld>
             <a:endParaRPr lang="de-CH"/>
           </a:p>
@@ -7124,7 +7497,7 @@
           <a:p>
             <a:fld id="{A2EAEABE-1D59-4413-813E-803E21872067}" type="datetimeFigureOut">
               <a:rPr lang="de-CH" smtClean="0"/>
-              <a:t>08.06.2017</a:t>
+              <a:t>12.06.2017</a:t>
             </a:fld>
             <a:endParaRPr lang="de-CH"/>
           </a:p>
@@ -7370,7 +7743,7 @@
           <a:p>
             <a:fld id="{A2EAEABE-1D59-4413-813E-803E21872067}" type="datetimeFigureOut">
               <a:rPr lang="de-CH" smtClean="0"/>
-              <a:t>08.06.2017</a:t>
+              <a:t>12.06.2017</a:t>
             </a:fld>
             <a:endParaRPr lang="de-CH"/>
           </a:p>
@@ -7602,7 +7975,7 @@
           <a:p>
             <a:fld id="{A2EAEABE-1D59-4413-813E-803E21872067}" type="datetimeFigureOut">
               <a:rPr lang="de-CH" smtClean="0"/>
-              <a:t>08.06.2017</a:t>
+              <a:t>12.06.2017</a:t>
             </a:fld>
             <a:endParaRPr lang="de-CH"/>
           </a:p>
@@ -7969,7 +8342,7 @@
           <a:p>
             <a:fld id="{A2EAEABE-1D59-4413-813E-803E21872067}" type="datetimeFigureOut">
               <a:rPr lang="de-CH" smtClean="0"/>
-              <a:t>08.06.2017</a:t>
+              <a:t>12.06.2017</a:t>
             </a:fld>
             <a:endParaRPr lang="de-CH"/>
           </a:p>
@@ -8087,7 +8460,7 @@
           <a:p>
             <a:fld id="{A2EAEABE-1D59-4413-813E-803E21872067}" type="datetimeFigureOut">
               <a:rPr lang="de-CH" smtClean="0"/>
-              <a:t>08.06.2017</a:t>
+              <a:t>12.06.2017</a:t>
             </a:fld>
             <a:endParaRPr lang="de-CH"/>
           </a:p>
@@ -8182,7 +8555,7 @@
           <a:p>
             <a:fld id="{A2EAEABE-1D59-4413-813E-803E21872067}" type="datetimeFigureOut">
               <a:rPr lang="de-CH" smtClean="0"/>
-              <a:t>08.06.2017</a:t>
+              <a:t>12.06.2017</a:t>
             </a:fld>
             <a:endParaRPr lang="de-CH"/>
           </a:p>
@@ -8459,7 +8832,7 @@
           <a:p>
             <a:fld id="{A2EAEABE-1D59-4413-813E-803E21872067}" type="datetimeFigureOut">
               <a:rPr lang="de-CH" smtClean="0"/>
-              <a:t>08.06.2017</a:t>
+              <a:t>12.06.2017</a:t>
             </a:fld>
             <a:endParaRPr lang="de-CH"/>
           </a:p>
@@ -8716,7 +9089,7 @@
           <a:p>
             <a:fld id="{A2EAEABE-1D59-4413-813E-803E21872067}" type="datetimeFigureOut">
               <a:rPr lang="de-CH" smtClean="0"/>
-              <a:t>08.06.2017</a:t>
+              <a:t>12.06.2017</a:t>
             </a:fld>
             <a:endParaRPr lang="de-CH"/>
           </a:p>
@@ -8927,7 +9300,7 @@
           <a:p>
             <a:fld id="{A2EAEABE-1D59-4413-813E-803E21872067}" type="datetimeFigureOut">
               <a:rPr lang="de-CH" smtClean="0"/>
-              <a:t>08.06.2017</a:t>
+              <a:t>12.06.2017</a:t>
             </a:fld>
             <a:endParaRPr lang="de-CH"/>
           </a:p>
@@ -25841,7 +26214,7 @@
         <p:spPr>
           <a:xfrm>
             <a:off x="5993780" y="931410"/>
-            <a:ext cx="1872629" cy="461665"/>
+            <a:ext cx="2912977" cy="461665"/>
           </a:xfrm>
           <a:prstGeom prst="rect">
             <a:avLst/>
@@ -25861,7 +26234,7 @@
                 </a:solidFill>
                 <a:latin typeface="Yanone Kaffeesatz Regular" panose="02000000000000000000" pitchFamily="2" charset="0"/>
               </a:rPr>
-              <a:t>Logical Subscriber</a:t>
+              <a:t>Logical Subscriber “Shipping”</a:t>
             </a:r>
             <a:endParaRPr lang="de-CH" sz="2400" dirty="0">
               <a:solidFill>
@@ -26958,7 +27331,7 @@
         <p:spPr>
           <a:xfrm>
             <a:off x="5993780" y="931410"/>
-            <a:ext cx="1872629" cy="461665"/>
+            <a:ext cx="2912977" cy="461665"/>
           </a:xfrm>
           <a:prstGeom prst="rect">
             <a:avLst/>
@@ -26978,7 +27351,7 @@
                 </a:solidFill>
                 <a:latin typeface="Yanone Kaffeesatz Regular" panose="02000000000000000000" pitchFamily="2" charset="0"/>
               </a:rPr>
-              <a:t>Logical Subscriber</a:t>
+              <a:t>Logical Subscriber “Shipping”</a:t>
             </a:r>
             <a:endParaRPr lang="de-CH" sz="2400" dirty="0">
               <a:solidFill>
@@ -29897,44 +30270,1818 @@
           <a:chExt cx="0" cy="0"/>
         </a:xfrm>
       </p:grpSpPr>
-      <p:sp>
-        <p:nvSpPr>
-          <p:cNvPr id="2" name="Rectangle 1"/>
-          <p:cNvSpPr/>
-          <p:nvPr/>
-        </p:nvSpPr>
-        <p:spPr>
-          <a:xfrm>
-            <a:off x="3858849" y="1851645"/>
-            <a:ext cx="4485523" cy="3154710"/>
-          </a:xfrm>
-          <a:prstGeom prst="rect">
-            <a:avLst/>
-          </a:prstGeom>
-        </p:spPr>
-        <p:txBody>
-          <a:bodyPr wrap="none">
-            <a:spAutoFit/>
-          </a:bodyPr>
-          <a:lstStyle/>
-          <a:p>
-            <a:r>
-              <a:rPr lang="en-US" sz="19900" dirty="0">
+      <p:grpSp>
+        <p:nvGrpSpPr>
+          <p:cNvPr id="50" name="Group 49">
+            <a:extLst>
+              <a:ext uri="{FF2B5EF4-FFF2-40B4-BE49-F238E27FC236}">
+                <a16:creationId xmlns:a16="http://schemas.microsoft.com/office/drawing/2014/main" id="{5E511B26-6808-45AE-987A-BE5E206D8A30}"/>
+              </a:ext>
+            </a:extLst>
+          </p:cNvPr>
+          <p:cNvGrpSpPr/>
+          <p:nvPr/>
+        </p:nvGrpSpPr>
+        <p:grpSpPr>
+          <a:xfrm>
+            <a:off x="385942" y="1165586"/>
+            <a:ext cx="6609576" cy="4716966"/>
+            <a:chOff x="213991" y="1165586"/>
+            <a:chExt cx="6609576" cy="4716966"/>
+          </a:xfrm>
+        </p:grpSpPr>
+        <p:sp>
+          <p:nvSpPr>
+            <p:cNvPr id="2" name="Rectangle 1">
+              <a:extLst>
+                <a:ext uri="{FF2B5EF4-FFF2-40B4-BE49-F238E27FC236}">
+                  <a16:creationId xmlns:a16="http://schemas.microsoft.com/office/drawing/2014/main" id="{CF7A04B3-8D77-49E6-A7E4-7D171FCED896}"/>
+                </a:ext>
+              </a:extLst>
+            </p:cNvPr>
+            <p:cNvSpPr/>
+            <p:nvPr/>
+          </p:nvSpPr>
+          <p:spPr>
+            <a:xfrm>
+              <a:off x="213991" y="1165586"/>
+              <a:ext cx="6609576" cy="4716966"/>
+            </a:xfrm>
+            <a:prstGeom prst="rect">
+              <a:avLst/>
+            </a:prstGeom>
+            <a:noFill/>
+            <a:ln w="19050">
+              <a:solidFill>
+                <a:schemeClr val="accent3"/>
+              </a:solidFill>
+            </a:ln>
+          </p:spPr>
+          <p:style>
+            <a:lnRef idx="2">
+              <a:schemeClr val="accent1">
+                <a:shade val="50000"/>
+              </a:schemeClr>
+            </a:lnRef>
+            <a:fillRef idx="1">
+              <a:schemeClr val="accent1"/>
+            </a:fillRef>
+            <a:effectRef idx="0">
+              <a:schemeClr val="accent1"/>
+            </a:effectRef>
+            <a:fontRef idx="minor">
+              <a:schemeClr val="lt1"/>
+            </a:fontRef>
+          </p:style>
+          <p:txBody>
+            <a:bodyPr rtlCol="0" anchor="ctr"/>
+            <a:lstStyle/>
+            <a:p>
+              <a:pPr algn="ctr"/>
+              <a:endParaRPr lang="de-CH"/>
+            </a:p>
+          </p:txBody>
+        </p:sp>
+        <p:sp>
+          <p:nvSpPr>
+            <p:cNvPr id="5" name="Rectangle 4">
+              <a:extLst>
+                <a:ext uri="{FF2B5EF4-FFF2-40B4-BE49-F238E27FC236}">
+                  <a16:creationId xmlns:a16="http://schemas.microsoft.com/office/drawing/2014/main" id="{52E2D849-D0AA-4DEF-A8F5-B14C243A71D1}"/>
+                </a:ext>
+              </a:extLst>
+            </p:cNvPr>
+            <p:cNvSpPr/>
+            <p:nvPr/>
+          </p:nvSpPr>
+          <p:spPr>
+            <a:xfrm>
+              <a:off x="363883" y="3108387"/>
+              <a:ext cx="2026128" cy="914400"/>
+            </a:xfrm>
+            <a:prstGeom prst="rect">
+              <a:avLst/>
+            </a:prstGeom>
+            <a:solidFill>
+              <a:schemeClr val="tx2"/>
+            </a:solidFill>
+            <a:ln>
+              <a:noFill/>
+            </a:ln>
+          </p:spPr>
+          <p:style>
+            <a:lnRef idx="2">
+              <a:schemeClr val="accent1">
+                <a:shade val="50000"/>
+              </a:schemeClr>
+            </a:lnRef>
+            <a:fillRef idx="1">
+              <a:schemeClr val="accent1"/>
+            </a:fillRef>
+            <a:effectRef idx="0">
+              <a:schemeClr val="accent1"/>
+            </a:effectRef>
+            <a:fontRef idx="minor">
+              <a:schemeClr val="lt1"/>
+            </a:fontRef>
+          </p:style>
+          <p:txBody>
+            <a:bodyPr rot="0" spcFirstLastPara="0" vertOverflow="overflow" horzOverflow="overflow" vert="horz" wrap="square" lIns="91440" tIns="45720" rIns="91440" bIns="45720" numCol="1" spcCol="0" rtlCol="0" fromWordArt="0" anchor="ctr" anchorCtr="0" forceAA="0" compatLnSpc="1">
+              <a:prstTxWarp prst="textNoShape">
+                <a:avLst/>
+              </a:prstTxWarp>
+              <a:noAutofit/>
+            </a:bodyPr>
+            <a:lstStyle/>
+            <a:p>
+              <a:pPr algn="ctr"/>
+              <a:r>
+                <a:rPr lang="en-US" sz="2000" dirty="0" err="1">
+                  <a:latin typeface="Yanone Kaffeesatz Light" panose="02000000000000000000" pitchFamily="2" charset="0"/>
+                </a:rPr>
+                <a:t>ChocolateOrder.Front</a:t>
+              </a:r>
+              <a:endParaRPr lang="de-CH" sz="2000" dirty="0">
+                <a:latin typeface="Yanone Kaffeesatz Light" panose="02000000000000000000" pitchFamily="2" charset="0"/>
+              </a:endParaRPr>
+            </a:p>
+          </p:txBody>
+        </p:sp>
+        <p:sp>
+          <p:nvSpPr>
+            <p:cNvPr id="6" name="Rectangle 5">
+              <a:extLst>
+                <a:ext uri="{FF2B5EF4-FFF2-40B4-BE49-F238E27FC236}">
+                  <a16:creationId xmlns:a16="http://schemas.microsoft.com/office/drawing/2014/main" id="{A45E86C4-275D-4D54-8BBD-8079EF596B83}"/>
+                </a:ext>
+              </a:extLst>
+            </p:cNvPr>
+            <p:cNvSpPr/>
+            <p:nvPr/>
+          </p:nvSpPr>
+          <p:spPr>
+            <a:xfrm>
+              <a:off x="3940319" y="2272329"/>
+              <a:ext cx="1422026" cy="707319"/>
+            </a:xfrm>
+            <a:prstGeom prst="rect">
+              <a:avLst/>
+            </a:prstGeom>
+            <a:solidFill>
+              <a:schemeClr val="tx2"/>
+            </a:solidFill>
+            <a:ln>
+              <a:noFill/>
+            </a:ln>
+          </p:spPr>
+          <p:style>
+            <a:lnRef idx="2">
+              <a:schemeClr val="accent1">
+                <a:shade val="50000"/>
+              </a:schemeClr>
+            </a:lnRef>
+            <a:fillRef idx="1">
+              <a:schemeClr val="accent1"/>
+            </a:fillRef>
+            <a:effectRef idx="0">
+              <a:schemeClr val="accent1"/>
+            </a:effectRef>
+            <a:fontRef idx="minor">
+              <a:schemeClr val="lt1"/>
+            </a:fontRef>
+          </p:style>
+          <p:txBody>
+            <a:bodyPr rot="0" spcFirstLastPara="0" vertOverflow="overflow" horzOverflow="overflow" vert="horz" wrap="square" lIns="91440" tIns="45720" rIns="91440" bIns="45720" numCol="1" spcCol="0" rtlCol="0" fromWordArt="0" anchor="ctr" anchorCtr="0" forceAA="0" compatLnSpc="1">
+              <a:prstTxWarp prst="textNoShape">
+                <a:avLst/>
+              </a:prstTxWarp>
+              <a:noAutofit/>
+            </a:bodyPr>
+            <a:lstStyle/>
+            <a:p>
+              <a:pPr algn="ctr"/>
+              <a:r>
+                <a:rPr lang="en-US" sz="2000" dirty="0" err="1">
+                  <a:latin typeface="Yanone Kaffeesatz Light" panose="02000000000000000000" pitchFamily="2" charset="0"/>
+                </a:rPr>
+                <a:t>ChocolateOrder</a:t>
+              </a:r>
+              <a:endParaRPr lang="de-CH" sz="2400" dirty="0">
+                <a:latin typeface="Yanone Kaffeesatz Light" panose="02000000000000000000" pitchFamily="2" charset="0"/>
+              </a:endParaRPr>
+            </a:p>
+          </p:txBody>
+        </p:sp>
+        <p:sp>
+          <p:nvSpPr>
+            <p:cNvPr id="7" name="Cylinder 6">
+              <a:extLst>
+                <a:ext uri="{FF2B5EF4-FFF2-40B4-BE49-F238E27FC236}">
+                  <a16:creationId xmlns:a16="http://schemas.microsoft.com/office/drawing/2014/main" id="{D6083C3E-105D-4637-A2CD-E7178DB60600}"/>
+                </a:ext>
+              </a:extLst>
+            </p:cNvPr>
+            <p:cNvSpPr/>
+            <p:nvPr/>
+          </p:nvSpPr>
+          <p:spPr>
+            <a:xfrm rot="16200000">
+              <a:off x="2883951" y="2175393"/>
+              <a:ext cx="586631" cy="900000"/>
+            </a:xfrm>
+            <a:prstGeom prst="can">
+              <a:avLst/>
+            </a:prstGeom>
+            <a:solidFill>
+              <a:schemeClr val="tx2"/>
+            </a:solidFill>
+            <a:ln>
+              <a:solidFill>
+                <a:schemeClr val="accent3"/>
+              </a:solidFill>
+            </a:ln>
+          </p:spPr>
+          <p:style>
+            <a:lnRef idx="2">
+              <a:schemeClr val="accent1">
+                <a:shade val="50000"/>
+              </a:schemeClr>
+            </a:lnRef>
+            <a:fillRef idx="1">
+              <a:schemeClr val="accent1"/>
+            </a:fillRef>
+            <a:effectRef idx="0">
+              <a:schemeClr val="accent1"/>
+            </a:effectRef>
+            <a:fontRef idx="minor">
+              <a:schemeClr val="lt1"/>
+            </a:fontRef>
+          </p:style>
+          <p:txBody>
+            <a:bodyPr vert="vert" rtlCol="0" anchor="ctr"/>
+            <a:lstStyle/>
+            <a:p>
+              <a:pPr algn="ctr"/>
+              <a:r>
+                <a:rPr lang="en-US" sz="2000" dirty="0">
+                  <a:latin typeface="Yanone Kaffeesatz Light" panose="02000000000000000000" pitchFamily="2" charset="0"/>
+                </a:rPr>
+                <a:t>Dark</a:t>
+              </a:r>
+              <a:endParaRPr lang="de-CH" sz="2400" dirty="0">
+                <a:latin typeface="Yanone Kaffeesatz Light" panose="02000000000000000000" pitchFamily="2" charset="0"/>
+              </a:endParaRPr>
+            </a:p>
+          </p:txBody>
+        </p:sp>
+        <p:sp>
+          <p:nvSpPr>
+            <p:cNvPr id="8" name="Cylinder 7">
+              <a:extLst>
+                <a:ext uri="{FF2B5EF4-FFF2-40B4-BE49-F238E27FC236}">
+                  <a16:creationId xmlns:a16="http://schemas.microsoft.com/office/drawing/2014/main" id="{8BBF0CA8-2C4A-427F-BEC9-6FA0C4ADB6AC}"/>
+                </a:ext>
+              </a:extLst>
+            </p:cNvPr>
+            <p:cNvSpPr/>
+            <p:nvPr/>
+          </p:nvSpPr>
+          <p:spPr>
+            <a:xfrm rot="16200000">
+              <a:off x="2883866" y="3116756"/>
+              <a:ext cx="586800" cy="900000"/>
+            </a:xfrm>
+            <a:prstGeom prst="can">
+              <a:avLst/>
+            </a:prstGeom>
+            <a:solidFill>
+              <a:schemeClr val="tx2"/>
+            </a:solidFill>
+            <a:ln>
+              <a:solidFill>
+                <a:schemeClr val="accent3"/>
+              </a:solidFill>
+            </a:ln>
+          </p:spPr>
+          <p:style>
+            <a:lnRef idx="2">
+              <a:schemeClr val="accent1">
+                <a:shade val="50000"/>
+              </a:schemeClr>
+            </a:lnRef>
+            <a:fillRef idx="1">
+              <a:schemeClr val="accent1"/>
+            </a:fillRef>
+            <a:effectRef idx="0">
+              <a:schemeClr val="accent1"/>
+            </a:effectRef>
+            <a:fontRef idx="minor">
+              <a:schemeClr val="lt1"/>
+            </a:fontRef>
+          </p:style>
+          <p:txBody>
+            <a:bodyPr vert="vert" rtlCol="0" anchor="ctr"/>
+            <a:lstStyle/>
+            <a:p>
+              <a:pPr algn="ctr"/>
+              <a:r>
+                <a:rPr lang="en-US" sz="2000" dirty="0">
+                  <a:latin typeface="Yanone Kaffeesatz Light" panose="02000000000000000000" pitchFamily="2" charset="0"/>
+                </a:rPr>
+                <a:t>Brown</a:t>
+              </a:r>
+              <a:endParaRPr lang="de-CH" sz="2000" dirty="0">
+                <a:latin typeface="Yanone Kaffeesatz Light" panose="02000000000000000000" pitchFamily="2" charset="0"/>
+              </a:endParaRPr>
+            </a:p>
+          </p:txBody>
+        </p:sp>
+        <p:sp>
+          <p:nvSpPr>
+            <p:cNvPr id="9" name="Cylinder 8">
+              <a:extLst>
+                <a:ext uri="{FF2B5EF4-FFF2-40B4-BE49-F238E27FC236}">
+                  <a16:creationId xmlns:a16="http://schemas.microsoft.com/office/drawing/2014/main" id="{C12803F1-9B8D-47DF-BAF4-B34D59439A34}"/>
+                </a:ext>
+              </a:extLst>
+            </p:cNvPr>
+            <p:cNvSpPr/>
+            <p:nvPr/>
+          </p:nvSpPr>
+          <p:spPr>
+            <a:xfrm rot="16200000">
+              <a:off x="2883866" y="4058202"/>
+              <a:ext cx="586800" cy="900000"/>
+            </a:xfrm>
+            <a:prstGeom prst="can">
+              <a:avLst/>
+            </a:prstGeom>
+            <a:solidFill>
+              <a:schemeClr val="tx2"/>
+            </a:solidFill>
+            <a:ln>
+              <a:solidFill>
+                <a:schemeClr val="accent3"/>
+              </a:solidFill>
+            </a:ln>
+          </p:spPr>
+          <p:style>
+            <a:lnRef idx="2">
+              <a:schemeClr val="accent1">
+                <a:shade val="50000"/>
+              </a:schemeClr>
+            </a:lnRef>
+            <a:fillRef idx="1">
+              <a:schemeClr val="accent1"/>
+            </a:fillRef>
+            <a:effectRef idx="0">
+              <a:schemeClr val="accent1"/>
+            </a:effectRef>
+            <a:fontRef idx="minor">
+              <a:schemeClr val="lt1"/>
+            </a:fontRef>
+          </p:style>
+          <p:txBody>
+            <a:bodyPr vert="vert" rtlCol="0" anchor="ctr"/>
+            <a:lstStyle/>
+            <a:p>
+              <a:pPr algn="ctr"/>
+              <a:r>
+                <a:rPr lang="en-US" sz="2000" dirty="0">
+                  <a:latin typeface="Yanone Kaffeesatz Light" panose="02000000000000000000" pitchFamily="2" charset="0"/>
+                </a:rPr>
+                <a:t>White</a:t>
+              </a:r>
+              <a:endParaRPr lang="de-CH" sz="2400" dirty="0">
+                <a:latin typeface="Yanone Kaffeesatz Light" panose="02000000000000000000" pitchFamily="2" charset="0"/>
+              </a:endParaRPr>
+            </a:p>
+          </p:txBody>
+        </p:sp>
+        <p:sp>
+          <p:nvSpPr>
+            <p:cNvPr id="39" name="TextBox 38">
+              <a:extLst>
+                <a:ext uri="{FF2B5EF4-FFF2-40B4-BE49-F238E27FC236}">
+                  <a16:creationId xmlns:a16="http://schemas.microsoft.com/office/drawing/2014/main" id="{B7A5BB60-27F9-4E1A-9D99-1A7AC6F74936}"/>
+                </a:ext>
+              </a:extLst>
+            </p:cNvPr>
+            <p:cNvSpPr txBox="1"/>
+            <p:nvPr/>
+          </p:nvSpPr>
+          <p:spPr>
+            <a:xfrm>
+              <a:off x="363883" y="1238350"/>
+              <a:ext cx="1627369" cy="400110"/>
+            </a:xfrm>
+            <a:prstGeom prst="rect">
+              <a:avLst/>
+            </a:prstGeom>
+            <a:noFill/>
+          </p:spPr>
+          <p:txBody>
+            <a:bodyPr wrap="none" rtlCol="0">
+              <a:spAutoFit/>
+            </a:bodyPr>
+            <a:lstStyle/>
+            <a:p>
+              <a:r>
+                <a:rPr lang="en-US" sz="2000" dirty="0">
+                  <a:solidFill>
+                    <a:schemeClr val="accent3"/>
+                  </a:solidFill>
+                  <a:latin typeface="Yanone Kaffeesatz Regular" panose="02000000000000000000" pitchFamily="2" charset="0"/>
+                </a:rPr>
+                <a:t>Order Microservice</a:t>
+              </a:r>
+              <a:endParaRPr lang="de-CH" sz="2000" dirty="0">
+                <a:solidFill>
+                  <a:schemeClr val="accent3"/>
+                </a:solidFill>
+                <a:latin typeface="Yanone Kaffeesatz Regular" panose="02000000000000000000" pitchFamily="2" charset="0"/>
+              </a:endParaRPr>
+            </a:p>
+          </p:txBody>
+        </p:sp>
+        <p:sp>
+          <p:nvSpPr>
+            <p:cNvPr id="40" name="Rectangle 39">
+              <a:extLst>
+                <a:ext uri="{FF2B5EF4-FFF2-40B4-BE49-F238E27FC236}">
+                  <a16:creationId xmlns:a16="http://schemas.microsoft.com/office/drawing/2014/main" id="{3AE60C9F-9C8A-4623-8A06-7759AD416BBC}"/>
+                </a:ext>
+              </a:extLst>
+            </p:cNvPr>
+            <p:cNvSpPr/>
+            <p:nvPr/>
+          </p:nvSpPr>
+          <p:spPr>
+            <a:xfrm>
+              <a:off x="282735" y="1797895"/>
+              <a:ext cx="2242751" cy="4005148"/>
+            </a:xfrm>
+            <a:prstGeom prst="rect">
+              <a:avLst/>
+            </a:prstGeom>
+            <a:noFill/>
+            <a:ln w="19050">
+              <a:solidFill>
+                <a:schemeClr val="accent3"/>
+              </a:solidFill>
+            </a:ln>
+          </p:spPr>
+          <p:style>
+            <a:lnRef idx="2">
+              <a:schemeClr val="accent1">
+                <a:shade val="50000"/>
+              </a:schemeClr>
+            </a:lnRef>
+            <a:fillRef idx="1">
+              <a:schemeClr val="accent1"/>
+            </a:fillRef>
+            <a:effectRef idx="0">
+              <a:schemeClr val="accent1"/>
+            </a:effectRef>
+            <a:fontRef idx="minor">
+              <a:schemeClr val="lt1"/>
+            </a:fontRef>
+          </p:style>
+          <p:txBody>
+            <a:bodyPr rtlCol="0" anchor="ctr"/>
+            <a:lstStyle/>
+            <a:p>
+              <a:pPr algn="ctr"/>
+              <a:endParaRPr lang="de-CH"/>
+            </a:p>
+          </p:txBody>
+        </p:sp>
+        <p:sp>
+          <p:nvSpPr>
+            <p:cNvPr id="41" name="TextBox 40">
+              <a:extLst>
+                <a:ext uri="{FF2B5EF4-FFF2-40B4-BE49-F238E27FC236}">
+                  <a16:creationId xmlns:a16="http://schemas.microsoft.com/office/drawing/2014/main" id="{159133FF-8C38-4BAA-83F9-2D2244D48B25}"/>
+                </a:ext>
+              </a:extLst>
+            </p:cNvPr>
+            <p:cNvSpPr txBox="1"/>
+            <p:nvPr/>
+          </p:nvSpPr>
+          <p:spPr>
+            <a:xfrm>
+              <a:off x="282735" y="1872232"/>
+              <a:ext cx="1486304" cy="338554"/>
+            </a:xfrm>
+            <a:prstGeom prst="rect">
+              <a:avLst/>
+            </a:prstGeom>
+            <a:noFill/>
+          </p:spPr>
+          <p:txBody>
+            <a:bodyPr wrap="none" rtlCol="0">
+              <a:spAutoFit/>
+            </a:bodyPr>
+            <a:lstStyle/>
+            <a:p>
+              <a:r>
+                <a:rPr lang="en-US" sz="1600" dirty="0">
+                  <a:solidFill>
+                    <a:schemeClr val="accent3"/>
+                  </a:solidFill>
+                  <a:latin typeface="Yanone Kaffeesatz Regular" panose="02000000000000000000" pitchFamily="2" charset="0"/>
+                </a:rPr>
+                <a:t>Frontend (Stateless)</a:t>
+              </a:r>
+              <a:endParaRPr lang="de-CH" sz="1600" dirty="0">
+                <a:solidFill>
+                  <a:schemeClr val="accent3"/>
+                </a:solidFill>
+                <a:latin typeface="Yanone Kaffeesatz Regular" panose="02000000000000000000" pitchFamily="2" charset="0"/>
+              </a:endParaRPr>
+            </a:p>
+          </p:txBody>
+        </p:sp>
+        <p:sp>
+          <p:nvSpPr>
+            <p:cNvPr id="42" name="Rectangle 41">
+              <a:extLst>
+                <a:ext uri="{FF2B5EF4-FFF2-40B4-BE49-F238E27FC236}">
+                  <a16:creationId xmlns:a16="http://schemas.microsoft.com/office/drawing/2014/main" id="{D7093560-3BB3-486C-8D81-6649D66C700C}"/>
+                </a:ext>
+              </a:extLst>
+            </p:cNvPr>
+            <p:cNvSpPr/>
+            <p:nvPr/>
+          </p:nvSpPr>
+          <p:spPr>
+            <a:xfrm>
+              <a:off x="2647123" y="1797895"/>
+              <a:ext cx="1072883" cy="4005148"/>
+            </a:xfrm>
+            <a:prstGeom prst="rect">
+              <a:avLst/>
+            </a:prstGeom>
+            <a:noFill/>
+            <a:ln w="19050">
+              <a:solidFill>
+                <a:schemeClr val="accent3"/>
+              </a:solidFill>
+            </a:ln>
+          </p:spPr>
+          <p:style>
+            <a:lnRef idx="2">
+              <a:schemeClr val="accent1">
+                <a:shade val="50000"/>
+              </a:schemeClr>
+            </a:lnRef>
+            <a:fillRef idx="1">
+              <a:schemeClr val="accent1"/>
+            </a:fillRef>
+            <a:effectRef idx="0">
+              <a:schemeClr val="accent1"/>
+            </a:effectRef>
+            <a:fontRef idx="minor">
+              <a:schemeClr val="lt1"/>
+            </a:fontRef>
+          </p:style>
+          <p:txBody>
+            <a:bodyPr rtlCol="0" anchor="ctr"/>
+            <a:lstStyle/>
+            <a:p>
+              <a:pPr algn="ctr"/>
+              <a:endParaRPr lang="de-CH"/>
+            </a:p>
+          </p:txBody>
+        </p:sp>
+        <p:sp>
+          <p:nvSpPr>
+            <p:cNvPr id="43" name="TextBox 42">
+              <a:extLst>
+                <a:ext uri="{FF2B5EF4-FFF2-40B4-BE49-F238E27FC236}">
+                  <a16:creationId xmlns:a16="http://schemas.microsoft.com/office/drawing/2014/main" id="{3564A24F-8E87-40AE-954A-51288DA17591}"/>
+                </a:ext>
+              </a:extLst>
+            </p:cNvPr>
+            <p:cNvSpPr txBox="1"/>
+            <p:nvPr/>
+          </p:nvSpPr>
+          <p:spPr>
+            <a:xfrm>
+              <a:off x="2878145" y="1872232"/>
+              <a:ext cx="598241" cy="338554"/>
+            </a:xfrm>
+            <a:prstGeom prst="rect">
+              <a:avLst/>
+            </a:prstGeom>
+            <a:noFill/>
+          </p:spPr>
+          <p:txBody>
+            <a:bodyPr wrap="none" rtlCol="0">
+              <a:spAutoFit/>
+            </a:bodyPr>
+            <a:lstStyle/>
+            <a:p>
+              <a:r>
+                <a:rPr lang="en-US" sz="1600" dirty="0">
+                  <a:solidFill>
+                    <a:schemeClr val="accent3"/>
+                  </a:solidFill>
+                  <a:latin typeface="Yanone Kaffeesatz Regular" panose="02000000000000000000" pitchFamily="2" charset="0"/>
+                </a:rPr>
+                <a:t>Broker</a:t>
+              </a:r>
+              <a:endParaRPr lang="de-CH" sz="1600" dirty="0">
+                <a:solidFill>
+                  <a:schemeClr val="accent3"/>
+                </a:solidFill>
+                <a:latin typeface="Yanone Kaffeesatz Regular" panose="02000000000000000000" pitchFamily="2" charset="0"/>
+              </a:endParaRPr>
+            </a:p>
+          </p:txBody>
+        </p:sp>
+        <p:sp>
+          <p:nvSpPr>
+            <p:cNvPr id="44" name="Rectangle 43">
+              <a:extLst>
+                <a:ext uri="{FF2B5EF4-FFF2-40B4-BE49-F238E27FC236}">
+                  <a16:creationId xmlns:a16="http://schemas.microsoft.com/office/drawing/2014/main" id="{57193735-AF5E-4E65-AF0D-9831F02E56DB}"/>
+                </a:ext>
+              </a:extLst>
+            </p:cNvPr>
+            <p:cNvSpPr/>
+            <p:nvPr/>
+          </p:nvSpPr>
+          <p:spPr>
+            <a:xfrm>
+              <a:off x="3781641" y="1797895"/>
+              <a:ext cx="2923641" cy="4005148"/>
+            </a:xfrm>
+            <a:prstGeom prst="rect">
+              <a:avLst/>
+            </a:prstGeom>
+            <a:noFill/>
+            <a:ln w="19050">
+              <a:solidFill>
+                <a:schemeClr val="accent3"/>
+              </a:solidFill>
+            </a:ln>
+          </p:spPr>
+          <p:style>
+            <a:lnRef idx="2">
+              <a:schemeClr val="accent1">
+                <a:shade val="50000"/>
+              </a:schemeClr>
+            </a:lnRef>
+            <a:fillRef idx="1">
+              <a:schemeClr val="accent1"/>
+            </a:fillRef>
+            <a:effectRef idx="0">
+              <a:schemeClr val="accent1"/>
+            </a:effectRef>
+            <a:fontRef idx="minor">
+              <a:schemeClr val="lt1"/>
+            </a:fontRef>
+          </p:style>
+          <p:txBody>
+            <a:bodyPr rtlCol="0" anchor="ctr"/>
+            <a:lstStyle/>
+            <a:p>
+              <a:pPr algn="ctr"/>
+              <a:endParaRPr lang="de-CH"/>
+            </a:p>
+          </p:txBody>
+        </p:sp>
+        <p:sp>
+          <p:nvSpPr>
+            <p:cNvPr id="45" name="TextBox 44">
+              <a:extLst>
+                <a:ext uri="{FF2B5EF4-FFF2-40B4-BE49-F238E27FC236}">
+                  <a16:creationId xmlns:a16="http://schemas.microsoft.com/office/drawing/2014/main" id="{ED174757-1F9E-43E9-B8C1-6FDDDC402978}"/>
+                </a:ext>
+              </a:extLst>
+            </p:cNvPr>
+            <p:cNvSpPr txBox="1"/>
+            <p:nvPr/>
+          </p:nvSpPr>
+          <p:spPr>
+            <a:xfrm>
+              <a:off x="369425" y="5148613"/>
+              <a:ext cx="2090306" cy="369332"/>
+            </a:xfrm>
+            <a:prstGeom prst="rect">
+              <a:avLst/>
+            </a:prstGeom>
+            <a:noFill/>
+          </p:spPr>
+          <p:txBody>
+            <a:bodyPr wrap="square" rtlCol="0">
+              <a:spAutoFit/>
+            </a:bodyPr>
+            <a:lstStyle/>
+            <a:p>
+              <a:pPr algn="ctr"/>
+              <a:r>
+                <a:rPr lang="en-US" dirty="0">
+                  <a:solidFill>
+                    <a:schemeClr val="accent2"/>
+                  </a:solidFill>
+                  <a:latin typeface="Yanone Kaffeesatz Regular" panose="02000000000000000000" pitchFamily="2" charset="0"/>
+                </a:rPr>
+                <a:t>Sender Side Distribution</a:t>
+              </a:r>
+              <a:endParaRPr lang="de-CH" dirty="0">
                 <a:solidFill>
                   <a:schemeClr val="accent2"/>
                 </a:solidFill>
                 <a:latin typeface="Yanone Kaffeesatz Regular" panose="02000000000000000000" pitchFamily="2" charset="0"/>
+              </a:endParaRPr>
+            </a:p>
+          </p:txBody>
+        </p:sp>
+        <p:sp>
+          <p:nvSpPr>
+            <p:cNvPr id="46" name="TextBox 45">
+              <a:extLst>
+                <a:ext uri="{FF2B5EF4-FFF2-40B4-BE49-F238E27FC236}">
+                  <a16:creationId xmlns:a16="http://schemas.microsoft.com/office/drawing/2014/main" id="{90538968-0850-48E9-99D3-E581E75569A2}"/>
+                </a:ext>
+              </a:extLst>
+            </p:cNvPr>
+            <p:cNvSpPr txBox="1"/>
+            <p:nvPr/>
+          </p:nvSpPr>
+          <p:spPr>
+            <a:xfrm>
+              <a:off x="3781641" y="5148613"/>
+              <a:ext cx="2886537" cy="369332"/>
+            </a:xfrm>
+            <a:prstGeom prst="rect">
+              <a:avLst/>
+            </a:prstGeom>
+            <a:noFill/>
+          </p:spPr>
+          <p:txBody>
+            <a:bodyPr wrap="square" rtlCol="0">
+              <a:spAutoFit/>
+            </a:bodyPr>
+            <a:lstStyle/>
+            <a:p>
+              <a:pPr algn="ctr"/>
+              <a:r>
+                <a:rPr lang="en-US" dirty="0">
+                  <a:solidFill>
+                    <a:schemeClr val="accent2"/>
+                  </a:solidFill>
+                  <a:latin typeface="Yanone Kaffeesatz Regular" panose="02000000000000000000" pitchFamily="2" charset="0"/>
+                </a:rPr>
+                <a:t>Sender and Receiver Side Distribution</a:t>
+              </a:r>
+              <a:endParaRPr lang="de-CH" dirty="0">
+                <a:solidFill>
+                  <a:schemeClr val="accent2"/>
+                </a:solidFill>
+                <a:latin typeface="Yanone Kaffeesatz Regular" panose="02000000000000000000" pitchFamily="2" charset="0"/>
+              </a:endParaRPr>
+            </a:p>
+          </p:txBody>
+        </p:sp>
+        <p:sp>
+          <p:nvSpPr>
+            <p:cNvPr id="47" name="Rectangle 46">
+              <a:extLst>
+                <a:ext uri="{FF2B5EF4-FFF2-40B4-BE49-F238E27FC236}">
+                  <a16:creationId xmlns:a16="http://schemas.microsoft.com/office/drawing/2014/main" id="{FB329F47-3310-4E33-8E39-2784AA6E1FC7}"/>
+                </a:ext>
+              </a:extLst>
+            </p:cNvPr>
+            <p:cNvSpPr/>
+            <p:nvPr/>
+          </p:nvSpPr>
+          <p:spPr>
+            <a:xfrm>
+              <a:off x="3936736" y="3212523"/>
+              <a:ext cx="1425609" cy="707319"/>
+            </a:xfrm>
+            <a:prstGeom prst="rect">
+              <a:avLst/>
+            </a:prstGeom>
+            <a:solidFill>
+              <a:schemeClr val="tx2"/>
+            </a:solidFill>
+            <a:ln>
+              <a:noFill/>
+            </a:ln>
+          </p:spPr>
+          <p:style>
+            <a:lnRef idx="2">
+              <a:schemeClr val="accent1">
+                <a:shade val="50000"/>
+              </a:schemeClr>
+            </a:lnRef>
+            <a:fillRef idx="1">
+              <a:schemeClr val="accent1"/>
+            </a:fillRef>
+            <a:effectRef idx="0">
+              <a:schemeClr val="accent1"/>
+            </a:effectRef>
+            <a:fontRef idx="minor">
+              <a:schemeClr val="lt1"/>
+            </a:fontRef>
+          </p:style>
+          <p:txBody>
+            <a:bodyPr rot="0" spcFirstLastPara="0" vertOverflow="overflow" horzOverflow="overflow" vert="horz" wrap="square" lIns="91440" tIns="45720" rIns="91440" bIns="45720" numCol="1" spcCol="0" rtlCol="0" fromWordArt="0" anchor="ctr" anchorCtr="0" forceAA="0" compatLnSpc="1">
+              <a:prstTxWarp prst="textNoShape">
+                <a:avLst/>
+              </a:prstTxWarp>
+              <a:noAutofit/>
+            </a:bodyPr>
+            <a:lstStyle/>
+            <a:p>
+              <a:pPr algn="ctr"/>
+              <a:r>
+                <a:rPr lang="en-US" sz="2000" dirty="0" err="1">
+                  <a:latin typeface="Yanone Kaffeesatz Light" panose="02000000000000000000" pitchFamily="2" charset="0"/>
+                </a:rPr>
+                <a:t>ChocolateOrder</a:t>
+              </a:r>
+              <a:endParaRPr lang="de-CH" sz="2400" dirty="0">
+                <a:latin typeface="Yanone Kaffeesatz Light" panose="02000000000000000000" pitchFamily="2" charset="0"/>
+              </a:endParaRPr>
+            </a:p>
+          </p:txBody>
+        </p:sp>
+        <p:sp>
+          <p:nvSpPr>
+            <p:cNvPr id="48" name="Rectangle 47">
+              <a:extLst>
+                <a:ext uri="{FF2B5EF4-FFF2-40B4-BE49-F238E27FC236}">
+                  <a16:creationId xmlns:a16="http://schemas.microsoft.com/office/drawing/2014/main" id="{E8A25273-C408-4B34-A01B-2D5670D72142}"/>
+                </a:ext>
+              </a:extLst>
+            </p:cNvPr>
+            <p:cNvSpPr/>
+            <p:nvPr/>
+          </p:nvSpPr>
+          <p:spPr>
+            <a:xfrm>
+              <a:off x="3936736" y="4136288"/>
+              <a:ext cx="1425609" cy="707319"/>
+            </a:xfrm>
+            <a:prstGeom prst="rect">
+              <a:avLst/>
+            </a:prstGeom>
+            <a:solidFill>
+              <a:schemeClr val="tx2"/>
+            </a:solidFill>
+            <a:ln>
+              <a:noFill/>
+            </a:ln>
+          </p:spPr>
+          <p:style>
+            <a:lnRef idx="2">
+              <a:schemeClr val="accent1">
+                <a:shade val="50000"/>
+              </a:schemeClr>
+            </a:lnRef>
+            <a:fillRef idx="1">
+              <a:schemeClr val="accent1"/>
+            </a:fillRef>
+            <a:effectRef idx="0">
+              <a:schemeClr val="accent1"/>
+            </a:effectRef>
+            <a:fontRef idx="minor">
+              <a:schemeClr val="lt1"/>
+            </a:fontRef>
+          </p:style>
+          <p:txBody>
+            <a:bodyPr rot="0" spcFirstLastPara="0" vertOverflow="overflow" horzOverflow="overflow" vert="horz" wrap="square" lIns="91440" tIns="45720" rIns="91440" bIns="45720" numCol="1" spcCol="0" rtlCol="0" fromWordArt="0" anchor="ctr" anchorCtr="0" forceAA="0" compatLnSpc="1">
+              <a:prstTxWarp prst="textNoShape">
+                <a:avLst/>
+              </a:prstTxWarp>
+              <a:noAutofit/>
+            </a:bodyPr>
+            <a:lstStyle/>
+            <a:p>
+              <a:pPr algn="ctr"/>
+              <a:r>
+                <a:rPr lang="en-US" sz="2000" dirty="0" err="1">
+                  <a:latin typeface="Yanone Kaffeesatz Light" panose="02000000000000000000" pitchFamily="2" charset="0"/>
+                </a:rPr>
+                <a:t>ChocolateOrder</a:t>
+              </a:r>
+              <a:endParaRPr lang="de-CH" sz="2400" dirty="0">
+                <a:latin typeface="Yanone Kaffeesatz Light" panose="02000000000000000000" pitchFamily="2" charset="0"/>
+              </a:endParaRPr>
+            </a:p>
+          </p:txBody>
+        </p:sp>
+        <p:sp>
+          <p:nvSpPr>
+            <p:cNvPr id="49" name="Rectangle 48">
+              <a:extLst>
+                <a:ext uri="{FF2B5EF4-FFF2-40B4-BE49-F238E27FC236}">
+                  <a16:creationId xmlns:a16="http://schemas.microsoft.com/office/drawing/2014/main" id="{4A975999-5F52-42C2-838A-E4BEEE040FE3}"/>
+                </a:ext>
+              </a:extLst>
+            </p:cNvPr>
+            <p:cNvSpPr/>
+            <p:nvPr/>
+          </p:nvSpPr>
+          <p:spPr>
+            <a:xfrm>
+              <a:off x="5423981" y="2935088"/>
+              <a:ext cx="1231768" cy="1189452"/>
+            </a:xfrm>
+            <a:prstGeom prst="rect">
+              <a:avLst/>
+            </a:prstGeom>
+            <a:solidFill>
+              <a:schemeClr val="accent4"/>
+            </a:solidFill>
+            <a:ln>
+              <a:noFill/>
+            </a:ln>
+          </p:spPr>
+          <p:style>
+            <a:lnRef idx="2">
+              <a:schemeClr val="accent1">
+                <a:shade val="50000"/>
+              </a:schemeClr>
+            </a:lnRef>
+            <a:fillRef idx="1">
+              <a:schemeClr val="accent1"/>
+            </a:fillRef>
+            <a:effectRef idx="0">
+              <a:schemeClr val="accent1"/>
+            </a:effectRef>
+            <a:fontRef idx="minor">
+              <a:schemeClr val="lt1"/>
+            </a:fontRef>
+          </p:style>
+          <p:txBody>
+            <a:bodyPr rot="0" spcFirstLastPara="0" vertOverflow="overflow" horzOverflow="overflow" vert="horz" wrap="square" lIns="91440" tIns="45720" rIns="91440" bIns="45720" numCol="1" spcCol="0" rtlCol="0" fromWordArt="0" anchor="ctr" anchorCtr="0" forceAA="0" compatLnSpc="1">
+              <a:prstTxWarp prst="textNoShape">
+                <a:avLst/>
+              </a:prstTxWarp>
+              <a:noAutofit/>
+            </a:bodyPr>
+            <a:lstStyle/>
+            <a:p>
+              <a:pPr algn="ctr"/>
+              <a:r>
+                <a:rPr lang="en-US" sz="1600" dirty="0" err="1">
+                  <a:latin typeface="Yanone Kaffeesatz Light" panose="02000000000000000000" pitchFamily="2" charset="0"/>
+                </a:rPr>
+                <a:t>ChocolateOrder</a:t>
+              </a:r>
+              <a:br>
+                <a:rPr lang="en-US" sz="1600" dirty="0">
+                  <a:latin typeface="Yanone Kaffeesatz Light" panose="02000000000000000000" pitchFamily="2" charset="0"/>
+                </a:rPr>
+              </a:br>
+              <a:r>
+                <a:rPr lang="en-US" sz="1600" dirty="0" err="1">
+                  <a:latin typeface="Yanone Kaffeesatz Light" panose="02000000000000000000" pitchFamily="2" charset="0"/>
+                </a:rPr>
+                <a:t>ProcessManager</a:t>
+              </a:r>
+              <a:endParaRPr lang="de-CH" sz="1600" dirty="0">
+                <a:latin typeface="Yanone Kaffeesatz Light" panose="02000000000000000000" pitchFamily="2" charset="0"/>
+              </a:endParaRPr>
+            </a:p>
+          </p:txBody>
+        </p:sp>
+      </p:grpSp>
+      <p:sp>
+        <p:nvSpPr>
+          <p:cNvPr id="70" name="TextBox 69">
+            <a:extLst>
+              <a:ext uri="{FF2B5EF4-FFF2-40B4-BE49-F238E27FC236}">
+                <a16:creationId xmlns:a16="http://schemas.microsoft.com/office/drawing/2014/main" id="{C00814D7-C300-479A-BDAF-85764266F0F3}"/>
+              </a:ext>
+            </a:extLst>
+          </p:cNvPr>
+          <p:cNvSpPr txBox="1"/>
+          <p:nvPr/>
+        </p:nvSpPr>
+        <p:spPr>
+          <a:xfrm>
+            <a:off x="3858288" y="1872232"/>
+            <a:ext cx="1364476" cy="338554"/>
+          </a:xfrm>
+          <a:prstGeom prst="rect">
+            <a:avLst/>
+          </a:prstGeom>
+          <a:noFill/>
+        </p:spPr>
+        <p:txBody>
+          <a:bodyPr wrap="none" rtlCol="0">
+            <a:spAutoFit/>
+          </a:bodyPr>
+          <a:lstStyle/>
+          <a:p>
+            <a:r>
+              <a:rPr lang="en-US" sz="1600" dirty="0">
+                <a:solidFill>
+                  <a:schemeClr val="accent3"/>
+                </a:solidFill>
+                <a:latin typeface="Yanone Kaffeesatz Regular" panose="02000000000000000000" pitchFamily="2" charset="0"/>
               </a:rPr>
-              <a:t>Demo</a:t>
-            </a:r>
-            <a:endParaRPr lang="de-CH" sz="2000" dirty="0"/>
-          </a:p>
-        </p:txBody>
-      </p:sp>
+              <a:t>Backend (</a:t>
+            </a:r>
+            <a:r>
+              <a:rPr lang="en-US" sz="1600" dirty="0" err="1">
+                <a:solidFill>
+                  <a:schemeClr val="accent3"/>
+                </a:solidFill>
+                <a:latin typeface="Yanone Kaffeesatz Regular" panose="02000000000000000000" pitchFamily="2" charset="0"/>
+              </a:rPr>
+              <a:t>Stateful</a:t>
+            </a:r>
+            <a:r>
+              <a:rPr lang="en-US" sz="1600" dirty="0">
+                <a:solidFill>
+                  <a:schemeClr val="accent3"/>
+                </a:solidFill>
+                <a:latin typeface="Yanone Kaffeesatz Regular" panose="02000000000000000000" pitchFamily="2" charset="0"/>
+              </a:rPr>
+              <a:t>)</a:t>
+            </a:r>
+            <a:endParaRPr lang="de-CH" sz="1600" dirty="0">
+              <a:solidFill>
+                <a:schemeClr val="accent3"/>
+              </a:solidFill>
+              <a:latin typeface="Yanone Kaffeesatz Regular" panose="02000000000000000000" pitchFamily="2" charset="0"/>
+            </a:endParaRPr>
+          </a:p>
+        </p:txBody>
+      </p:sp>
+      <p:grpSp>
+        <p:nvGrpSpPr>
+          <p:cNvPr id="72" name="Group 71">
+            <a:extLst>
+              <a:ext uri="{FF2B5EF4-FFF2-40B4-BE49-F238E27FC236}">
+                <a16:creationId xmlns:a16="http://schemas.microsoft.com/office/drawing/2014/main" id="{0DBEAD44-1C43-46B2-BBB1-E1E9EC9B0EB8}"/>
+              </a:ext>
+            </a:extLst>
+          </p:cNvPr>
+          <p:cNvGrpSpPr/>
+          <p:nvPr/>
+        </p:nvGrpSpPr>
+        <p:grpSpPr>
+          <a:xfrm>
+            <a:off x="7299915" y="1165586"/>
+            <a:ext cx="4486923" cy="4716966"/>
+            <a:chOff x="7054589" y="1165586"/>
+            <a:chExt cx="4486923" cy="4716966"/>
+          </a:xfrm>
+        </p:grpSpPr>
+        <p:sp>
+          <p:nvSpPr>
+            <p:cNvPr id="53" name="Rectangle 52">
+              <a:extLst>
+                <a:ext uri="{FF2B5EF4-FFF2-40B4-BE49-F238E27FC236}">
+                  <a16:creationId xmlns:a16="http://schemas.microsoft.com/office/drawing/2014/main" id="{1B85D2F4-81DF-4098-A69E-243879E4C001}"/>
+                </a:ext>
+              </a:extLst>
+            </p:cNvPr>
+            <p:cNvSpPr/>
+            <p:nvPr/>
+          </p:nvSpPr>
+          <p:spPr>
+            <a:xfrm>
+              <a:off x="7054589" y="1165586"/>
+              <a:ext cx="4486923" cy="4716966"/>
+            </a:xfrm>
+            <a:prstGeom prst="rect">
+              <a:avLst/>
+            </a:prstGeom>
+            <a:noFill/>
+            <a:ln w="19050">
+              <a:solidFill>
+                <a:schemeClr val="accent3"/>
+              </a:solidFill>
+            </a:ln>
+          </p:spPr>
+          <p:style>
+            <a:lnRef idx="2">
+              <a:schemeClr val="accent1">
+                <a:shade val="50000"/>
+              </a:schemeClr>
+            </a:lnRef>
+            <a:fillRef idx="1">
+              <a:schemeClr val="accent1"/>
+            </a:fillRef>
+            <a:effectRef idx="0">
+              <a:schemeClr val="accent1"/>
+            </a:effectRef>
+            <a:fontRef idx="minor">
+              <a:schemeClr val="lt1"/>
+            </a:fontRef>
+          </p:style>
+          <p:txBody>
+            <a:bodyPr rtlCol="0" anchor="ctr"/>
+            <a:lstStyle/>
+            <a:p>
+              <a:pPr algn="ctr"/>
+              <a:endParaRPr lang="de-CH"/>
+            </a:p>
+          </p:txBody>
+        </p:sp>
+        <p:sp>
+          <p:nvSpPr>
+            <p:cNvPr id="55" name="Rectangle 54">
+              <a:extLst>
+                <a:ext uri="{FF2B5EF4-FFF2-40B4-BE49-F238E27FC236}">
+                  <a16:creationId xmlns:a16="http://schemas.microsoft.com/office/drawing/2014/main" id="{D8B3BBA4-D79D-43A6-8F6B-53DD56CCBC2A}"/>
+                </a:ext>
+              </a:extLst>
+            </p:cNvPr>
+            <p:cNvSpPr/>
+            <p:nvPr/>
+          </p:nvSpPr>
+          <p:spPr>
+            <a:xfrm>
+              <a:off x="8564759" y="2279975"/>
+              <a:ext cx="1422026" cy="707319"/>
+            </a:xfrm>
+            <a:prstGeom prst="rect">
+              <a:avLst/>
+            </a:prstGeom>
+            <a:solidFill>
+              <a:schemeClr val="tx2"/>
+            </a:solidFill>
+            <a:ln>
+              <a:noFill/>
+            </a:ln>
+          </p:spPr>
+          <p:style>
+            <a:lnRef idx="2">
+              <a:schemeClr val="accent1">
+                <a:shade val="50000"/>
+              </a:schemeClr>
+            </a:lnRef>
+            <a:fillRef idx="1">
+              <a:schemeClr val="accent1"/>
+            </a:fillRef>
+            <a:effectRef idx="0">
+              <a:schemeClr val="accent1"/>
+            </a:effectRef>
+            <a:fontRef idx="minor">
+              <a:schemeClr val="lt1"/>
+            </a:fontRef>
+          </p:style>
+          <p:txBody>
+            <a:bodyPr rot="0" spcFirstLastPara="0" vertOverflow="overflow" horzOverflow="overflow" vert="horz" wrap="square" lIns="91440" tIns="45720" rIns="91440" bIns="45720" numCol="1" spcCol="0" rtlCol="0" fromWordArt="0" anchor="ctr" anchorCtr="0" forceAA="0" compatLnSpc="1">
+              <a:prstTxWarp prst="textNoShape">
+                <a:avLst/>
+              </a:prstTxWarp>
+              <a:noAutofit/>
+            </a:bodyPr>
+            <a:lstStyle/>
+            <a:p>
+              <a:pPr algn="ctr"/>
+              <a:r>
+                <a:rPr lang="en-US" sz="2000" dirty="0">
+                  <a:latin typeface="Yanone Kaffeesatz Light" panose="02000000000000000000" pitchFamily="2" charset="0"/>
+                </a:rPr>
+                <a:t>Shipping</a:t>
+              </a:r>
+              <a:endParaRPr lang="de-CH" sz="2400" dirty="0">
+                <a:latin typeface="Yanone Kaffeesatz Light" panose="02000000000000000000" pitchFamily="2" charset="0"/>
+              </a:endParaRPr>
+            </a:p>
+          </p:txBody>
+        </p:sp>
+        <p:sp>
+          <p:nvSpPr>
+            <p:cNvPr id="56" name="Cylinder 55">
+              <a:extLst>
+                <a:ext uri="{FF2B5EF4-FFF2-40B4-BE49-F238E27FC236}">
+                  <a16:creationId xmlns:a16="http://schemas.microsoft.com/office/drawing/2014/main" id="{9A88068F-823D-4793-A4BD-2D64DE9F7FBA}"/>
+                </a:ext>
+              </a:extLst>
+            </p:cNvPr>
+            <p:cNvSpPr/>
+            <p:nvPr/>
+          </p:nvSpPr>
+          <p:spPr>
+            <a:xfrm rot="16200000">
+              <a:off x="7431744" y="2172366"/>
+              <a:ext cx="586631" cy="900000"/>
+            </a:xfrm>
+            <a:prstGeom prst="can">
+              <a:avLst/>
+            </a:prstGeom>
+            <a:solidFill>
+              <a:schemeClr val="tx2"/>
+            </a:solidFill>
+            <a:ln>
+              <a:solidFill>
+                <a:schemeClr val="accent3"/>
+              </a:solidFill>
+            </a:ln>
+          </p:spPr>
+          <p:style>
+            <a:lnRef idx="2">
+              <a:schemeClr val="accent1">
+                <a:shade val="50000"/>
+              </a:schemeClr>
+            </a:lnRef>
+            <a:fillRef idx="1">
+              <a:schemeClr val="accent1"/>
+            </a:fillRef>
+            <a:effectRef idx="0">
+              <a:schemeClr val="accent1"/>
+            </a:effectRef>
+            <a:fontRef idx="minor">
+              <a:schemeClr val="lt1"/>
+            </a:fontRef>
+          </p:style>
+          <p:txBody>
+            <a:bodyPr vert="vert" rtlCol="0" anchor="ctr"/>
+            <a:lstStyle/>
+            <a:p>
+              <a:pPr algn="ctr"/>
+              <a:r>
+                <a:rPr lang="en-US" sz="2000" dirty="0">
+                  <a:latin typeface="Yanone Kaffeesatz Light" panose="02000000000000000000" pitchFamily="2" charset="0"/>
+                </a:rPr>
+                <a:t>33000</a:t>
+              </a:r>
+              <a:endParaRPr lang="de-CH" sz="2400" dirty="0">
+                <a:latin typeface="Yanone Kaffeesatz Light" panose="02000000000000000000" pitchFamily="2" charset="0"/>
+              </a:endParaRPr>
+            </a:p>
+          </p:txBody>
+        </p:sp>
+        <p:sp>
+          <p:nvSpPr>
+            <p:cNvPr id="57" name="Cylinder 56">
+              <a:extLst>
+                <a:ext uri="{FF2B5EF4-FFF2-40B4-BE49-F238E27FC236}">
+                  <a16:creationId xmlns:a16="http://schemas.microsoft.com/office/drawing/2014/main" id="{1430C4CD-76EC-4A44-9A4D-05EACD1E1B48}"/>
+                </a:ext>
+              </a:extLst>
+            </p:cNvPr>
+            <p:cNvSpPr/>
+            <p:nvPr/>
+          </p:nvSpPr>
+          <p:spPr>
+            <a:xfrm rot="16200000">
+              <a:off x="7431659" y="3113729"/>
+              <a:ext cx="586800" cy="900000"/>
+            </a:xfrm>
+            <a:prstGeom prst="can">
+              <a:avLst/>
+            </a:prstGeom>
+            <a:solidFill>
+              <a:schemeClr val="tx2"/>
+            </a:solidFill>
+            <a:ln>
+              <a:solidFill>
+                <a:schemeClr val="accent3"/>
+              </a:solidFill>
+            </a:ln>
+          </p:spPr>
+          <p:style>
+            <a:lnRef idx="2">
+              <a:schemeClr val="accent1">
+                <a:shade val="50000"/>
+              </a:schemeClr>
+            </a:lnRef>
+            <a:fillRef idx="1">
+              <a:schemeClr val="accent1"/>
+            </a:fillRef>
+            <a:effectRef idx="0">
+              <a:schemeClr val="accent1"/>
+            </a:effectRef>
+            <a:fontRef idx="minor">
+              <a:schemeClr val="lt1"/>
+            </a:fontRef>
+          </p:style>
+          <p:txBody>
+            <a:bodyPr vert="vert" rtlCol="0" anchor="ctr"/>
+            <a:lstStyle/>
+            <a:p>
+              <a:pPr algn="ctr"/>
+              <a:r>
+                <a:rPr lang="en-US" sz="2000" dirty="0">
+                  <a:latin typeface="Yanone Kaffeesatz Light" panose="02000000000000000000" pitchFamily="2" charset="0"/>
+                </a:rPr>
+                <a:t>66000</a:t>
+              </a:r>
+              <a:endParaRPr lang="de-CH" sz="2000" dirty="0">
+                <a:latin typeface="Yanone Kaffeesatz Light" panose="02000000000000000000" pitchFamily="2" charset="0"/>
+              </a:endParaRPr>
+            </a:p>
+          </p:txBody>
+        </p:sp>
+        <p:sp>
+          <p:nvSpPr>
+            <p:cNvPr id="58" name="Cylinder 57">
+              <a:extLst>
+                <a:ext uri="{FF2B5EF4-FFF2-40B4-BE49-F238E27FC236}">
+                  <a16:creationId xmlns:a16="http://schemas.microsoft.com/office/drawing/2014/main" id="{D35E8312-07A0-4926-928D-88A0F3504F3F}"/>
+                </a:ext>
+              </a:extLst>
+            </p:cNvPr>
+            <p:cNvSpPr/>
+            <p:nvPr/>
+          </p:nvSpPr>
+          <p:spPr>
+            <a:xfrm rot="16200000">
+              <a:off x="7431659" y="4055175"/>
+              <a:ext cx="586800" cy="900000"/>
+            </a:xfrm>
+            <a:prstGeom prst="can">
+              <a:avLst/>
+            </a:prstGeom>
+            <a:solidFill>
+              <a:schemeClr val="tx2"/>
+            </a:solidFill>
+            <a:ln>
+              <a:solidFill>
+                <a:schemeClr val="accent3"/>
+              </a:solidFill>
+            </a:ln>
+          </p:spPr>
+          <p:style>
+            <a:lnRef idx="2">
+              <a:schemeClr val="accent1">
+                <a:shade val="50000"/>
+              </a:schemeClr>
+            </a:lnRef>
+            <a:fillRef idx="1">
+              <a:schemeClr val="accent1"/>
+            </a:fillRef>
+            <a:effectRef idx="0">
+              <a:schemeClr val="accent1"/>
+            </a:effectRef>
+            <a:fontRef idx="minor">
+              <a:schemeClr val="lt1"/>
+            </a:fontRef>
+          </p:style>
+          <p:txBody>
+            <a:bodyPr vert="vert" rtlCol="0" anchor="ctr"/>
+            <a:lstStyle/>
+            <a:p>
+              <a:pPr algn="ctr"/>
+              <a:r>
+                <a:rPr lang="en-US" sz="2000" dirty="0">
+                  <a:latin typeface="Yanone Kaffeesatz Light" panose="02000000000000000000" pitchFamily="2" charset="0"/>
+                </a:rPr>
+                <a:t>99000</a:t>
+              </a:r>
+              <a:endParaRPr lang="de-CH" sz="2400" dirty="0">
+                <a:latin typeface="Yanone Kaffeesatz Light" panose="02000000000000000000" pitchFamily="2" charset="0"/>
+              </a:endParaRPr>
+            </a:p>
+          </p:txBody>
+        </p:sp>
+        <p:sp>
+          <p:nvSpPr>
+            <p:cNvPr id="59" name="TextBox 58">
+              <a:extLst>
+                <a:ext uri="{FF2B5EF4-FFF2-40B4-BE49-F238E27FC236}">
+                  <a16:creationId xmlns:a16="http://schemas.microsoft.com/office/drawing/2014/main" id="{988B19FD-4763-445D-8E57-3345F4DCB2CF}"/>
+                </a:ext>
+              </a:extLst>
+            </p:cNvPr>
+            <p:cNvSpPr txBox="1"/>
+            <p:nvPr/>
+          </p:nvSpPr>
+          <p:spPr>
+            <a:xfrm>
+              <a:off x="7204481" y="1238350"/>
+              <a:ext cx="1864613" cy="400110"/>
+            </a:xfrm>
+            <a:prstGeom prst="rect">
+              <a:avLst/>
+            </a:prstGeom>
+            <a:noFill/>
+          </p:spPr>
+          <p:txBody>
+            <a:bodyPr wrap="none" rtlCol="0">
+              <a:spAutoFit/>
+            </a:bodyPr>
+            <a:lstStyle/>
+            <a:p>
+              <a:r>
+                <a:rPr lang="en-US" sz="2000" dirty="0">
+                  <a:solidFill>
+                    <a:schemeClr val="accent3"/>
+                  </a:solidFill>
+                  <a:latin typeface="Yanone Kaffeesatz Regular" panose="02000000000000000000" pitchFamily="2" charset="0"/>
+                </a:rPr>
+                <a:t>Shipping Microservice</a:t>
+              </a:r>
+              <a:endParaRPr lang="de-CH" sz="2000" dirty="0">
+                <a:solidFill>
+                  <a:schemeClr val="accent3"/>
+                </a:solidFill>
+                <a:latin typeface="Yanone Kaffeesatz Regular" panose="02000000000000000000" pitchFamily="2" charset="0"/>
+              </a:endParaRPr>
+            </a:p>
+          </p:txBody>
+        </p:sp>
+        <p:sp>
+          <p:nvSpPr>
+            <p:cNvPr id="62" name="Rectangle 61">
+              <a:extLst>
+                <a:ext uri="{FF2B5EF4-FFF2-40B4-BE49-F238E27FC236}">
+                  <a16:creationId xmlns:a16="http://schemas.microsoft.com/office/drawing/2014/main" id="{A67644E7-2BA4-4E68-BD05-BB6E67570C39}"/>
+                </a:ext>
+              </a:extLst>
+            </p:cNvPr>
+            <p:cNvSpPr/>
+            <p:nvPr/>
+          </p:nvSpPr>
+          <p:spPr>
+            <a:xfrm>
+              <a:off x="7194916" y="1794868"/>
+              <a:ext cx="1072883" cy="4005148"/>
+            </a:xfrm>
+            <a:prstGeom prst="rect">
+              <a:avLst/>
+            </a:prstGeom>
+            <a:noFill/>
+            <a:ln w="19050">
+              <a:solidFill>
+                <a:schemeClr val="accent3"/>
+              </a:solidFill>
+            </a:ln>
+          </p:spPr>
+          <p:style>
+            <a:lnRef idx="2">
+              <a:schemeClr val="accent1">
+                <a:shade val="50000"/>
+              </a:schemeClr>
+            </a:lnRef>
+            <a:fillRef idx="1">
+              <a:schemeClr val="accent1"/>
+            </a:fillRef>
+            <a:effectRef idx="0">
+              <a:schemeClr val="accent1"/>
+            </a:effectRef>
+            <a:fontRef idx="minor">
+              <a:schemeClr val="lt1"/>
+            </a:fontRef>
+          </p:style>
+          <p:txBody>
+            <a:bodyPr rtlCol="0" anchor="ctr"/>
+            <a:lstStyle/>
+            <a:p>
+              <a:pPr algn="ctr"/>
+              <a:endParaRPr lang="de-CH"/>
+            </a:p>
+          </p:txBody>
+        </p:sp>
+        <p:sp>
+          <p:nvSpPr>
+            <p:cNvPr id="63" name="TextBox 62">
+              <a:extLst>
+                <a:ext uri="{FF2B5EF4-FFF2-40B4-BE49-F238E27FC236}">
+                  <a16:creationId xmlns:a16="http://schemas.microsoft.com/office/drawing/2014/main" id="{099DA100-B7DF-418B-B24F-9F9F1F3538B0}"/>
+                </a:ext>
+              </a:extLst>
+            </p:cNvPr>
+            <p:cNvSpPr txBox="1"/>
+            <p:nvPr/>
+          </p:nvSpPr>
+          <p:spPr>
+            <a:xfrm>
+              <a:off x="7425938" y="1869205"/>
+              <a:ext cx="598241" cy="338554"/>
+            </a:xfrm>
+            <a:prstGeom prst="rect">
+              <a:avLst/>
+            </a:prstGeom>
+            <a:noFill/>
+          </p:spPr>
+          <p:txBody>
+            <a:bodyPr wrap="none" rtlCol="0">
+              <a:spAutoFit/>
+            </a:bodyPr>
+            <a:lstStyle/>
+            <a:p>
+              <a:r>
+                <a:rPr lang="en-US" sz="1600" dirty="0">
+                  <a:solidFill>
+                    <a:schemeClr val="accent3"/>
+                  </a:solidFill>
+                  <a:latin typeface="Yanone Kaffeesatz Regular" panose="02000000000000000000" pitchFamily="2" charset="0"/>
+                </a:rPr>
+                <a:t>Broker</a:t>
+              </a:r>
+              <a:endParaRPr lang="de-CH" sz="1600" dirty="0">
+                <a:solidFill>
+                  <a:schemeClr val="accent3"/>
+                </a:solidFill>
+                <a:latin typeface="Yanone Kaffeesatz Regular" panose="02000000000000000000" pitchFamily="2" charset="0"/>
+              </a:endParaRPr>
+            </a:p>
+          </p:txBody>
+        </p:sp>
+        <p:sp>
+          <p:nvSpPr>
+            <p:cNvPr id="64" name="Rectangle 63">
+              <a:extLst>
+                <a:ext uri="{FF2B5EF4-FFF2-40B4-BE49-F238E27FC236}">
+                  <a16:creationId xmlns:a16="http://schemas.microsoft.com/office/drawing/2014/main" id="{6635260B-1997-4535-9443-2EB93C5E29B6}"/>
+                </a:ext>
+              </a:extLst>
+            </p:cNvPr>
+            <p:cNvSpPr/>
+            <p:nvPr/>
+          </p:nvSpPr>
+          <p:spPr>
+            <a:xfrm>
+              <a:off x="8406081" y="1805541"/>
+              <a:ext cx="2923641" cy="4005148"/>
+            </a:xfrm>
+            <a:prstGeom prst="rect">
+              <a:avLst/>
+            </a:prstGeom>
+            <a:noFill/>
+            <a:ln w="19050">
+              <a:solidFill>
+                <a:schemeClr val="accent3"/>
+              </a:solidFill>
+            </a:ln>
+          </p:spPr>
+          <p:style>
+            <a:lnRef idx="2">
+              <a:schemeClr val="accent1">
+                <a:shade val="50000"/>
+              </a:schemeClr>
+            </a:lnRef>
+            <a:fillRef idx="1">
+              <a:schemeClr val="accent1"/>
+            </a:fillRef>
+            <a:effectRef idx="0">
+              <a:schemeClr val="accent1"/>
+            </a:effectRef>
+            <a:fontRef idx="minor">
+              <a:schemeClr val="lt1"/>
+            </a:fontRef>
+          </p:style>
+          <p:txBody>
+            <a:bodyPr rtlCol="0" anchor="ctr"/>
+            <a:lstStyle/>
+            <a:p>
+              <a:pPr algn="ctr"/>
+              <a:endParaRPr lang="de-CH"/>
+            </a:p>
+          </p:txBody>
+        </p:sp>
+        <p:sp>
+          <p:nvSpPr>
+            <p:cNvPr id="66" name="TextBox 65">
+              <a:extLst>
+                <a:ext uri="{FF2B5EF4-FFF2-40B4-BE49-F238E27FC236}">
+                  <a16:creationId xmlns:a16="http://schemas.microsoft.com/office/drawing/2014/main" id="{2018F58E-7B5C-4A17-96D0-827AC3561AF4}"/>
+                </a:ext>
+              </a:extLst>
+            </p:cNvPr>
+            <p:cNvSpPr txBox="1"/>
+            <p:nvPr/>
+          </p:nvSpPr>
+          <p:spPr>
+            <a:xfrm>
+              <a:off x="8406081" y="5156259"/>
+              <a:ext cx="2886537" cy="369332"/>
+            </a:xfrm>
+            <a:prstGeom prst="rect">
+              <a:avLst/>
+            </a:prstGeom>
+            <a:noFill/>
+          </p:spPr>
+          <p:txBody>
+            <a:bodyPr wrap="square" rtlCol="0">
+              <a:spAutoFit/>
+            </a:bodyPr>
+            <a:lstStyle/>
+            <a:p>
+              <a:pPr algn="ctr"/>
+              <a:r>
+                <a:rPr lang="en-US" dirty="0">
+                  <a:solidFill>
+                    <a:schemeClr val="accent2"/>
+                  </a:solidFill>
+                  <a:latin typeface="Yanone Kaffeesatz Regular" panose="02000000000000000000" pitchFamily="2" charset="0"/>
+                </a:rPr>
+                <a:t>Receiver Side Distribution</a:t>
+              </a:r>
+              <a:endParaRPr lang="de-CH" dirty="0">
+                <a:solidFill>
+                  <a:schemeClr val="accent2"/>
+                </a:solidFill>
+                <a:latin typeface="Yanone Kaffeesatz Regular" panose="02000000000000000000" pitchFamily="2" charset="0"/>
+              </a:endParaRPr>
+            </a:p>
+          </p:txBody>
+        </p:sp>
+        <p:sp>
+          <p:nvSpPr>
+            <p:cNvPr id="67" name="Rectangle 66">
+              <a:extLst>
+                <a:ext uri="{FF2B5EF4-FFF2-40B4-BE49-F238E27FC236}">
+                  <a16:creationId xmlns:a16="http://schemas.microsoft.com/office/drawing/2014/main" id="{CB4ABDE6-B5F0-498F-B371-2B72647E7064}"/>
+                </a:ext>
+              </a:extLst>
+            </p:cNvPr>
+            <p:cNvSpPr/>
+            <p:nvPr/>
+          </p:nvSpPr>
+          <p:spPr>
+            <a:xfrm>
+              <a:off x="8561176" y="3220169"/>
+              <a:ext cx="1425609" cy="707319"/>
+            </a:xfrm>
+            <a:prstGeom prst="rect">
+              <a:avLst/>
+            </a:prstGeom>
+            <a:solidFill>
+              <a:schemeClr val="tx2"/>
+            </a:solidFill>
+            <a:ln>
+              <a:noFill/>
+            </a:ln>
+          </p:spPr>
+          <p:style>
+            <a:lnRef idx="2">
+              <a:schemeClr val="accent1">
+                <a:shade val="50000"/>
+              </a:schemeClr>
+            </a:lnRef>
+            <a:fillRef idx="1">
+              <a:schemeClr val="accent1"/>
+            </a:fillRef>
+            <a:effectRef idx="0">
+              <a:schemeClr val="accent1"/>
+            </a:effectRef>
+            <a:fontRef idx="minor">
+              <a:schemeClr val="lt1"/>
+            </a:fontRef>
+          </p:style>
+          <p:txBody>
+            <a:bodyPr rot="0" spcFirstLastPara="0" vertOverflow="overflow" horzOverflow="overflow" vert="horz" wrap="square" lIns="91440" tIns="45720" rIns="91440" bIns="45720" numCol="1" spcCol="0" rtlCol="0" fromWordArt="0" anchor="ctr" anchorCtr="0" forceAA="0" compatLnSpc="1">
+              <a:prstTxWarp prst="textNoShape">
+                <a:avLst/>
+              </a:prstTxWarp>
+              <a:noAutofit/>
+            </a:bodyPr>
+            <a:lstStyle/>
+            <a:p>
+              <a:pPr algn="ctr"/>
+              <a:r>
+                <a:rPr lang="en-US" sz="2000" dirty="0">
+                  <a:latin typeface="Yanone Kaffeesatz Light" panose="02000000000000000000" pitchFamily="2" charset="0"/>
+                </a:rPr>
+                <a:t>Shipping</a:t>
+              </a:r>
+              <a:endParaRPr lang="de-CH" sz="2400" dirty="0">
+                <a:latin typeface="Yanone Kaffeesatz Light" panose="02000000000000000000" pitchFamily="2" charset="0"/>
+              </a:endParaRPr>
+            </a:p>
+          </p:txBody>
+        </p:sp>
+        <p:sp>
+          <p:nvSpPr>
+            <p:cNvPr id="68" name="Rectangle 67">
+              <a:extLst>
+                <a:ext uri="{FF2B5EF4-FFF2-40B4-BE49-F238E27FC236}">
+                  <a16:creationId xmlns:a16="http://schemas.microsoft.com/office/drawing/2014/main" id="{59091795-F939-4432-B43C-C37E536018EC}"/>
+                </a:ext>
+              </a:extLst>
+            </p:cNvPr>
+            <p:cNvSpPr/>
+            <p:nvPr/>
+          </p:nvSpPr>
+          <p:spPr>
+            <a:xfrm>
+              <a:off x="8561176" y="4143934"/>
+              <a:ext cx="1425609" cy="707319"/>
+            </a:xfrm>
+            <a:prstGeom prst="rect">
+              <a:avLst/>
+            </a:prstGeom>
+            <a:solidFill>
+              <a:schemeClr val="tx2"/>
+            </a:solidFill>
+            <a:ln>
+              <a:noFill/>
+            </a:ln>
+          </p:spPr>
+          <p:style>
+            <a:lnRef idx="2">
+              <a:schemeClr val="accent1">
+                <a:shade val="50000"/>
+              </a:schemeClr>
+            </a:lnRef>
+            <a:fillRef idx="1">
+              <a:schemeClr val="accent1"/>
+            </a:fillRef>
+            <a:effectRef idx="0">
+              <a:schemeClr val="accent1"/>
+            </a:effectRef>
+            <a:fontRef idx="minor">
+              <a:schemeClr val="lt1"/>
+            </a:fontRef>
+          </p:style>
+          <p:txBody>
+            <a:bodyPr rot="0" spcFirstLastPara="0" vertOverflow="overflow" horzOverflow="overflow" vert="horz" wrap="square" lIns="91440" tIns="45720" rIns="91440" bIns="45720" numCol="1" spcCol="0" rtlCol="0" fromWordArt="0" anchor="ctr" anchorCtr="0" forceAA="0" compatLnSpc="1">
+              <a:prstTxWarp prst="textNoShape">
+                <a:avLst/>
+              </a:prstTxWarp>
+              <a:noAutofit/>
+            </a:bodyPr>
+            <a:lstStyle/>
+            <a:p>
+              <a:pPr algn="ctr"/>
+              <a:r>
+                <a:rPr lang="en-US" sz="2000" dirty="0">
+                  <a:latin typeface="Yanone Kaffeesatz Light" panose="02000000000000000000" pitchFamily="2" charset="0"/>
+                </a:rPr>
+                <a:t>Shipping</a:t>
+              </a:r>
+              <a:endParaRPr lang="de-CH" sz="2400" dirty="0">
+                <a:latin typeface="Yanone Kaffeesatz Light" panose="02000000000000000000" pitchFamily="2" charset="0"/>
+              </a:endParaRPr>
+            </a:p>
+          </p:txBody>
+        </p:sp>
+        <p:sp>
+          <p:nvSpPr>
+            <p:cNvPr id="71" name="TextBox 70">
+              <a:extLst>
+                <a:ext uri="{FF2B5EF4-FFF2-40B4-BE49-F238E27FC236}">
+                  <a16:creationId xmlns:a16="http://schemas.microsoft.com/office/drawing/2014/main" id="{98DFE652-68DA-46A1-ABB7-56A2C73ACB72}"/>
+                </a:ext>
+              </a:extLst>
+            </p:cNvPr>
+            <p:cNvSpPr txBox="1"/>
+            <p:nvPr/>
+          </p:nvSpPr>
+          <p:spPr>
+            <a:xfrm>
+              <a:off x="8484873" y="1869205"/>
+              <a:ext cx="1364476" cy="338554"/>
+            </a:xfrm>
+            <a:prstGeom prst="rect">
+              <a:avLst/>
+            </a:prstGeom>
+            <a:noFill/>
+          </p:spPr>
+          <p:txBody>
+            <a:bodyPr wrap="none" rtlCol="0">
+              <a:spAutoFit/>
+            </a:bodyPr>
+            <a:lstStyle/>
+            <a:p>
+              <a:r>
+                <a:rPr lang="en-US" sz="1600" dirty="0">
+                  <a:solidFill>
+                    <a:schemeClr val="accent3"/>
+                  </a:solidFill>
+                  <a:latin typeface="Yanone Kaffeesatz Regular" panose="02000000000000000000" pitchFamily="2" charset="0"/>
+                </a:rPr>
+                <a:t>Backend (</a:t>
+              </a:r>
+              <a:r>
+                <a:rPr lang="en-US" sz="1600" dirty="0" err="1">
+                  <a:solidFill>
+                    <a:schemeClr val="accent3"/>
+                  </a:solidFill>
+                  <a:latin typeface="Yanone Kaffeesatz Regular" panose="02000000000000000000" pitchFamily="2" charset="0"/>
+                </a:rPr>
+                <a:t>Stateful</a:t>
+              </a:r>
+              <a:r>
+                <a:rPr lang="en-US" sz="1600" dirty="0">
+                  <a:solidFill>
+                    <a:schemeClr val="accent3"/>
+                  </a:solidFill>
+                  <a:latin typeface="Yanone Kaffeesatz Regular" panose="02000000000000000000" pitchFamily="2" charset="0"/>
+                </a:rPr>
+                <a:t>)</a:t>
+              </a:r>
+              <a:endParaRPr lang="de-CH" sz="1600" dirty="0">
+                <a:solidFill>
+                  <a:schemeClr val="accent3"/>
+                </a:solidFill>
+                <a:latin typeface="Yanone Kaffeesatz Regular" panose="02000000000000000000" pitchFamily="2" charset="0"/>
+              </a:endParaRPr>
+            </a:p>
+          </p:txBody>
+        </p:sp>
+      </p:grpSp>
     </p:spTree>
     <p:extLst>
       <p:ext uri="{BB962C8B-B14F-4D97-AF65-F5344CB8AC3E}">
-        <p14:creationId xmlns:p14="http://schemas.microsoft.com/office/powerpoint/2010/main" val="1485510424"/>
+        <p14:creationId xmlns:p14="http://schemas.microsoft.com/office/powerpoint/2010/main" val="181751831"/>
       </p:ext>
     </p:extLst>
   </p:cSld>
@@ -30053,6 +32200,70 @@
 </file>
 
 <file path=ppt/slides/slide40.xml><?xml version="1.0" encoding="utf-8"?>
+<p:sld xmlns:a="http://schemas.openxmlformats.org/drawingml/2006/main" xmlns:r="http://schemas.openxmlformats.org/officeDocument/2006/relationships" xmlns:p="http://schemas.openxmlformats.org/presentationml/2006/main">
+  <p:cSld>
+    <p:spTree>
+      <p:nvGrpSpPr>
+        <p:cNvPr id="1" name=""/>
+        <p:cNvGrpSpPr/>
+        <p:nvPr/>
+      </p:nvGrpSpPr>
+      <p:grpSpPr>
+        <a:xfrm>
+          <a:off x="0" y="0"/>
+          <a:ext cx="0" cy="0"/>
+          <a:chOff x="0" y="0"/>
+          <a:chExt cx="0" cy="0"/>
+        </a:xfrm>
+      </p:grpSpPr>
+      <p:sp>
+        <p:nvSpPr>
+          <p:cNvPr id="2" name="Rectangle 1"/>
+          <p:cNvSpPr/>
+          <p:nvPr/>
+        </p:nvSpPr>
+        <p:spPr>
+          <a:xfrm>
+            <a:off x="3858849" y="1851645"/>
+            <a:ext cx="4485523" cy="3154710"/>
+          </a:xfrm>
+          <a:prstGeom prst="rect">
+            <a:avLst/>
+          </a:prstGeom>
+        </p:spPr>
+        <p:txBody>
+          <a:bodyPr wrap="none">
+            <a:spAutoFit/>
+          </a:bodyPr>
+          <a:lstStyle/>
+          <a:p>
+            <a:r>
+              <a:rPr lang="en-US" sz="19900" dirty="0">
+                <a:solidFill>
+                  <a:schemeClr val="accent2"/>
+                </a:solidFill>
+                <a:latin typeface="Yanone Kaffeesatz Regular" panose="02000000000000000000" pitchFamily="2" charset="0"/>
+              </a:rPr>
+              <a:t>Demo</a:t>
+            </a:r>
+            <a:endParaRPr lang="de-CH" sz="2000" dirty="0"/>
+          </a:p>
+        </p:txBody>
+      </p:sp>
+    </p:spTree>
+    <p:extLst>
+      <p:ext uri="{BB962C8B-B14F-4D97-AF65-F5344CB8AC3E}">
+        <p14:creationId xmlns:p14="http://schemas.microsoft.com/office/powerpoint/2010/main" val="1485510424"/>
+      </p:ext>
+    </p:extLst>
+  </p:cSld>
+  <p:clrMapOvr>
+    <a:masterClrMapping/>
+  </p:clrMapOvr>
+</p:sld>
+</file>
+
+<file path=ppt/slides/slide41.xml><?xml version="1.0" encoding="utf-8"?>
 <p:sld xmlns:a="http://schemas.openxmlformats.org/drawingml/2006/main" xmlns:r="http://schemas.openxmlformats.org/officeDocument/2006/relationships" xmlns:p="http://schemas.openxmlformats.org/presentationml/2006/main">
   <p:cSld>
     <p:spTree>
@@ -30461,7 +32672,7 @@
 </p:sld>
 </file>
 
-<file path=ppt/slides/slide41.xml><?xml version="1.0" encoding="utf-8"?>
+<file path=ppt/slides/slide42.xml><?xml version="1.0" encoding="utf-8"?>
 <p:sld xmlns:a="http://schemas.openxmlformats.org/drawingml/2006/main" xmlns:r="http://schemas.openxmlformats.org/officeDocument/2006/relationships" xmlns:p="http://schemas.openxmlformats.org/presentationml/2006/main">
   <p:cSld>
     <p:spTree>
@@ -30653,7 +32864,7 @@
 </p:sld>
 </file>
 
-<file path=ppt/slides/slide42.xml><?xml version="1.0" encoding="utf-8"?>
+<file path=ppt/slides/slide43.xml><?xml version="1.0" encoding="utf-8"?>
 <p:sld xmlns:a="http://schemas.openxmlformats.org/drawingml/2006/main" xmlns:r="http://schemas.openxmlformats.org/officeDocument/2006/relationships" xmlns:p="http://schemas.openxmlformats.org/presentationml/2006/main">
   <p:cSld>
     <p:spTree>
@@ -30946,118 +33157,6 @@
 </p:sld>
 </file>
 
-<file path=ppt/slides/slide43.xml><?xml version="1.0" encoding="utf-8"?>
-<p:sld xmlns:a="http://schemas.openxmlformats.org/drawingml/2006/main" xmlns:r="http://schemas.openxmlformats.org/officeDocument/2006/relationships" xmlns:p="http://schemas.openxmlformats.org/presentationml/2006/main">
-  <p:cSld>
-    <p:spTree>
-      <p:nvGrpSpPr>
-        <p:cNvPr id="1" name=""/>
-        <p:cNvGrpSpPr/>
-        <p:nvPr/>
-      </p:nvGrpSpPr>
-      <p:grpSpPr>
-        <a:xfrm>
-          <a:off x="0" y="0"/>
-          <a:ext cx="0" cy="0"/>
-          <a:chOff x="0" y="0"/>
-          <a:chExt cx="0" cy="0"/>
-        </a:xfrm>
-      </p:grpSpPr>
-      <p:sp>
-        <p:nvSpPr>
-          <p:cNvPr id="2" name="Rectangle 1"/>
-          <p:cNvSpPr/>
-          <p:nvPr/>
-        </p:nvSpPr>
-        <p:spPr>
-          <a:xfrm>
-            <a:off x="1064014" y="3127733"/>
-            <a:ext cx="9860392" cy="923330"/>
-          </a:xfrm>
-          <a:prstGeom prst="rect">
-            <a:avLst/>
-          </a:prstGeom>
-        </p:spPr>
-        <p:txBody>
-          <a:bodyPr wrap="none">
-            <a:spAutoFit/>
-          </a:bodyPr>
-          <a:lstStyle/>
-          <a:p>
-            <a:r>
-              <a:rPr lang="en-US" sz="3600" dirty="0">
-                <a:solidFill>
-                  <a:schemeClr val="tx2"/>
-                </a:solidFill>
-                <a:latin typeface="Yanone Kaffeesatz Regular" panose="02000000000000000000" pitchFamily="2" charset="0"/>
-              </a:rPr>
-              <a:t>github.com/danielmarbach/</a:t>
-            </a:r>
-            <a:r>
-              <a:rPr lang="en-US" sz="5400" dirty="0" err="1">
-                <a:solidFill>
-                  <a:schemeClr val="accent4"/>
-                </a:solidFill>
-                <a:latin typeface="Yanone Kaffeesatz Regular" panose="02000000000000000000" pitchFamily="2" charset="0"/>
-              </a:rPr>
-              <a:t>Microservices.ServiceFabric</a:t>
-            </a:r>
-            <a:endParaRPr lang="de-CH" sz="5400" dirty="0">
-              <a:solidFill>
-                <a:schemeClr val="accent4"/>
-              </a:solidFill>
-              <a:latin typeface="Yanone Kaffeesatz Regular" panose="02000000000000000000" pitchFamily="2" charset="0"/>
-            </a:endParaRPr>
-          </a:p>
-        </p:txBody>
-      </p:sp>
-      <p:sp>
-        <p:nvSpPr>
-          <p:cNvPr id="4" name="Rectangle 3"/>
-          <p:cNvSpPr/>
-          <p:nvPr/>
-        </p:nvSpPr>
-        <p:spPr>
-          <a:xfrm>
-            <a:off x="1064014" y="1124536"/>
-            <a:ext cx="6463629" cy="1862048"/>
-          </a:xfrm>
-          <a:prstGeom prst="rect">
-            <a:avLst/>
-          </a:prstGeom>
-        </p:spPr>
-        <p:txBody>
-          <a:bodyPr wrap="none">
-            <a:spAutoFit/>
-          </a:bodyPr>
-          <a:lstStyle/>
-          <a:p>
-            <a:r>
-              <a:rPr lang="en-US" sz="11500" dirty="0">
-                <a:solidFill>
-                  <a:schemeClr val="accent2"/>
-                </a:solidFill>
-                <a:latin typeface="Yanone Kaffeesatz Regular" panose="02000000000000000000" pitchFamily="2" charset="0"/>
-              </a:rPr>
-              <a:t>Slides, Links…</a:t>
-            </a:r>
-            <a:endParaRPr lang="de-CH" sz="1400" dirty="0"/>
-          </a:p>
-        </p:txBody>
-      </p:sp>
-    </p:spTree>
-    <p:extLst>
-      <p:ext uri="{BB962C8B-B14F-4D97-AF65-F5344CB8AC3E}">
-        <p14:creationId xmlns:p14="http://schemas.microsoft.com/office/powerpoint/2010/main" val="1581449120"/>
-      </p:ext>
-    </p:extLst>
-  </p:cSld>
-  <p:clrMapOvr>
-    <a:masterClrMapping/>
-  </p:clrMapOvr>
-</p:sld>
-</file>
-
 <file path=ppt/slides/slide44.xml><?xml version="1.0" encoding="utf-8"?>
 <p:sld xmlns:a="http://schemas.openxmlformats.org/drawingml/2006/main" xmlns:r="http://schemas.openxmlformats.org/officeDocument/2006/relationships" xmlns:p="http://schemas.openxmlformats.org/presentationml/2006/main">
   <p:cSld>
@@ -31083,8 +33182,8 @@
         </p:nvSpPr>
         <p:spPr>
           <a:xfrm>
-            <a:off x="3858849" y="1851645"/>
-            <a:ext cx="4474302" cy="3154710"/>
+            <a:off x="1064014" y="3127733"/>
+            <a:ext cx="9860392" cy="923330"/>
           </a:xfrm>
           <a:prstGeom prst="rect">
             <a:avLst/>
@@ -31097,52 +33196,70 @@
           <a:lstStyle/>
           <a:p>
             <a:r>
-              <a:rPr lang="en-US" sz="19900" dirty="0">
+              <a:rPr lang="en-US" sz="3600" dirty="0">
+                <a:solidFill>
+                  <a:schemeClr val="tx2"/>
+                </a:solidFill>
+                <a:latin typeface="Yanone Kaffeesatz Regular" panose="02000000000000000000" pitchFamily="2" charset="0"/>
+              </a:rPr>
+              <a:t>github.com/danielmarbach/</a:t>
+            </a:r>
+            <a:r>
+              <a:rPr lang="en-US" sz="5400" dirty="0" err="1">
+                <a:solidFill>
+                  <a:schemeClr val="accent4"/>
+                </a:solidFill>
+                <a:latin typeface="Yanone Kaffeesatz Regular" panose="02000000000000000000" pitchFamily="2" charset="0"/>
+              </a:rPr>
+              <a:t>Microservices.ServiceFabric</a:t>
+            </a:r>
+            <a:endParaRPr lang="de-CH" sz="5400" dirty="0">
+              <a:solidFill>
+                <a:schemeClr val="accent4"/>
+              </a:solidFill>
+              <a:latin typeface="Yanone Kaffeesatz Regular" panose="02000000000000000000" pitchFamily="2" charset="0"/>
+            </a:endParaRPr>
+          </a:p>
+        </p:txBody>
+      </p:sp>
+      <p:sp>
+        <p:nvSpPr>
+          <p:cNvPr id="4" name="Rectangle 3"/>
+          <p:cNvSpPr/>
+          <p:nvPr/>
+        </p:nvSpPr>
+        <p:spPr>
+          <a:xfrm>
+            <a:off x="1064014" y="1124536"/>
+            <a:ext cx="6463629" cy="1862048"/>
+          </a:xfrm>
+          <a:prstGeom prst="rect">
+            <a:avLst/>
+          </a:prstGeom>
+        </p:spPr>
+        <p:txBody>
+          <a:bodyPr wrap="none">
+            <a:spAutoFit/>
+          </a:bodyPr>
+          <a:lstStyle/>
+          <a:p>
+            <a:r>
+              <a:rPr lang="en-US" sz="11500" dirty="0">
                 <a:solidFill>
                   <a:schemeClr val="accent2"/>
                 </a:solidFill>
                 <a:latin typeface="Yanone Kaffeesatz Regular" panose="02000000000000000000" pitchFamily="2" charset="0"/>
               </a:rPr>
-              <a:t>Q &amp; A</a:t>
-            </a:r>
-            <a:endParaRPr lang="de-CH" sz="2000" dirty="0"/>
-          </a:p>
-        </p:txBody>
-      </p:sp>
-      <p:pic>
-        <p:nvPicPr>
-          <p:cNvPr id="4" name="Picture 3"/>
-          <p:cNvPicPr>
-            <a:picLocks noChangeAspect="1"/>
-          </p:cNvPicPr>
-          <p:nvPr/>
-        </p:nvPicPr>
-        <p:blipFill>
-          <a:blip r:embed="rId3" cstate="print">
-            <a:extLst>
-              <a:ext uri="{28A0092B-C50C-407E-A947-70E740481C1C}">
-                <a14:useLocalDpi xmlns:a14="http://schemas.microsoft.com/office/drawing/2010/main" val="0"/>
-              </a:ext>
-            </a:extLst>
-          </a:blip>
-          <a:stretch>
-            <a:fillRect/>
-          </a:stretch>
-        </p:blipFill>
-        <p:spPr>
-          <a:xfrm>
-            <a:off x="8052306" y="612519"/>
-            <a:ext cx="2880000" cy="690817"/>
-          </a:xfrm>
-          <a:prstGeom prst="rect">
-            <a:avLst/>
-          </a:prstGeom>
-        </p:spPr>
-      </p:pic>
+              <a:t>Slides, Links…</a:t>
+            </a:r>
+            <a:endParaRPr lang="de-CH" sz="1400" dirty="0"/>
+          </a:p>
+        </p:txBody>
+      </p:sp>
     </p:spTree>
     <p:extLst>
       <p:ext uri="{BB962C8B-B14F-4D97-AF65-F5344CB8AC3E}">
-        <p14:creationId xmlns:p14="http://schemas.microsoft.com/office/powerpoint/2010/main" val="4241321608"/>
+        <p14:creationId xmlns:p14="http://schemas.microsoft.com/office/powerpoint/2010/main" val="1581449120"/>
       </p:ext>
     </p:extLst>
   </p:cSld>
@@ -31169,6 +33286,100 @@
           <a:chExt cx="0" cy="0"/>
         </a:xfrm>
       </p:grpSpPr>
+      <p:sp>
+        <p:nvSpPr>
+          <p:cNvPr id="2" name="Rectangle 1"/>
+          <p:cNvSpPr/>
+          <p:nvPr/>
+        </p:nvSpPr>
+        <p:spPr>
+          <a:xfrm>
+            <a:off x="3858849" y="1851645"/>
+            <a:ext cx="4474302" cy="3154710"/>
+          </a:xfrm>
+          <a:prstGeom prst="rect">
+            <a:avLst/>
+          </a:prstGeom>
+        </p:spPr>
+        <p:txBody>
+          <a:bodyPr wrap="none">
+            <a:spAutoFit/>
+          </a:bodyPr>
+          <a:lstStyle/>
+          <a:p>
+            <a:r>
+              <a:rPr lang="en-US" sz="19900" dirty="0">
+                <a:solidFill>
+                  <a:schemeClr val="accent2"/>
+                </a:solidFill>
+                <a:latin typeface="Yanone Kaffeesatz Regular" panose="02000000000000000000" pitchFamily="2" charset="0"/>
+              </a:rPr>
+              <a:t>Q &amp; A</a:t>
+            </a:r>
+            <a:endParaRPr lang="de-CH" sz="2000" dirty="0"/>
+          </a:p>
+        </p:txBody>
+      </p:sp>
+      <p:pic>
+        <p:nvPicPr>
+          <p:cNvPr id="4" name="Picture 3"/>
+          <p:cNvPicPr>
+            <a:picLocks noChangeAspect="1"/>
+          </p:cNvPicPr>
+          <p:nvPr/>
+        </p:nvPicPr>
+        <p:blipFill>
+          <a:blip r:embed="rId3" cstate="print">
+            <a:extLst>
+              <a:ext uri="{28A0092B-C50C-407E-A947-70E740481C1C}">
+                <a14:useLocalDpi xmlns:a14="http://schemas.microsoft.com/office/drawing/2010/main" val="0"/>
+              </a:ext>
+            </a:extLst>
+          </a:blip>
+          <a:stretch>
+            <a:fillRect/>
+          </a:stretch>
+        </p:blipFill>
+        <p:spPr>
+          <a:xfrm>
+            <a:off x="8052306" y="612519"/>
+            <a:ext cx="2880000" cy="690817"/>
+          </a:xfrm>
+          <a:prstGeom prst="rect">
+            <a:avLst/>
+          </a:prstGeom>
+        </p:spPr>
+      </p:pic>
+    </p:spTree>
+    <p:extLst>
+      <p:ext uri="{BB962C8B-B14F-4D97-AF65-F5344CB8AC3E}">
+        <p14:creationId xmlns:p14="http://schemas.microsoft.com/office/powerpoint/2010/main" val="4241321608"/>
+      </p:ext>
+    </p:extLst>
+  </p:cSld>
+  <p:clrMapOvr>
+    <a:masterClrMapping/>
+  </p:clrMapOvr>
+</p:sld>
+</file>
+
+<file path=ppt/slides/slide46.xml><?xml version="1.0" encoding="utf-8"?>
+<p:sld xmlns:a="http://schemas.openxmlformats.org/drawingml/2006/main" xmlns:r="http://schemas.openxmlformats.org/officeDocument/2006/relationships" xmlns:p="http://schemas.openxmlformats.org/presentationml/2006/main">
+  <p:cSld>
+    <p:spTree>
+      <p:nvGrpSpPr>
+        <p:cNvPr id="1" name=""/>
+        <p:cNvGrpSpPr/>
+        <p:nvPr/>
+      </p:nvGrpSpPr>
+      <p:grpSpPr>
+        <a:xfrm>
+          <a:off x="0" y="0"/>
+          <a:ext cx="0" cy="0"/>
+          <a:chOff x="0" y="0"/>
+          <a:chExt cx="0" cy="0"/>
+        </a:xfrm>
+      </p:grpSpPr>
       <p:pic>
         <p:nvPicPr>
           <p:cNvPr id="3" name="Picture 2"/>
@@ -31338,7 +33549,7 @@
 </p:sld>
 </file>
 
-<file path=ppt/slides/slide46.xml><?xml version="1.0" encoding="utf-8"?>
+<file path=ppt/slides/slide47.xml><?xml version="1.0" encoding="utf-8"?>
 <p:sld xmlns:a="http://schemas.openxmlformats.org/drawingml/2006/main" xmlns:r="http://schemas.openxmlformats.org/officeDocument/2006/relationships" xmlns:p="http://schemas.openxmlformats.org/presentationml/2006/main">
   <p:cSld>
     <p:spTree>

--- a/presentation.pptx
+++ b/presentation.pptx
@@ -313,7 +313,7 @@
           <a:p>
             <a:fld id="{D987070D-87AF-4443-8990-425EA27CC244}" type="datetimeFigureOut">
               <a:rPr lang="de-CH" smtClean="0"/>
-              <a:t>12.06.2017</a:t>
+              <a:t>16.06.2017</a:t>
             </a:fld>
             <a:endParaRPr lang="de-CH"/>
           </a:p>
@@ -3015,7 +3015,7 @@
             </a:r>
             <a:r>
               <a:rPr lang="en-US" dirty="0"/>
-              <a:t> the Third Party was unresponsive or slow our customer-facing latency went through the rooftop. We could fulfill our SLA. Orders got lost. We couldn’t throttle the requests. We kept transactions open or to long which caused the database transactions to rollback. People got fired… </a:t>
+              <a:t> the Third Party was unresponsive or slow our customer-facing latency went through the rooftop. We couldn’t fulfill our SLA. Orders got lost. We couldn’t throttle the requests. We kept transactions open or to long which caused the database transactions to rollback. People got fired… </a:t>
             </a:r>
             <a:r>
               <a:rPr lang="en-US" dirty="0" err="1"/>
@@ -6978,7 +6978,7 @@
           <a:p>
             <a:fld id="{A2EAEABE-1D59-4413-813E-803E21872067}" type="datetimeFigureOut">
               <a:rPr lang="de-CH" smtClean="0"/>
-              <a:t>12.06.2017</a:t>
+              <a:t>16.06.2017</a:t>
             </a:fld>
             <a:endParaRPr lang="de-CH"/>
           </a:p>
@@ -7148,7 +7148,7 @@
           <a:p>
             <a:fld id="{A2EAEABE-1D59-4413-813E-803E21872067}" type="datetimeFigureOut">
               <a:rPr lang="de-CH" smtClean="0"/>
-              <a:t>12.06.2017</a:t>
+              <a:t>16.06.2017</a:t>
             </a:fld>
             <a:endParaRPr lang="de-CH"/>
           </a:p>
@@ -7328,7 +7328,7 @@
           <a:p>
             <a:fld id="{A2EAEABE-1D59-4413-813E-803E21872067}" type="datetimeFigureOut">
               <a:rPr lang="de-CH" smtClean="0"/>
-              <a:t>12.06.2017</a:t>
+              <a:t>16.06.2017</a:t>
             </a:fld>
             <a:endParaRPr lang="de-CH"/>
           </a:p>
@@ -7497,7 +7497,7 @@
           <a:p>
             <a:fld id="{A2EAEABE-1D59-4413-813E-803E21872067}" type="datetimeFigureOut">
               <a:rPr lang="de-CH" smtClean="0"/>
-              <a:t>12.06.2017</a:t>
+              <a:t>16.06.2017</a:t>
             </a:fld>
             <a:endParaRPr lang="de-CH"/>
           </a:p>
@@ -7743,7 +7743,7 @@
           <a:p>
             <a:fld id="{A2EAEABE-1D59-4413-813E-803E21872067}" type="datetimeFigureOut">
               <a:rPr lang="de-CH" smtClean="0"/>
-              <a:t>12.06.2017</a:t>
+              <a:t>16.06.2017</a:t>
             </a:fld>
             <a:endParaRPr lang="de-CH"/>
           </a:p>
@@ -7975,7 +7975,7 @@
           <a:p>
             <a:fld id="{A2EAEABE-1D59-4413-813E-803E21872067}" type="datetimeFigureOut">
               <a:rPr lang="de-CH" smtClean="0"/>
-              <a:t>12.06.2017</a:t>
+              <a:t>16.06.2017</a:t>
             </a:fld>
             <a:endParaRPr lang="de-CH"/>
           </a:p>
@@ -8342,7 +8342,7 @@
           <a:p>
             <a:fld id="{A2EAEABE-1D59-4413-813E-803E21872067}" type="datetimeFigureOut">
               <a:rPr lang="de-CH" smtClean="0"/>
-              <a:t>12.06.2017</a:t>
+              <a:t>16.06.2017</a:t>
             </a:fld>
             <a:endParaRPr lang="de-CH"/>
           </a:p>
@@ -8460,7 +8460,7 @@
           <a:p>
             <a:fld id="{A2EAEABE-1D59-4413-813E-803E21872067}" type="datetimeFigureOut">
               <a:rPr lang="de-CH" smtClean="0"/>
-              <a:t>12.06.2017</a:t>
+              <a:t>16.06.2017</a:t>
             </a:fld>
             <a:endParaRPr lang="de-CH"/>
           </a:p>
@@ -8555,7 +8555,7 @@
           <a:p>
             <a:fld id="{A2EAEABE-1D59-4413-813E-803E21872067}" type="datetimeFigureOut">
               <a:rPr lang="de-CH" smtClean="0"/>
-              <a:t>12.06.2017</a:t>
+              <a:t>16.06.2017</a:t>
             </a:fld>
             <a:endParaRPr lang="de-CH"/>
           </a:p>
@@ -8832,7 +8832,7 @@
           <a:p>
             <a:fld id="{A2EAEABE-1D59-4413-813E-803E21872067}" type="datetimeFigureOut">
               <a:rPr lang="de-CH" smtClean="0"/>
-              <a:t>12.06.2017</a:t>
+              <a:t>16.06.2017</a:t>
             </a:fld>
             <a:endParaRPr lang="de-CH"/>
           </a:p>
@@ -9089,7 +9089,7 @@
           <a:p>
             <a:fld id="{A2EAEABE-1D59-4413-813E-803E21872067}" type="datetimeFigureOut">
               <a:rPr lang="de-CH" smtClean="0"/>
-              <a:t>12.06.2017</a:t>
+              <a:t>16.06.2017</a:t>
             </a:fld>
             <a:endParaRPr lang="de-CH"/>
           </a:p>
@@ -9300,7 +9300,7 @@
           <a:p>
             <a:fld id="{A2EAEABE-1D59-4413-813E-803E21872067}" type="datetimeFigureOut">
               <a:rPr lang="de-CH" smtClean="0"/>
-              <a:t>12.06.2017</a:t>
+              <a:t>16.06.2017</a:t>
             </a:fld>
             <a:endParaRPr lang="de-CH"/>
           </a:p>
@@ -14911,6 +14911,168 @@
           </p:txBody>
         </p:sp>
       </p:grpSp>
+      <p:sp>
+        <p:nvSpPr>
+          <p:cNvPr id="32" name="Cylinder 31">
+            <a:extLst>
+              <a:ext uri="{FF2B5EF4-FFF2-40B4-BE49-F238E27FC236}">
+                <a16:creationId xmlns:a16="http://schemas.microsoft.com/office/drawing/2014/main" id="{35C9E4FE-1BD1-4346-A337-5349A445DC7F}"/>
+              </a:ext>
+            </a:extLst>
+          </p:cNvPr>
+          <p:cNvSpPr/>
+          <p:nvPr/>
+        </p:nvSpPr>
+        <p:spPr>
+          <a:xfrm>
+            <a:off x="4284211" y="3634216"/>
+            <a:ext cx="322690" cy="330853"/>
+          </a:xfrm>
+          <a:prstGeom prst="can">
+            <a:avLst/>
+          </a:prstGeom>
+          <a:solidFill>
+            <a:schemeClr val="accent4"/>
+          </a:solidFill>
+          <a:ln>
+            <a:solidFill>
+              <a:schemeClr val="bg1"/>
+            </a:solidFill>
+          </a:ln>
+        </p:spPr>
+        <p:style>
+          <a:lnRef idx="2">
+            <a:schemeClr val="accent1">
+              <a:shade val="50000"/>
+            </a:schemeClr>
+          </a:lnRef>
+          <a:fillRef idx="1">
+            <a:schemeClr val="accent1"/>
+          </a:fillRef>
+          <a:effectRef idx="0">
+            <a:schemeClr val="accent1"/>
+          </a:effectRef>
+          <a:fontRef idx="minor">
+            <a:schemeClr val="lt1"/>
+          </a:fontRef>
+        </p:style>
+        <p:txBody>
+          <a:bodyPr rtlCol="0" anchor="ctr"/>
+          <a:lstStyle/>
+          <a:p>
+            <a:pPr algn="ctr"/>
+            <a:endParaRPr lang="de-CH"/>
+          </a:p>
+        </p:txBody>
+      </p:sp>
+      <p:sp>
+        <p:nvSpPr>
+          <p:cNvPr id="37" name="Cylinder 36">
+            <a:extLst>
+              <a:ext uri="{FF2B5EF4-FFF2-40B4-BE49-F238E27FC236}">
+                <a16:creationId xmlns:a16="http://schemas.microsoft.com/office/drawing/2014/main" id="{D612C42A-B3C6-4103-AF9E-63C1CC0FE5D3}"/>
+              </a:ext>
+            </a:extLst>
+          </p:cNvPr>
+          <p:cNvSpPr/>
+          <p:nvPr/>
+        </p:nvSpPr>
+        <p:spPr>
+          <a:xfrm>
+            <a:off x="6363639" y="3634215"/>
+            <a:ext cx="322690" cy="330853"/>
+          </a:xfrm>
+          <a:prstGeom prst="can">
+            <a:avLst/>
+          </a:prstGeom>
+          <a:solidFill>
+            <a:schemeClr val="accent4"/>
+          </a:solidFill>
+          <a:ln>
+            <a:solidFill>
+              <a:schemeClr val="bg1"/>
+            </a:solidFill>
+          </a:ln>
+        </p:spPr>
+        <p:style>
+          <a:lnRef idx="2">
+            <a:schemeClr val="accent1">
+              <a:shade val="50000"/>
+            </a:schemeClr>
+          </a:lnRef>
+          <a:fillRef idx="1">
+            <a:schemeClr val="accent1"/>
+          </a:fillRef>
+          <a:effectRef idx="0">
+            <a:schemeClr val="accent1"/>
+          </a:effectRef>
+          <a:fontRef idx="minor">
+            <a:schemeClr val="lt1"/>
+          </a:fontRef>
+        </p:style>
+        <p:txBody>
+          <a:bodyPr rtlCol="0" anchor="ctr"/>
+          <a:lstStyle/>
+          <a:p>
+            <a:pPr algn="ctr"/>
+            <a:endParaRPr lang="de-CH"/>
+          </a:p>
+        </p:txBody>
+      </p:sp>
+      <p:sp>
+        <p:nvSpPr>
+          <p:cNvPr id="41" name="Cylinder 40">
+            <a:extLst>
+              <a:ext uri="{FF2B5EF4-FFF2-40B4-BE49-F238E27FC236}">
+                <a16:creationId xmlns:a16="http://schemas.microsoft.com/office/drawing/2014/main" id="{E9CA159E-920B-4C81-8C1D-D2F083DB9981}"/>
+              </a:ext>
+            </a:extLst>
+          </p:cNvPr>
+          <p:cNvSpPr/>
+          <p:nvPr/>
+        </p:nvSpPr>
+        <p:spPr>
+          <a:xfrm>
+            <a:off x="8401983" y="3634215"/>
+            <a:ext cx="322690" cy="330853"/>
+          </a:xfrm>
+          <a:prstGeom prst="can">
+            <a:avLst/>
+          </a:prstGeom>
+          <a:solidFill>
+            <a:schemeClr val="accent4"/>
+          </a:solidFill>
+          <a:ln>
+            <a:solidFill>
+              <a:schemeClr val="bg1"/>
+            </a:solidFill>
+          </a:ln>
+        </p:spPr>
+        <p:style>
+          <a:lnRef idx="2">
+            <a:schemeClr val="accent1">
+              <a:shade val="50000"/>
+            </a:schemeClr>
+          </a:lnRef>
+          <a:fillRef idx="1">
+            <a:schemeClr val="accent1"/>
+          </a:fillRef>
+          <a:effectRef idx="0">
+            <a:schemeClr val="accent1"/>
+          </a:effectRef>
+          <a:fontRef idx="minor">
+            <a:schemeClr val="lt1"/>
+          </a:fontRef>
+        </p:style>
+        <p:txBody>
+          <a:bodyPr rtlCol="0" anchor="ctr"/>
+          <a:lstStyle/>
+          <a:p>
+            <a:pPr algn="ctr"/>
+            <a:endParaRPr lang="de-CH"/>
+          </a:p>
+        </p:txBody>
+      </p:sp>
     </p:spTree>
     <p:extLst>
       <p:ext uri="{BB962C8B-B14F-4D97-AF65-F5344CB8AC3E}">
@@ -16313,6 +16475,168 @@
           </p:txBody>
         </p:sp>
       </p:grpSp>
+      <p:sp>
+        <p:nvSpPr>
+          <p:cNvPr id="32" name="Cylinder 31">
+            <a:extLst>
+              <a:ext uri="{FF2B5EF4-FFF2-40B4-BE49-F238E27FC236}">
+                <a16:creationId xmlns:a16="http://schemas.microsoft.com/office/drawing/2014/main" id="{E4935CC5-331C-44A8-8DCA-39561E70C150}"/>
+              </a:ext>
+            </a:extLst>
+          </p:cNvPr>
+          <p:cNvSpPr/>
+          <p:nvPr/>
+        </p:nvSpPr>
+        <p:spPr>
+          <a:xfrm>
+            <a:off x="4284211" y="3634216"/>
+            <a:ext cx="322690" cy="330853"/>
+          </a:xfrm>
+          <a:prstGeom prst="can">
+            <a:avLst/>
+          </a:prstGeom>
+          <a:solidFill>
+            <a:schemeClr val="accent4"/>
+          </a:solidFill>
+          <a:ln>
+            <a:solidFill>
+              <a:schemeClr val="bg1"/>
+            </a:solidFill>
+          </a:ln>
+        </p:spPr>
+        <p:style>
+          <a:lnRef idx="2">
+            <a:schemeClr val="accent1">
+              <a:shade val="50000"/>
+            </a:schemeClr>
+          </a:lnRef>
+          <a:fillRef idx="1">
+            <a:schemeClr val="accent1"/>
+          </a:fillRef>
+          <a:effectRef idx="0">
+            <a:schemeClr val="accent1"/>
+          </a:effectRef>
+          <a:fontRef idx="minor">
+            <a:schemeClr val="lt1"/>
+          </a:fontRef>
+        </p:style>
+        <p:txBody>
+          <a:bodyPr rtlCol="0" anchor="ctr"/>
+          <a:lstStyle/>
+          <a:p>
+            <a:pPr algn="ctr"/>
+            <a:endParaRPr lang="de-CH"/>
+          </a:p>
+        </p:txBody>
+      </p:sp>
+      <p:sp>
+        <p:nvSpPr>
+          <p:cNvPr id="34" name="Cylinder 33">
+            <a:extLst>
+              <a:ext uri="{FF2B5EF4-FFF2-40B4-BE49-F238E27FC236}">
+                <a16:creationId xmlns:a16="http://schemas.microsoft.com/office/drawing/2014/main" id="{A05695CD-1E72-49DF-A1F3-6D2784C700E8}"/>
+              </a:ext>
+            </a:extLst>
+          </p:cNvPr>
+          <p:cNvSpPr/>
+          <p:nvPr/>
+        </p:nvSpPr>
+        <p:spPr>
+          <a:xfrm>
+            <a:off x="6363639" y="3634215"/>
+            <a:ext cx="322690" cy="330853"/>
+          </a:xfrm>
+          <a:prstGeom prst="can">
+            <a:avLst/>
+          </a:prstGeom>
+          <a:solidFill>
+            <a:schemeClr val="accent4"/>
+          </a:solidFill>
+          <a:ln>
+            <a:solidFill>
+              <a:schemeClr val="bg1"/>
+            </a:solidFill>
+          </a:ln>
+        </p:spPr>
+        <p:style>
+          <a:lnRef idx="2">
+            <a:schemeClr val="accent1">
+              <a:shade val="50000"/>
+            </a:schemeClr>
+          </a:lnRef>
+          <a:fillRef idx="1">
+            <a:schemeClr val="accent1"/>
+          </a:fillRef>
+          <a:effectRef idx="0">
+            <a:schemeClr val="accent1"/>
+          </a:effectRef>
+          <a:fontRef idx="minor">
+            <a:schemeClr val="lt1"/>
+          </a:fontRef>
+        </p:style>
+        <p:txBody>
+          <a:bodyPr rtlCol="0" anchor="ctr"/>
+          <a:lstStyle/>
+          <a:p>
+            <a:pPr algn="ctr"/>
+            <a:endParaRPr lang="de-CH"/>
+          </a:p>
+        </p:txBody>
+      </p:sp>
+      <p:sp>
+        <p:nvSpPr>
+          <p:cNvPr id="37" name="Cylinder 36">
+            <a:extLst>
+              <a:ext uri="{FF2B5EF4-FFF2-40B4-BE49-F238E27FC236}">
+                <a16:creationId xmlns:a16="http://schemas.microsoft.com/office/drawing/2014/main" id="{9F57260C-7DD5-4D6D-929B-E8E1727A81FD}"/>
+              </a:ext>
+            </a:extLst>
+          </p:cNvPr>
+          <p:cNvSpPr/>
+          <p:nvPr/>
+        </p:nvSpPr>
+        <p:spPr>
+          <a:xfrm>
+            <a:off x="8401983" y="3634215"/>
+            <a:ext cx="322690" cy="330853"/>
+          </a:xfrm>
+          <a:prstGeom prst="can">
+            <a:avLst/>
+          </a:prstGeom>
+          <a:solidFill>
+            <a:schemeClr val="accent4"/>
+          </a:solidFill>
+          <a:ln>
+            <a:solidFill>
+              <a:schemeClr val="bg1"/>
+            </a:solidFill>
+          </a:ln>
+        </p:spPr>
+        <p:style>
+          <a:lnRef idx="2">
+            <a:schemeClr val="accent1">
+              <a:shade val="50000"/>
+            </a:schemeClr>
+          </a:lnRef>
+          <a:fillRef idx="1">
+            <a:schemeClr val="accent1"/>
+          </a:fillRef>
+          <a:effectRef idx="0">
+            <a:schemeClr val="accent1"/>
+          </a:effectRef>
+          <a:fontRef idx="minor">
+            <a:schemeClr val="lt1"/>
+          </a:fontRef>
+        </p:style>
+        <p:txBody>
+          <a:bodyPr rtlCol="0" anchor="ctr"/>
+          <a:lstStyle/>
+          <a:p>
+            <a:pPr algn="ctr"/>
+            <a:endParaRPr lang="de-CH"/>
+          </a:p>
+        </p:txBody>
+      </p:sp>
     </p:spTree>
     <p:extLst>
       <p:ext uri="{BB962C8B-B14F-4D97-AF65-F5344CB8AC3E}">
@@ -17800,6 +18124,177 @@
           </a:fontRef>
         </p:style>
       </p:cxnSp>
+      <p:sp>
+        <p:nvSpPr>
+          <p:cNvPr id="51" name="Cylinder 50">
+            <a:extLst>
+              <a:ext uri="{FF2B5EF4-FFF2-40B4-BE49-F238E27FC236}">
+                <a16:creationId xmlns:a16="http://schemas.microsoft.com/office/drawing/2014/main" id="{4961EEE5-38DF-423B-A584-88925CB30729}"/>
+              </a:ext>
+            </a:extLst>
+          </p:cNvPr>
+          <p:cNvSpPr/>
+          <p:nvPr/>
+        </p:nvSpPr>
+        <p:spPr>
+          <a:xfrm>
+            <a:off x="4284211" y="3634216"/>
+            <a:ext cx="322690" cy="330853"/>
+          </a:xfrm>
+          <a:prstGeom prst="can">
+            <a:avLst/>
+          </a:prstGeom>
+          <a:solidFill>
+            <a:schemeClr val="tx2">
+              <a:lumMod val="60000"/>
+              <a:lumOff val="40000"/>
+            </a:schemeClr>
+          </a:solidFill>
+          <a:ln>
+            <a:solidFill>
+              <a:schemeClr val="bg1"/>
+            </a:solidFill>
+          </a:ln>
+        </p:spPr>
+        <p:style>
+          <a:lnRef idx="2">
+            <a:schemeClr val="accent1">
+              <a:shade val="50000"/>
+            </a:schemeClr>
+          </a:lnRef>
+          <a:fillRef idx="1">
+            <a:schemeClr val="accent1"/>
+          </a:fillRef>
+          <a:effectRef idx="0">
+            <a:schemeClr val="accent1"/>
+          </a:effectRef>
+          <a:fontRef idx="minor">
+            <a:schemeClr val="lt1"/>
+          </a:fontRef>
+        </p:style>
+        <p:txBody>
+          <a:bodyPr rtlCol="0" anchor="ctr"/>
+          <a:lstStyle/>
+          <a:p>
+            <a:pPr algn="ctr"/>
+            <a:endParaRPr lang="de-CH"/>
+          </a:p>
+        </p:txBody>
+      </p:sp>
+      <p:sp>
+        <p:nvSpPr>
+          <p:cNvPr id="52" name="Cylinder 51">
+            <a:extLst>
+              <a:ext uri="{FF2B5EF4-FFF2-40B4-BE49-F238E27FC236}">
+                <a16:creationId xmlns:a16="http://schemas.microsoft.com/office/drawing/2014/main" id="{62F4CE8A-3565-4747-B6DD-F9C6B7485DFC}"/>
+              </a:ext>
+            </a:extLst>
+          </p:cNvPr>
+          <p:cNvSpPr/>
+          <p:nvPr/>
+        </p:nvSpPr>
+        <p:spPr>
+          <a:xfrm>
+            <a:off x="6363639" y="3634215"/>
+            <a:ext cx="322690" cy="330853"/>
+          </a:xfrm>
+          <a:prstGeom prst="can">
+            <a:avLst/>
+          </a:prstGeom>
+          <a:solidFill>
+            <a:schemeClr val="tx2">
+              <a:lumMod val="60000"/>
+              <a:lumOff val="40000"/>
+            </a:schemeClr>
+          </a:solidFill>
+          <a:ln>
+            <a:solidFill>
+              <a:schemeClr val="bg1"/>
+            </a:solidFill>
+          </a:ln>
+        </p:spPr>
+        <p:style>
+          <a:lnRef idx="2">
+            <a:schemeClr val="accent1">
+              <a:shade val="50000"/>
+            </a:schemeClr>
+          </a:lnRef>
+          <a:fillRef idx="1">
+            <a:schemeClr val="accent1"/>
+          </a:fillRef>
+          <a:effectRef idx="0">
+            <a:schemeClr val="accent1"/>
+          </a:effectRef>
+          <a:fontRef idx="minor">
+            <a:schemeClr val="lt1"/>
+          </a:fontRef>
+        </p:style>
+        <p:txBody>
+          <a:bodyPr rtlCol="0" anchor="ctr"/>
+          <a:lstStyle/>
+          <a:p>
+            <a:pPr algn="ctr"/>
+            <a:endParaRPr lang="de-CH"/>
+          </a:p>
+        </p:txBody>
+      </p:sp>
+      <p:sp>
+        <p:nvSpPr>
+          <p:cNvPr id="53" name="Cylinder 52">
+            <a:extLst>
+              <a:ext uri="{FF2B5EF4-FFF2-40B4-BE49-F238E27FC236}">
+                <a16:creationId xmlns:a16="http://schemas.microsoft.com/office/drawing/2014/main" id="{FCCCC96A-6541-40F4-8374-CD4C957282FD}"/>
+              </a:ext>
+            </a:extLst>
+          </p:cNvPr>
+          <p:cNvSpPr/>
+          <p:nvPr/>
+        </p:nvSpPr>
+        <p:spPr>
+          <a:xfrm>
+            <a:off x="8401983" y="3634215"/>
+            <a:ext cx="322690" cy="330853"/>
+          </a:xfrm>
+          <a:prstGeom prst="can">
+            <a:avLst/>
+          </a:prstGeom>
+          <a:solidFill>
+            <a:schemeClr val="tx2">
+              <a:lumMod val="60000"/>
+              <a:lumOff val="40000"/>
+            </a:schemeClr>
+          </a:solidFill>
+          <a:ln>
+            <a:solidFill>
+              <a:schemeClr val="bg1"/>
+            </a:solidFill>
+          </a:ln>
+        </p:spPr>
+        <p:style>
+          <a:lnRef idx="2">
+            <a:schemeClr val="accent1">
+              <a:shade val="50000"/>
+            </a:schemeClr>
+          </a:lnRef>
+          <a:fillRef idx="1">
+            <a:schemeClr val="accent1"/>
+          </a:fillRef>
+          <a:effectRef idx="0">
+            <a:schemeClr val="accent1"/>
+          </a:effectRef>
+          <a:fontRef idx="minor">
+            <a:schemeClr val="lt1"/>
+          </a:fontRef>
+        </p:style>
+        <p:txBody>
+          <a:bodyPr rtlCol="0" anchor="ctr"/>
+          <a:lstStyle/>
+          <a:p>
+            <a:pPr algn="ctr"/>
+            <a:endParaRPr lang="de-CH"/>
+          </a:p>
+        </p:txBody>
+      </p:sp>
       <p:grpSp>
         <p:nvGrpSpPr>
           <p:cNvPr id="46" name="Group 45"/>
@@ -18293,7 +18788,7 @@
                                   <p:childTnLst>
                                     <p:animMotion origin="layout" path="M 0.0043 0.00069 L 0.06836 0.1287 L 0.06836 0.12893 L 0.06836 0.1287 L 0.40391 0.29166 L 0.40391 0.2919 L 0.40391 0.29166 L 0.40391 0.2919 L 0.40391 0.29051 " pathEditMode="relative" rAng="0" ptsTypes="AAAAAAAAA">
                                       <p:cBhvr>
-                                        <p:cTn id="9" dur="3000" fill="hold"/>
+                                        <p:cTn id="9" dur="5000" fill="hold"/>
                                         <p:tgtEl>
                                           <p:spTgt spid="41"/>
                                         </p:tgtEl>
@@ -18313,7 +18808,7 @@
                         <p:par>
                           <p:cTn id="10" fill="hold">
                             <p:stCondLst>
-                              <p:cond delay="3000"/>
+                              <p:cond delay="5000"/>
                             </p:stCondLst>
                             <p:childTnLst>
                               <p:par>
@@ -18405,7 +18900,7 @@
                                   <p:childTnLst>
                                     <p:animMotion origin="layout" path="M -0.00104 0.0051 L 0.05742 0.13519 L -0.12122 0.28912 L -0.12122 0.28936 " pathEditMode="relative" rAng="0" ptsTypes="AAAA">
                                       <p:cBhvr>
-                                        <p:cTn id="19" dur="3000" fill="hold"/>
+                                        <p:cTn id="19" dur="5000" fill="hold"/>
                                         <p:tgtEl>
                                           <p:spTgt spid="32"/>
                                         </p:tgtEl>
@@ -18425,7 +18920,7 @@
                         <p:par>
                           <p:cTn id="20" fill="hold">
                             <p:stCondLst>
-                              <p:cond delay="3000"/>
+                              <p:cond delay="5000"/>
                             </p:stCondLst>
                             <p:childTnLst>
                               <p:par>

--- a/presentation.pptx
+++ b/presentation.pptx
@@ -315,7 +315,7 @@
           <a:p>
             <a:fld id="{D987070D-87AF-4443-8990-425EA27CC244}" type="datetimeFigureOut">
               <a:rPr lang="de-CH" smtClean="0"/>
-              <a:t>18.06.2017</a:t>
+              <a:t>26.06.2017</a:t>
             </a:fld>
             <a:endParaRPr lang="de-CH"/>
           </a:p>
@@ -6796,6 +6796,10 @@
           <a:bodyPr/>
           <a:lstStyle/>
           <a:p>
+            <a:r>
+              <a:rPr lang="en-US" dirty="0"/>
+              <a:t>This is what Karl showed to his team</a:t>
+            </a:r>
             <a:endParaRPr lang="de-CH" dirty="0"/>
           </a:p>
         </p:txBody>
@@ -6879,15 +6883,6 @@
         <p:txBody>
           <a:bodyPr/>
           <a:lstStyle/>
-          <a:p>
-            <a:r>
-              <a:rPr lang="en-US" dirty="0"/>
-              <a:t>This is what Karl showed to his team</a:t>
-            </a:r>
-          </a:p>
-          <a:p>
-            <a:endParaRPr lang="en-US" dirty="0"/>
-          </a:p>
           <a:p>
             <a:r>
               <a:rPr lang="en-US" dirty="0"/>
@@ -7064,7 +7059,7 @@
           <a:p>
             <a:fld id="{A2EAEABE-1D59-4413-813E-803E21872067}" type="datetimeFigureOut">
               <a:rPr lang="de-CH" smtClean="0"/>
-              <a:t>18.06.2017</a:t>
+              <a:t>26.06.2017</a:t>
             </a:fld>
             <a:endParaRPr lang="de-CH"/>
           </a:p>
@@ -7234,7 +7229,7 @@
           <a:p>
             <a:fld id="{A2EAEABE-1D59-4413-813E-803E21872067}" type="datetimeFigureOut">
               <a:rPr lang="de-CH" smtClean="0"/>
-              <a:t>18.06.2017</a:t>
+              <a:t>26.06.2017</a:t>
             </a:fld>
             <a:endParaRPr lang="de-CH"/>
           </a:p>
@@ -7414,7 +7409,7 @@
           <a:p>
             <a:fld id="{A2EAEABE-1D59-4413-813E-803E21872067}" type="datetimeFigureOut">
               <a:rPr lang="de-CH" smtClean="0"/>
-              <a:t>18.06.2017</a:t>
+              <a:t>26.06.2017</a:t>
             </a:fld>
             <a:endParaRPr lang="de-CH"/>
           </a:p>
@@ -7583,7 +7578,7 @@
           <a:p>
             <a:fld id="{A2EAEABE-1D59-4413-813E-803E21872067}" type="datetimeFigureOut">
               <a:rPr lang="de-CH" smtClean="0"/>
-              <a:t>18.06.2017</a:t>
+              <a:t>26.06.2017</a:t>
             </a:fld>
             <a:endParaRPr lang="de-CH"/>
           </a:p>
@@ -7829,7 +7824,7 @@
           <a:p>
             <a:fld id="{A2EAEABE-1D59-4413-813E-803E21872067}" type="datetimeFigureOut">
               <a:rPr lang="de-CH" smtClean="0"/>
-              <a:t>18.06.2017</a:t>
+              <a:t>26.06.2017</a:t>
             </a:fld>
             <a:endParaRPr lang="de-CH"/>
           </a:p>
@@ -8061,7 +8056,7 @@
           <a:p>
             <a:fld id="{A2EAEABE-1D59-4413-813E-803E21872067}" type="datetimeFigureOut">
               <a:rPr lang="de-CH" smtClean="0"/>
-              <a:t>18.06.2017</a:t>
+              <a:t>26.06.2017</a:t>
             </a:fld>
             <a:endParaRPr lang="de-CH"/>
           </a:p>
@@ -8428,7 +8423,7 @@
           <a:p>
             <a:fld id="{A2EAEABE-1D59-4413-813E-803E21872067}" type="datetimeFigureOut">
               <a:rPr lang="de-CH" smtClean="0"/>
-              <a:t>18.06.2017</a:t>
+              <a:t>26.06.2017</a:t>
             </a:fld>
             <a:endParaRPr lang="de-CH"/>
           </a:p>
@@ -8546,7 +8541,7 @@
           <a:p>
             <a:fld id="{A2EAEABE-1D59-4413-813E-803E21872067}" type="datetimeFigureOut">
               <a:rPr lang="de-CH" smtClean="0"/>
-              <a:t>18.06.2017</a:t>
+              <a:t>26.06.2017</a:t>
             </a:fld>
             <a:endParaRPr lang="de-CH"/>
           </a:p>
@@ -8641,7 +8636,7 @@
           <a:p>
             <a:fld id="{A2EAEABE-1D59-4413-813E-803E21872067}" type="datetimeFigureOut">
               <a:rPr lang="de-CH" smtClean="0"/>
-              <a:t>18.06.2017</a:t>
+              <a:t>26.06.2017</a:t>
             </a:fld>
             <a:endParaRPr lang="de-CH"/>
           </a:p>
@@ -8918,7 +8913,7 @@
           <a:p>
             <a:fld id="{A2EAEABE-1D59-4413-813E-803E21872067}" type="datetimeFigureOut">
               <a:rPr lang="de-CH" smtClean="0"/>
-              <a:t>18.06.2017</a:t>
+              <a:t>26.06.2017</a:t>
             </a:fld>
             <a:endParaRPr lang="de-CH"/>
           </a:p>
@@ -9175,7 +9170,7 @@
           <a:p>
             <a:fld id="{A2EAEABE-1D59-4413-813E-803E21872067}" type="datetimeFigureOut">
               <a:rPr lang="de-CH" smtClean="0"/>
-              <a:t>18.06.2017</a:t>
+              <a:t>26.06.2017</a:t>
             </a:fld>
             <a:endParaRPr lang="de-CH"/>
           </a:p>
@@ -9386,7 +9381,7 @@
           <a:p>
             <a:fld id="{A2EAEABE-1D59-4413-813E-803E21872067}" type="datetimeFigureOut">
               <a:rPr lang="de-CH" smtClean="0"/>
-              <a:t>18.06.2017</a:t>
+              <a:t>26.06.2017</a:t>
             </a:fld>
             <a:endParaRPr lang="de-CH"/>
           </a:p>

--- a/presentation.pptx
+++ b/presentation.pptx
@@ -315,7 +315,7 @@
           <a:p>
             <a:fld id="{D987070D-87AF-4443-8990-425EA27CC244}" type="datetimeFigureOut">
               <a:rPr lang="de-CH" smtClean="0"/>
-              <a:t>26.06.2017</a:t>
+              <a:t>04.09.2017</a:t>
             </a:fld>
             <a:endParaRPr lang="de-CH"/>
           </a:p>
@@ -7059,7 +7059,7 @@
           <a:p>
             <a:fld id="{A2EAEABE-1D59-4413-813E-803E21872067}" type="datetimeFigureOut">
               <a:rPr lang="de-CH" smtClean="0"/>
-              <a:t>26.06.2017</a:t>
+              <a:t>04.09.2017</a:t>
             </a:fld>
             <a:endParaRPr lang="de-CH"/>
           </a:p>
@@ -7229,7 +7229,7 @@
           <a:p>
             <a:fld id="{A2EAEABE-1D59-4413-813E-803E21872067}" type="datetimeFigureOut">
               <a:rPr lang="de-CH" smtClean="0"/>
-              <a:t>26.06.2017</a:t>
+              <a:t>04.09.2017</a:t>
             </a:fld>
             <a:endParaRPr lang="de-CH"/>
           </a:p>
@@ -7409,7 +7409,7 @@
           <a:p>
             <a:fld id="{A2EAEABE-1D59-4413-813E-803E21872067}" type="datetimeFigureOut">
               <a:rPr lang="de-CH" smtClean="0"/>
-              <a:t>26.06.2017</a:t>
+              <a:t>04.09.2017</a:t>
             </a:fld>
             <a:endParaRPr lang="de-CH"/>
           </a:p>
@@ -7578,7 +7578,7 @@
           <a:p>
             <a:fld id="{A2EAEABE-1D59-4413-813E-803E21872067}" type="datetimeFigureOut">
               <a:rPr lang="de-CH" smtClean="0"/>
-              <a:t>26.06.2017</a:t>
+              <a:t>04.09.2017</a:t>
             </a:fld>
             <a:endParaRPr lang="de-CH"/>
           </a:p>
@@ -7824,7 +7824,7 @@
           <a:p>
             <a:fld id="{A2EAEABE-1D59-4413-813E-803E21872067}" type="datetimeFigureOut">
               <a:rPr lang="de-CH" smtClean="0"/>
-              <a:t>26.06.2017</a:t>
+              <a:t>04.09.2017</a:t>
             </a:fld>
             <a:endParaRPr lang="de-CH"/>
           </a:p>
@@ -8056,7 +8056,7 @@
           <a:p>
             <a:fld id="{A2EAEABE-1D59-4413-813E-803E21872067}" type="datetimeFigureOut">
               <a:rPr lang="de-CH" smtClean="0"/>
-              <a:t>26.06.2017</a:t>
+              <a:t>04.09.2017</a:t>
             </a:fld>
             <a:endParaRPr lang="de-CH"/>
           </a:p>
@@ -8423,7 +8423,7 @@
           <a:p>
             <a:fld id="{A2EAEABE-1D59-4413-813E-803E21872067}" type="datetimeFigureOut">
               <a:rPr lang="de-CH" smtClean="0"/>
-              <a:t>26.06.2017</a:t>
+              <a:t>04.09.2017</a:t>
             </a:fld>
             <a:endParaRPr lang="de-CH"/>
           </a:p>
@@ -8541,7 +8541,7 @@
           <a:p>
             <a:fld id="{A2EAEABE-1D59-4413-813E-803E21872067}" type="datetimeFigureOut">
               <a:rPr lang="de-CH" smtClean="0"/>
-              <a:t>26.06.2017</a:t>
+              <a:t>04.09.2017</a:t>
             </a:fld>
             <a:endParaRPr lang="de-CH"/>
           </a:p>
@@ -8636,7 +8636,7 @@
           <a:p>
             <a:fld id="{A2EAEABE-1D59-4413-813E-803E21872067}" type="datetimeFigureOut">
               <a:rPr lang="de-CH" smtClean="0"/>
-              <a:t>26.06.2017</a:t>
+              <a:t>04.09.2017</a:t>
             </a:fld>
             <a:endParaRPr lang="de-CH"/>
           </a:p>
@@ -8913,7 +8913,7 @@
           <a:p>
             <a:fld id="{A2EAEABE-1D59-4413-813E-803E21872067}" type="datetimeFigureOut">
               <a:rPr lang="de-CH" smtClean="0"/>
-              <a:t>26.06.2017</a:t>
+              <a:t>04.09.2017</a:t>
             </a:fld>
             <a:endParaRPr lang="de-CH"/>
           </a:p>
@@ -9170,7 +9170,7 @@
           <a:p>
             <a:fld id="{A2EAEABE-1D59-4413-813E-803E21872067}" type="datetimeFigureOut">
               <a:rPr lang="de-CH" smtClean="0"/>
-              <a:t>26.06.2017</a:t>
+              <a:t>04.09.2017</a:t>
             </a:fld>
             <a:endParaRPr lang="de-CH"/>
           </a:p>
@@ -9381,7 +9381,7 @@
           <a:p>
             <a:fld id="{A2EAEABE-1D59-4413-813E-803E21872067}" type="datetimeFigureOut">
               <a:rPr lang="de-CH" smtClean="0"/>
-              <a:t>26.06.2017</a:t>
+              <a:t>04.09.2017</a:t>
             </a:fld>
             <a:endParaRPr lang="de-CH"/>
           </a:p>
@@ -34011,9 +34011,117 @@
           <a:chExt cx="0" cy="0"/>
         </a:xfrm>
       </p:grpSpPr>
+      <p:sp>
+        <p:nvSpPr>
+          <p:cNvPr id="4" name="Rectangle 3"/>
+          <p:cNvSpPr/>
+          <p:nvPr/>
+        </p:nvSpPr>
+        <p:spPr>
+          <a:xfrm>
+            <a:off x="206734" y="2560320"/>
+            <a:ext cx="5359179" cy="1876508"/>
+          </a:xfrm>
+          <a:prstGeom prst="rect">
+            <a:avLst/>
+          </a:prstGeom>
+          <a:solidFill>
+            <a:schemeClr val="bg1">
+              <a:alpha val="78000"/>
+            </a:schemeClr>
+          </a:solidFill>
+          <a:ln>
+            <a:noFill/>
+          </a:ln>
+        </p:spPr>
+        <p:style>
+          <a:lnRef idx="2">
+            <a:schemeClr val="accent1">
+              <a:shade val="50000"/>
+            </a:schemeClr>
+          </a:lnRef>
+          <a:fillRef idx="1">
+            <a:schemeClr val="accent1"/>
+          </a:fillRef>
+          <a:effectRef idx="0">
+            <a:schemeClr val="accent1"/>
+          </a:effectRef>
+          <a:fontRef idx="minor">
+            <a:schemeClr val="lt1"/>
+          </a:fontRef>
+        </p:style>
+        <p:txBody>
+          <a:bodyPr rtlCol="0" anchor="ctr"/>
+          <a:lstStyle/>
+          <a:p>
+            <a:pPr algn="ctr"/>
+            <a:endParaRPr lang="de-CH">
+              <a:solidFill>
+                <a:schemeClr val="bg1"/>
+              </a:solidFill>
+            </a:endParaRPr>
+          </a:p>
+        </p:txBody>
+      </p:sp>
+      <p:sp>
+        <p:nvSpPr>
+          <p:cNvPr id="3" name="Rectangle 2"/>
+          <p:cNvSpPr/>
+          <p:nvPr/>
+        </p:nvSpPr>
+        <p:spPr>
+          <a:xfrm>
+            <a:off x="428224" y="2828835"/>
+            <a:ext cx="3034805" cy="1200329"/>
+          </a:xfrm>
+          <a:prstGeom prst="rect">
+            <a:avLst/>
+          </a:prstGeom>
+        </p:spPr>
+        <p:txBody>
+          <a:bodyPr wrap="none">
+            <a:spAutoFit/>
+          </a:bodyPr>
+          <a:lstStyle/>
+          <a:p>
+            <a:r>
+              <a:rPr lang="de-CH" sz="3600" dirty="0">
+                <a:solidFill>
+                  <a:schemeClr val="tx2"/>
+                </a:solidFill>
+                <a:latin typeface="Yanone Kaffeesatz Regular" panose="02000000000000000000" pitchFamily="2" charset="0"/>
+              </a:rPr>
+              <a:t>docs.particular.net/</a:t>
+            </a:r>
+            <a:br>
+              <a:rPr lang="de-CH" sz="3600" dirty="0">
+                <a:solidFill>
+                  <a:schemeClr val="tx2"/>
+                </a:solidFill>
+                <a:latin typeface="Yanone Kaffeesatz Regular" panose="02000000000000000000" pitchFamily="2" charset="0"/>
+              </a:rPr>
+            </a:br>
+            <a:r>
+              <a:rPr lang="de-CH" sz="3600" dirty="0">
+                <a:solidFill>
+                  <a:schemeClr val="accent4"/>
+                </a:solidFill>
+                <a:latin typeface="Yanone Kaffeesatz Regular" panose="02000000000000000000" pitchFamily="2" charset="0"/>
+              </a:rPr>
+              <a:t>tutorials/quickstart</a:t>
+            </a:r>
+          </a:p>
+        </p:txBody>
+      </p:sp>
       <p:pic>
         <p:nvPicPr>
-          <p:cNvPr id="2" name="Picture 1"/>
+          <p:cNvPr id="5" name="Picture 4">
+            <a:extLst>
+              <a:ext uri="{FF2B5EF4-FFF2-40B4-BE49-F238E27FC236}">
+                <a16:creationId xmlns:a16="http://schemas.microsoft.com/office/drawing/2014/main" id="{C82DB241-DD1A-4C0E-8A6B-BB8AE7AEE020}"/>
+              </a:ext>
+            </a:extLst>
+          </p:cNvPr>
           <p:cNvPicPr>
             <a:picLocks noChangeAspect="1"/>
           </p:cNvPicPr>
@@ -34039,140 +34147,14 @@
         </p:blipFill>
         <p:spPr>
           <a:xfrm>
-            <a:off x="3711539" y="0"/>
-            <a:ext cx="8480461" cy="6858000"/>
+            <a:off x="3684519" y="-1"/>
+            <a:ext cx="8525332" cy="6858000"/>
           </a:xfrm>
           <a:prstGeom prst="rect">
             <a:avLst/>
           </a:prstGeom>
         </p:spPr>
       </p:pic>
-      <p:sp>
-        <p:nvSpPr>
-          <p:cNvPr id="4" name="Rectangle 3"/>
-          <p:cNvSpPr/>
-          <p:nvPr/>
-        </p:nvSpPr>
-        <p:spPr>
-          <a:xfrm>
-            <a:off x="206734" y="2560320"/>
-            <a:ext cx="5359179" cy="1876508"/>
-          </a:xfrm>
-          <a:prstGeom prst="rect">
-            <a:avLst/>
-          </a:prstGeom>
-          <a:solidFill>
-            <a:schemeClr val="bg1">
-              <a:alpha val="78000"/>
-            </a:schemeClr>
-          </a:solidFill>
-          <a:ln>
-            <a:noFill/>
-          </a:ln>
-        </p:spPr>
-        <p:style>
-          <a:lnRef idx="2">
-            <a:schemeClr val="accent1">
-              <a:shade val="50000"/>
-            </a:schemeClr>
-          </a:lnRef>
-          <a:fillRef idx="1">
-            <a:schemeClr val="accent1"/>
-          </a:fillRef>
-          <a:effectRef idx="0">
-            <a:schemeClr val="accent1"/>
-          </a:effectRef>
-          <a:fontRef idx="minor">
-            <a:schemeClr val="lt1"/>
-          </a:fontRef>
-        </p:style>
-        <p:txBody>
-          <a:bodyPr rtlCol="0" anchor="ctr"/>
-          <a:lstStyle/>
-          <a:p>
-            <a:pPr algn="ctr"/>
-            <a:endParaRPr lang="de-CH">
-              <a:solidFill>
-                <a:schemeClr val="bg1"/>
-              </a:solidFill>
-            </a:endParaRPr>
-          </a:p>
-        </p:txBody>
-      </p:sp>
-      <p:sp>
-        <p:nvSpPr>
-          <p:cNvPr id="3" name="Rectangle 2"/>
-          <p:cNvSpPr/>
-          <p:nvPr/>
-        </p:nvSpPr>
-        <p:spPr>
-          <a:xfrm>
-            <a:off x="428224" y="2828835"/>
-            <a:ext cx="4647426" cy="1200329"/>
-          </a:xfrm>
-          <a:prstGeom prst="rect">
-            <a:avLst/>
-          </a:prstGeom>
-        </p:spPr>
-        <p:txBody>
-          <a:bodyPr wrap="none">
-            <a:spAutoFit/>
-          </a:bodyPr>
-          <a:lstStyle/>
-          <a:p>
-            <a:r>
-              <a:rPr lang="de-CH" sz="3600" dirty="0">
-                <a:solidFill>
-                  <a:schemeClr val="tx2"/>
-                </a:solidFill>
-                <a:latin typeface="Yanone Kaffeesatz Regular" panose="02000000000000000000" pitchFamily="2" charset="0"/>
-              </a:rPr>
-              <a:t>docs.particular.net/</a:t>
-            </a:r>
-            <a:br>
-              <a:rPr lang="de-CH" sz="3600" dirty="0">
-                <a:solidFill>
-                  <a:schemeClr val="tx2"/>
-                </a:solidFill>
-                <a:latin typeface="Yanone Kaffeesatz Regular" panose="02000000000000000000" pitchFamily="2" charset="0"/>
-              </a:rPr>
-            </a:br>
-            <a:r>
-              <a:rPr lang="de-CH" sz="3600" dirty="0" err="1">
-                <a:solidFill>
-                  <a:schemeClr val="accent4"/>
-                </a:solidFill>
-                <a:latin typeface="Yanone Kaffeesatz Regular" panose="02000000000000000000" pitchFamily="2" charset="0"/>
-              </a:rPr>
-              <a:t>tutorials</a:t>
-            </a:r>
-            <a:r>
-              <a:rPr lang="de-CH" sz="3600" dirty="0">
-                <a:solidFill>
-                  <a:schemeClr val="accent4"/>
-                </a:solidFill>
-                <a:latin typeface="Yanone Kaffeesatz Regular" panose="02000000000000000000" pitchFamily="2" charset="0"/>
-              </a:rPr>
-              <a:t>/</a:t>
-            </a:r>
-            <a:r>
-              <a:rPr lang="de-CH" sz="3600" dirty="0" err="1">
-                <a:solidFill>
-                  <a:schemeClr val="accent4"/>
-                </a:solidFill>
-                <a:latin typeface="Yanone Kaffeesatz Regular" panose="02000000000000000000" pitchFamily="2" charset="0"/>
-              </a:rPr>
-              <a:t>intro-to-nservicebus</a:t>
-            </a:r>
-            <a:endParaRPr lang="de-CH" sz="3600" dirty="0">
-              <a:solidFill>
-                <a:schemeClr val="accent4"/>
-              </a:solidFill>
-              <a:latin typeface="Yanone Kaffeesatz Regular" panose="02000000000000000000" pitchFamily="2" charset="0"/>
-            </a:endParaRPr>
-          </a:p>
-        </p:txBody>
-      </p:sp>
     </p:spTree>
     <p:extLst>
       <p:ext uri="{BB962C8B-B14F-4D97-AF65-F5344CB8AC3E}">

--- a/presentation.pptx
+++ b/presentation.pptx
@@ -315,7 +315,7 @@
           <a:p>
             <a:fld id="{D987070D-87AF-4443-8990-425EA27CC244}" type="datetimeFigureOut">
               <a:rPr lang="de-CH" smtClean="0"/>
-              <a:t>04.09.2017</a:t>
+              <a:t>05.09.2017</a:t>
             </a:fld>
             <a:endParaRPr lang="de-CH"/>
           </a:p>
@@ -2067,16 +2067,6 @@
               <a:t>Mention orders in memory</a:t>
             </a:r>
           </a:p>
-          <a:p>
-            <a:endParaRPr lang="en-US" dirty="0"/>
-          </a:p>
-          <a:p>
-            <a:r>
-              <a:rPr lang="en-US" dirty="0"/>
-              <a:t>Add state symbol to this diagram</a:t>
-            </a:r>
-            <a:endParaRPr lang="de-CH" dirty="0"/>
-          </a:p>
         </p:txBody>
       </p:sp>
       <p:sp>
@@ -3883,7 +3873,7 @@
           <a:p>
             <a:r>
               <a:rPr lang="en-US" dirty="0"/>
-              <a:t>With competing consumers messages in the queue belonging to Dark chocolate could also be picked up by other partitions. Then the data ends up on the wrong partition and we are completely screwed. </a:t>
+              <a:t>With competing consumers messages in the queue belonging to Dark chocolate could also be picked up by other partitions. Then the data ends up on the wrong partition (click) and we are completely screwed. </a:t>
             </a:r>
           </a:p>
           <a:p>
@@ -7059,7 +7049,7 @@
           <a:p>
             <a:fld id="{A2EAEABE-1D59-4413-813E-803E21872067}" type="datetimeFigureOut">
               <a:rPr lang="de-CH" smtClean="0"/>
-              <a:t>04.09.2017</a:t>
+              <a:t>05.09.2017</a:t>
             </a:fld>
             <a:endParaRPr lang="de-CH"/>
           </a:p>
@@ -7229,7 +7219,7 @@
           <a:p>
             <a:fld id="{A2EAEABE-1D59-4413-813E-803E21872067}" type="datetimeFigureOut">
               <a:rPr lang="de-CH" smtClean="0"/>
-              <a:t>04.09.2017</a:t>
+              <a:t>05.09.2017</a:t>
             </a:fld>
             <a:endParaRPr lang="de-CH"/>
           </a:p>
@@ -7409,7 +7399,7 @@
           <a:p>
             <a:fld id="{A2EAEABE-1D59-4413-813E-803E21872067}" type="datetimeFigureOut">
               <a:rPr lang="de-CH" smtClean="0"/>
-              <a:t>04.09.2017</a:t>
+              <a:t>05.09.2017</a:t>
             </a:fld>
             <a:endParaRPr lang="de-CH"/>
           </a:p>
@@ -7578,7 +7568,7 @@
           <a:p>
             <a:fld id="{A2EAEABE-1D59-4413-813E-803E21872067}" type="datetimeFigureOut">
               <a:rPr lang="de-CH" smtClean="0"/>
-              <a:t>04.09.2017</a:t>
+              <a:t>05.09.2017</a:t>
             </a:fld>
             <a:endParaRPr lang="de-CH"/>
           </a:p>
@@ -7824,7 +7814,7 @@
           <a:p>
             <a:fld id="{A2EAEABE-1D59-4413-813E-803E21872067}" type="datetimeFigureOut">
               <a:rPr lang="de-CH" smtClean="0"/>
-              <a:t>04.09.2017</a:t>
+              <a:t>05.09.2017</a:t>
             </a:fld>
             <a:endParaRPr lang="de-CH"/>
           </a:p>
@@ -8056,7 +8046,7 @@
           <a:p>
             <a:fld id="{A2EAEABE-1D59-4413-813E-803E21872067}" type="datetimeFigureOut">
               <a:rPr lang="de-CH" smtClean="0"/>
-              <a:t>04.09.2017</a:t>
+              <a:t>05.09.2017</a:t>
             </a:fld>
             <a:endParaRPr lang="de-CH"/>
           </a:p>
@@ -8423,7 +8413,7 @@
           <a:p>
             <a:fld id="{A2EAEABE-1D59-4413-813E-803E21872067}" type="datetimeFigureOut">
               <a:rPr lang="de-CH" smtClean="0"/>
-              <a:t>04.09.2017</a:t>
+              <a:t>05.09.2017</a:t>
             </a:fld>
             <a:endParaRPr lang="de-CH"/>
           </a:p>
@@ -8541,7 +8531,7 @@
           <a:p>
             <a:fld id="{A2EAEABE-1D59-4413-813E-803E21872067}" type="datetimeFigureOut">
               <a:rPr lang="de-CH" smtClean="0"/>
-              <a:t>04.09.2017</a:t>
+              <a:t>05.09.2017</a:t>
             </a:fld>
             <a:endParaRPr lang="de-CH"/>
           </a:p>
@@ -8636,7 +8626,7 @@
           <a:p>
             <a:fld id="{A2EAEABE-1D59-4413-813E-803E21872067}" type="datetimeFigureOut">
               <a:rPr lang="de-CH" smtClean="0"/>
-              <a:t>04.09.2017</a:t>
+              <a:t>05.09.2017</a:t>
             </a:fld>
             <a:endParaRPr lang="de-CH"/>
           </a:p>
@@ -8913,7 +8903,7 @@
           <a:p>
             <a:fld id="{A2EAEABE-1D59-4413-813E-803E21872067}" type="datetimeFigureOut">
               <a:rPr lang="de-CH" smtClean="0"/>
-              <a:t>04.09.2017</a:t>
+              <a:t>05.09.2017</a:t>
             </a:fld>
             <a:endParaRPr lang="de-CH"/>
           </a:p>
@@ -9170,7 +9160,7 @@
           <a:p>
             <a:fld id="{A2EAEABE-1D59-4413-813E-803E21872067}" type="datetimeFigureOut">
               <a:rPr lang="de-CH" smtClean="0"/>
-              <a:t>04.09.2017</a:t>
+              <a:t>05.09.2017</a:t>
             </a:fld>
             <a:endParaRPr lang="de-CH"/>
           </a:p>
@@ -9381,7 +9371,7 @@
           <a:p>
             <a:fld id="{A2EAEABE-1D59-4413-813E-803E21872067}" type="datetimeFigureOut">
               <a:rPr lang="de-CH" smtClean="0"/>
-              <a:t>04.09.2017</a:t>
+              <a:t>05.09.2017</a:t>
             </a:fld>
             <a:endParaRPr lang="de-CH"/>
           </a:p>
@@ -24161,6 +24151,133 @@
           </p:txBody>
         </p:sp>
       </p:grpSp>
+      <p:grpSp>
+        <p:nvGrpSpPr>
+          <p:cNvPr id="43" name="Group 42">
+            <a:extLst>
+              <a:ext uri="{FF2B5EF4-FFF2-40B4-BE49-F238E27FC236}">
+                <a16:creationId xmlns:a16="http://schemas.microsoft.com/office/drawing/2014/main" id="{A366A8F0-6D5A-4F5B-80DA-EF407AF3CCC2}"/>
+              </a:ext>
+            </a:extLst>
+          </p:cNvPr>
+          <p:cNvGrpSpPr/>
+          <p:nvPr/>
+        </p:nvGrpSpPr>
+        <p:grpSpPr>
+          <a:xfrm>
+            <a:off x="7961946" y="2710394"/>
+            <a:ext cx="767772" cy="600802"/>
+            <a:chOff x="2519836" y="268145"/>
+            <a:chExt cx="767772" cy="600802"/>
+          </a:xfrm>
+        </p:grpSpPr>
+        <p:sp>
+          <p:nvSpPr>
+            <p:cNvPr id="44" name="Flowchart: Card 43">
+              <a:extLst>
+                <a:ext uri="{FF2B5EF4-FFF2-40B4-BE49-F238E27FC236}">
+                  <a16:creationId xmlns:a16="http://schemas.microsoft.com/office/drawing/2014/main" id="{EF20CFB0-38EC-44CB-8E73-F6FE725B7460}"/>
+                </a:ext>
+              </a:extLst>
+            </p:cNvPr>
+            <p:cNvSpPr/>
+            <p:nvPr/>
+          </p:nvSpPr>
+          <p:spPr>
+            <a:xfrm>
+              <a:off x="2519836" y="308580"/>
+              <a:ext cx="767772" cy="560367"/>
+            </a:xfrm>
+            <a:prstGeom prst="flowChartPunchedCard">
+              <a:avLst/>
+            </a:prstGeom>
+            <a:solidFill>
+              <a:schemeClr val="accent4"/>
+            </a:solidFill>
+            <a:ln>
+              <a:noFill/>
+            </a:ln>
+          </p:spPr>
+          <p:style>
+            <a:lnRef idx="2">
+              <a:schemeClr val="accent1">
+                <a:shade val="50000"/>
+              </a:schemeClr>
+            </a:lnRef>
+            <a:fillRef idx="1">
+              <a:schemeClr val="accent1"/>
+            </a:fillRef>
+            <a:effectRef idx="0">
+              <a:schemeClr val="accent1"/>
+            </a:effectRef>
+            <a:fontRef idx="minor">
+              <a:schemeClr val="lt1"/>
+            </a:fontRef>
+          </p:style>
+          <p:txBody>
+            <a:bodyPr rtlCol="0" anchor="ctr"/>
+            <a:lstStyle/>
+            <a:p>
+              <a:pPr algn="ctr"/>
+              <a:r>
+                <a:rPr lang="en-US" sz="2400" dirty="0">
+                  <a:latin typeface="Yanone Kaffeesatz Light" panose="02000000000000000000" pitchFamily="2" charset="0"/>
+                </a:rPr>
+                <a:t>Order</a:t>
+              </a:r>
+              <a:endParaRPr lang="de-CH" sz="2400" dirty="0">
+                <a:latin typeface="Yanone Kaffeesatz Light" panose="02000000000000000000" pitchFamily="2" charset="0"/>
+              </a:endParaRPr>
+            </a:p>
+          </p:txBody>
+        </p:sp>
+        <p:sp>
+          <p:nvSpPr>
+            <p:cNvPr id="46" name="TextBox 45">
+              <a:extLst>
+                <a:ext uri="{FF2B5EF4-FFF2-40B4-BE49-F238E27FC236}">
+                  <a16:creationId xmlns:a16="http://schemas.microsoft.com/office/drawing/2014/main" id="{B1C4DAB0-4E53-4B3B-BF9A-4453885A9F3A}"/>
+                </a:ext>
+              </a:extLst>
+            </p:cNvPr>
+            <p:cNvSpPr txBox="1"/>
+            <p:nvPr/>
+          </p:nvSpPr>
+          <p:spPr>
+            <a:xfrm>
+              <a:off x="2685974" y="268145"/>
+              <a:ext cx="444352" cy="307777"/>
+            </a:xfrm>
+            <a:prstGeom prst="rect">
+              <a:avLst/>
+            </a:prstGeom>
+            <a:noFill/>
+          </p:spPr>
+          <p:txBody>
+            <a:bodyPr wrap="none" rtlCol="0">
+              <a:spAutoFit/>
+            </a:bodyPr>
+            <a:lstStyle/>
+            <a:p>
+              <a:r>
+                <a:rPr lang="en-US" sz="1400" dirty="0">
+                  <a:solidFill>
+                    <a:schemeClr val="bg1"/>
+                  </a:solidFill>
+                  <a:latin typeface="Yanone Kaffeesatz Light" panose="02000000000000000000" pitchFamily="2" charset="0"/>
+                </a:rPr>
+                <a:t>Dark</a:t>
+              </a:r>
+              <a:endParaRPr lang="de-CH" sz="1400" dirty="0">
+                <a:solidFill>
+                  <a:schemeClr val="bg1"/>
+                </a:solidFill>
+                <a:latin typeface="Yanone Kaffeesatz Light" panose="02000000000000000000" pitchFamily="2" charset="0"/>
+              </a:endParaRPr>
+            </a:p>
+          </p:txBody>
+        </p:sp>
+      </p:grpSp>
     </p:spTree>
     <p:extLst>
       <p:ext uri="{BB962C8B-B14F-4D97-AF65-F5344CB8AC3E}">
@@ -24171,6 +24288,81 @@
   <p:clrMapOvr>
     <a:masterClrMapping/>
   </p:clrMapOvr>
+  <p:timing>
+    <p:tnLst>
+      <p:par>
+        <p:cTn id="1" dur="indefinite" restart="never" nodeType="tmRoot">
+          <p:childTnLst>
+            <p:seq concurrent="1" nextAc="seek">
+              <p:cTn id="2" dur="indefinite" nodeType="mainSeq">
+                <p:childTnLst>
+                  <p:par>
+                    <p:cTn id="3" fill="hold">
+                      <p:stCondLst>
+                        <p:cond delay="indefinite"/>
+                      </p:stCondLst>
+                      <p:childTnLst>
+                        <p:par>
+                          <p:cTn id="4" fill="hold">
+                            <p:stCondLst>
+                              <p:cond delay="0"/>
+                            </p:stCondLst>
+                            <p:childTnLst>
+                              <p:par>
+                                <p:cTn id="5" presetID="1" presetClass="entr" presetSubtype="0" fill="hold" nodeType="clickEffect">
+                                  <p:stCondLst>
+                                    <p:cond delay="0"/>
+                                  </p:stCondLst>
+                                  <p:childTnLst>
+                                    <p:set>
+                                      <p:cBhvr>
+                                        <p:cTn id="6" dur="1" fill="hold">
+                                          <p:stCondLst>
+                                            <p:cond delay="0"/>
+                                          </p:stCondLst>
+                                        </p:cTn>
+                                        <p:tgtEl>
+                                          <p:spTgt spid="43"/>
+                                        </p:tgtEl>
+                                        <p:attrNameLst>
+                                          <p:attrName>style.visibility</p:attrName>
+                                        </p:attrNameLst>
+                                      </p:cBhvr>
+                                      <p:to>
+                                        <p:strVal val="visible"/>
+                                      </p:to>
+                                    </p:set>
+                                  </p:childTnLst>
+                                </p:cTn>
+                              </p:par>
+                            </p:childTnLst>
+                          </p:cTn>
+                        </p:par>
+                      </p:childTnLst>
+                    </p:cTn>
+                  </p:par>
+                </p:childTnLst>
+              </p:cTn>
+              <p:prevCondLst>
+                <p:cond evt="onPrev" delay="0">
+                  <p:tgtEl>
+                    <p:sldTgt/>
+                  </p:tgtEl>
+                </p:cond>
+              </p:prevCondLst>
+              <p:nextCondLst>
+                <p:cond evt="onNext" delay="0">
+                  <p:tgtEl>
+                    <p:sldTgt/>
+                  </p:tgtEl>
+                </p:cond>
+              </p:nextCondLst>
+            </p:seq>
+          </p:childTnLst>
+        </p:cTn>
+      </p:par>
+    </p:tnLst>
+  </p:timing>
 </p:sld>
 </file>
 
@@ -32697,7 +32889,7 @@
         </p:nvSpPr>
         <p:spPr>
           <a:xfrm>
-            <a:off x="3858288" y="1872232"/>
+            <a:off x="4053448" y="1872232"/>
             <a:ext cx="1364476" cy="338554"/>
           </a:xfrm>
           <a:prstGeom prst="rect">
